--- a/Elastic Search Talk.pptx
+++ b/Elastic Search Talk.pptx
@@ -4,16 +4,22 @@
   <p:sldMasterIdLst>
     <p:sldMasterId id="2147483648" r:id="rId1"/>
   </p:sldMasterIdLst>
+  <p:notesMasterIdLst>
+    <p:notesMasterId r:id="rId14"/>
+  </p:notesMasterIdLst>
   <p:sldIdLst>
     <p:sldId id="256" r:id="rId2"/>
-    <p:sldId id="257" r:id="rId3"/>
-    <p:sldId id="258" r:id="rId4"/>
-    <p:sldId id="259" r:id="rId5"/>
-    <p:sldId id="262" r:id="rId6"/>
-    <p:sldId id="263" r:id="rId7"/>
-    <p:sldId id="264" r:id="rId8"/>
-    <p:sldId id="260" r:id="rId9"/>
-    <p:sldId id="261" r:id="rId10"/>
+    <p:sldId id="265" r:id="rId3"/>
+    <p:sldId id="266" r:id="rId4"/>
+    <p:sldId id="267" r:id="rId5"/>
+    <p:sldId id="257" r:id="rId6"/>
+    <p:sldId id="258" r:id="rId7"/>
+    <p:sldId id="259" r:id="rId8"/>
+    <p:sldId id="262" r:id="rId9"/>
+    <p:sldId id="263" r:id="rId10"/>
+    <p:sldId id="264" r:id="rId11"/>
+    <p:sldId id="260" r:id="rId12"/>
+    <p:sldId id="261" r:id="rId13"/>
   </p:sldIdLst>
   <p:sldSz cx="12192000" cy="6858000"/>
   <p:notesSz cx="6858000" cy="9144000"/>
@@ -112,11 +118,2321 @@
       </a:defRPr>
     </a:lvl9pPr>
   </p:defaultTextStyle>
+  <p:extLst>
+    <p:ext uri="{EFAFB233-063F-42B5-8137-9DF3F51BA10A}">
+      <p15:sldGuideLst xmlns:p15="http://schemas.microsoft.com/office/powerpoint/2012/main"/>
+    </p:ext>
+  </p:extLst>
 </p:presentation>
 </file>
 
 <file path=ppt/revisionInfo.xml><?xml version="1.0" encoding="utf-8"?>
 <p1510:revInfo xmlns:a="http://schemas.openxmlformats.org/drawingml/2006/main" xmlns:r="http://schemas.openxmlformats.org/officeDocument/2006/relationships" xmlns:p1510="http://schemas.microsoft.com/office/powerpoint/2015/10/main"/>
+</file>
+
+<file path=ppt/notesMasters/notesMaster1.xml><?xml version="1.0" encoding="utf-8"?>
+<p:notesMaster xmlns:a="http://schemas.openxmlformats.org/drawingml/2006/main" xmlns:r="http://schemas.openxmlformats.org/officeDocument/2006/relationships" xmlns:p="http://schemas.openxmlformats.org/presentationml/2006/main">
+  <p:cSld>
+    <p:bg>
+      <p:bgRef idx="1001">
+        <a:schemeClr val="bg1"/>
+      </p:bgRef>
+    </p:bg>
+    <p:spTree>
+      <p:nvGrpSpPr>
+        <p:cNvPr id="1" name=""/>
+        <p:cNvGrpSpPr/>
+        <p:nvPr/>
+      </p:nvGrpSpPr>
+      <p:grpSpPr>
+        <a:xfrm>
+          <a:off x="0" y="0"/>
+          <a:ext cx="0" cy="0"/>
+          <a:chOff x="0" y="0"/>
+          <a:chExt cx="0" cy="0"/>
+        </a:xfrm>
+      </p:grpSpPr>
+      <p:sp>
+        <p:nvSpPr>
+          <p:cNvPr id="2" name="Header Placeholder 1"/>
+          <p:cNvSpPr>
+            <a:spLocks noGrp="1"/>
+          </p:cNvSpPr>
+          <p:nvPr>
+            <p:ph type="hdr" sz="quarter"/>
+          </p:nvPr>
+        </p:nvSpPr>
+        <p:spPr>
+          <a:xfrm>
+            <a:off x="0" y="0"/>
+            <a:ext cx="2971800" cy="458788"/>
+          </a:xfrm>
+          <a:prstGeom prst="rect">
+            <a:avLst/>
+          </a:prstGeom>
+        </p:spPr>
+        <p:txBody>
+          <a:bodyPr vert="horz" lIns="91440" tIns="45720" rIns="91440" bIns="45720" rtlCol="0"/>
+          <a:lstStyle>
+            <a:lvl1pPr algn="l">
+              <a:defRPr sz="1200"/>
+            </a:lvl1pPr>
+          </a:lstStyle>
+          <a:p>
+            <a:endParaRPr lang="en-GB"/>
+          </a:p>
+        </p:txBody>
+      </p:sp>
+      <p:sp>
+        <p:nvSpPr>
+          <p:cNvPr id="3" name="Date Placeholder 2"/>
+          <p:cNvSpPr>
+            <a:spLocks noGrp="1"/>
+          </p:cNvSpPr>
+          <p:nvPr>
+            <p:ph type="dt" idx="1"/>
+          </p:nvPr>
+        </p:nvSpPr>
+        <p:spPr>
+          <a:xfrm>
+            <a:off x="3884613" y="0"/>
+            <a:ext cx="2971800" cy="458788"/>
+          </a:xfrm>
+          <a:prstGeom prst="rect">
+            <a:avLst/>
+          </a:prstGeom>
+        </p:spPr>
+        <p:txBody>
+          <a:bodyPr vert="horz" lIns="91440" tIns="45720" rIns="91440" bIns="45720" rtlCol="0"/>
+          <a:lstStyle>
+            <a:lvl1pPr algn="r">
+              <a:defRPr sz="1200"/>
+            </a:lvl1pPr>
+          </a:lstStyle>
+          <a:p>
+            <a:fld id="{01AEA828-5CD8-4937-BC8B-3CEA43AB888F}" type="datetimeFigureOut">
+              <a:rPr lang="en-GB" smtClean="0"/>
+              <a:t>18/05/2018</a:t>
+            </a:fld>
+            <a:endParaRPr lang="en-GB"/>
+          </a:p>
+        </p:txBody>
+      </p:sp>
+      <p:sp>
+        <p:nvSpPr>
+          <p:cNvPr id="4" name="Slide Image Placeholder 3"/>
+          <p:cNvSpPr>
+            <a:spLocks noGrp="1" noRot="1" noChangeAspect="1"/>
+          </p:cNvSpPr>
+          <p:nvPr>
+            <p:ph type="sldImg" idx="2"/>
+          </p:nvPr>
+        </p:nvSpPr>
+        <p:spPr>
+          <a:xfrm>
+            <a:off x="685800" y="1143000"/>
+            <a:ext cx="5486400" cy="3086100"/>
+          </a:xfrm>
+          <a:prstGeom prst="rect">
+            <a:avLst/>
+          </a:prstGeom>
+          <a:noFill/>
+          <a:ln w="12700">
+            <a:solidFill>
+              <a:prstClr val="black"/>
+            </a:solidFill>
+          </a:ln>
+        </p:spPr>
+        <p:txBody>
+          <a:bodyPr vert="horz" lIns="91440" tIns="45720" rIns="91440" bIns="45720" rtlCol="0" anchor="ctr"/>
+          <a:lstStyle/>
+          <a:p>
+            <a:endParaRPr lang="en-GB"/>
+          </a:p>
+        </p:txBody>
+      </p:sp>
+      <p:sp>
+        <p:nvSpPr>
+          <p:cNvPr id="5" name="Notes Placeholder 4"/>
+          <p:cNvSpPr>
+            <a:spLocks noGrp="1"/>
+          </p:cNvSpPr>
+          <p:nvPr>
+            <p:ph type="body" sz="quarter" idx="3"/>
+          </p:nvPr>
+        </p:nvSpPr>
+        <p:spPr>
+          <a:xfrm>
+            <a:off x="685800" y="4400550"/>
+            <a:ext cx="5486400" cy="3600450"/>
+          </a:xfrm>
+          <a:prstGeom prst="rect">
+            <a:avLst/>
+          </a:prstGeom>
+        </p:spPr>
+        <p:txBody>
+          <a:bodyPr vert="horz" lIns="91440" tIns="45720" rIns="91440" bIns="45720" rtlCol="0"/>
+          <a:lstStyle/>
+          <a:p>
+            <a:pPr lvl="0"/>
+            <a:r>
+              <a:rPr lang="en-US"/>
+              <a:t>Edit Master text styles</a:t>
+            </a:r>
+          </a:p>
+          <a:p>
+            <a:pPr lvl="1"/>
+            <a:r>
+              <a:rPr lang="en-US"/>
+              <a:t>Second level</a:t>
+            </a:r>
+          </a:p>
+          <a:p>
+            <a:pPr lvl="2"/>
+            <a:r>
+              <a:rPr lang="en-US"/>
+              <a:t>Third level</a:t>
+            </a:r>
+          </a:p>
+          <a:p>
+            <a:pPr lvl="3"/>
+            <a:r>
+              <a:rPr lang="en-US"/>
+              <a:t>Fourth level</a:t>
+            </a:r>
+          </a:p>
+          <a:p>
+            <a:pPr lvl="4"/>
+            <a:r>
+              <a:rPr lang="en-US"/>
+              <a:t>Fifth level</a:t>
+            </a:r>
+            <a:endParaRPr lang="en-GB"/>
+          </a:p>
+        </p:txBody>
+      </p:sp>
+      <p:sp>
+        <p:nvSpPr>
+          <p:cNvPr id="6" name="Footer Placeholder 5"/>
+          <p:cNvSpPr>
+            <a:spLocks noGrp="1"/>
+          </p:cNvSpPr>
+          <p:nvPr>
+            <p:ph type="ftr" sz="quarter" idx="4"/>
+          </p:nvPr>
+        </p:nvSpPr>
+        <p:spPr>
+          <a:xfrm>
+            <a:off x="0" y="8685213"/>
+            <a:ext cx="2971800" cy="458787"/>
+          </a:xfrm>
+          <a:prstGeom prst="rect">
+            <a:avLst/>
+          </a:prstGeom>
+        </p:spPr>
+        <p:txBody>
+          <a:bodyPr vert="horz" lIns="91440" tIns="45720" rIns="91440" bIns="45720" rtlCol="0" anchor="b"/>
+          <a:lstStyle>
+            <a:lvl1pPr algn="l">
+              <a:defRPr sz="1200"/>
+            </a:lvl1pPr>
+          </a:lstStyle>
+          <a:p>
+            <a:endParaRPr lang="en-GB"/>
+          </a:p>
+        </p:txBody>
+      </p:sp>
+      <p:sp>
+        <p:nvSpPr>
+          <p:cNvPr id="7" name="Slide Number Placeholder 6"/>
+          <p:cNvSpPr>
+            <a:spLocks noGrp="1"/>
+          </p:cNvSpPr>
+          <p:nvPr>
+            <p:ph type="sldNum" sz="quarter" idx="5"/>
+          </p:nvPr>
+        </p:nvSpPr>
+        <p:spPr>
+          <a:xfrm>
+            <a:off x="3884613" y="8685213"/>
+            <a:ext cx="2971800" cy="458787"/>
+          </a:xfrm>
+          <a:prstGeom prst="rect">
+            <a:avLst/>
+          </a:prstGeom>
+        </p:spPr>
+        <p:txBody>
+          <a:bodyPr vert="horz" lIns="91440" tIns="45720" rIns="91440" bIns="45720" rtlCol="0" anchor="b"/>
+          <a:lstStyle>
+            <a:lvl1pPr algn="r">
+              <a:defRPr sz="1200"/>
+            </a:lvl1pPr>
+          </a:lstStyle>
+          <a:p>
+            <a:fld id="{90098B67-40B8-4547-BE51-824908E8A1DA}" type="slidenum">
+              <a:rPr lang="en-GB" smtClean="0"/>
+              <a:t>‹#›</a:t>
+            </a:fld>
+            <a:endParaRPr lang="en-GB"/>
+          </a:p>
+        </p:txBody>
+      </p:sp>
+    </p:spTree>
+    <p:extLst>
+      <p:ext uri="{BB962C8B-B14F-4D97-AF65-F5344CB8AC3E}">
+        <p14:creationId xmlns:p14="http://schemas.microsoft.com/office/powerpoint/2010/main" val="3245169314"/>
+      </p:ext>
+    </p:extLst>
+  </p:cSld>
+  <p:clrMap bg1="lt1" tx1="dk1" bg2="lt2" tx2="dk2" accent1="accent1" accent2="accent2" accent3="accent3" accent4="accent4" accent5="accent5" accent6="accent6" hlink="hlink" folHlink="folHlink"/>
+  <p:notesStyle>
+    <a:lvl1pPr marL="0" algn="l" defTabSz="914400" rtl="0" eaLnBrk="1" latinLnBrk="0" hangingPunct="1">
+      <a:defRPr sz="1200" kern="1200">
+        <a:solidFill>
+          <a:schemeClr val="tx1"/>
+        </a:solidFill>
+        <a:latin typeface="+mn-lt"/>
+        <a:ea typeface="+mn-ea"/>
+        <a:cs typeface="+mn-cs"/>
+      </a:defRPr>
+    </a:lvl1pPr>
+    <a:lvl2pPr marL="457200" algn="l" defTabSz="914400" rtl="0" eaLnBrk="1" latinLnBrk="0" hangingPunct="1">
+      <a:defRPr sz="1200" kern="1200">
+        <a:solidFill>
+          <a:schemeClr val="tx1"/>
+        </a:solidFill>
+        <a:latin typeface="+mn-lt"/>
+        <a:ea typeface="+mn-ea"/>
+        <a:cs typeface="+mn-cs"/>
+      </a:defRPr>
+    </a:lvl2pPr>
+    <a:lvl3pPr marL="914400" algn="l" defTabSz="914400" rtl="0" eaLnBrk="1" latinLnBrk="0" hangingPunct="1">
+      <a:defRPr sz="1200" kern="1200">
+        <a:solidFill>
+          <a:schemeClr val="tx1"/>
+        </a:solidFill>
+        <a:latin typeface="+mn-lt"/>
+        <a:ea typeface="+mn-ea"/>
+        <a:cs typeface="+mn-cs"/>
+      </a:defRPr>
+    </a:lvl3pPr>
+    <a:lvl4pPr marL="1371600" algn="l" defTabSz="914400" rtl="0" eaLnBrk="1" latinLnBrk="0" hangingPunct="1">
+      <a:defRPr sz="1200" kern="1200">
+        <a:solidFill>
+          <a:schemeClr val="tx1"/>
+        </a:solidFill>
+        <a:latin typeface="+mn-lt"/>
+        <a:ea typeface="+mn-ea"/>
+        <a:cs typeface="+mn-cs"/>
+      </a:defRPr>
+    </a:lvl4pPr>
+    <a:lvl5pPr marL="1828800" algn="l" defTabSz="914400" rtl="0" eaLnBrk="1" latinLnBrk="0" hangingPunct="1">
+      <a:defRPr sz="1200" kern="1200">
+        <a:solidFill>
+          <a:schemeClr val="tx1"/>
+        </a:solidFill>
+        <a:latin typeface="+mn-lt"/>
+        <a:ea typeface="+mn-ea"/>
+        <a:cs typeface="+mn-cs"/>
+      </a:defRPr>
+    </a:lvl5pPr>
+    <a:lvl6pPr marL="2286000" algn="l" defTabSz="914400" rtl="0" eaLnBrk="1" latinLnBrk="0" hangingPunct="1">
+      <a:defRPr sz="1200" kern="1200">
+        <a:solidFill>
+          <a:schemeClr val="tx1"/>
+        </a:solidFill>
+        <a:latin typeface="+mn-lt"/>
+        <a:ea typeface="+mn-ea"/>
+        <a:cs typeface="+mn-cs"/>
+      </a:defRPr>
+    </a:lvl6pPr>
+    <a:lvl7pPr marL="2743200" algn="l" defTabSz="914400" rtl="0" eaLnBrk="1" latinLnBrk="0" hangingPunct="1">
+      <a:defRPr sz="1200" kern="1200">
+        <a:solidFill>
+          <a:schemeClr val="tx1"/>
+        </a:solidFill>
+        <a:latin typeface="+mn-lt"/>
+        <a:ea typeface="+mn-ea"/>
+        <a:cs typeface="+mn-cs"/>
+      </a:defRPr>
+    </a:lvl7pPr>
+    <a:lvl8pPr marL="3200400" algn="l" defTabSz="914400" rtl="0" eaLnBrk="1" latinLnBrk="0" hangingPunct="1">
+      <a:defRPr sz="1200" kern="1200">
+        <a:solidFill>
+          <a:schemeClr val="tx1"/>
+        </a:solidFill>
+        <a:latin typeface="+mn-lt"/>
+        <a:ea typeface="+mn-ea"/>
+        <a:cs typeface="+mn-cs"/>
+      </a:defRPr>
+    </a:lvl8pPr>
+    <a:lvl9pPr marL="3657600" algn="l" defTabSz="914400" rtl="0" eaLnBrk="1" latinLnBrk="0" hangingPunct="1">
+      <a:defRPr sz="1200" kern="1200">
+        <a:solidFill>
+          <a:schemeClr val="tx1"/>
+        </a:solidFill>
+        <a:latin typeface="+mn-lt"/>
+        <a:ea typeface="+mn-ea"/>
+        <a:cs typeface="+mn-cs"/>
+      </a:defRPr>
+    </a:lvl9pPr>
+  </p:notesStyle>
+</p:notesMaster>
+</file>
+
+<file path=ppt/notesSlides/notesSlide1.xml><?xml version="1.0" encoding="utf-8"?>
+<p:notes xmlns:a="http://schemas.openxmlformats.org/drawingml/2006/main" xmlns:r="http://schemas.openxmlformats.org/officeDocument/2006/relationships" xmlns:p="http://schemas.openxmlformats.org/presentationml/2006/main">
+  <p:cSld>
+    <p:spTree>
+      <p:nvGrpSpPr>
+        <p:cNvPr id="1" name=""/>
+        <p:cNvGrpSpPr/>
+        <p:nvPr/>
+      </p:nvGrpSpPr>
+      <p:grpSpPr>
+        <a:xfrm>
+          <a:off x="0" y="0"/>
+          <a:ext cx="0" cy="0"/>
+          <a:chOff x="0" y="0"/>
+          <a:chExt cx="0" cy="0"/>
+        </a:xfrm>
+      </p:grpSpPr>
+      <p:sp>
+        <p:nvSpPr>
+          <p:cNvPr id="2" name="Slide Image Placeholder 1"/>
+          <p:cNvSpPr>
+            <a:spLocks noGrp="1" noRot="1" noChangeAspect="1"/>
+          </p:cNvSpPr>
+          <p:nvPr>
+            <p:ph type="sldImg"/>
+          </p:nvPr>
+        </p:nvSpPr>
+        <p:spPr/>
+      </p:sp>
+      <p:sp>
+        <p:nvSpPr>
+          <p:cNvPr id="3" name="Notes Placeholder 2"/>
+          <p:cNvSpPr>
+            <a:spLocks noGrp="1"/>
+          </p:cNvSpPr>
+          <p:nvPr>
+            <p:ph type="body" idx="1"/>
+          </p:nvPr>
+        </p:nvSpPr>
+        <p:spPr/>
+        <p:txBody>
+          <a:bodyPr/>
+          <a:lstStyle/>
+          <a:p>
+            <a:r>
+              <a:rPr lang="en-GB" dirty="0"/>
+              <a:t>I’ve worked in the software industry for the past 20 years,  coding in C# and using Microsoft’s SQL Server for storage</a:t>
+            </a:r>
+          </a:p>
+          <a:p>
+            <a:r>
+              <a:rPr lang="en-GB" dirty="0"/>
+              <a:t>Recently we’ve been looking at other solutions such as Elastic Search in order to solve some of our performance issues.</a:t>
+            </a:r>
+          </a:p>
+        </p:txBody>
+      </p:sp>
+      <p:sp>
+        <p:nvSpPr>
+          <p:cNvPr id="4" name="Slide Number Placeholder 3"/>
+          <p:cNvSpPr>
+            <a:spLocks noGrp="1"/>
+          </p:cNvSpPr>
+          <p:nvPr>
+            <p:ph type="sldNum" sz="quarter" idx="10"/>
+          </p:nvPr>
+        </p:nvSpPr>
+        <p:spPr/>
+        <p:txBody>
+          <a:bodyPr/>
+          <a:lstStyle/>
+          <a:p>
+            <a:fld id="{90098B67-40B8-4547-BE51-824908E8A1DA}" type="slidenum">
+              <a:rPr lang="en-GB" smtClean="0"/>
+              <a:t>1</a:t>
+            </a:fld>
+            <a:endParaRPr lang="en-GB"/>
+          </a:p>
+        </p:txBody>
+      </p:sp>
+    </p:spTree>
+    <p:extLst>
+      <p:ext uri="{BB962C8B-B14F-4D97-AF65-F5344CB8AC3E}">
+        <p14:creationId xmlns:p14="http://schemas.microsoft.com/office/powerpoint/2010/main" val="1157121759"/>
+      </p:ext>
+    </p:extLst>
+  </p:cSld>
+  <p:clrMapOvr>
+    <a:masterClrMapping/>
+  </p:clrMapOvr>
+</p:notes>
+</file>
+
+<file path=ppt/notesSlides/notesSlide2.xml><?xml version="1.0" encoding="utf-8"?>
+<p:notes xmlns:a="http://schemas.openxmlformats.org/drawingml/2006/main" xmlns:r="http://schemas.openxmlformats.org/officeDocument/2006/relationships" xmlns:p="http://schemas.openxmlformats.org/presentationml/2006/main">
+  <p:cSld>
+    <p:spTree>
+      <p:nvGrpSpPr>
+        <p:cNvPr id="1" name=""/>
+        <p:cNvGrpSpPr/>
+        <p:nvPr/>
+      </p:nvGrpSpPr>
+      <p:grpSpPr>
+        <a:xfrm>
+          <a:off x="0" y="0"/>
+          <a:ext cx="0" cy="0"/>
+          <a:chOff x="0" y="0"/>
+          <a:chExt cx="0" cy="0"/>
+        </a:xfrm>
+      </p:grpSpPr>
+      <p:sp>
+        <p:nvSpPr>
+          <p:cNvPr id="2" name="Slide Image Placeholder 1"/>
+          <p:cNvSpPr>
+            <a:spLocks noGrp="1" noRot="1" noChangeAspect="1"/>
+          </p:cNvSpPr>
+          <p:nvPr>
+            <p:ph type="sldImg"/>
+          </p:nvPr>
+        </p:nvSpPr>
+        <p:spPr/>
+      </p:sp>
+      <p:sp>
+        <p:nvSpPr>
+          <p:cNvPr id="3" name="Notes Placeholder 2"/>
+          <p:cNvSpPr>
+            <a:spLocks noGrp="1"/>
+          </p:cNvSpPr>
+          <p:nvPr>
+            <p:ph type="body" idx="1"/>
+          </p:nvPr>
+        </p:nvSpPr>
+        <p:spPr/>
+        <p:txBody>
+          <a:bodyPr/>
+          <a:lstStyle/>
+          <a:p>
+            <a:r>
+              <a:rPr lang="en-GB" dirty="0"/>
+              <a:t>Tonight we will be looking </a:t>
+            </a:r>
+          </a:p>
+          <a:p>
+            <a:endParaRPr lang="en-GB" dirty="0"/>
+          </a:p>
+          <a:p>
+            <a:r>
+              <a:rPr lang="en-GB" dirty="0"/>
+              <a:t>What issues do we have with </a:t>
+            </a:r>
+            <a:r>
+              <a:rPr lang="en-GB" dirty="0" err="1"/>
+              <a:t>SQLServer</a:t>
+            </a:r>
+            <a:r>
+              <a:rPr lang="en-GB" dirty="0"/>
+              <a:t> which we like to solve</a:t>
+            </a:r>
+          </a:p>
+          <a:p>
+            <a:endParaRPr lang="en-GB" dirty="0"/>
+          </a:p>
+          <a:p>
+            <a:r>
+              <a:rPr lang="en-GB" dirty="0"/>
+              <a:t>What is elastic search</a:t>
+            </a:r>
+          </a:p>
+          <a:p>
+            <a:endParaRPr lang="en-GB" dirty="0"/>
+          </a:p>
+          <a:p>
+            <a:r>
+              <a:rPr lang="en-GB" dirty="0"/>
+              <a:t>How do we get started   / install/query</a:t>
+            </a:r>
+          </a:p>
+          <a:p>
+            <a:endParaRPr lang="en-GB" dirty="0"/>
+          </a:p>
+          <a:p>
+            <a:r>
+              <a:rPr lang="en-GB" dirty="0"/>
+              <a:t>Does it solve our problems</a:t>
+            </a:r>
+          </a:p>
+        </p:txBody>
+      </p:sp>
+      <p:sp>
+        <p:nvSpPr>
+          <p:cNvPr id="4" name="Slide Number Placeholder 3"/>
+          <p:cNvSpPr>
+            <a:spLocks noGrp="1"/>
+          </p:cNvSpPr>
+          <p:nvPr>
+            <p:ph type="sldNum" sz="quarter" idx="10"/>
+          </p:nvPr>
+        </p:nvSpPr>
+        <p:spPr/>
+        <p:txBody>
+          <a:bodyPr/>
+          <a:lstStyle/>
+          <a:p>
+            <a:fld id="{90098B67-40B8-4547-BE51-824908E8A1DA}" type="slidenum">
+              <a:rPr lang="en-GB" smtClean="0"/>
+              <a:t>2</a:t>
+            </a:fld>
+            <a:endParaRPr lang="en-GB"/>
+          </a:p>
+        </p:txBody>
+      </p:sp>
+    </p:spTree>
+    <p:extLst>
+      <p:ext uri="{BB962C8B-B14F-4D97-AF65-F5344CB8AC3E}">
+        <p14:creationId xmlns:p14="http://schemas.microsoft.com/office/powerpoint/2010/main" val="3763264989"/>
+      </p:ext>
+    </p:extLst>
+  </p:cSld>
+  <p:clrMapOvr>
+    <a:masterClrMapping/>
+  </p:clrMapOvr>
+</p:notes>
+</file>
+
+<file path=ppt/notesSlides/notesSlide3.xml><?xml version="1.0" encoding="utf-8"?>
+<p:notes xmlns:a="http://schemas.openxmlformats.org/drawingml/2006/main" xmlns:r="http://schemas.openxmlformats.org/officeDocument/2006/relationships" xmlns:p="http://schemas.openxmlformats.org/presentationml/2006/main">
+  <p:cSld>
+    <p:spTree>
+      <p:nvGrpSpPr>
+        <p:cNvPr id="1" name=""/>
+        <p:cNvGrpSpPr/>
+        <p:nvPr/>
+      </p:nvGrpSpPr>
+      <p:grpSpPr>
+        <a:xfrm>
+          <a:off x="0" y="0"/>
+          <a:ext cx="0" cy="0"/>
+          <a:chOff x="0" y="0"/>
+          <a:chExt cx="0" cy="0"/>
+        </a:xfrm>
+      </p:grpSpPr>
+      <p:sp>
+        <p:nvSpPr>
+          <p:cNvPr id="2" name="Slide Image Placeholder 1"/>
+          <p:cNvSpPr>
+            <a:spLocks noGrp="1" noRot="1" noChangeAspect="1"/>
+          </p:cNvSpPr>
+          <p:nvPr>
+            <p:ph type="sldImg"/>
+          </p:nvPr>
+        </p:nvSpPr>
+        <p:spPr/>
+      </p:sp>
+      <p:sp>
+        <p:nvSpPr>
+          <p:cNvPr id="3" name="Notes Placeholder 2"/>
+          <p:cNvSpPr>
+            <a:spLocks noGrp="1"/>
+          </p:cNvSpPr>
+          <p:nvPr>
+            <p:ph type="body" idx="1"/>
+          </p:nvPr>
+        </p:nvSpPr>
+        <p:spPr/>
+        <p:txBody>
+          <a:bodyPr/>
+          <a:lstStyle/>
+          <a:p>
+            <a:r>
+              <a:rPr lang="en-GB" dirty="0"/>
+              <a:t>So you are some coding,  getting stuck as usual which requires you to use google and </a:t>
+            </a:r>
+            <a:r>
+              <a:rPr lang="en-GB" dirty="0" err="1"/>
+              <a:t>stackoverflow</a:t>
+            </a:r>
+            <a:r>
+              <a:rPr lang="en-GB" dirty="0"/>
+              <a:t> to find various answers</a:t>
+            </a:r>
+          </a:p>
+          <a:p>
+            <a:r>
+              <a:rPr lang="en-GB" dirty="0"/>
+              <a:t>However,  then disaster strikes,  you lose your internet connection</a:t>
+            </a:r>
+          </a:p>
+          <a:p>
+            <a:r>
+              <a:rPr lang="en-GB" dirty="0"/>
+              <a:t>You can no longer use stack overflow.</a:t>
+            </a:r>
+          </a:p>
+        </p:txBody>
+      </p:sp>
+      <p:sp>
+        <p:nvSpPr>
+          <p:cNvPr id="4" name="Slide Number Placeholder 3"/>
+          <p:cNvSpPr>
+            <a:spLocks noGrp="1"/>
+          </p:cNvSpPr>
+          <p:nvPr>
+            <p:ph type="sldNum" sz="quarter" idx="10"/>
+          </p:nvPr>
+        </p:nvSpPr>
+        <p:spPr/>
+        <p:txBody>
+          <a:bodyPr/>
+          <a:lstStyle/>
+          <a:p>
+            <a:fld id="{90098B67-40B8-4547-BE51-824908E8A1DA}" type="slidenum">
+              <a:rPr lang="en-GB" smtClean="0"/>
+              <a:t>3</a:t>
+            </a:fld>
+            <a:endParaRPr lang="en-GB"/>
+          </a:p>
+        </p:txBody>
+      </p:sp>
+    </p:spTree>
+    <p:extLst>
+      <p:ext uri="{BB962C8B-B14F-4D97-AF65-F5344CB8AC3E}">
+        <p14:creationId xmlns:p14="http://schemas.microsoft.com/office/powerpoint/2010/main" val="51457865"/>
+      </p:ext>
+    </p:extLst>
+  </p:cSld>
+  <p:clrMapOvr>
+    <a:masterClrMapping/>
+  </p:clrMapOvr>
+</p:notes>
+</file>
+
+<file path=ppt/notesSlides/notesSlide4.xml><?xml version="1.0" encoding="utf-8"?>
+<p:notes xmlns:a="http://schemas.openxmlformats.org/drawingml/2006/main" xmlns:r="http://schemas.openxmlformats.org/officeDocument/2006/relationships" xmlns:p="http://schemas.openxmlformats.org/presentationml/2006/main">
+  <p:cSld>
+    <p:spTree>
+      <p:nvGrpSpPr>
+        <p:cNvPr id="1" name=""/>
+        <p:cNvGrpSpPr/>
+        <p:nvPr/>
+      </p:nvGrpSpPr>
+      <p:grpSpPr>
+        <a:xfrm>
+          <a:off x="0" y="0"/>
+          <a:ext cx="0" cy="0"/>
+          <a:chOff x="0" y="0"/>
+          <a:chExt cx="0" cy="0"/>
+        </a:xfrm>
+      </p:grpSpPr>
+      <p:sp>
+        <p:nvSpPr>
+          <p:cNvPr id="2" name="Slide Image Placeholder 1"/>
+          <p:cNvSpPr>
+            <a:spLocks noGrp="1" noRot="1" noChangeAspect="1"/>
+          </p:cNvSpPr>
+          <p:nvPr>
+            <p:ph type="sldImg"/>
+          </p:nvPr>
+        </p:nvSpPr>
+        <p:spPr/>
+      </p:sp>
+      <p:sp>
+        <p:nvSpPr>
+          <p:cNvPr id="3" name="Notes Placeholder 2"/>
+          <p:cNvSpPr>
+            <a:spLocks noGrp="1"/>
+          </p:cNvSpPr>
+          <p:nvPr>
+            <p:ph type="body" idx="1"/>
+          </p:nvPr>
+        </p:nvSpPr>
+        <p:spPr/>
+        <p:txBody>
+          <a:bodyPr/>
+          <a:lstStyle/>
+          <a:p>
+            <a:r>
+              <a:rPr lang="en-GB" dirty="0"/>
+              <a:t>To enable you to work offline I’ve download a </a:t>
+            </a:r>
+            <a:r>
+              <a:rPr lang="en-GB" dirty="0" err="1"/>
+              <a:t>SQLServer</a:t>
+            </a:r>
+            <a:r>
+              <a:rPr lang="en-GB" dirty="0"/>
+              <a:t> database containing 10GB of questions + answers</a:t>
+            </a:r>
+          </a:p>
+          <a:p>
+            <a:r>
+              <a:rPr lang="en-GB" dirty="0"/>
+              <a:t>And written an windows form application in order to query it.</a:t>
+            </a:r>
+          </a:p>
+          <a:p>
+            <a:endParaRPr lang="en-GB" dirty="0"/>
+          </a:p>
+          <a:p>
+            <a:r>
+              <a:rPr lang="en-GB" dirty="0"/>
+              <a:t>Demo application</a:t>
+            </a:r>
+          </a:p>
+        </p:txBody>
+      </p:sp>
+      <p:sp>
+        <p:nvSpPr>
+          <p:cNvPr id="4" name="Slide Number Placeholder 3"/>
+          <p:cNvSpPr>
+            <a:spLocks noGrp="1"/>
+          </p:cNvSpPr>
+          <p:nvPr>
+            <p:ph type="sldNum" sz="quarter" idx="10"/>
+          </p:nvPr>
+        </p:nvSpPr>
+        <p:spPr/>
+        <p:txBody>
+          <a:bodyPr/>
+          <a:lstStyle/>
+          <a:p>
+            <a:fld id="{90098B67-40B8-4547-BE51-824908E8A1DA}" type="slidenum">
+              <a:rPr lang="en-GB" smtClean="0"/>
+              <a:t>4</a:t>
+            </a:fld>
+            <a:endParaRPr lang="en-GB"/>
+          </a:p>
+        </p:txBody>
+      </p:sp>
+    </p:spTree>
+    <p:extLst>
+      <p:ext uri="{BB962C8B-B14F-4D97-AF65-F5344CB8AC3E}">
+        <p14:creationId xmlns:p14="http://schemas.microsoft.com/office/powerpoint/2010/main" val="887144313"/>
+      </p:ext>
+    </p:extLst>
+  </p:cSld>
+  <p:clrMapOvr>
+    <a:masterClrMapping/>
+  </p:clrMapOvr>
+</p:notes>
+</file>
+
+<file path=ppt/notesSlides/notesSlide5.xml><?xml version="1.0" encoding="utf-8"?>
+<p:notes xmlns:a="http://schemas.openxmlformats.org/drawingml/2006/main" xmlns:r="http://schemas.openxmlformats.org/officeDocument/2006/relationships" xmlns:p="http://schemas.openxmlformats.org/presentationml/2006/main">
+  <p:cSld>
+    <p:spTree>
+      <p:nvGrpSpPr>
+        <p:cNvPr id="1" name=""/>
+        <p:cNvGrpSpPr/>
+        <p:nvPr/>
+      </p:nvGrpSpPr>
+      <p:grpSpPr>
+        <a:xfrm>
+          <a:off x="0" y="0"/>
+          <a:ext cx="0" cy="0"/>
+          <a:chOff x="0" y="0"/>
+          <a:chExt cx="0" cy="0"/>
+        </a:xfrm>
+      </p:grpSpPr>
+      <p:sp>
+        <p:nvSpPr>
+          <p:cNvPr id="2" name="Slide Image Placeholder 1"/>
+          <p:cNvSpPr>
+            <a:spLocks noGrp="1" noRot="1" noChangeAspect="1"/>
+          </p:cNvSpPr>
+          <p:nvPr>
+            <p:ph type="sldImg"/>
+          </p:nvPr>
+        </p:nvSpPr>
+        <p:spPr/>
+      </p:sp>
+      <p:sp>
+        <p:nvSpPr>
+          <p:cNvPr id="3" name="Notes Placeholder 2"/>
+          <p:cNvSpPr>
+            <a:spLocks noGrp="1"/>
+          </p:cNvSpPr>
+          <p:nvPr>
+            <p:ph type="body" idx="1"/>
+          </p:nvPr>
+        </p:nvSpPr>
+        <p:spPr/>
+        <p:txBody>
+          <a:bodyPr/>
+          <a:lstStyle/>
+          <a:p>
+            <a:r>
+              <a:rPr lang="en-GB" dirty="0"/>
+              <a:t>Look at the database in SSMS  (StackOverflow2010)</a:t>
+            </a:r>
+          </a:p>
+          <a:p>
+            <a:r>
+              <a:rPr lang="en-GB" dirty="0"/>
+              <a:t>Point out the size and main tables  (Posts and Comments)</a:t>
+            </a:r>
+          </a:p>
+          <a:p>
+            <a:r>
+              <a:rPr lang="en-GB" dirty="0"/>
+              <a:t>Our tables just have indexes on the ID</a:t>
+            </a:r>
+          </a:p>
+          <a:p>
+            <a:r>
+              <a:rPr lang="en-GB" dirty="0"/>
+              <a:t>Do count(*) to get the number of rows</a:t>
+            </a:r>
+          </a:p>
+          <a:p>
+            <a:endParaRPr lang="en-GB" dirty="0"/>
+          </a:p>
+          <a:p>
+            <a:r>
+              <a:rPr lang="en-GB" sz="1200" kern="1200" dirty="0">
+                <a:solidFill>
+                  <a:schemeClr val="tx1"/>
+                </a:solidFill>
+                <a:latin typeface="+mn-lt"/>
+                <a:ea typeface="+mn-ea"/>
+                <a:cs typeface="+mn-cs"/>
+              </a:rPr>
+              <a:t>select </a:t>
+            </a:r>
+            <a:r>
+              <a:rPr lang="en-GB" sz="1200" kern="1200" dirty="0" err="1">
+                <a:solidFill>
+                  <a:schemeClr val="tx1"/>
+                </a:solidFill>
+                <a:latin typeface="+mn-lt"/>
+                <a:ea typeface="+mn-ea"/>
+                <a:cs typeface="+mn-cs"/>
+              </a:rPr>
+              <a:t>rowcnt</a:t>
+            </a:r>
+            <a:r>
+              <a:rPr lang="en-GB" sz="1200" kern="1200" dirty="0">
+                <a:solidFill>
+                  <a:schemeClr val="tx1"/>
+                </a:solidFill>
+                <a:latin typeface="+mn-lt"/>
+                <a:ea typeface="+mn-ea"/>
+                <a:cs typeface="+mn-cs"/>
+              </a:rPr>
+              <a:t> from </a:t>
+            </a:r>
+            <a:r>
+              <a:rPr lang="en-GB" sz="1200" kern="1200" dirty="0" err="1">
+                <a:solidFill>
+                  <a:schemeClr val="tx1"/>
+                </a:solidFill>
+                <a:latin typeface="+mn-lt"/>
+                <a:ea typeface="+mn-ea"/>
+                <a:cs typeface="+mn-cs"/>
+              </a:rPr>
+              <a:t>sysindexes</a:t>
+            </a:r>
+            <a:r>
+              <a:rPr lang="en-GB" sz="1200" kern="1200" dirty="0">
+                <a:solidFill>
+                  <a:schemeClr val="tx1"/>
+                </a:solidFill>
+                <a:latin typeface="+mn-lt"/>
+                <a:ea typeface="+mn-ea"/>
+                <a:cs typeface="+mn-cs"/>
+              </a:rPr>
+              <a:t> where OBJECT_NAME(id) = 'Posts'</a:t>
+            </a:r>
+          </a:p>
+          <a:p>
+            <a:r>
+              <a:rPr lang="en-GB" sz="1200" kern="1200" dirty="0">
+                <a:solidFill>
+                  <a:schemeClr val="tx1"/>
+                </a:solidFill>
+                <a:latin typeface="+mn-lt"/>
+                <a:ea typeface="+mn-ea"/>
+                <a:cs typeface="+mn-cs"/>
+              </a:rPr>
+              <a:t>select </a:t>
+            </a:r>
+            <a:r>
+              <a:rPr lang="en-GB" sz="1200" kern="1200" dirty="0" err="1">
+                <a:solidFill>
+                  <a:schemeClr val="tx1"/>
+                </a:solidFill>
+                <a:latin typeface="+mn-lt"/>
+                <a:ea typeface="+mn-ea"/>
+                <a:cs typeface="+mn-cs"/>
+              </a:rPr>
+              <a:t>rowcnt</a:t>
+            </a:r>
+            <a:r>
+              <a:rPr lang="en-GB" sz="1200" kern="1200" dirty="0">
+                <a:solidFill>
+                  <a:schemeClr val="tx1"/>
+                </a:solidFill>
+                <a:latin typeface="+mn-lt"/>
+                <a:ea typeface="+mn-ea"/>
+                <a:cs typeface="+mn-cs"/>
+              </a:rPr>
+              <a:t> from </a:t>
+            </a:r>
+            <a:r>
+              <a:rPr lang="en-GB" sz="1200" kern="1200" dirty="0" err="1">
+                <a:solidFill>
+                  <a:schemeClr val="tx1"/>
+                </a:solidFill>
+                <a:latin typeface="+mn-lt"/>
+                <a:ea typeface="+mn-ea"/>
+                <a:cs typeface="+mn-cs"/>
+              </a:rPr>
+              <a:t>sysindexes</a:t>
+            </a:r>
+            <a:r>
+              <a:rPr lang="en-GB" sz="1200" kern="1200" dirty="0">
+                <a:solidFill>
+                  <a:schemeClr val="tx1"/>
+                </a:solidFill>
+                <a:latin typeface="+mn-lt"/>
+                <a:ea typeface="+mn-ea"/>
+                <a:cs typeface="+mn-cs"/>
+              </a:rPr>
+              <a:t> where OBJECT_NAME(id) = 'Comments’</a:t>
+            </a:r>
+            <a:endParaRPr lang="en-GB" dirty="0"/>
+          </a:p>
+          <a:p>
+            <a:endParaRPr lang="en-GB" dirty="0"/>
+          </a:p>
+          <a:p>
+            <a:r>
+              <a:rPr lang="en-GB" dirty="0"/>
+              <a:t>Show that without any indexes,  querying the data will be very slow</a:t>
+            </a:r>
+          </a:p>
+          <a:p>
+            <a:endParaRPr lang="en-GB" dirty="0"/>
+          </a:p>
+          <a:p>
+            <a:r>
+              <a:rPr lang="en-GB" sz="1200" kern="1200" dirty="0">
+                <a:solidFill>
+                  <a:schemeClr val="tx1"/>
+                </a:solidFill>
+                <a:latin typeface="+mn-lt"/>
+                <a:ea typeface="+mn-ea"/>
+                <a:cs typeface="+mn-cs"/>
+              </a:rPr>
+              <a:t>select top 10 *</a:t>
+            </a:r>
+          </a:p>
+          <a:p>
+            <a:r>
+              <a:rPr lang="en-GB" sz="1200" kern="1200" dirty="0">
+                <a:solidFill>
+                  <a:schemeClr val="tx1"/>
+                </a:solidFill>
+                <a:latin typeface="+mn-lt"/>
+                <a:ea typeface="+mn-ea"/>
+                <a:cs typeface="+mn-cs"/>
+              </a:rPr>
+              <a:t>  from </a:t>
+            </a:r>
+            <a:r>
+              <a:rPr lang="en-GB" sz="1200" kern="1200" dirty="0" err="1">
+                <a:solidFill>
+                  <a:schemeClr val="tx1"/>
+                </a:solidFill>
+                <a:latin typeface="+mn-lt"/>
+                <a:ea typeface="+mn-ea"/>
+                <a:cs typeface="+mn-cs"/>
+              </a:rPr>
+              <a:t>dbo.Posts</a:t>
+            </a:r>
+            <a:endParaRPr lang="en-GB" sz="1200" kern="1200" dirty="0">
+              <a:solidFill>
+                <a:schemeClr val="tx1"/>
+              </a:solidFill>
+              <a:latin typeface="+mn-lt"/>
+              <a:ea typeface="+mn-ea"/>
+              <a:cs typeface="+mn-cs"/>
+            </a:endParaRPr>
+          </a:p>
+          <a:p>
+            <a:r>
+              <a:rPr lang="en-GB" sz="1200" kern="1200" dirty="0">
+                <a:solidFill>
+                  <a:schemeClr val="tx1"/>
+                </a:solidFill>
+                <a:latin typeface="+mn-lt"/>
+                <a:ea typeface="+mn-ea"/>
+                <a:cs typeface="+mn-cs"/>
+              </a:rPr>
+              <a:t>  where </a:t>
+            </a:r>
+            <a:r>
+              <a:rPr lang="en-GB" sz="1200" kern="1200" dirty="0" err="1">
+                <a:solidFill>
+                  <a:schemeClr val="tx1"/>
+                </a:solidFill>
+                <a:latin typeface="+mn-lt"/>
+                <a:ea typeface="+mn-ea"/>
+                <a:cs typeface="+mn-cs"/>
+              </a:rPr>
+              <a:t>LastEditorDisplayName</a:t>
+            </a:r>
+            <a:r>
+              <a:rPr lang="en-GB" sz="1200" kern="1200" dirty="0">
+                <a:solidFill>
+                  <a:schemeClr val="tx1"/>
+                </a:solidFill>
+                <a:latin typeface="+mn-lt"/>
+                <a:ea typeface="+mn-ea"/>
+                <a:cs typeface="+mn-cs"/>
+              </a:rPr>
+              <a:t> = 'David’</a:t>
+            </a:r>
+          </a:p>
+          <a:p>
+            <a:endParaRPr lang="en-GB" sz="1200" kern="1200" dirty="0">
+              <a:solidFill>
+                <a:schemeClr val="tx1"/>
+              </a:solidFill>
+              <a:latin typeface="+mn-lt"/>
+              <a:ea typeface="+mn-ea"/>
+              <a:cs typeface="+mn-cs"/>
+            </a:endParaRPr>
+          </a:p>
+          <a:p>
+            <a:r>
+              <a:rPr lang="en-GB" sz="1200" kern="1200" dirty="0">
+                <a:solidFill>
+                  <a:schemeClr val="tx1"/>
+                </a:solidFill>
+                <a:latin typeface="+mn-lt"/>
+                <a:ea typeface="+mn-ea"/>
+                <a:cs typeface="+mn-cs"/>
+              </a:rPr>
+              <a:t>Estimated Query shows that every row will be examined (clustered index scan)</a:t>
+            </a:r>
+          </a:p>
+          <a:p>
+            <a:endParaRPr lang="en-GB" sz="1200" kern="1200" dirty="0">
+              <a:solidFill>
+                <a:schemeClr val="tx1"/>
+              </a:solidFill>
+              <a:latin typeface="+mn-lt"/>
+              <a:ea typeface="+mn-ea"/>
+              <a:cs typeface="+mn-cs"/>
+            </a:endParaRPr>
+          </a:p>
+          <a:p>
+            <a:r>
+              <a:rPr lang="en-GB" sz="1200" kern="1200" dirty="0">
+                <a:solidFill>
+                  <a:schemeClr val="tx1"/>
+                </a:solidFill>
+                <a:latin typeface="+mn-lt"/>
+                <a:ea typeface="+mn-ea"/>
+                <a:cs typeface="+mn-cs"/>
+              </a:rPr>
+              <a:t>We could create indexes,  but on which columns,  as we might want to search by any of them.</a:t>
+            </a:r>
+          </a:p>
+          <a:p>
+            <a:endParaRPr lang="en-GB" sz="1200" kern="1200" dirty="0">
+              <a:solidFill>
+                <a:schemeClr val="tx1"/>
+              </a:solidFill>
+              <a:latin typeface="+mn-lt"/>
+              <a:ea typeface="+mn-ea"/>
+              <a:cs typeface="+mn-cs"/>
+            </a:endParaRPr>
+          </a:p>
+          <a:p>
+            <a:endParaRPr lang="en-GB" sz="1200" kern="1200" dirty="0">
+              <a:solidFill>
+                <a:schemeClr val="tx1"/>
+              </a:solidFill>
+              <a:latin typeface="+mn-lt"/>
+              <a:ea typeface="+mn-ea"/>
+              <a:cs typeface="+mn-cs"/>
+            </a:endParaRPr>
+          </a:p>
+          <a:p>
+            <a:r>
+              <a:rPr lang="en-GB" sz="1200" kern="1200" dirty="0">
+                <a:solidFill>
+                  <a:schemeClr val="tx1"/>
+                </a:solidFill>
+                <a:latin typeface="+mn-lt"/>
+                <a:ea typeface="+mn-ea"/>
+                <a:cs typeface="+mn-cs"/>
+              </a:rPr>
+              <a:t>Even then we can’t create an index on the main content field.</a:t>
+            </a:r>
+          </a:p>
+          <a:p>
+            <a:endParaRPr lang="en-GB" sz="1200" kern="1200" dirty="0">
+              <a:solidFill>
+                <a:schemeClr val="tx1"/>
+              </a:solidFill>
+              <a:latin typeface="+mn-lt"/>
+              <a:ea typeface="+mn-ea"/>
+              <a:cs typeface="+mn-cs"/>
+            </a:endParaRPr>
+          </a:p>
+          <a:p>
+            <a:r>
+              <a:rPr lang="en-GB" sz="1200" kern="1200" dirty="0">
+                <a:solidFill>
+                  <a:schemeClr val="tx1"/>
+                </a:solidFill>
+                <a:latin typeface="+mn-lt"/>
+                <a:ea typeface="+mn-ea"/>
+                <a:cs typeface="+mn-cs"/>
+              </a:rPr>
+              <a:t>select top 10 *</a:t>
+            </a:r>
+          </a:p>
+          <a:p>
+            <a:r>
+              <a:rPr lang="en-GB" sz="1200" kern="1200" dirty="0">
+                <a:solidFill>
+                  <a:schemeClr val="tx1"/>
+                </a:solidFill>
+                <a:latin typeface="+mn-lt"/>
+                <a:ea typeface="+mn-ea"/>
+                <a:cs typeface="+mn-cs"/>
+              </a:rPr>
+              <a:t>  from </a:t>
+            </a:r>
+            <a:r>
+              <a:rPr lang="en-GB" sz="1200" kern="1200" dirty="0" err="1">
+                <a:solidFill>
+                  <a:schemeClr val="tx1"/>
+                </a:solidFill>
+                <a:latin typeface="+mn-lt"/>
+                <a:ea typeface="+mn-ea"/>
+                <a:cs typeface="+mn-cs"/>
+              </a:rPr>
+              <a:t>dbo.Posts</a:t>
+            </a:r>
+            <a:r>
+              <a:rPr lang="en-GB" sz="1200" kern="1200" dirty="0">
+                <a:solidFill>
+                  <a:schemeClr val="tx1"/>
+                </a:solidFill>
+                <a:latin typeface="+mn-lt"/>
+                <a:ea typeface="+mn-ea"/>
+                <a:cs typeface="+mn-cs"/>
+              </a:rPr>
+              <a:t> P</a:t>
+            </a:r>
+          </a:p>
+          <a:p>
+            <a:r>
+              <a:rPr lang="en-GB" sz="1200" kern="1200" dirty="0">
+                <a:solidFill>
+                  <a:schemeClr val="tx1"/>
+                </a:solidFill>
+                <a:latin typeface="+mn-lt"/>
+                <a:ea typeface="+mn-ea"/>
+                <a:cs typeface="+mn-cs"/>
+              </a:rPr>
+              <a:t> where lower(</a:t>
+            </a:r>
+            <a:r>
+              <a:rPr lang="en-GB" sz="1200" kern="1200" dirty="0" err="1">
+                <a:solidFill>
+                  <a:schemeClr val="tx1"/>
+                </a:solidFill>
+                <a:latin typeface="+mn-lt"/>
+                <a:ea typeface="+mn-ea"/>
+                <a:cs typeface="+mn-cs"/>
+              </a:rPr>
+              <a:t>P.Body</a:t>
+            </a:r>
+            <a:r>
+              <a:rPr lang="en-GB" sz="1200" kern="1200" dirty="0">
+                <a:solidFill>
+                  <a:schemeClr val="tx1"/>
+                </a:solidFill>
+                <a:latin typeface="+mn-lt"/>
+                <a:ea typeface="+mn-ea"/>
+                <a:cs typeface="+mn-cs"/>
+              </a:rPr>
+              <a:t>) like 'c%’</a:t>
+            </a:r>
+          </a:p>
+          <a:p>
+            <a:endParaRPr lang="en-GB" sz="1200" kern="1200" dirty="0">
+              <a:solidFill>
+                <a:schemeClr val="tx1"/>
+              </a:solidFill>
+              <a:latin typeface="+mn-lt"/>
+              <a:ea typeface="+mn-ea"/>
+              <a:cs typeface="+mn-cs"/>
+            </a:endParaRPr>
+          </a:p>
+          <a:p>
+            <a:r>
+              <a:rPr lang="en-GB" sz="1200" kern="1200" dirty="0">
+                <a:solidFill>
+                  <a:schemeClr val="tx1"/>
+                </a:solidFill>
+                <a:latin typeface="+mn-lt"/>
+                <a:ea typeface="+mn-ea"/>
+                <a:cs typeface="+mn-cs"/>
+              </a:rPr>
+              <a:t>We want to do a case-</a:t>
+            </a:r>
+            <a:r>
+              <a:rPr lang="en-GB" sz="1200" kern="1200" dirty="0" err="1">
+                <a:solidFill>
+                  <a:schemeClr val="tx1"/>
+                </a:solidFill>
+                <a:latin typeface="+mn-lt"/>
+                <a:ea typeface="+mn-ea"/>
+                <a:cs typeface="+mn-cs"/>
+              </a:rPr>
+              <a:t>insensisitve</a:t>
+            </a:r>
+            <a:r>
+              <a:rPr lang="en-GB" sz="1200" kern="1200" dirty="0">
+                <a:solidFill>
+                  <a:schemeClr val="tx1"/>
+                </a:solidFill>
+                <a:latin typeface="+mn-lt"/>
+                <a:ea typeface="+mn-ea"/>
+                <a:cs typeface="+mn-cs"/>
+              </a:rPr>
+              <a:t> search so need to convert ever thing to lower case.   Also indexes can’t be used with do are doing a %wild card search</a:t>
+            </a:r>
+          </a:p>
+          <a:p>
+            <a:endParaRPr lang="en-GB" sz="1200" kern="1200" dirty="0">
+              <a:solidFill>
+                <a:schemeClr val="tx1"/>
+              </a:solidFill>
+              <a:latin typeface="+mn-lt"/>
+              <a:ea typeface="+mn-ea"/>
+              <a:cs typeface="+mn-cs"/>
+            </a:endParaRPr>
+          </a:p>
+          <a:p>
+            <a:r>
+              <a:rPr lang="en-GB" sz="1200" kern="1200" dirty="0">
+                <a:solidFill>
+                  <a:schemeClr val="tx1"/>
+                </a:solidFill>
+                <a:latin typeface="+mn-lt"/>
+                <a:ea typeface="+mn-ea"/>
+                <a:cs typeface="+mn-cs"/>
+              </a:rPr>
+              <a:t>We could use full text search in </a:t>
+            </a:r>
+            <a:r>
+              <a:rPr lang="en-GB" sz="1200" kern="1200" dirty="0" err="1">
+                <a:solidFill>
+                  <a:schemeClr val="tx1"/>
+                </a:solidFill>
+                <a:latin typeface="+mn-lt"/>
+                <a:ea typeface="+mn-ea"/>
+                <a:cs typeface="+mn-cs"/>
+              </a:rPr>
+              <a:t>SQLServer</a:t>
+            </a:r>
+            <a:r>
+              <a:rPr lang="en-GB" sz="1200" kern="1200" dirty="0">
+                <a:solidFill>
+                  <a:schemeClr val="tx1"/>
+                </a:solidFill>
+                <a:latin typeface="+mn-lt"/>
+                <a:ea typeface="+mn-ea"/>
+                <a:cs typeface="+mn-cs"/>
+              </a:rPr>
+              <a:t>,  but it’s limited in features and performance.</a:t>
+            </a:r>
+          </a:p>
+          <a:p>
+            <a:endParaRPr lang="en-GB" sz="1200" kern="1200" dirty="0">
+              <a:solidFill>
+                <a:schemeClr val="tx1"/>
+              </a:solidFill>
+              <a:latin typeface="+mn-lt"/>
+              <a:ea typeface="+mn-ea"/>
+              <a:cs typeface="+mn-cs"/>
+            </a:endParaRPr>
+          </a:p>
+          <a:p>
+            <a:r>
+              <a:rPr lang="en-GB" sz="1200" kern="1200" dirty="0">
+                <a:solidFill>
+                  <a:schemeClr val="tx1"/>
+                </a:solidFill>
+                <a:latin typeface="+mn-lt"/>
+                <a:ea typeface="+mn-ea"/>
+                <a:cs typeface="+mn-cs"/>
+              </a:rPr>
+              <a:t>Finally, scale, the full stack overflow database is over 130GB,  without any indexes.  You can split </a:t>
+            </a:r>
+            <a:r>
+              <a:rPr lang="en-GB" sz="1200" kern="1200" dirty="0" err="1">
+                <a:solidFill>
+                  <a:schemeClr val="tx1"/>
+                </a:solidFill>
+                <a:latin typeface="+mn-lt"/>
+                <a:ea typeface="+mn-ea"/>
+                <a:cs typeface="+mn-cs"/>
+              </a:rPr>
+              <a:t>sql</a:t>
+            </a:r>
+            <a:r>
+              <a:rPr lang="en-GB" sz="1200" kern="1200" dirty="0">
+                <a:solidFill>
+                  <a:schemeClr val="tx1"/>
+                </a:solidFill>
+                <a:latin typeface="+mn-lt"/>
+                <a:ea typeface="+mn-ea"/>
+                <a:cs typeface="+mn-cs"/>
+              </a:rPr>
+              <a:t> server over multiple database but there are complications.</a:t>
+            </a:r>
+          </a:p>
+          <a:p>
+            <a:endParaRPr lang="en-GB" sz="1200" kern="1200" dirty="0">
+              <a:solidFill>
+                <a:schemeClr val="tx1"/>
+              </a:solidFill>
+              <a:latin typeface="+mn-lt"/>
+              <a:ea typeface="+mn-ea"/>
+              <a:cs typeface="+mn-cs"/>
+            </a:endParaRPr>
+          </a:p>
+          <a:p>
+            <a:endParaRPr lang="en-GB" dirty="0"/>
+          </a:p>
+        </p:txBody>
+      </p:sp>
+      <p:sp>
+        <p:nvSpPr>
+          <p:cNvPr id="4" name="Slide Number Placeholder 3"/>
+          <p:cNvSpPr>
+            <a:spLocks noGrp="1"/>
+          </p:cNvSpPr>
+          <p:nvPr>
+            <p:ph type="sldNum" sz="quarter" idx="10"/>
+          </p:nvPr>
+        </p:nvSpPr>
+        <p:spPr/>
+        <p:txBody>
+          <a:bodyPr/>
+          <a:lstStyle/>
+          <a:p>
+            <a:fld id="{90098B67-40B8-4547-BE51-824908E8A1DA}" type="slidenum">
+              <a:rPr lang="en-GB" smtClean="0"/>
+              <a:t>5</a:t>
+            </a:fld>
+            <a:endParaRPr lang="en-GB"/>
+          </a:p>
+        </p:txBody>
+      </p:sp>
+    </p:spTree>
+    <p:extLst>
+      <p:ext uri="{BB962C8B-B14F-4D97-AF65-F5344CB8AC3E}">
+        <p14:creationId xmlns:p14="http://schemas.microsoft.com/office/powerpoint/2010/main" val="3787352804"/>
+      </p:ext>
+    </p:extLst>
+  </p:cSld>
+  <p:clrMapOvr>
+    <a:masterClrMapping/>
+  </p:clrMapOvr>
+</p:notes>
+</file>
+
+<file path=ppt/notesSlides/notesSlide6.xml><?xml version="1.0" encoding="utf-8"?>
+<p:notes xmlns:a="http://schemas.openxmlformats.org/drawingml/2006/main" xmlns:r="http://schemas.openxmlformats.org/officeDocument/2006/relationships" xmlns:p="http://schemas.openxmlformats.org/presentationml/2006/main">
+  <p:cSld>
+    <p:spTree>
+      <p:nvGrpSpPr>
+        <p:cNvPr id="1" name=""/>
+        <p:cNvGrpSpPr/>
+        <p:nvPr/>
+      </p:nvGrpSpPr>
+      <p:grpSpPr>
+        <a:xfrm>
+          <a:off x="0" y="0"/>
+          <a:ext cx="0" cy="0"/>
+          <a:chOff x="0" y="0"/>
+          <a:chExt cx="0" cy="0"/>
+        </a:xfrm>
+      </p:grpSpPr>
+      <p:sp>
+        <p:nvSpPr>
+          <p:cNvPr id="2" name="Slide Image Placeholder 1"/>
+          <p:cNvSpPr>
+            <a:spLocks noGrp="1" noRot="1" noChangeAspect="1"/>
+          </p:cNvSpPr>
+          <p:nvPr>
+            <p:ph type="sldImg"/>
+          </p:nvPr>
+        </p:nvSpPr>
+        <p:spPr/>
+      </p:sp>
+      <p:sp>
+        <p:nvSpPr>
+          <p:cNvPr id="3" name="Notes Placeholder 2"/>
+          <p:cNvSpPr>
+            <a:spLocks noGrp="1"/>
+          </p:cNvSpPr>
+          <p:nvPr>
+            <p:ph type="body" idx="1"/>
+          </p:nvPr>
+        </p:nvSpPr>
+        <p:spPr/>
+        <p:txBody>
+          <a:bodyPr/>
+          <a:lstStyle/>
+          <a:p>
+            <a:r>
+              <a:rPr lang="en-GB" dirty="0"/>
+              <a:t>So to summarise,  we have three problems</a:t>
+            </a:r>
+          </a:p>
+          <a:p>
+            <a:endParaRPr lang="en-GB" dirty="0"/>
+          </a:p>
+          <a:p>
+            <a:pPr marL="228600" indent="-228600">
+              <a:buAutoNum type="arabicPeriod"/>
+            </a:pPr>
+            <a:r>
+              <a:rPr lang="en-GB" dirty="0"/>
+              <a:t>The ability to be able to search across multiple fields</a:t>
+            </a:r>
+          </a:p>
+          <a:p>
+            <a:pPr marL="228600" indent="-228600">
+              <a:buAutoNum type="arabicPeriod"/>
+            </a:pPr>
+            <a:r>
+              <a:rPr lang="en-GB" dirty="0"/>
+              <a:t>The ability to be able to search within a block of text</a:t>
+            </a:r>
+          </a:p>
+          <a:p>
+            <a:pPr marL="228600" indent="-228600">
+              <a:buAutoNum type="arabicPeriod"/>
+            </a:pPr>
+            <a:r>
+              <a:rPr lang="en-GB" dirty="0"/>
+              <a:t>The ability to scale out across multiple machines</a:t>
+            </a:r>
+          </a:p>
+          <a:p>
+            <a:endParaRPr lang="en-GB" dirty="0"/>
+          </a:p>
+          <a:p>
+            <a:endParaRPr lang="en-GB" dirty="0"/>
+          </a:p>
+        </p:txBody>
+      </p:sp>
+      <p:sp>
+        <p:nvSpPr>
+          <p:cNvPr id="4" name="Slide Number Placeholder 3"/>
+          <p:cNvSpPr>
+            <a:spLocks noGrp="1"/>
+          </p:cNvSpPr>
+          <p:nvPr>
+            <p:ph type="sldNum" sz="quarter" idx="10"/>
+          </p:nvPr>
+        </p:nvSpPr>
+        <p:spPr/>
+        <p:txBody>
+          <a:bodyPr/>
+          <a:lstStyle/>
+          <a:p>
+            <a:fld id="{90098B67-40B8-4547-BE51-824908E8A1DA}" type="slidenum">
+              <a:rPr lang="en-GB" smtClean="0"/>
+              <a:t>6</a:t>
+            </a:fld>
+            <a:endParaRPr lang="en-GB"/>
+          </a:p>
+        </p:txBody>
+      </p:sp>
+    </p:spTree>
+    <p:extLst>
+      <p:ext uri="{BB962C8B-B14F-4D97-AF65-F5344CB8AC3E}">
+        <p14:creationId xmlns:p14="http://schemas.microsoft.com/office/powerpoint/2010/main" val="4268943528"/>
+      </p:ext>
+    </p:extLst>
+  </p:cSld>
+  <p:clrMapOvr>
+    <a:masterClrMapping/>
+  </p:clrMapOvr>
+</p:notes>
+</file>
+
+<file path=ppt/notesSlides/notesSlide7.xml><?xml version="1.0" encoding="utf-8"?>
+<p:notes xmlns:a="http://schemas.openxmlformats.org/drawingml/2006/main" xmlns:r="http://schemas.openxmlformats.org/officeDocument/2006/relationships" xmlns:p="http://schemas.openxmlformats.org/presentationml/2006/main">
+  <p:cSld>
+    <p:spTree>
+      <p:nvGrpSpPr>
+        <p:cNvPr id="1" name=""/>
+        <p:cNvGrpSpPr/>
+        <p:nvPr/>
+      </p:nvGrpSpPr>
+      <p:grpSpPr>
+        <a:xfrm>
+          <a:off x="0" y="0"/>
+          <a:ext cx="0" cy="0"/>
+          <a:chOff x="0" y="0"/>
+          <a:chExt cx="0" cy="0"/>
+        </a:xfrm>
+      </p:grpSpPr>
+      <p:sp>
+        <p:nvSpPr>
+          <p:cNvPr id="2" name="Slide Image Placeholder 1"/>
+          <p:cNvSpPr>
+            <a:spLocks noGrp="1" noRot="1" noChangeAspect="1"/>
+          </p:cNvSpPr>
+          <p:nvPr>
+            <p:ph type="sldImg"/>
+          </p:nvPr>
+        </p:nvSpPr>
+        <p:spPr/>
+      </p:sp>
+      <p:sp>
+        <p:nvSpPr>
+          <p:cNvPr id="3" name="Notes Placeholder 2"/>
+          <p:cNvSpPr>
+            <a:spLocks noGrp="1"/>
+          </p:cNvSpPr>
+          <p:nvPr>
+            <p:ph type="body" idx="1"/>
+          </p:nvPr>
+        </p:nvSpPr>
+        <p:spPr/>
+        <p:txBody>
+          <a:bodyPr/>
+          <a:lstStyle/>
+          <a:p>
+            <a:r>
+              <a:rPr lang="en-GB" dirty="0"/>
+              <a:t>Getting started</a:t>
+            </a:r>
+          </a:p>
+          <a:p>
+            <a:r>
+              <a:rPr lang="en-GB" dirty="0"/>
+              <a:t>Inverted Index</a:t>
+            </a:r>
+          </a:p>
+          <a:p>
+            <a:r>
+              <a:rPr lang="en-GB" dirty="0"/>
+              <a:t>Rest API</a:t>
+            </a:r>
+          </a:p>
+          <a:p>
+            <a:r>
+              <a:rPr lang="en-GB" dirty="0"/>
+              <a:t>NEST API</a:t>
+            </a:r>
+          </a:p>
+          <a:p>
+            <a:r>
+              <a:rPr lang="en-GB" dirty="0"/>
+              <a:t>Bulk Import</a:t>
+            </a:r>
+          </a:p>
+          <a:p>
+            <a:pPr marL="0" indent="0">
+              <a:buNone/>
+            </a:pPr>
+            <a:endParaRPr lang="en-GB" dirty="0"/>
+          </a:p>
+          <a:p>
+            <a:r>
+              <a:rPr lang="en-GB" dirty="0"/>
+              <a:t>Demo adding data</a:t>
+            </a:r>
+          </a:p>
+          <a:p>
+            <a:r>
+              <a:rPr lang="en-GB" dirty="0"/>
+              <a:t>Demo search for data</a:t>
+            </a:r>
+          </a:p>
+          <a:p>
+            <a:endParaRPr lang="en-GB" dirty="0"/>
+          </a:p>
+        </p:txBody>
+      </p:sp>
+      <p:sp>
+        <p:nvSpPr>
+          <p:cNvPr id="4" name="Slide Number Placeholder 3"/>
+          <p:cNvSpPr>
+            <a:spLocks noGrp="1"/>
+          </p:cNvSpPr>
+          <p:nvPr>
+            <p:ph type="sldNum" sz="quarter" idx="10"/>
+          </p:nvPr>
+        </p:nvSpPr>
+        <p:spPr/>
+        <p:txBody>
+          <a:bodyPr/>
+          <a:lstStyle/>
+          <a:p>
+            <a:fld id="{90098B67-40B8-4547-BE51-824908E8A1DA}" type="slidenum">
+              <a:rPr lang="en-GB" smtClean="0"/>
+              <a:t>7</a:t>
+            </a:fld>
+            <a:endParaRPr lang="en-GB"/>
+          </a:p>
+        </p:txBody>
+      </p:sp>
+    </p:spTree>
+    <p:extLst>
+      <p:ext uri="{BB962C8B-B14F-4D97-AF65-F5344CB8AC3E}">
+        <p14:creationId xmlns:p14="http://schemas.microsoft.com/office/powerpoint/2010/main" val="4078353972"/>
+      </p:ext>
+    </p:extLst>
+  </p:cSld>
+  <p:clrMapOvr>
+    <a:masterClrMapping/>
+  </p:clrMapOvr>
+</p:notes>
+</file>
+
+<file path=ppt/notesSlides/notesSlide8.xml><?xml version="1.0" encoding="utf-8"?>
+<p:notes xmlns:a="http://schemas.openxmlformats.org/drawingml/2006/main" xmlns:r="http://schemas.openxmlformats.org/officeDocument/2006/relationships" xmlns:p="http://schemas.openxmlformats.org/presentationml/2006/main">
+  <p:cSld>
+    <p:spTree>
+      <p:nvGrpSpPr>
+        <p:cNvPr id="1" name=""/>
+        <p:cNvGrpSpPr/>
+        <p:nvPr/>
+      </p:nvGrpSpPr>
+      <p:grpSpPr>
+        <a:xfrm>
+          <a:off x="0" y="0"/>
+          <a:ext cx="0" cy="0"/>
+          <a:chOff x="0" y="0"/>
+          <a:chExt cx="0" cy="0"/>
+        </a:xfrm>
+      </p:grpSpPr>
+      <p:sp>
+        <p:nvSpPr>
+          <p:cNvPr id="2" name="Slide Image Placeholder 1"/>
+          <p:cNvSpPr>
+            <a:spLocks noGrp="1" noRot="1" noChangeAspect="1"/>
+          </p:cNvSpPr>
+          <p:nvPr>
+            <p:ph type="sldImg"/>
+          </p:nvPr>
+        </p:nvSpPr>
+        <p:spPr/>
+      </p:sp>
+      <p:sp>
+        <p:nvSpPr>
+          <p:cNvPr id="3" name="Notes Placeholder 2"/>
+          <p:cNvSpPr>
+            <a:spLocks noGrp="1"/>
+          </p:cNvSpPr>
+          <p:nvPr>
+            <p:ph type="body" idx="1"/>
+          </p:nvPr>
+        </p:nvSpPr>
+        <p:spPr/>
+        <p:txBody>
+          <a:bodyPr/>
+          <a:lstStyle/>
+          <a:p>
+            <a:pPr marL="0" marR="0" lvl="0" indent="0" algn="l" defTabSz="914400" rtl="0" eaLnBrk="1" fontAlgn="auto" latinLnBrk="0" hangingPunct="1">
+              <a:lnSpc>
+                <a:spcPct val="100000"/>
+              </a:lnSpc>
+              <a:spcBef>
+                <a:spcPts val="0"/>
+              </a:spcBef>
+              <a:spcAft>
+                <a:spcPts val="0"/>
+              </a:spcAft>
+              <a:buClrTx/>
+              <a:buSzTx/>
+              <a:buFontTx/>
+              <a:buNone/>
+              <a:tabLst/>
+              <a:defRPr/>
+            </a:pPr>
+            <a:r>
+              <a:rPr lang="en-GB" dirty="0"/>
+              <a:t>This starts running</a:t>
+            </a:r>
+          </a:p>
+          <a:p>
+            <a:pPr marL="0" marR="0" lvl="0" indent="0" algn="l" defTabSz="914400" rtl="0" eaLnBrk="1" fontAlgn="auto" latinLnBrk="0" hangingPunct="1">
+              <a:lnSpc>
+                <a:spcPct val="100000"/>
+              </a:lnSpc>
+              <a:spcBef>
+                <a:spcPts val="0"/>
+              </a:spcBef>
+              <a:spcAft>
+                <a:spcPts val="0"/>
+              </a:spcAft>
+              <a:buClrTx/>
+              <a:buSzTx/>
+              <a:buFontTx/>
+              <a:buNone/>
+              <a:tabLst/>
+              <a:defRPr/>
+            </a:pPr>
+            <a:endParaRPr lang="en-GB" dirty="0"/>
+          </a:p>
+          <a:p>
+            <a:pPr marL="0" marR="0" lvl="0" indent="0" algn="l" defTabSz="914400" rtl="0" eaLnBrk="1" fontAlgn="auto" latinLnBrk="0" hangingPunct="1">
+              <a:lnSpc>
+                <a:spcPct val="100000"/>
+              </a:lnSpc>
+              <a:spcBef>
+                <a:spcPts val="0"/>
+              </a:spcBef>
+              <a:spcAft>
+                <a:spcPts val="0"/>
+              </a:spcAft>
+              <a:buClrTx/>
+              <a:buSzTx/>
+              <a:buFontTx/>
+              <a:buNone/>
+              <a:tabLst/>
+              <a:defRPr/>
+            </a:pPr>
+            <a:r>
+              <a:rPr lang="en-GB" dirty="0"/>
+              <a:t>Elastic Search</a:t>
+            </a:r>
+          </a:p>
+          <a:p>
+            <a:pPr marL="0" marR="0" lvl="0" indent="0" algn="l" defTabSz="914400" rtl="0" eaLnBrk="1" fontAlgn="auto" latinLnBrk="0" hangingPunct="1">
+              <a:lnSpc>
+                <a:spcPct val="100000"/>
+              </a:lnSpc>
+              <a:spcBef>
+                <a:spcPts val="0"/>
+              </a:spcBef>
+              <a:spcAft>
+                <a:spcPts val="0"/>
+              </a:spcAft>
+              <a:buClrTx/>
+              <a:buSzTx/>
+              <a:buFontTx/>
+              <a:buNone/>
+              <a:tabLst/>
+              <a:defRPr/>
+            </a:pPr>
+            <a:r>
+              <a:rPr lang="en-GB" dirty="0"/>
+              <a:t>Log Stash (5044)</a:t>
+            </a:r>
+          </a:p>
+          <a:p>
+            <a:pPr marL="0" marR="0" lvl="0" indent="0" algn="l" defTabSz="914400" rtl="0" eaLnBrk="1" fontAlgn="auto" latinLnBrk="0" hangingPunct="1">
+              <a:lnSpc>
+                <a:spcPct val="100000"/>
+              </a:lnSpc>
+              <a:spcBef>
+                <a:spcPts val="0"/>
+              </a:spcBef>
+              <a:spcAft>
+                <a:spcPts val="0"/>
+              </a:spcAft>
+              <a:buClrTx/>
+              <a:buSzTx/>
+              <a:buFontTx/>
+              <a:buNone/>
+              <a:tabLst/>
+              <a:defRPr/>
+            </a:pPr>
+            <a:r>
+              <a:rPr lang="en-GB" dirty="0"/>
+              <a:t>And Kibana (5601)</a:t>
+            </a:r>
+          </a:p>
+          <a:p>
+            <a:pPr marL="0" marR="0" lvl="0" indent="0" algn="l" defTabSz="914400" rtl="0" eaLnBrk="1" fontAlgn="auto" latinLnBrk="0" hangingPunct="1">
+              <a:lnSpc>
+                <a:spcPct val="100000"/>
+              </a:lnSpc>
+              <a:spcBef>
+                <a:spcPts val="0"/>
+              </a:spcBef>
+              <a:spcAft>
+                <a:spcPts val="0"/>
+              </a:spcAft>
+              <a:buClrTx/>
+              <a:buSzTx/>
+              <a:buFontTx/>
+              <a:buNone/>
+              <a:tabLst/>
+              <a:defRPr/>
+            </a:pPr>
+            <a:endParaRPr lang="en-GB" dirty="0"/>
+          </a:p>
+          <a:p>
+            <a:pPr marL="0" marR="0" lvl="0" indent="0" algn="l" defTabSz="914400" rtl="0" eaLnBrk="1" fontAlgn="auto" latinLnBrk="0" hangingPunct="1">
+              <a:lnSpc>
+                <a:spcPct val="100000"/>
+              </a:lnSpc>
+              <a:spcBef>
+                <a:spcPts val="0"/>
+              </a:spcBef>
+              <a:spcAft>
+                <a:spcPts val="0"/>
+              </a:spcAft>
+              <a:buClrTx/>
+              <a:buSzTx/>
+              <a:buFontTx/>
+              <a:buNone/>
+              <a:tabLst/>
+              <a:defRPr/>
+            </a:pPr>
+            <a:r>
+              <a:rPr lang="en-GB" dirty="0"/>
+              <a:t>We will just look at Elastic Search for the moment.</a:t>
+            </a:r>
+          </a:p>
+          <a:p>
+            <a:pPr marL="0" marR="0" lvl="0" indent="0" algn="l" defTabSz="914400" rtl="0" eaLnBrk="1" fontAlgn="auto" latinLnBrk="0" hangingPunct="1">
+              <a:lnSpc>
+                <a:spcPct val="100000"/>
+              </a:lnSpc>
+              <a:spcBef>
+                <a:spcPts val="0"/>
+              </a:spcBef>
+              <a:spcAft>
+                <a:spcPts val="0"/>
+              </a:spcAft>
+              <a:buClrTx/>
+              <a:buSzTx/>
+              <a:buFontTx/>
+              <a:buNone/>
+              <a:tabLst/>
+              <a:defRPr/>
+            </a:pPr>
+            <a:endParaRPr lang="en-GB" dirty="0"/>
+          </a:p>
+          <a:p>
+            <a:pPr marL="0" marR="0" lvl="0" indent="0" algn="l" defTabSz="914400" rtl="0" eaLnBrk="1" fontAlgn="auto" latinLnBrk="0" hangingPunct="1">
+              <a:lnSpc>
+                <a:spcPct val="100000"/>
+              </a:lnSpc>
+              <a:spcBef>
+                <a:spcPts val="0"/>
+              </a:spcBef>
+              <a:spcAft>
+                <a:spcPts val="0"/>
+              </a:spcAft>
+              <a:buClrTx/>
+              <a:buSzTx/>
+              <a:buFontTx/>
+              <a:buNone/>
+              <a:tabLst/>
+              <a:defRPr/>
+            </a:pPr>
+            <a:r>
+              <a:rPr lang="en-GB" dirty="0"/>
+              <a:t>Show   http://localhost:9200/</a:t>
+            </a:r>
+          </a:p>
+          <a:p>
+            <a:pPr marL="0" marR="0" lvl="0" indent="0" algn="l" defTabSz="914400" rtl="0" eaLnBrk="1" fontAlgn="auto" latinLnBrk="0" hangingPunct="1">
+              <a:lnSpc>
+                <a:spcPct val="100000"/>
+              </a:lnSpc>
+              <a:spcBef>
+                <a:spcPts val="0"/>
+              </a:spcBef>
+              <a:spcAft>
+                <a:spcPts val="0"/>
+              </a:spcAft>
+              <a:buClrTx/>
+              <a:buSzTx/>
+              <a:buFontTx/>
+              <a:buNone/>
+              <a:tabLst/>
+              <a:defRPr/>
+            </a:pPr>
+            <a:r>
+              <a:rPr lang="en-GB" dirty="0"/>
+              <a:t>We can see the version number and basic cluster info.</a:t>
+            </a:r>
+          </a:p>
+          <a:p>
+            <a:pPr marL="0" marR="0" lvl="0" indent="0" algn="l" defTabSz="914400" rtl="0" eaLnBrk="1" fontAlgn="auto" latinLnBrk="0" hangingPunct="1">
+              <a:lnSpc>
+                <a:spcPct val="100000"/>
+              </a:lnSpc>
+              <a:spcBef>
+                <a:spcPts val="0"/>
+              </a:spcBef>
+              <a:spcAft>
+                <a:spcPts val="0"/>
+              </a:spcAft>
+              <a:buClrTx/>
+              <a:buSzTx/>
+              <a:buFontTx/>
+              <a:buNone/>
+              <a:tabLst/>
+              <a:defRPr/>
+            </a:pPr>
+            <a:r>
+              <a:rPr lang="en-GB" dirty="0"/>
+              <a:t>Elastic Search is built on top of lucence.</a:t>
+            </a:r>
+          </a:p>
+          <a:p>
+            <a:pPr marL="0" marR="0" lvl="0" indent="0" algn="l" defTabSz="914400" rtl="0" eaLnBrk="1" fontAlgn="auto" latinLnBrk="0" hangingPunct="1">
+              <a:lnSpc>
+                <a:spcPct val="100000"/>
+              </a:lnSpc>
+              <a:spcBef>
+                <a:spcPts val="0"/>
+              </a:spcBef>
+              <a:spcAft>
+                <a:spcPts val="0"/>
+              </a:spcAft>
+              <a:buClrTx/>
+              <a:buSzTx/>
+              <a:buFontTx/>
+              <a:buNone/>
+              <a:tabLst/>
+              <a:defRPr/>
+            </a:pPr>
+            <a:endParaRPr lang="en-GB" dirty="0"/>
+          </a:p>
+          <a:p>
+            <a:pPr marL="0" marR="0" lvl="0" indent="0" algn="l" defTabSz="914400" rtl="0" eaLnBrk="1" fontAlgn="auto" latinLnBrk="0" hangingPunct="1">
+              <a:lnSpc>
+                <a:spcPct val="100000"/>
+              </a:lnSpc>
+              <a:spcBef>
+                <a:spcPts val="0"/>
+              </a:spcBef>
+              <a:spcAft>
+                <a:spcPts val="0"/>
+              </a:spcAft>
+              <a:buClrTx/>
+              <a:buSzTx/>
+              <a:buFontTx/>
+              <a:buNone/>
+              <a:tabLst/>
+              <a:defRPr/>
+            </a:pPr>
+            <a:r>
+              <a:rPr lang="en-GB" dirty="0"/>
+              <a:t>Communication can be done via REST calls,  for example to view the health of our 1 node cluster</a:t>
+            </a:r>
+          </a:p>
+          <a:p>
+            <a:pPr marL="0" marR="0" lvl="0" indent="0" algn="l" defTabSz="914400" rtl="0" eaLnBrk="1" fontAlgn="auto" latinLnBrk="0" hangingPunct="1">
+              <a:lnSpc>
+                <a:spcPct val="100000"/>
+              </a:lnSpc>
+              <a:spcBef>
+                <a:spcPts val="0"/>
+              </a:spcBef>
+              <a:spcAft>
+                <a:spcPts val="0"/>
+              </a:spcAft>
+              <a:buClrTx/>
+              <a:buSzTx/>
+              <a:buFontTx/>
+              <a:buNone/>
+              <a:tabLst/>
+              <a:defRPr/>
+            </a:pPr>
+            <a:r>
+              <a:rPr lang="en-GB" dirty="0"/>
+              <a:t>http://localhost:9200/_cluster/health</a:t>
+            </a:r>
+          </a:p>
+          <a:p>
+            <a:pPr marL="0" marR="0" lvl="0" indent="0" algn="l" defTabSz="914400" rtl="0" eaLnBrk="1" fontAlgn="auto" latinLnBrk="0" hangingPunct="1">
+              <a:lnSpc>
+                <a:spcPct val="100000"/>
+              </a:lnSpc>
+              <a:spcBef>
+                <a:spcPts val="0"/>
+              </a:spcBef>
+              <a:spcAft>
+                <a:spcPts val="0"/>
+              </a:spcAft>
+              <a:buClrTx/>
+              <a:buSzTx/>
+              <a:buFontTx/>
+              <a:buNone/>
+              <a:tabLst/>
+              <a:defRPr/>
+            </a:pPr>
+            <a:endParaRPr lang="en-GB" dirty="0"/>
+          </a:p>
+          <a:p>
+            <a:pPr marL="0" marR="0" lvl="0" indent="0" algn="l" defTabSz="914400" rtl="0" eaLnBrk="1" fontAlgn="auto" latinLnBrk="0" hangingPunct="1">
+              <a:lnSpc>
+                <a:spcPct val="100000"/>
+              </a:lnSpc>
+              <a:spcBef>
+                <a:spcPts val="0"/>
+              </a:spcBef>
+              <a:spcAft>
+                <a:spcPts val="0"/>
+              </a:spcAft>
+              <a:buClrTx/>
+              <a:buSzTx/>
+              <a:buFontTx/>
+              <a:buNone/>
+              <a:tabLst/>
+              <a:defRPr/>
+            </a:pPr>
+            <a:endParaRPr lang="en-GB" dirty="0"/>
+          </a:p>
+          <a:p>
+            <a:pPr marL="0" marR="0" lvl="0" indent="0" algn="l" defTabSz="914400" rtl="0" eaLnBrk="1" fontAlgn="auto" latinLnBrk="0" hangingPunct="1">
+              <a:lnSpc>
+                <a:spcPct val="100000"/>
+              </a:lnSpc>
+              <a:spcBef>
+                <a:spcPts val="0"/>
+              </a:spcBef>
+              <a:spcAft>
+                <a:spcPts val="0"/>
+              </a:spcAft>
+              <a:buClrTx/>
+              <a:buSzTx/>
+              <a:buFontTx/>
+              <a:buNone/>
+              <a:tabLst/>
+              <a:defRPr/>
+            </a:pPr>
+            <a:endParaRPr lang="en-GB" dirty="0"/>
+          </a:p>
+          <a:p>
+            <a:pPr marL="0" marR="0" lvl="0" indent="0" algn="l" defTabSz="914400" rtl="0" eaLnBrk="1" fontAlgn="auto" latinLnBrk="0" hangingPunct="1">
+              <a:lnSpc>
+                <a:spcPct val="100000"/>
+              </a:lnSpc>
+              <a:spcBef>
+                <a:spcPts val="0"/>
+              </a:spcBef>
+              <a:spcAft>
+                <a:spcPts val="0"/>
+              </a:spcAft>
+              <a:buClrTx/>
+              <a:buSzTx/>
+              <a:buFontTx/>
+              <a:buNone/>
+              <a:tabLst/>
+              <a:defRPr/>
+            </a:pPr>
+            <a:endParaRPr lang="en-GB" dirty="0"/>
+          </a:p>
+          <a:p>
+            <a:pPr marL="0" marR="0" lvl="0" indent="0" algn="l" defTabSz="914400" rtl="0" eaLnBrk="1" fontAlgn="auto" latinLnBrk="0" hangingPunct="1">
+              <a:lnSpc>
+                <a:spcPct val="100000"/>
+              </a:lnSpc>
+              <a:spcBef>
+                <a:spcPts val="0"/>
+              </a:spcBef>
+              <a:spcAft>
+                <a:spcPts val="0"/>
+              </a:spcAft>
+              <a:buClrTx/>
+              <a:buSzTx/>
+              <a:buFontTx/>
+              <a:buNone/>
+              <a:tabLst/>
+              <a:defRPr/>
+            </a:pPr>
+            <a:r>
+              <a:rPr lang="en-GB" dirty="0"/>
+              <a:t>Stemming etc</a:t>
+            </a:r>
+          </a:p>
+          <a:p>
+            <a:endParaRPr lang="en-GB" dirty="0"/>
+          </a:p>
+        </p:txBody>
+      </p:sp>
+      <p:sp>
+        <p:nvSpPr>
+          <p:cNvPr id="4" name="Slide Number Placeholder 3"/>
+          <p:cNvSpPr>
+            <a:spLocks noGrp="1"/>
+          </p:cNvSpPr>
+          <p:nvPr>
+            <p:ph type="sldNum" sz="quarter" idx="10"/>
+          </p:nvPr>
+        </p:nvSpPr>
+        <p:spPr/>
+        <p:txBody>
+          <a:bodyPr/>
+          <a:lstStyle/>
+          <a:p>
+            <a:fld id="{90098B67-40B8-4547-BE51-824908E8A1DA}" type="slidenum">
+              <a:rPr lang="en-GB" smtClean="0"/>
+              <a:t>8</a:t>
+            </a:fld>
+            <a:endParaRPr lang="en-GB"/>
+          </a:p>
+        </p:txBody>
+      </p:sp>
+    </p:spTree>
+    <p:extLst>
+      <p:ext uri="{BB962C8B-B14F-4D97-AF65-F5344CB8AC3E}">
+        <p14:creationId xmlns:p14="http://schemas.microsoft.com/office/powerpoint/2010/main" val="1871134540"/>
+      </p:ext>
+    </p:extLst>
+  </p:cSld>
+  <p:clrMapOvr>
+    <a:masterClrMapping/>
+  </p:clrMapOvr>
+</p:notes>
+</file>
+
+<file path=ppt/notesSlides/notesSlide9.xml><?xml version="1.0" encoding="utf-8"?>
+<p:notes xmlns:a="http://schemas.openxmlformats.org/drawingml/2006/main" xmlns:r="http://schemas.openxmlformats.org/officeDocument/2006/relationships" xmlns:p="http://schemas.openxmlformats.org/presentationml/2006/main">
+  <p:cSld>
+    <p:spTree>
+      <p:nvGrpSpPr>
+        <p:cNvPr id="1" name=""/>
+        <p:cNvGrpSpPr/>
+        <p:nvPr/>
+      </p:nvGrpSpPr>
+      <p:grpSpPr>
+        <a:xfrm>
+          <a:off x="0" y="0"/>
+          <a:ext cx="0" cy="0"/>
+          <a:chOff x="0" y="0"/>
+          <a:chExt cx="0" cy="0"/>
+        </a:xfrm>
+      </p:grpSpPr>
+      <p:sp>
+        <p:nvSpPr>
+          <p:cNvPr id="2" name="Slide Image Placeholder 1"/>
+          <p:cNvSpPr>
+            <a:spLocks noGrp="1" noRot="1" noChangeAspect="1"/>
+          </p:cNvSpPr>
+          <p:nvPr>
+            <p:ph type="sldImg"/>
+          </p:nvPr>
+        </p:nvSpPr>
+        <p:spPr/>
+      </p:sp>
+      <p:sp>
+        <p:nvSpPr>
+          <p:cNvPr id="3" name="Notes Placeholder 2"/>
+          <p:cNvSpPr>
+            <a:spLocks noGrp="1"/>
+          </p:cNvSpPr>
+          <p:nvPr>
+            <p:ph type="body" idx="1"/>
+          </p:nvPr>
+        </p:nvSpPr>
+        <p:spPr/>
+        <p:txBody>
+          <a:bodyPr/>
+          <a:lstStyle/>
+          <a:p>
+            <a:r>
+              <a:rPr lang="en-GB" dirty="0"/>
+              <a:t>Describe index </a:t>
+            </a:r>
+            <a:r>
+              <a:rPr lang="en-GB"/>
+              <a:t>type and id</a:t>
+            </a:r>
+            <a:endParaRPr lang="en-GB" dirty="0"/>
+          </a:p>
+          <a:p>
+            <a:endParaRPr lang="en-GB" dirty="0"/>
+          </a:p>
+          <a:p>
+            <a:r>
+              <a:rPr lang="en-GB" dirty="0"/>
+              <a:t>Index/type/id  </a:t>
+            </a:r>
+            <a:r>
+              <a:rPr lang="en-GB" dirty="0" err="1"/>
+              <a:t>id</a:t>
+            </a:r>
+            <a:r>
+              <a:rPr lang="en-GB" dirty="0"/>
+              <a:t> is optional</a:t>
+            </a:r>
+          </a:p>
+          <a:p>
+            <a:r>
+              <a:rPr lang="en-GB" dirty="0"/>
+              <a:t>Result is created,  then updated</a:t>
+            </a:r>
+          </a:p>
+          <a:p>
+            <a:r>
+              <a:rPr lang="en-GB" dirty="0"/>
+              <a:t>The version number also goes up</a:t>
+            </a:r>
+          </a:p>
+          <a:p>
+            <a:endParaRPr lang="en-GB" dirty="0"/>
+          </a:p>
+          <a:p>
+            <a:endParaRPr lang="en-GB" dirty="0"/>
+          </a:p>
+        </p:txBody>
+      </p:sp>
+      <p:sp>
+        <p:nvSpPr>
+          <p:cNvPr id="4" name="Slide Number Placeholder 3"/>
+          <p:cNvSpPr>
+            <a:spLocks noGrp="1"/>
+          </p:cNvSpPr>
+          <p:nvPr>
+            <p:ph type="sldNum" sz="quarter" idx="10"/>
+          </p:nvPr>
+        </p:nvSpPr>
+        <p:spPr/>
+        <p:txBody>
+          <a:bodyPr/>
+          <a:lstStyle/>
+          <a:p>
+            <a:fld id="{90098B67-40B8-4547-BE51-824908E8A1DA}" type="slidenum">
+              <a:rPr lang="en-GB" smtClean="0"/>
+              <a:t>9</a:t>
+            </a:fld>
+            <a:endParaRPr lang="en-GB"/>
+          </a:p>
+        </p:txBody>
+      </p:sp>
+    </p:spTree>
+    <p:extLst>
+      <p:ext uri="{BB962C8B-B14F-4D97-AF65-F5344CB8AC3E}">
+        <p14:creationId xmlns:p14="http://schemas.microsoft.com/office/powerpoint/2010/main" val="3342324291"/>
+      </p:ext>
+    </p:extLst>
+  </p:cSld>
+  <p:clrMapOvr>
+    <a:masterClrMapping/>
+  </p:clrMapOvr>
+</p:notes>
 </file>
 
 <file path=ppt/slideLayouts/slideLayout1.xml><?xml version="1.0" encoding="utf-8"?>
@@ -268,7 +2584,7 @@
           <a:p>
             <a:fld id="{55A080D0-3795-4F02-BAAA-BB4B6EB6B790}" type="datetimeFigureOut">
               <a:rPr lang="en-GB" smtClean="0"/>
-              <a:t>15/05/2018</a:t>
+              <a:t>18/05/2018</a:t>
             </a:fld>
             <a:endParaRPr lang="en-GB"/>
           </a:p>
@@ -468,7 +2784,7 @@
           <a:p>
             <a:fld id="{55A080D0-3795-4F02-BAAA-BB4B6EB6B790}" type="datetimeFigureOut">
               <a:rPr lang="en-GB" smtClean="0"/>
-              <a:t>15/05/2018</a:t>
+              <a:t>18/05/2018</a:t>
             </a:fld>
             <a:endParaRPr lang="en-GB"/>
           </a:p>
@@ -678,7 +2994,7 @@
           <a:p>
             <a:fld id="{55A080D0-3795-4F02-BAAA-BB4B6EB6B790}" type="datetimeFigureOut">
               <a:rPr lang="en-GB" smtClean="0"/>
-              <a:t>15/05/2018</a:t>
+              <a:t>18/05/2018</a:t>
             </a:fld>
             <a:endParaRPr lang="en-GB"/>
           </a:p>
@@ -878,7 +3194,7 @@
           <a:p>
             <a:fld id="{55A080D0-3795-4F02-BAAA-BB4B6EB6B790}" type="datetimeFigureOut">
               <a:rPr lang="en-GB" smtClean="0"/>
-              <a:t>15/05/2018</a:t>
+              <a:t>18/05/2018</a:t>
             </a:fld>
             <a:endParaRPr lang="en-GB"/>
           </a:p>
@@ -1154,7 +3470,7 @@
           <a:p>
             <a:fld id="{55A080D0-3795-4F02-BAAA-BB4B6EB6B790}" type="datetimeFigureOut">
               <a:rPr lang="en-GB" smtClean="0"/>
-              <a:t>15/05/2018</a:t>
+              <a:t>18/05/2018</a:t>
             </a:fld>
             <a:endParaRPr lang="en-GB"/>
           </a:p>
@@ -1422,7 +3738,7 @@
           <a:p>
             <a:fld id="{55A080D0-3795-4F02-BAAA-BB4B6EB6B790}" type="datetimeFigureOut">
               <a:rPr lang="en-GB" smtClean="0"/>
-              <a:t>15/05/2018</a:t>
+              <a:t>18/05/2018</a:t>
             </a:fld>
             <a:endParaRPr lang="en-GB"/>
           </a:p>
@@ -1837,7 +4153,7 @@
           <a:p>
             <a:fld id="{55A080D0-3795-4F02-BAAA-BB4B6EB6B790}" type="datetimeFigureOut">
               <a:rPr lang="en-GB" smtClean="0"/>
-              <a:t>15/05/2018</a:t>
+              <a:t>18/05/2018</a:t>
             </a:fld>
             <a:endParaRPr lang="en-GB"/>
           </a:p>
@@ -1979,7 +4295,7 @@
           <a:p>
             <a:fld id="{55A080D0-3795-4F02-BAAA-BB4B6EB6B790}" type="datetimeFigureOut">
               <a:rPr lang="en-GB" smtClean="0"/>
-              <a:t>15/05/2018</a:t>
+              <a:t>18/05/2018</a:t>
             </a:fld>
             <a:endParaRPr lang="en-GB"/>
           </a:p>
@@ -2092,7 +4408,7 @@
           <a:p>
             <a:fld id="{55A080D0-3795-4F02-BAAA-BB4B6EB6B790}" type="datetimeFigureOut">
               <a:rPr lang="en-GB" smtClean="0"/>
-              <a:t>15/05/2018</a:t>
+              <a:t>18/05/2018</a:t>
             </a:fld>
             <a:endParaRPr lang="en-GB"/>
           </a:p>
@@ -2405,7 +4721,7 @@
           <a:p>
             <a:fld id="{55A080D0-3795-4F02-BAAA-BB4B6EB6B790}" type="datetimeFigureOut">
               <a:rPr lang="en-GB" smtClean="0"/>
-              <a:t>15/05/2018</a:t>
+              <a:t>18/05/2018</a:t>
             </a:fld>
             <a:endParaRPr lang="en-GB"/>
           </a:p>
@@ -2694,7 +5010,7 @@
           <a:p>
             <a:fld id="{55A080D0-3795-4F02-BAAA-BB4B6EB6B790}" type="datetimeFigureOut">
               <a:rPr lang="en-GB" smtClean="0"/>
-              <a:t>15/05/2018</a:t>
+              <a:t>18/05/2018</a:t>
             </a:fld>
             <a:endParaRPr lang="en-GB"/>
           </a:p>
@@ -2937,7 +5253,7 @@
           <a:p>
             <a:fld id="{55A080D0-3795-4F02-BAAA-BB4B6EB6B790}" type="datetimeFigureOut">
               <a:rPr lang="en-GB" smtClean="0"/>
-              <a:t>15/05/2018</a:t>
+              <a:t>18/05/2018</a:t>
             </a:fld>
             <a:endParaRPr lang="en-GB"/>
           </a:p>
@@ -3370,9 +5686,16 @@
             <p:ph type="ctrTitle"/>
           </p:nvPr>
         </p:nvSpPr>
-        <p:spPr/>
-        <p:txBody>
-          <a:bodyPr/>
+        <p:spPr>
+          <a:xfrm>
+            <a:off x="5840963" y="829323"/>
+            <a:ext cx="4966996" cy="2387600"/>
+          </a:xfrm>
+        </p:spPr>
+        <p:txBody>
+          <a:bodyPr>
+            <a:normAutofit fontScale="90000"/>
+          </a:bodyPr>
           <a:lstStyle/>
           <a:p>
             <a:r>
@@ -3398,7 +5721,12 @@
             <p:ph type="subTitle" idx="1"/>
           </p:nvPr>
         </p:nvSpPr>
-        <p:spPr/>
+        <p:spPr>
+          <a:xfrm>
+            <a:off x="6060232" y="4190676"/>
+            <a:ext cx="4528457" cy="1655762"/>
+          </a:xfrm>
+        </p:spPr>
         <p:txBody>
           <a:bodyPr/>
           <a:lstStyle/>
@@ -3427,10 +5755,326 @@
           </a:p>
         </p:txBody>
       </p:sp>
+      <p:pic>
+        <p:nvPicPr>
+          <p:cNvPr id="6" name="Graphic 5">
+            <a:extLst>
+              <a:ext uri="{FF2B5EF4-FFF2-40B4-BE49-F238E27FC236}">
+                <a16:creationId xmlns:a16="http://schemas.microsoft.com/office/drawing/2014/main" id="{83427523-B001-463C-BD06-C30A70E1833C}"/>
+              </a:ext>
+            </a:extLst>
+          </p:cNvPr>
+          <p:cNvPicPr>
+            <a:picLocks noChangeAspect="1"/>
+          </p:cNvPicPr>
+          <p:nvPr/>
+        </p:nvPicPr>
+        <p:blipFill>
+          <a:blip r:embed="rId3">
+            <a:extLst>
+              <a:ext uri="{96DAC541-7B7A-43D3-8B79-37D633B846F1}">
+                <asvg:svgBlip xmlns:asvg="http://schemas.microsoft.com/office/drawing/2016/SVG/main" r:embed="rId4"/>
+              </a:ext>
+            </a:extLst>
+          </a:blip>
+          <a:stretch>
+            <a:fillRect/>
+          </a:stretch>
+        </p:blipFill>
+        <p:spPr>
+          <a:xfrm>
+            <a:off x="0" y="-144430"/>
+            <a:ext cx="6722706" cy="6722706"/>
+          </a:xfrm>
+          <a:prstGeom prst="rect">
+            <a:avLst/>
+          </a:prstGeom>
+        </p:spPr>
+      </p:pic>
     </p:spTree>
     <p:extLst>
       <p:ext uri="{BB962C8B-B14F-4D97-AF65-F5344CB8AC3E}">
         <p14:creationId xmlns:p14="http://schemas.microsoft.com/office/powerpoint/2010/main" val="141226435"/>
+      </p:ext>
+    </p:extLst>
+  </p:cSld>
+  <p:clrMapOvr>
+    <a:masterClrMapping/>
+  </p:clrMapOvr>
+</p:sld>
+</file>
+
+<file path=ppt/slides/slide10.xml><?xml version="1.0" encoding="utf-8"?>
+<p:sld xmlns:a="http://schemas.openxmlformats.org/drawingml/2006/main" xmlns:r="http://schemas.openxmlformats.org/officeDocument/2006/relationships" xmlns:p="http://schemas.openxmlformats.org/presentationml/2006/main">
+  <p:cSld>
+    <p:spTree>
+      <p:nvGrpSpPr>
+        <p:cNvPr id="1" name=""/>
+        <p:cNvGrpSpPr/>
+        <p:nvPr/>
+      </p:nvGrpSpPr>
+      <p:grpSpPr>
+        <a:xfrm>
+          <a:off x="0" y="0"/>
+          <a:ext cx="0" cy="0"/>
+          <a:chOff x="0" y="0"/>
+          <a:chExt cx="0" cy="0"/>
+        </a:xfrm>
+      </p:grpSpPr>
+      <p:sp>
+        <p:nvSpPr>
+          <p:cNvPr id="2" name="Title 1">
+            <a:extLst>
+              <a:ext uri="{FF2B5EF4-FFF2-40B4-BE49-F238E27FC236}">
+                <a16:creationId xmlns:a16="http://schemas.microsoft.com/office/drawing/2014/main" id="{F4010A9B-D84D-4283-AEB9-3CF530E98985}"/>
+              </a:ext>
+            </a:extLst>
+          </p:cNvPr>
+          <p:cNvSpPr>
+            <a:spLocks noGrp="1"/>
+          </p:cNvSpPr>
+          <p:nvPr>
+            <p:ph type="title"/>
+          </p:nvPr>
+        </p:nvSpPr>
+        <p:spPr/>
+        <p:txBody>
+          <a:bodyPr/>
+          <a:lstStyle/>
+          <a:p>
+            <a:r>
+              <a:rPr lang="en-GB" dirty="0"/>
+              <a:t>Security</a:t>
+            </a:r>
+          </a:p>
+        </p:txBody>
+      </p:sp>
+      <p:sp>
+        <p:nvSpPr>
+          <p:cNvPr id="3" name="Content Placeholder 2">
+            <a:extLst>
+              <a:ext uri="{FF2B5EF4-FFF2-40B4-BE49-F238E27FC236}">
+                <a16:creationId xmlns:a16="http://schemas.microsoft.com/office/drawing/2014/main" id="{1869931A-6396-434B-98A9-F7607010DC0D}"/>
+              </a:ext>
+            </a:extLst>
+          </p:cNvPr>
+          <p:cNvSpPr>
+            <a:spLocks noGrp="1"/>
+          </p:cNvSpPr>
+          <p:nvPr>
+            <p:ph idx="1"/>
+          </p:nvPr>
+        </p:nvSpPr>
+        <p:spPr/>
+        <p:txBody>
+          <a:bodyPr/>
+          <a:lstStyle/>
+          <a:p>
+            <a:r>
+              <a:rPr lang="en-GB" dirty="0" err="1"/>
+              <a:t>xpack</a:t>
+            </a:r>
+            <a:endParaRPr lang="en-GB" dirty="0"/>
+          </a:p>
+        </p:txBody>
+      </p:sp>
+    </p:spTree>
+    <p:extLst>
+      <p:ext uri="{BB962C8B-B14F-4D97-AF65-F5344CB8AC3E}">
+        <p14:creationId xmlns:p14="http://schemas.microsoft.com/office/powerpoint/2010/main" val="2519680046"/>
+      </p:ext>
+    </p:extLst>
+  </p:cSld>
+  <p:clrMapOvr>
+    <a:masterClrMapping/>
+  </p:clrMapOvr>
+</p:sld>
+</file>
+
+<file path=ppt/slides/slide11.xml><?xml version="1.0" encoding="utf-8"?>
+<p:sld xmlns:a="http://schemas.openxmlformats.org/drawingml/2006/main" xmlns:r="http://schemas.openxmlformats.org/officeDocument/2006/relationships" xmlns:p="http://schemas.openxmlformats.org/presentationml/2006/main">
+  <p:cSld>
+    <p:spTree>
+      <p:nvGrpSpPr>
+        <p:cNvPr id="1" name=""/>
+        <p:cNvGrpSpPr/>
+        <p:nvPr/>
+      </p:nvGrpSpPr>
+      <p:grpSpPr>
+        <a:xfrm>
+          <a:off x="0" y="0"/>
+          <a:ext cx="0" cy="0"/>
+          <a:chOff x="0" y="0"/>
+          <a:chExt cx="0" cy="0"/>
+        </a:xfrm>
+      </p:grpSpPr>
+      <p:sp>
+        <p:nvSpPr>
+          <p:cNvPr id="2" name="Title 1">
+            <a:extLst>
+              <a:ext uri="{FF2B5EF4-FFF2-40B4-BE49-F238E27FC236}">
+                <a16:creationId xmlns:a16="http://schemas.microsoft.com/office/drawing/2014/main" id="{DDF58DA0-990D-484F-93D7-8B9090358026}"/>
+              </a:ext>
+            </a:extLst>
+          </p:cNvPr>
+          <p:cNvSpPr>
+            <a:spLocks noGrp="1"/>
+          </p:cNvSpPr>
+          <p:nvPr>
+            <p:ph type="title"/>
+          </p:nvPr>
+        </p:nvSpPr>
+        <p:spPr/>
+        <p:txBody>
+          <a:bodyPr/>
+          <a:lstStyle/>
+          <a:p>
+            <a:r>
+              <a:rPr lang="en-GB" dirty="0"/>
+              <a:t>Scaling - Distributed</a:t>
+            </a:r>
+          </a:p>
+        </p:txBody>
+      </p:sp>
+      <p:sp>
+        <p:nvSpPr>
+          <p:cNvPr id="3" name="Content Placeholder 2">
+            <a:extLst>
+              <a:ext uri="{FF2B5EF4-FFF2-40B4-BE49-F238E27FC236}">
+                <a16:creationId xmlns:a16="http://schemas.microsoft.com/office/drawing/2014/main" id="{6DAB77C5-51C9-40BF-B81B-F16A87D3E745}"/>
+              </a:ext>
+            </a:extLst>
+          </p:cNvPr>
+          <p:cNvSpPr>
+            <a:spLocks noGrp="1"/>
+          </p:cNvSpPr>
+          <p:nvPr>
+            <p:ph idx="1"/>
+          </p:nvPr>
+        </p:nvSpPr>
+        <p:spPr/>
+        <p:txBody>
+          <a:bodyPr/>
+          <a:lstStyle/>
+          <a:p>
+            <a:endParaRPr lang="en-GB"/>
+          </a:p>
+        </p:txBody>
+      </p:sp>
+    </p:spTree>
+    <p:extLst>
+      <p:ext uri="{BB962C8B-B14F-4D97-AF65-F5344CB8AC3E}">
+        <p14:creationId xmlns:p14="http://schemas.microsoft.com/office/powerpoint/2010/main" val="2549997507"/>
+      </p:ext>
+    </p:extLst>
+  </p:cSld>
+  <p:clrMapOvr>
+    <a:masterClrMapping/>
+  </p:clrMapOvr>
+</p:sld>
+</file>
+
+<file path=ppt/slides/slide12.xml><?xml version="1.0" encoding="utf-8"?>
+<p:sld xmlns:a="http://schemas.openxmlformats.org/drawingml/2006/main" xmlns:r="http://schemas.openxmlformats.org/officeDocument/2006/relationships" xmlns:p="http://schemas.openxmlformats.org/presentationml/2006/main">
+  <p:cSld>
+    <p:spTree>
+      <p:nvGrpSpPr>
+        <p:cNvPr id="1" name=""/>
+        <p:cNvGrpSpPr/>
+        <p:nvPr/>
+      </p:nvGrpSpPr>
+      <p:grpSpPr>
+        <a:xfrm>
+          <a:off x="0" y="0"/>
+          <a:ext cx="0" cy="0"/>
+          <a:chOff x="0" y="0"/>
+          <a:chExt cx="0" cy="0"/>
+        </a:xfrm>
+      </p:grpSpPr>
+      <p:sp>
+        <p:nvSpPr>
+          <p:cNvPr id="2" name="Title 1">
+            <a:extLst>
+              <a:ext uri="{FF2B5EF4-FFF2-40B4-BE49-F238E27FC236}">
+                <a16:creationId xmlns:a16="http://schemas.microsoft.com/office/drawing/2014/main" id="{31271F82-D4D8-4636-BE90-930398540028}"/>
+              </a:ext>
+            </a:extLst>
+          </p:cNvPr>
+          <p:cNvSpPr>
+            <a:spLocks noGrp="1"/>
+          </p:cNvSpPr>
+          <p:nvPr>
+            <p:ph type="title"/>
+          </p:nvPr>
+        </p:nvSpPr>
+        <p:spPr/>
+        <p:txBody>
+          <a:bodyPr/>
+          <a:lstStyle/>
+          <a:p>
+            <a:r>
+              <a:rPr lang="en-GB" dirty="0"/>
+              <a:t>Logs</a:t>
+            </a:r>
+          </a:p>
+        </p:txBody>
+      </p:sp>
+      <p:sp>
+        <p:nvSpPr>
+          <p:cNvPr id="3" name="Content Placeholder 2">
+            <a:extLst>
+              <a:ext uri="{FF2B5EF4-FFF2-40B4-BE49-F238E27FC236}">
+                <a16:creationId xmlns:a16="http://schemas.microsoft.com/office/drawing/2014/main" id="{A59A35DA-2F1B-4FD5-8F6A-2688C31BB724}"/>
+              </a:ext>
+            </a:extLst>
+          </p:cNvPr>
+          <p:cNvSpPr>
+            <a:spLocks noGrp="1"/>
+          </p:cNvSpPr>
+          <p:nvPr>
+            <p:ph idx="1"/>
+          </p:nvPr>
+        </p:nvSpPr>
+        <p:spPr/>
+        <p:txBody>
+          <a:bodyPr/>
+          <a:lstStyle/>
+          <a:p>
+            <a:r>
+              <a:rPr lang="en-GB" dirty="0"/>
+              <a:t>Log Stash</a:t>
+            </a:r>
+          </a:p>
+          <a:p>
+            <a:r>
+              <a:rPr lang="en-GB" dirty="0"/>
+              <a:t>Kibana</a:t>
+            </a:r>
+          </a:p>
+          <a:p>
+            <a:r>
+              <a:rPr lang="en-GB" dirty="0"/>
+              <a:t>Beats</a:t>
+            </a:r>
+          </a:p>
+          <a:p>
+            <a:endParaRPr lang="en-GB" dirty="0"/>
+          </a:p>
+          <a:p>
+            <a:endParaRPr lang="en-GB" dirty="0"/>
+          </a:p>
+          <a:p>
+            <a:r>
+              <a:rPr lang="en-GB" dirty="0"/>
+              <a:t>DEMO</a:t>
+            </a:r>
+          </a:p>
+        </p:txBody>
+      </p:sp>
+    </p:spTree>
+    <p:extLst>
+      <p:ext uri="{BB962C8B-B14F-4D97-AF65-F5344CB8AC3E}">
+        <p14:creationId xmlns:p14="http://schemas.microsoft.com/office/powerpoint/2010/main" val="4103799751"/>
       </p:ext>
     </p:extLst>
   </p:cSld>
@@ -3462,7 +6106,7 @@
           <p:cNvPr id="2" name="Title 1">
             <a:extLst>
               <a:ext uri="{FF2B5EF4-FFF2-40B4-BE49-F238E27FC236}">
-                <a16:creationId xmlns:a16="http://schemas.microsoft.com/office/drawing/2014/main" id="{45319F7C-E208-4C87-A213-55C91BDFB4D0}"/>
+                <a16:creationId xmlns:a16="http://schemas.microsoft.com/office/drawing/2014/main" id="{38AC9323-FF3C-42D7-A1B3-6D99FE5CF288}"/>
               </a:ext>
             </a:extLst>
           </p:cNvPr>
@@ -3473,24 +6117,36 @@
             <p:ph type="title"/>
           </p:nvPr>
         </p:nvSpPr>
-        <p:spPr/>
+        <p:spPr>
+          <a:xfrm>
+            <a:off x="0" y="0"/>
+            <a:ext cx="12192000" cy="829691"/>
+          </a:xfrm>
+          <a:solidFill>
+            <a:schemeClr val="accent4">
+              <a:lumMod val="40000"/>
+              <a:lumOff val="60000"/>
+            </a:schemeClr>
+          </a:solidFill>
+        </p:spPr>
         <p:txBody>
           <a:bodyPr/>
           <a:lstStyle/>
           <a:p>
+            <a:pPr algn="ctr"/>
             <a:r>
               <a:rPr lang="en-GB" dirty="0"/>
-              <a:t>Typical Application</a:t>
+              <a:t>Tonight</a:t>
             </a:r>
           </a:p>
         </p:txBody>
       </p:sp>
       <p:pic>
         <p:nvPicPr>
-          <p:cNvPr id="4" name="Content Placeholder 3">
-            <a:extLst>
-              <a:ext uri="{FF2B5EF4-FFF2-40B4-BE49-F238E27FC236}">
-                <a16:creationId xmlns:a16="http://schemas.microsoft.com/office/drawing/2014/main" id="{0C6FEB15-E2CB-407A-9E79-ED77B14CD61B}"/>
+          <p:cNvPr id="5" name="Content Placeholder 4">
+            <a:extLst>
+              <a:ext uri="{FF2B5EF4-FFF2-40B4-BE49-F238E27FC236}">
+                <a16:creationId xmlns:a16="http://schemas.microsoft.com/office/drawing/2014/main" id="{A53DA45A-9FB5-4BEA-B30F-D8386A8F2335}"/>
               </a:ext>
             </a:extLst>
           </p:cNvPr>
@@ -3502,25 +6158,28 @@
           </p:nvPr>
         </p:nvPicPr>
         <p:blipFill>
-          <a:blip r:embed="rId2"/>
+          <a:blip r:embed="rId3">
+            <a:extLst>
+              <a:ext uri="{28A0092B-C50C-407E-A947-70E740481C1C}">
+                <a14:useLocalDpi xmlns:a14="http://schemas.microsoft.com/office/drawing/2010/main" val="0"/>
+              </a:ext>
+            </a:extLst>
+          </a:blip>
           <a:stretch>
             <a:fillRect/>
           </a:stretch>
         </p:blipFill>
         <p:spPr>
           <a:xfrm>
-            <a:off x="4942390" y="1791947"/>
-            <a:ext cx="3718614" cy="3935346"/>
+            <a:off x="3185156" y="1011935"/>
+            <a:ext cx="5215132" cy="6319765"/>
           </a:xfrm>
-          <a:prstGeom prst="rect">
-            <a:avLst/>
-          </a:prstGeom>
         </p:spPr>
       </p:pic>
     </p:spTree>
     <p:extLst>
       <p:ext uri="{BB962C8B-B14F-4D97-AF65-F5344CB8AC3E}">
-        <p14:creationId xmlns:p14="http://schemas.microsoft.com/office/powerpoint/2010/main" val="2464148189"/>
+        <p14:creationId xmlns:p14="http://schemas.microsoft.com/office/powerpoint/2010/main" val="238602597"/>
       </p:ext>
     </p:extLst>
   </p:cSld>
@@ -3552,7 +6211,7 @@
           <p:cNvPr id="2" name="Title 1">
             <a:extLst>
               <a:ext uri="{FF2B5EF4-FFF2-40B4-BE49-F238E27FC236}">
-                <a16:creationId xmlns:a16="http://schemas.microsoft.com/office/drawing/2014/main" id="{0C575A61-4900-411C-A686-382AA348A4AA}"/>
+                <a16:creationId xmlns:a16="http://schemas.microsoft.com/office/drawing/2014/main" id="{6D7E9EF1-7AF7-4D36-B8FE-ABFDF2449A75}"/>
               </a:ext>
             </a:extLst>
           </p:cNvPr>
@@ -3563,74 +6222,313 @@
             <p:ph type="title"/>
           </p:nvPr>
         </p:nvSpPr>
-        <p:spPr/>
+        <p:spPr>
+          <a:xfrm>
+            <a:off x="0" y="1"/>
+            <a:ext cx="12192000" cy="755904"/>
+          </a:xfrm>
+          <a:solidFill>
+            <a:schemeClr val="accent6">
+              <a:lumMod val="40000"/>
+              <a:lumOff val="60000"/>
+            </a:schemeClr>
+          </a:solidFill>
+        </p:spPr>
         <p:txBody>
           <a:bodyPr/>
           <a:lstStyle/>
           <a:p>
+            <a:pPr algn="ctr"/>
             <a:r>
               <a:rPr lang="en-GB" dirty="0"/>
-              <a:t>Problems</a:t>
-            </a:r>
-          </a:p>
-        </p:txBody>
-      </p:sp>
-      <p:sp>
-        <p:nvSpPr>
-          <p:cNvPr id="3" name="Content Placeholder 2">
-            <a:extLst>
-              <a:ext uri="{FF2B5EF4-FFF2-40B4-BE49-F238E27FC236}">
-                <a16:creationId xmlns:a16="http://schemas.microsoft.com/office/drawing/2014/main" id="{B78578B3-B782-40BE-BE71-D824E54381CF}"/>
-              </a:ext>
-            </a:extLst>
-          </p:cNvPr>
-          <p:cNvSpPr>
-            <a:spLocks noGrp="1"/>
-          </p:cNvSpPr>
-          <p:nvPr>
-            <p:ph idx="1"/>
-          </p:nvPr>
-        </p:nvSpPr>
-        <p:spPr/>
-        <p:txBody>
-          <a:bodyPr/>
-          <a:lstStyle/>
-          <a:p>
-            <a:r>
-              <a:rPr lang="en-GB" dirty="0"/>
-              <a:t>Search across many fields – Demo -  Index Scan</a:t>
-            </a:r>
-          </a:p>
-          <a:p>
-            <a:r>
-              <a:rPr lang="en-GB" dirty="0"/>
-              <a:t>Full Text Search – Out of process - Demo</a:t>
-            </a:r>
-          </a:p>
-          <a:p>
-            <a:r>
-              <a:rPr lang="en-GB" dirty="0"/>
-              <a:t>Scaling – Replication  / Log Shipping etc</a:t>
-            </a:r>
-          </a:p>
-          <a:p>
-            <a:pPr marL="0" indent="0">
-              <a:buNone/>
-            </a:pPr>
-            <a:endParaRPr lang="en-GB" dirty="0"/>
-          </a:p>
-        </p:txBody>
-      </p:sp>
+              <a:t>Requirement</a:t>
+            </a:r>
+          </a:p>
+        </p:txBody>
+      </p:sp>
+      <p:sp>
+        <p:nvSpPr>
+          <p:cNvPr id="4" name="AutoShape 2" descr="Image result for stackoverflow">
+            <a:extLst>
+              <a:ext uri="{FF2B5EF4-FFF2-40B4-BE49-F238E27FC236}">
+                <a16:creationId xmlns:a16="http://schemas.microsoft.com/office/drawing/2014/main" id="{A59D0924-6DE7-4298-ADEE-BC29ABF571A3}"/>
+              </a:ext>
+            </a:extLst>
+          </p:cNvPr>
+          <p:cNvSpPr>
+            <a:spLocks noChangeAspect="1" noChangeArrowheads="1"/>
+          </p:cNvSpPr>
+          <p:nvPr/>
+        </p:nvSpPr>
+        <p:spPr bwMode="auto">
+          <a:xfrm>
+            <a:off x="5943600" y="3276600"/>
+            <a:ext cx="304800" cy="304800"/>
+          </a:xfrm>
+          <a:prstGeom prst="rect">
+            <a:avLst/>
+          </a:prstGeom>
+          <a:noFill/>
+          <a:extLst>
+            <a:ext uri="{909E8E84-426E-40DD-AFC4-6F175D3DCCD1}">
+              <a14:hiddenFill xmlns:a14="http://schemas.microsoft.com/office/drawing/2010/main">
+                <a:solidFill>
+                  <a:srgbClr val="FFFFFF"/>
+                </a:solidFill>
+              </a14:hiddenFill>
+            </a:ext>
+          </a:extLst>
+        </p:spPr>
+        <p:txBody>
+          <a:bodyPr vert="horz" wrap="square" lIns="91440" tIns="45720" rIns="91440" bIns="45720" numCol="1" anchor="t" anchorCtr="0" compatLnSpc="1">
+            <a:prstTxWarp prst="textNoShape">
+              <a:avLst/>
+            </a:prstTxWarp>
+          </a:bodyPr>
+          <a:lstStyle/>
+          <a:p>
+            <a:endParaRPr lang="en-GB"/>
+          </a:p>
+        </p:txBody>
+      </p:sp>
+      <p:pic>
+        <p:nvPicPr>
+          <p:cNvPr id="6" name="Picture 5">
+            <a:extLst>
+              <a:ext uri="{FF2B5EF4-FFF2-40B4-BE49-F238E27FC236}">
+                <a16:creationId xmlns:a16="http://schemas.microsoft.com/office/drawing/2014/main" id="{AFB5CD2C-D582-4F87-B850-8495F7AB1AC7}"/>
+              </a:ext>
+            </a:extLst>
+          </p:cNvPr>
+          <p:cNvPicPr>
+            <a:picLocks noChangeAspect="1"/>
+          </p:cNvPicPr>
+          <p:nvPr/>
+        </p:nvPicPr>
+        <p:blipFill>
+          <a:blip r:embed="rId3">
+            <a:extLst>
+              <a:ext uri="{28A0092B-C50C-407E-A947-70E740481C1C}">
+                <a14:useLocalDpi xmlns:a14="http://schemas.microsoft.com/office/drawing/2010/main" val="0"/>
+              </a:ext>
+            </a:extLst>
+          </a:blip>
+          <a:stretch>
+            <a:fillRect/>
+          </a:stretch>
+        </p:blipFill>
+        <p:spPr>
+          <a:xfrm>
+            <a:off x="1066800" y="1753933"/>
+            <a:ext cx="9753600" cy="2447925"/>
+          </a:xfrm>
+          <a:prstGeom prst="rect">
+            <a:avLst/>
+          </a:prstGeom>
+        </p:spPr>
+      </p:pic>
+      <p:pic>
+        <p:nvPicPr>
+          <p:cNvPr id="8" name="Picture 7">
+            <a:extLst>
+              <a:ext uri="{FF2B5EF4-FFF2-40B4-BE49-F238E27FC236}">
+                <a16:creationId xmlns:a16="http://schemas.microsoft.com/office/drawing/2014/main" id="{AA2973C0-4E8B-40CB-BD3F-850602D69993}"/>
+              </a:ext>
+            </a:extLst>
+          </p:cNvPr>
+          <p:cNvPicPr>
+            <a:picLocks noChangeAspect="1"/>
+          </p:cNvPicPr>
+          <p:nvPr/>
+        </p:nvPicPr>
+        <p:blipFill>
+          <a:blip r:embed="rId4">
+            <a:extLst>
+              <a:ext uri="{28A0092B-C50C-407E-A947-70E740481C1C}">
+                <a14:useLocalDpi xmlns:a14="http://schemas.microsoft.com/office/drawing/2010/main" val="0"/>
+              </a:ext>
+            </a:extLst>
+          </a:blip>
+          <a:stretch>
+            <a:fillRect/>
+          </a:stretch>
+        </p:blipFill>
+        <p:spPr>
+          <a:xfrm>
+            <a:off x="3082831" y="1919476"/>
+            <a:ext cx="6331138" cy="3323847"/>
+          </a:xfrm>
+          <a:prstGeom prst="rect">
+            <a:avLst/>
+          </a:prstGeom>
+        </p:spPr>
+      </p:pic>
+      <p:pic>
+        <p:nvPicPr>
+          <p:cNvPr id="10" name="Picture 9">
+            <a:extLst>
+              <a:ext uri="{FF2B5EF4-FFF2-40B4-BE49-F238E27FC236}">
+                <a16:creationId xmlns:a16="http://schemas.microsoft.com/office/drawing/2014/main" id="{FA8B4CE8-14FC-4C0C-8EA1-E57117AEAAE6}"/>
+              </a:ext>
+            </a:extLst>
+          </p:cNvPr>
+          <p:cNvPicPr>
+            <a:picLocks noChangeAspect="1"/>
+          </p:cNvPicPr>
+          <p:nvPr/>
+        </p:nvPicPr>
+        <p:blipFill>
+          <a:blip r:embed="rId5">
+            <a:extLst>
+              <a:ext uri="{28A0092B-C50C-407E-A947-70E740481C1C}">
+                <a14:useLocalDpi xmlns:a14="http://schemas.microsoft.com/office/drawing/2010/main" val="0"/>
+              </a:ext>
+            </a:extLst>
+          </a:blip>
+          <a:stretch>
+            <a:fillRect/>
+          </a:stretch>
+        </p:blipFill>
+        <p:spPr>
+          <a:xfrm>
+            <a:off x="0" y="755905"/>
+            <a:ext cx="12192000" cy="6102095"/>
+          </a:xfrm>
+          <a:prstGeom prst="rect">
+            <a:avLst/>
+          </a:prstGeom>
+        </p:spPr>
+      </p:pic>
     </p:spTree>
     <p:extLst>
       <p:ext uri="{BB962C8B-B14F-4D97-AF65-F5344CB8AC3E}">
-        <p14:creationId xmlns:p14="http://schemas.microsoft.com/office/powerpoint/2010/main" val="721777380"/>
+        <p14:creationId xmlns:p14="http://schemas.microsoft.com/office/powerpoint/2010/main" val="2453039718"/>
       </p:ext>
     </p:extLst>
   </p:cSld>
   <p:clrMapOvr>
     <a:masterClrMapping/>
   </p:clrMapOvr>
+  <p:timing>
+    <p:tnLst>
+      <p:par>
+        <p:cTn id="1" dur="indefinite" restart="never" nodeType="tmRoot">
+          <p:childTnLst>
+            <p:seq concurrent="1" nextAc="seek">
+              <p:cTn id="2" dur="indefinite" nodeType="mainSeq">
+                <p:childTnLst>
+                  <p:par>
+                    <p:cTn id="3" fill="hold">
+                      <p:stCondLst>
+                        <p:cond delay="indefinite"/>
+                      </p:stCondLst>
+                      <p:childTnLst>
+                        <p:par>
+                          <p:cTn id="4" fill="hold">
+                            <p:stCondLst>
+                              <p:cond delay="0"/>
+                            </p:stCondLst>
+                            <p:childTnLst>
+                              <p:par>
+                                <p:cTn id="5" presetID="1" presetClass="entr" presetSubtype="0" fill="hold" nodeType="clickEffect">
+                                  <p:stCondLst>
+                                    <p:cond delay="0"/>
+                                  </p:stCondLst>
+                                  <p:childTnLst>
+                                    <p:set>
+                                      <p:cBhvr>
+                                        <p:cTn id="6" dur="1" fill="hold">
+                                          <p:stCondLst>
+                                            <p:cond delay="0"/>
+                                          </p:stCondLst>
+                                        </p:cTn>
+                                        <p:tgtEl>
+                                          <p:spTgt spid="8"/>
+                                        </p:tgtEl>
+                                        <p:attrNameLst>
+                                          <p:attrName>style.visibility</p:attrName>
+                                        </p:attrNameLst>
+                                      </p:cBhvr>
+                                      <p:to>
+                                        <p:strVal val="visible"/>
+                                      </p:to>
+                                    </p:set>
+                                  </p:childTnLst>
+                                </p:cTn>
+                              </p:par>
+                            </p:childTnLst>
+                          </p:cTn>
+                        </p:par>
+                      </p:childTnLst>
+                    </p:cTn>
+                  </p:par>
+                  <p:par>
+                    <p:cTn id="7" fill="hold">
+                      <p:stCondLst>
+                        <p:cond delay="indefinite"/>
+                      </p:stCondLst>
+                      <p:childTnLst>
+                        <p:par>
+                          <p:cTn id="8" fill="hold">
+                            <p:stCondLst>
+                              <p:cond delay="0"/>
+                            </p:stCondLst>
+                            <p:childTnLst>
+                              <p:par>
+                                <p:cTn id="9" presetID="1" presetClass="entr" presetSubtype="0" fill="hold" nodeType="clickEffect">
+                                  <p:stCondLst>
+                                    <p:cond delay="0"/>
+                                  </p:stCondLst>
+                                  <p:childTnLst>
+                                    <p:set>
+                                      <p:cBhvr>
+                                        <p:cTn id="10" dur="1" fill="hold">
+                                          <p:stCondLst>
+                                            <p:cond delay="0"/>
+                                          </p:stCondLst>
+                                        </p:cTn>
+                                        <p:tgtEl>
+                                          <p:spTgt spid="10"/>
+                                        </p:tgtEl>
+                                        <p:attrNameLst>
+                                          <p:attrName>style.visibility</p:attrName>
+                                        </p:attrNameLst>
+                                      </p:cBhvr>
+                                      <p:to>
+                                        <p:strVal val="visible"/>
+                                      </p:to>
+                                    </p:set>
+                                  </p:childTnLst>
+                                </p:cTn>
+                              </p:par>
+                            </p:childTnLst>
+                          </p:cTn>
+                        </p:par>
+                      </p:childTnLst>
+                    </p:cTn>
+                  </p:par>
+                </p:childTnLst>
+              </p:cTn>
+              <p:prevCondLst>
+                <p:cond evt="onPrev" delay="0">
+                  <p:tgtEl>
+                    <p:sldTgt/>
+                  </p:tgtEl>
+                </p:cond>
+              </p:prevCondLst>
+              <p:nextCondLst>
+                <p:cond evt="onNext" delay="0">
+                  <p:tgtEl>
+                    <p:sldTgt/>
+                  </p:tgtEl>
+                </p:cond>
+              </p:nextCondLst>
+            </p:seq>
+          </p:childTnLst>
+        </p:cTn>
+      </p:par>
+    </p:tnLst>
+  </p:timing>
 </p:sld>
 </file>
 
@@ -3656,7 +6554,7 @@
           <p:cNvPr id="2" name="Title 1">
             <a:extLst>
               <a:ext uri="{FF2B5EF4-FFF2-40B4-BE49-F238E27FC236}">
-                <a16:creationId xmlns:a16="http://schemas.microsoft.com/office/drawing/2014/main" id="{4FC30AB0-9AD5-453E-96B2-F4329485B344}"/>
+                <a16:creationId xmlns:a16="http://schemas.microsoft.com/office/drawing/2014/main" id="{3014B733-436A-4BB9-96D0-7FE97489669A}"/>
               </a:ext>
             </a:extLst>
           </p:cNvPr>
@@ -3667,86 +6565,68 @@
             <p:ph type="title"/>
           </p:nvPr>
         </p:nvSpPr>
-        <p:spPr/>
-        <p:txBody>
-          <a:bodyPr/>
-          <a:lstStyle/>
-          <a:p>
+        <p:spPr>
+          <a:xfrm>
+            <a:off x="0" y="0"/>
+            <a:ext cx="12192000" cy="634619"/>
+          </a:xfrm>
+          <a:solidFill>
+            <a:schemeClr val="accent2">
+              <a:lumMod val="60000"/>
+              <a:lumOff val="40000"/>
+            </a:schemeClr>
+          </a:solidFill>
+        </p:spPr>
+        <p:txBody>
+          <a:bodyPr>
+            <a:normAutofit fontScale="90000"/>
+          </a:bodyPr>
+          <a:lstStyle/>
+          <a:p>
+            <a:pPr algn="ctr"/>
             <a:r>
               <a:rPr lang="en-GB" dirty="0"/>
-              <a:t>Introducing Elastic Search</a:t>
-            </a:r>
-          </a:p>
-        </p:txBody>
-      </p:sp>
-      <p:sp>
-        <p:nvSpPr>
-          <p:cNvPr id="3" name="Content Placeholder 2">
-            <a:extLst>
-              <a:ext uri="{FF2B5EF4-FFF2-40B4-BE49-F238E27FC236}">
-                <a16:creationId xmlns:a16="http://schemas.microsoft.com/office/drawing/2014/main" id="{51DC76BE-5D6A-4D01-AA00-4CEA9A4C8693}"/>
-              </a:ext>
-            </a:extLst>
-          </p:cNvPr>
-          <p:cNvSpPr>
-            <a:spLocks noGrp="1"/>
-          </p:cNvSpPr>
+              <a:t>The Application</a:t>
+            </a:r>
+          </a:p>
+        </p:txBody>
+      </p:sp>
+      <p:pic>
+        <p:nvPicPr>
+          <p:cNvPr id="4" name="Content Placeholder 3">
+            <a:extLst>
+              <a:ext uri="{FF2B5EF4-FFF2-40B4-BE49-F238E27FC236}">
+                <a16:creationId xmlns:a16="http://schemas.microsoft.com/office/drawing/2014/main" id="{E2829C11-B7E2-48C6-A475-0D04B621FE4C}"/>
+              </a:ext>
+            </a:extLst>
+          </p:cNvPr>
+          <p:cNvPicPr>
+            <a:picLocks noGrp="1" noChangeAspect="1"/>
+          </p:cNvPicPr>
           <p:nvPr>
             <p:ph idx="1"/>
           </p:nvPr>
-        </p:nvSpPr>
-        <p:spPr/>
-        <p:txBody>
-          <a:bodyPr/>
-          <a:lstStyle/>
-          <a:p>
-            <a:r>
-              <a:rPr lang="en-GB" dirty="0"/>
-              <a:t>Inverted Index</a:t>
-            </a:r>
-          </a:p>
-          <a:p>
-            <a:r>
-              <a:rPr lang="en-GB" dirty="0"/>
-              <a:t>Rest API</a:t>
-            </a:r>
-          </a:p>
-          <a:p>
-            <a:r>
-              <a:rPr lang="en-GB" dirty="0"/>
-              <a:t>NEST API</a:t>
-            </a:r>
-          </a:p>
-          <a:p>
-            <a:r>
-              <a:rPr lang="en-GB" dirty="0"/>
-              <a:t>Bulk Import</a:t>
-            </a:r>
-          </a:p>
-          <a:p>
-            <a:pPr marL="0" indent="0">
-              <a:buNone/>
-            </a:pPr>
-            <a:endParaRPr lang="en-GB" dirty="0"/>
-          </a:p>
-          <a:p>
-            <a:r>
-              <a:rPr lang="en-GB" dirty="0"/>
-              <a:t>Demo adding data</a:t>
-            </a:r>
-          </a:p>
-          <a:p>
-            <a:r>
-              <a:rPr lang="en-GB" dirty="0"/>
-              <a:t>Demo search for data</a:t>
-            </a:r>
-          </a:p>
-        </p:txBody>
-      </p:sp>
+        </p:nvPicPr>
+        <p:blipFill>
+          <a:blip r:embed="rId3"/>
+          <a:stretch>
+            <a:fillRect/>
+          </a:stretch>
+        </p:blipFill>
+        <p:spPr>
+          <a:xfrm>
+            <a:off x="2292850" y="858537"/>
+            <a:ext cx="8301997" cy="5999463"/>
+          </a:xfrm>
+          <a:prstGeom prst="rect">
+            <a:avLst/>
+          </a:prstGeom>
+        </p:spPr>
+      </p:pic>
     </p:spTree>
     <p:extLst>
       <p:ext uri="{BB962C8B-B14F-4D97-AF65-F5344CB8AC3E}">
-        <p14:creationId xmlns:p14="http://schemas.microsoft.com/office/powerpoint/2010/main" val="651343008"/>
+        <p14:creationId xmlns:p14="http://schemas.microsoft.com/office/powerpoint/2010/main" val="212021833"/>
       </p:ext>
     </p:extLst>
   </p:cSld>
@@ -3778,7 +6658,7 @@
           <p:cNvPr id="2" name="Title 1">
             <a:extLst>
               <a:ext uri="{FF2B5EF4-FFF2-40B4-BE49-F238E27FC236}">
-                <a16:creationId xmlns:a16="http://schemas.microsoft.com/office/drawing/2014/main" id="{95F4F596-62CC-4C46-A394-F5E62C41A392}"/>
+                <a16:creationId xmlns:a16="http://schemas.microsoft.com/office/drawing/2014/main" id="{45319F7C-E208-4C87-A213-55C91BDFB4D0}"/>
               </a:ext>
             </a:extLst>
           </p:cNvPr>
@@ -3789,50 +6669,112 @@
             <p:ph type="title"/>
           </p:nvPr>
         </p:nvSpPr>
-        <p:spPr/>
-        <p:txBody>
-          <a:bodyPr/>
-          <a:lstStyle/>
-          <a:p>
+        <p:spPr>
+          <a:xfrm>
+            <a:off x="0" y="0"/>
+            <a:ext cx="12192000" cy="561467"/>
+          </a:xfrm>
+          <a:solidFill>
+            <a:schemeClr val="accent1">
+              <a:lumMod val="60000"/>
+              <a:lumOff val="40000"/>
+            </a:schemeClr>
+          </a:solidFill>
+        </p:spPr>
+        <p:txBody>
+          <a:bodyPr>
+            <a:normAutofit fontScale="90000"/>
+          </a:bodyPr>
+          <a:lstStyle/>
+          <a:p>
+            <a:pPr algn="ctr"/>
             <a:r>
               <a:rPr lang="en-GB" dirty="0"/>
-              <a:t>Analysing Test</a:t>
-            </a:r>
-          </a:p>
-        </p:txBody>
-      </p:sp>
-      <p:sp>
-        <p:nvSpPr>
-          <p:cNvPr id="3" name="Content Placeholder 2">
-            <a:extLst>
-              <a:ext uri="{FF2B5EF4-FFF2-40B4-BE49-F238E27FC236}">
-                <a16:creationId xmlns:a16="http://schemas.microsoft.com/office/drawing/2014/main" id="{AE961116-2099-487B-A491-2529C719A0E8}"/>
-              </a:ext>
-            </a:extLst>
-          </p:cNvPr>
-          <p:cNvSpPr>
-            <a:spLocks noGrp="1"/>
-          </p:cNvSpPr>
-          <p:nvPr>
-            <p:ph idx="1"/>
-          </p:nvPr>
-        </p:nvSpPr>
-        <p:spPr/>
-        <p:txBody>
-          <a:bodyPr/>
-          <a:lstStyle/>
-          <a:p>
-            <a:r>
-              <a:rPr lang="en-GB" dirty="0"/>
-              <a:t>Stemming etc</a:t>
-            </a:r>
-          </a:p>
-        </p:txBody>
-      </p:sp>
+              <a:t>Architecture</a:t>
+            </a:r>
+          </a:p>
+        </p:txBody>
+      </p:sp>
+      <p:pic>
+        <p:nvPicPr>
+          <p:cNvPr id="3" name="Picture 2">
+            <a:extLst>
+              <a:ext uri="{FF2B5EF4-FFF2-40B4-BE49-F238E27FC236}">
+                <a16:creationId xmlns:a16="http://schemas.microsoft.com/office/drawing/2014/main" id="{FCA84645-05DD-44D1-B21B-5082F4A16514}"/>
+              </a:ext>
+            </a:extLst>
+          </p:cNvPr>
+          <p:cNvPicPr>
+            <a:picLocks noChangeAspect="1"/>
+          </p:cNvPicPr>
+          <p:nvPr/>
+        </p:nvPicPr>
+        <p:blipFill>
+          <a:blip r:embed="rId3"/>
+          <a:stretch>
+            <a:fillRect/>
+          </a:stretch>
+        </p:blipFill>
+        <p:spPr>
+          <a:xfrm>
+            <a:off x="267653" y="874395"/>
+            <a:ext cx="8267594" cy="2649093"/>
+          </a:xfrm>
+          <a:prstGeom prst="rect">
+            <a:avLst/>
+          </a:prstGeom>
+          <a:ln>
+            <a:solidFill>
+              <a:schemeClr val="tx1"/>
+            </a:solidFill>
+          </a:ln>
+        </p:spPr>
+      </p:pic>
+      <p:pic>
+        <p:nvPicPr>
+          <p:cNvPr id="8" name="Picture 7">
+            <a:extLst>
+              <a:ext uri="{FF2B5EF4-FFF2-40B4-BE49-F238E27FC236}">
+                <a16:creationId xmlns:a16="http://schemas.microsoft.com/office/drawing/2014/main" id="{34B9B64D-EEDD-442C-940A-1ED2BA1A3C4A}"/>
+              </a:ext>
+            </a:extLst>
+          </p:cNvPr>
+          <p:cNvPicPr>
+            <a:picLocks noChangeAspect="1"/>
+          </p:cNvPicPr>
+          <p:nvPr/>
+        </p:nvPicPr>
+        <p:blipFill>
+          <a:blip r:embed="rId4">
+            <a:extLst>
+              <a:ext uri="{28A0092B-C50C-407E-A947-70E740481C1C}">
+                <a14:useLocalDpi xmlns:a14="http://schemas.microsoft.com/office/drawing/2010/main" val="0"/>
+              </a:ext>
+            </a:extLst>
+          </a:blip>
+          <a:stretch>
+            <a:fillRect/>
+          </a:stretch>
+        </p:blipFill>
+        <p:spPr>
+          <a:xfrm>
+            <a:off x="5926109" y="2572512"/>
+            <a:ext cx="5639122" cy="3471930"/>
+          </a:xfrm>
+          <a:prstGeom prst="rect">
+            <a:avLst/>
+          </a:prstGeom>
+          <a:ln>
+            <a:solidFill>
+              <a:schemeClr val="tx1"/>
+            </a:solidFill>
+          </a:ln>
+        </p:spPr>
+      </p:pic>
     </p:spTree>
     <p:extLst>
       <p:ext uri="{BB962C8B-B14F-4D97-AF65-F5344CB8AC3E}">
-        <p14:creationId xmlns:p14="http://schemas.microsoft.com/office/powerpoint/2010/main" val="3291851927"/>
+        <p14:creationId xmlns:p14="http://schemas.microsoft.com/office/powerpoint/2010/main" val="2464148189"/>
       </p:ext>
     </p:extLst>
   </p:cSld>
@@ -3864,7 +6806,7 @@
           <p:cNvPr id="2" name="Title 1">
             <a:extLst>
               <a:ext uri="{FF2B5EF4-FFF2-40B4-BE49-F238E27FC236}">
-                <a16:creationId xmlns:a16="http://schemas.microsoft.com/office/drawing/2014/main" id="{BA744782-199A-4CB8-8D67-F73C33AC7B4E}"/>
+                <a16:creationId xmlns:a16="http://schemas.microsoft.com/office/drawing/2014/main" id="{0C575A61-4900-411C-A686-382AA348A4AA}"/>
               </a:ext>
             </a:extLst>
           </p:cNvPr>
@@ -3875,50 +6817,67 @@
             <p:ph type="title"/>
           </p:nvPr>
         </p:nvSpPr>
-        <p:spPr/>
+        <p:spPr>
+          <a:xfrm>
+            <a:off x="0" y="1"/>
+            <a:ext cx="12192000" cy="965200"/>
+          </a:xfrm>
+          <a:solidFill>
+            <a:schemeClr val="accent6"/>
+          </a:solidFill>
+        </p:spPr>
         <p:txBody>
           <a:bodyPr/>
           <a:lstStyle/>
           <a:p>
+            <a:pPr algn="ctr"/>
             <a:r>
               <a:rPr lang="en-GB" dirty="0"/>
-              <a:t>Indexes</a:t>
-            </a:r>
-          </a:p>
-        </p:txBody>
-      </p:sp>
-      <p:sp>
-        <p:nvSpPr>
-          <p:cNvPr id="3" name="Content Placeholder 2">
-            <a:extLst>
-              <a:ext uri="{FF2B5EF4-FFF2-40B4-BE49-F238E27FC236}">
-                <a16:creationId xmlns:a16="http://schemas.microsoft.com/office/drawing/2014/main" id="{A02A7197-15B1-4C70-946B-3871217287D4}"/>
-              </a:ext>
-            </a:extLst>
-          </p:cNvPr>
-          <p:cNvSpPr>
-            <a:spLocks noGrp="1"/>
-          </p:cNvSpPr>
-          <p:nvPr>
-            <p:ph idx="1"/>
-          </p:nvPr>
-        </p:nvSpPr>
-        <p:spPr/>
-        <p:txBody>
-          <a:bodyPr/>
-          <a:lstStyle/>
-          <a:p>
-            <a:r>
-              <a:rPr lang="en-GB" dirty="0"/>
-              <a:t>Defining Indexes</a:t>
-            </a:r>
-          </a:p>
-        </p:txBody>
-      </p:sp>
+              <a:t>Problems</a:t>
+            </a:r>
+          </a:p>
+        </p:txBody>
+      </p:sp>
+      <p:pic>
+        <p:nvPicPr>
+          <p:cNvPr id="5" name="Picture 4">
+            <a:extLst>
+              <a:ext uri="{FF2B5EF4-FFF2-40B4-BE49-F238E27FC236}">
+                <a16:creationId xmlns:a16="http://schemas.microsoft.com/office/drawing/2014/main" id="{40165732-78A0-44D3-8077-F30B3A271301}"/>
+              </a:ext>
+            </a:extLst>
+          </p:cNvPr>
+          <p:cNvPicPr>
+            <a:picLocks noChangeAspect="1"/>
+          </p:cNvPicPr>
+          <p:nvPr/>
+        </p:nvPicPr>
+        <p:blipFill>
+          <a:blip r:embed="rId3">
+            <a:extLst>
+              <a:ext uri="{28A0092B-C50C-407E-A947-70E740481C1C}">
+                <a14:useLocalDpi xmlns:a14="http://schemas.microsoft.com/office/drawing/2010/main" val="0"/>
+              </a:ext>
+            </a:extLst>
+          </a:blip>
+          <a:stretch>
+            <a:fillRect/>
+          </a:stretch>
+        </p:blipFill>
+        <p:spPr>
+          <a:xfrm>
+            <a:off x="-1" y="965201"/>
+            <a:ext cx="12192001" cy="5892799"/>
+          </a:xfrm>
+          <a:prstGeom prst="rect">
+            <a:avLst/>
+          </a:prstGeom>
+        </p:spPr>
+      </p:pic>
     </p:spTree>
     <p:extLst>
       <p:ext uri="{BB962C8B-B14F-4D97-AF65-F5344CB8AC3E}">
-        <p14:creationId xmlns:p14="http://schemas.microsoft.com/office/powerpoint/2010/main" val="258880553"/>
+        <p14:creationId xmlns:p14="http://schemas.microsoft.com/office/powerpoint/2010/main" val="721777380"/>
       </p:ext>
     </p:extLst>
   </p:cSld>
@@ -3945,12 +6904,48 @@
           <a:chExt cx="0" cy="0"/>
         </a:xfrm>
       </p:grpSpPr>
+      <p:pic>
+        <p:nvPicPr>
+          <p:cNvPr id="4" name="Graphic 3">
+            <a:extLst>
+              <a:ext uri="{FF2B5EF4-FFF2-40B4-BE49-F238E27FC236}">
+                <a16:creationId xmlns:a16="http://schemas.microsoft.com/office/drawing/2014/main" id="{E43BF0BB-EEE1-45C9-9682-F177CE59AF4D}"/>
+              </a:ext>
+            </a:extLst>
+          </p:cNvPr>
+          <p:cNvPicPr>
+            <a:picLocks noChangeAspect="1"/>
+          </p:cNvPicPr>
+          <p:nvPr/>
+        </p:nvPicPr>
+        <p:blipFill>
+          <a:blip r:embed="rId3">
+            <a:extLst>
+              <a:ext uri="{96DAC541-7B7A-43D3-8B79-37D633B846F1}">
+                <asvg:svgBlip xmlns:asvg="http://schemas.microsoft.com/office/drawing/2016/SVG/main" r:embed="rId4"/>
+              </a:ext>
+            </a:extLst>
+          </a:blip>
+          <a:stretch>
+            <a:fillRect/>
+          </a:stretch>
+        </p:blipFill>
+        <p:spPr>
+          <a:xfrm>
+            <a:off x="2916813" y="296426"/>
+            <a:ext cx="6722706" cy="6722706"/>
+          </a:xfrm>
+          <a:prstGeom prst="rect">
+            <a:avLst/>
+          </a:prstGeom>
+        </p:spPr>
+      </p:pic>
       <p:sp>
         <p:nvSpPr>
           <p:cNvPr id="2" name="Title 1">
             <a:extLst>
               <a:ext uri="{FF2B5EF4-FFF2-40B4-BE49-F238E27FC236}">
-                <a16:creationId xmlns:a16="http://schemas.microsoft.com/office/drawing/2014/main" id="{F4010A9B-D84D-4283-AEB9-3CF530E98985}"/>
+                <a16:creationId xmlns:a16="http://schemas.microsoft.com/office/drawing/2014/main" id="{4FC30AB0-9AD5-453E-96B2-F4329485B344}"/>
               </a:ext>
             </a:extLst>
           </p:cNvPr>
@@ -3961,14 +6956,25 @@
             <p:ph type="title"/>
           </p:nvPr>
         </p:nvSpPr>
-        <p:spPr/>
-        <p:txBody>
-          <a:bodyPr/>
-          <a:lstStyle/>
-          <a:p>
+        <p:spPr>
+          <a:xfrm>
+            <a:off x="-1" y="0"/>
+            <a:ext cx="12192001" cy="592853"/>
+          </a:xfrm>
+          <a:solidFill>
+            <a:schemeClr val="bg2"/>
+          </a:solidFill>
+        </p:spPr>
+        <p:txBody>
+          <a:bodyPr>
+            <a:normAutofit fontScale="90000"/>
+          </a:bodyPr>
+          <a:lstStyle/>
+          <a:p>
+            <a:pPr algn="ctr"/>
             <a:r>
               <a:rPr lang="en-GB" dirty="0"/>
-              <a:t>Security</a:t>
+              <a:t>Introducing Elastic Search</a:t>
             </a:r>
           </a:p>
         </p:txBody>
@@ -3978,7 +6984,7 @@
           <p:cNvPr id="3" name="Content Placeholder 2">
             <a:extLst>
               <a:ext uri="{FF2B5EF4-FFF2-40B4-BE49-F238E27FC236}">
-                <a16:creationId xmlns:a16="http://schemas.microsoft.com/office/drawing/2014/main" id="{1869931A-6396-434B-98A9-F7607010DC0D}"/>
+                <a16:creationId xmlns:a16="http://schemas.microsoft.com/office/drawing/2014/main" id="{51DC76BE-5D6A-4D01-AA00-4CEA9A4C8693}"/>
               </a:ext>
             </a:extLst>
           </p:cNvPr>
@@ -3989,29 +6995,200 @@
             <p:ph idx="1"/>
           </p:nvPr>
         </p:nvSpPr>
-        <p:spPr/>
-        <p:txBody>
-          <a:bodyPr/>
-          <a:lstStyle/>
-          <a:p>
-            <a:r>
-              <a:rPr lang="en-GB" dirty="0" err="1"/>
-              <a:t>xpack</a:t>
-            </a:r>
-            <a:endParaRPr lang="en-GB" dirty="0"/>
+        <p:spPr>
+          <a:xfrm>
+            <a:off x="777909" y="2659638"/>
+            <a:ext cx="10837985" cy="2012845"/>
+          </a:xfrm>
+          <a:solidFill>
+            <a:srgbClr val="F3D1D4"/>
+          </a:solidFill>
+          <a:ln>
+            <a:solidFill>
+              <a:schemeClr val="tx1"/>
+            </a:solidFill>
+          </a:ln>
+        </p:spPr>
+        <p:txBody>
+          <a:bodyPr>
+            <a:normAutofit lnSpcReduction="10000"/>
+          </a:bodyPr>
+          <a:lstStyle/>
+          <a:p>
+            <a:pPr marL="0" indent="0">
+              <a:buNone/>
+            </a:pPr>
+            <a:r>
+              <a:rPr lang="en-GB" dirty="0"/>
+              <a:t>Elasticsearch is an open-source, broadly-distributable, readily-scalable, enterprise-grade search engine. </a:t>
+            </a:r>
+          </a:p>
+          <a:p>
+            <a:pPr marL="0" indent="0">
+              <a:buNone/>
+            </a:pPr>
+            <a:r>
+              <a:rPr lang="en-GB" dirty="0"/>
+              <a:t>Accessible through an extensive and elaborate API, Elasticsearch can power extremely fast searches that support your data discovery applications. </a:t>
+            </a:r>
           </a:p>
         </p:txBody>
       </p:sp>
     </p:spTree>
     <p:extLst>
       <p:ext uri="{BB962C8B-B14F-4D97-AF65-F5344CB8AC3E}">
-        <p14:creationId xmlns:p14="http://schemas.microsoft.com/office/powerpoint/2010/main" val="2519680046"/>
+        <p14:creationId xmlns:p14="http://schemas.microsoft.com/office/powerpoint/2010/main" val="651343008"/>
       </p:ext>
     </p:extLst>
   </p:cSld>
   <p:clrMapOvr>
     <a:masterClrMapping/>
   </p:clrMapOvr>
+  <p:timing>
+    <p:tnLst>
+      <p:par>
+        <p:cTn id="1" dur="indefinite" restart="never" nodeType="tmRoot">
+          <p:childTnLst>
+            <p:seq concurrent="1" nextAc="seek">
+              <p:cTn id="2" dur="indefinite" nodeType="mainSeq">
+                <p:childTnLst>
+                  <p:par>
+                    <p:cTn id="3" fill="hold">
+                      <p:stCondLst>
+                        <p:cond delay="indefinite"/>
+                        <p:cond evt="onBegin" delay="0">
+                          <p:tn val="2"/>
+                        </p:cond>
+                      </p:stCondLst>
+                      <p:childTnLst>
+                        <p:par>
+                          <p:cTn id="4" fill="hold">
+                            <p:stCondLst>
+                              <p:cond delay="0"/>
+                            </p:stCondLst>
+                            <p:childTnLst>
+                              <p:par>
+                                <p:cTn id="5" presetID="1" presetClass="entr" presetSubtype="0" fill="hold" grpId="0" nodeType="withEffect">
+                                  <p:stCondLst>
+                                    <p:cond delay="0"/>
+                                  </p:stCondLst>
+                                  <p:childTnLst>
+                                    <p:set>
+                                      <p:cBhvr>
+                                        <p:cTn id="6" dur="1" fill="hold">
+                                          <p:stCondLst>
+                                            <p:cond delay="0"/>
+                                          </p:stCondLst>
+                                        </p:cTn>
+                                        <p:tgtEl>
+                                          <p:spTgt spid="3">
+                                            <p:bg/>
+                                          </p:spTgt>
+                                        </p:tgtEl>
+                                        <p:attrNameLst>
+                                          <p:attrName>style.visibility</p:attrName>
+                                        </p:attrNameLst>
+                                      </p:cBhvr>
+                                      <p:to>
+                                        <p:strVal val="visible"/>
+                                      </p:to>
+                                    </p:set>
+                                  </p:childTnLst>
+                                </p:cTn>
+                              </p:par>
+                              <p:par>
+                                <p:cTn id="7" presetID="1" presetClass="entr" presetSubtype="0" fill="hold" grpId="0" nodeType="withEffect">
+                                  <p:stCondLst>
+                                    <p:cond delay="0"/>
+                                  </p:stCondLst>
+                                  <p:childTnLst>
+                                    <p:set>
+                                      <p:cBhvr>
+                                        <p:cTn id="8" dur="1" fill="hold">
+                                          <p:stCondLst>
+                                            <p:cond delay="0"/>
+                                          </p:stCondLst>
+                                        </p:cTn>
+                                        <p:tgtEl>
+                                          <p:spTgt spid="3">
+                                            <p:txEl>
+                                              <p:pRg st="0" end="0"/>
+                                            </p:txEl>
+                                          </p:spTgt>
+                                        </p:tgtEl>
+                                        <p:attrNameLst>
+                                          <p:attrName>style.visibility</p:attrName>
+                                        </p:attrNameLst>
+                                      </p:cBhvr>
+                                      <p:to>
+                                        <p:strVal val="visible"/>
+                                      </p:to>
+                                    </p:set>
+                                  </p:childTnLst>
+                                </p:cTn>
+                              </p:par>
+                              <p:par>
+                                <p:cTn id="9" presetID="1" presetClass="entr" presetSubtype="0" fill="hold" grpId="0" nodeType="withEffect">
+                                  <p:stCondLst>
+                                    <p:cond delay="0"/>
+                                  </p:stCondLst>
+                                  <p:childTnLst>
+                                    <p:set>
+                                      <p:cBhvr>
+                                        <p:cTn id="10" dur="1" fill="hold">
+                                          <p:stCondLst>
+                                            <p:cond delay="0"/>
+                                          </p:stCondLst>
+                                        </p:cTn>
+                                        <p:tgtEl>
+                                          <p:spTgt spid="3">
+                                            <p:txEl>
+                                              <p:pRg st="1" end="1"/>
+                                            </p:txEl>
+                                          </p:spTgt>
+                                        </p:tgtEl>
+                                        <p:attrNameLst>
+                                          <p:attrName>style.visibility</p:attrName>
+                                        </p:attrNameLst>
+                                      </p:cBhvr>
+                                      <p:to>
+                                        <p:strVal val="visible"/>
+                                      </p:to>
+                                    </p:set>
+                                  </p:childTnLst>
+                                </p:cTn>
+                              </p:par>
+                            </p:childTnLst>
+                          </p:cTn>
+                        </p:par>
+                      </p:childTnLst>
+                    </p:cTn>
+                  </p:par>
+                </p:childTnLst>
+              </p:cTn>
+              <p:prevCondLst>
+                <p:cond evt="onPrev" delay="0">
+                  <p:tgtEl>
+                    <p:sldTgt/>
+                  </p:tgtEl>
+                </p:cond>
+              </p:prevCondLst>
+              <p:nextCondLst>
+                <p:cond evt="onNext" delay="0">
+                  <p:tgtEl>
+                    <p:sldTgt/>
+                  </p:tgtEl>
+                </p:cond>
+              </p:nextCondLst>
+            </p:seq>
+          </p:childTnLst>
+        </p:cTn>
+      </p:par>
+    </p:tnLst>
+    <p:bldLst>
+      <p:bldP spid="3" grpId="0" uiExpand="1" build="p" animBg="1"/>
+    </p:bldLst>
+  </p:timing>
 </p:sld>
 </file>
 
@@ -4037,7 +7214,7 @@
           <p:cNvPr id="2" name="Title 1">
             <a:extLst>
               <a:ext uri="{FF2B5EF4-FFF2-40B4-BE49-F238E27FC236}">
-                <a16:creationId xmlns:a16="http://schemas.microsoft.com/office/drawing/2014/main" id="{DDF58DA0-990D-484F-93D7-8B9090358026}"/>
+                <a16:creationId xmlns:a16="http://schemas.microsoft.com/office/drawing/2014/main" id="{95F4F596-62CC-4C46-A394-F5E62C41A392}"/>
               </a:ext>
             </a:extLst>
           </p:cNvPr>
@@ -4048,47 +7225,132 @@
             <p:ph type="title"/>
           </p:nvPr>
         </p:nvSpPr>
-        <p:spPr/>
-        <p:txBody>
-          <a:bodyPr/>
-          <a:lstStyle/>
-          <a:p>
+        <p:spPr>
+          <a:xfrm>
+            <a:off x="0" y="1"/>
+            <a:ext cx="12192000" cy="582804"/>
+          </a:xfrm>
+          <a:solidFill>
+            <a:schemeClr val="accent1">
+              <a:lumMod val="60000"/>
+              <a:lumOff val="40000"/>
+            </a:schemeClr>
+          </a:solidFill>
+        </p:spPr>
+        <p:txBody>
+          <a:bodyPr>
+            <a:normAutofit fontScale="90000"/>
+          </a:bodyPr>
+          <a:lstStyle/>
+          <a:p>
+            <a:pPr algn="ctr"/>
             <a:r>
               <a:rPr lang="en-GB" dirty="0"/>
-              <a:t>Scaling - Distributed</a:t>
-            </a:r>
-          </a:p>
-        </p:txBody>
-      </p:sp>
-      <p:sp>
-        <p:nvSpPr>
-          <p:cNvPr id="3" name="Content Placeholder 2">
-            <a:extLst>
-              <a:ext uri="{FF2B5EF4-FFF2-40B4-BE49-F238E27FC236}">
-                <a16:creationId xmlns:a16="http://schemas.microsoft.com/office/drawing/2014/main" id="{6DAB77C5-51C9-40BF-B81B-F16A87D3E745}"/>
-              </a:ext>
-            </a:extLst>
-          </p:cNvPr>
-          <p:cNvSpPr>
-            <a:spLocks noGrp="1"/>
-          </p:cNvSpPr>
-          <p:nvPr>
-            <p:ph idx="1"/>
-          </p:nvPr>
-        </p:nvSpPr>
-        <p:spPr/>
-        <p:txBody>
-          <a:bodyPr/>
-          <a:lstStyle/>
-          <a:p>
-            <a:endParaRPr lang="en-GB"/>
-          </a:p>
-        </p:txBody>
-      </p:sp>
+              <a:t>Getting Started</a:t>
+            </a:r>
+          </a:p>
+        </p:txBody>
+      </p:sp>
+      <p:pic>
+        <p:nvPicPr>
+          <p:cNvPr id="5" name="Picture 4">
+            <a:extLst>
+              <a:ext uri="{FF2B5EF4-FFF2-40B4-BE49-F238E27FC236}">
+                <a16:creationId xmlns:a16="http://schemas.microsoft.com/office/drawing/2014/main" id="{1D44373F-402D-4D09-89CA-F11EDA4D342A}"/>
+              </a:ext>
+            </a:extLst>
+          </p:cNvPr>
+          <p:cNvPicPr>
+            <a:picLocks noChangeAspect="1"/>
+          </p:cNvPicPr>
+          <p:nvPr/>
+        </p:nvPicPr>
+        <p:blipFill>
+          <a:blip r:embed="rId3">
+            <a:extLst>
+              <a:ext uri="{28A0092B-C50C-407E-A947-70E740481C1C}">
+                <a14:useLocalDpi xmlns:a14="http://schemas.microsoft.com/office/drawing/2010/main" val="0"/>
+              </a:ext>
+            </a:extLst>
+          </a:blip>
+          <a:stretch>
+            <a:fillRect/>
+          </a:stretch>
+        </p:blipFill>
+        <p:spPr>
+          <a:xfrm>
+            <a:off x="0" y="701448"/>
+            <a:ext cx="7543800" cy="2562225"/>
+          </a:xfrm>
+          <a:prstGeom prst="rect">
+            <a:avLst/>
+          </a:prstGeom>
+        </p:spPr>
+      </p:pic>
+      <p:pic>
+        <p:nvPicPr>
+          <p:cNvPr id="6" name="Picture 5">
+            <a:extLst>
+              <a:ext uri="{FF2B5EF4-FFF2-40B4-BE49-F238E27FC236}">
+                <a16:creationId xmlns:a16="http://schemas.microsoft.com/office/drawing/2014/main" id="{E30F41F8-BE3C-4525-B4D2-D7E0F32AD4AB}"/>
+              </a:ext>
+            </a:extLst>
+          </p:cNvPr>
+          <p:cNvPicPr>
+            <a:picLocks noChangeAspect="1"/>
+          </p:cNvPicPr>
+          <p:nvPr/>
+        </p:nvPicPr>
+        <p:blipFill>
+          <a:blip r:embed="rId4"/>
+          <a:stretch>
+            <a:fillRect/>
+          </a:stretch>
+        </p:blipFill>
+        <p:spPr>
+          <a:xfrm>
+            <a:off x="4926538" y="2831595"/>
+            <a:ext cx="6036214" cy="1743795"/>
+          </a:xfrm>
+          <a:prstGeom prst="rect">
+            <a:avLst/>
+          </a:prstGeom>
+        </p:spPr>
+      </p:pic>
+      <p:pic>
+        <p:nvPicPr>
+          <p:cNvPr id="8" name="Picture 7">
+            <a:extLst>
+              <a:ext uri="{FF2B5EF4-FFF2-40B4-BE49-F238E27FC236}">
+                <a16:creationId xmlns:a16="http://schemas.microsoft.com/office/drawing/2014/main" id="{6B9011D0-2821-4C39-808A-5A1D4AB86904}"/>
+              </a:ext>
+            </a:extLst>
+          </p:cNvPr>
+          <p:cNvPicPr>
+            <a:picLocks noChangeAspect="1"/>
+          </p:cNvPicPr>
+          <p:nvPr/>
+        </p:nvPicPr>
+        <p:blipFill>
+          <a:blip r:embed="rId5"/>
+          <a:stretch>
+            <a:fillRect/>
+          </a:stretch>
+        </p:blipFill>
+        <p:spPr>
+          <a:xfrm>
+            <a:off x="463332" y="5095723"/>
+            <a:ext cx="10674406" cy="596193"/>
+          </a:xfrm>
+          <a:prstGeom prst="rect">
+            <a:avLst/>
+          </a:prstGeom>
+        </p:spPr>
+      </p:pic>
     </p:spTree>
     <p:extLst>
       <p:ext uri="{BB962C8B-B14F-4D97-AF65-F5344CB8AC3E}">
-        <p14:creationId xmlns:p14="http://schemas.microsoft.com/office/powerpoint/2010/main" val="2549997507"/>
+        <p14:creationId xmlns:p14="http://schemas.microsoft.com/office/powerpoint/2010/main" val="3291851927"/>
       </p:ext>
     </p:extLst>
   </p:cSld>
@@ -4120,7 +7382,7 @@
           <p:cNvPr id="2" name="Title 1">
             <a:extLst>
               <a:ext uri="{FF2B5EF4-FFF2-40B4-BE49-F238E27FC236}">
-                <a16:creationId xmlns:a16="http://schemas.microsoft.com/office/drawing/2014/main" id="{31271F82-D4D8-4636-BE90-930398540028}"/>
+                <a16:creationId xmlns:a16="http://schemas.microsoft.com/office/drawing/2014/main" id="{BA744782-199A-4CB8-8D67-F73C33AC7B4E}"/>
               </a:ext>
             </a:extLst>
           </p:cNvPr>
@@ -4138,7 +7400,7 @@
           <a:p>
             <a:r>
               <a:rPr lang="en-GB" dirty="0"/>
-              <a:t>Logs</a:t>
+              <a:t>Creating a Document</a:t>
             </a:r>
           </a:p>
         </p:txBody>
@@ -4148,7 +7410,7 @@
           <p:cNvPr id="3" name="Content Placeholder 2">
             <a:extLst>
               <a:ext uri="{FF2B5EF4-FFF2-40B4-BE49-F238E27FC236}">
-                <a16:creationId xmlns:a16="http://schemas.microsoft.com/office/drawing/2014/main" id="{A59A35DA-2F1B-4FD5-8F6A-2688C31BB724}"/>
+                <a16:creationId xmlns:a16="http://schemas.microsoft.com/office/drawing/2014/main" id="{A02A7197-15B1-4C70-946B-3871217287D4}"/>
               </a:ext>
             </a:extLst>
           </p:cNvPr>
@@ -4166,31 +7428,7 @@
           <a:p>
             <a:r>
               <a:rPr lang="en-GB" dirty="0"/>
-              <a:t>Log Stash</a:t>
-            </a:r>
-          </a:p>
-          <a:p>
-            <a:r>
-              <a:rPr lang="en-GB" dirty="0"/>
-              <a:t>Kibana</a:t>
-            </a:r>
-          </a:p>
-          <a:p>
-            <a:r>
-              <a:rPr lang="en-GB" dirty="0"/>
-              <a:t>Beats</a:t>
-            </a:r>
-          </a:p>
-          <a:p>
-            <a:endParaRPr lang="en-GB" dirty="0"/>
-          </a:p>
-          <a:p>
-            <a:endParaRPr lang="en-GB" dirty="0"/>
-          </a:p>
-          <a:p>
-            <a:r>
-              <a:rPr lang="en-GB" dirty="0"/>
-              <a:t>DEMO</a:t>
+              <a:t>Defining Indexes</a:t>
             </a:r>
           </a:p>
         </p:txBody>
@@ -4198,7 +7436,7 @@
     </p:spTree>
     <p:extLst>
       <p:ext uri="{BB962C8B-B14F-4D97-AF65-F5344CB8AC3E}">
-        <p14:creationId xmlns:p14="http://schemas.microsoft.com/office/powerpoint/2010/main" val="4103799751"/>
+        <p14:creationId xmlns:p14="http://schemas.microsoft.com/office/powerpoint/2010/main" val="258880553"/>
       </p:ext>
     </p:extLst>
   </p:cSld>
@@ -4501,4 +7739,299 @@
     </a:ext>
   </a:extLst>
 </a:theme>
+</file>
+
+<file path=ppt/theme/theme2.xml><?xml version="1.0" encoding="utf-8"?>
+<a:theme xmlns:a="http://schemas.openxmlformats.org/drawingml/2006/main" name="Office Theme">
+  <a:themeElements>
+    <a:clrScheme name="Office">
+      <a:dk1>
+        <a:sysClr val="windowText" lastClr="000000"/>
+      </a:dk1>
+      <a:lt1>
+        <a:sysClr val="window" lastClr="FFFFFF"/>
+      </a:lt1>
+      <a:dk2>
+        <a:srgbClr val="44546A"/>
+      </a:dk2>
+      <a:lt2>
+        <a:srgbClr val="E7E6E6"/>
+      </a:lt2>
+      <a:accent1>
+        <a:srgbClr val="4472C4"/>
+      </a:accent1>
+      <a:accent2>
+        <a:srgbClr val="ED7D31"/>
+      </a:accent2>
+      <a:accent3>
+        <a:srgbClr val="A5A5A5"/>
+      </a:accent3>
+      <a:accent4>
+        <a:srgbClr val="FFC000"/>
+      </a:accent4>
+      <a:accent5>
+        <a:srgbClr val="5B9BD5"/>
+      </a:accent5>
+      <a:accent6>
+        <a:srgbClr val="70AD47"/>
+      </a:accent6>
+      <a:hlink>
+        <a:srgbClr val="0563C1"/>
+      </a:hlink>
+      <a:folHlink>
+        <a:srgbClr val="954F72"/>
+      </a:folHlink>
+    </a:clrScheme>
+    <a:fontScheme name="Office">
+      <a:majorFont>
+        <a:latin typeface="Calibri Light" panose="020F0302020204030204"/>
+        <a:ea typeface=""/>
+        <a:cs typeface=""/>
+        <a:font script="Jpan" typeface="游ゴシック Light"/>
+        <a:font script="Hang" typeface="맑은 고딕"/>
+        <a:font script="Hans" typeface="等线 Light"/>
+        <a:font script="Hant" typeface="新細明體"/>
+        <a:font script="Arab" typeface="Times New Roman"/>
+        <a:font script="Hebr" typeface="Times New Roman"/>
+        <a:font script="Thai" typeface="Angsana New"/>
+        <a:font script="Ethi" typeface="Nyala"/>
+        <a:font script="Beng" typeface="Vrinda"/>
+        <a:font script="Gujr" typeface="Shruti"/>
+        <a:font script="Khmr" typeface="MoolBoran"/>
+        <a:font script="Knda" typeface="Tunga"/>
+        <a:font script="Guru" typeface="Raavi"/>
+        <a:font script="Cans" typeface="Euphemia"/>
+        <a:font script="Cher" typeface="Plantagenet Cherokee"/>
+        <a:font script="Yiii" typeface="Microsoft Yi Baiti"/>
+        <a:font script="Tibt" typeface="Microsoft Himalaya"/>
+        <a:font script="Thaa" typeface="MV Boli"/>
+        <a:font script="Deva" typeface="Mangal"/>
+        <a:font script="Telu" typeface="Gautami"/>
+        <a:font script="Taml" typeface="Latha"/>
+        <a:font script="Syrc" typeface="Estrangelo Edessa"/>
+        <a:font script="Orya" typeface="Kalinga"/>
+        <a:font script="Mlym" typeface="Kartika"/>
+        <a:font script="Laoo" typeface="DokChampa"/>
+        <a:font script="Sinh" typeface="Iskoola Pota"/>
+        <a:font script="Mong" typeface="Mongolian Baiti"/>
+        <a:font script="Viet" typeface="Times New Roman"/>
+        <a:font script="Uigh" typeface="Microsoft Uighur"/>
+        <a:font script="Geor" typeface="Sylfaen"/>
+        <a:font script="Armn" typeface="Arial"/>
+        <a:font script="Bugi" typeface="Leelawadee UI"/>
+        <a:font script="Bopo" typeface="Microsoft JhengHei"/>
+        <a:font script="Java" typeface="Javanese Text"/>
+        <a:font script="Lisu" typeface="Segoe UI"/>
+        <a:font script="Mymr" typeface="Myanmar Text"/>
+        <a:font script="Nkoo" typeface="Ebrima"/>
+        <a:font script="Olck" typeface="Nirmala UI"/>
+        <a:font script="Osma" typeface="Ebrima"/>
+        <a:font script="Phag" typeface="Phagspa"/>
+        <a:font script="Syrn" typeface="Estrangelo Edessa"/>
+        <a:font script="Syrj" typeface="Estrangelo Edessa"/>
+        <a:font script="Syre" typeface="Estrangelo Edessa"/>
+        <a:font script="Sora" typeface="Nirmala UI"/>
+        <a:font script="Tale" typeface="Microsoft Tai Le"/>
+        <a:font script="Talu" typeface="Microsoft New Tai Lue"/>
+        <a:font script="Tfng" typeface="Ebrima"/>
+      </a:majorFont>
+      <a:minorFont>
+        <a:latin typeface="Calibri" panose="020F0502020204030204"/>
+        <a:ea typeface=""/>
+        <a:cs typeface=""/>
+        <a:font script="Jpan" typeface="游ゴシック"/>
+        <a:font script="Hang" typeface="맑은 고딕"/>
+        <a:font script="Hans" typeface="等线"/>
+        <a:font script="Hant" typeface="新細明體"/>
+        <a:font script="Arab" typeface="Arial"/>
+        <a:font script="Hebr" typeface="Arial"/>
+        <a:font script="Thai" typeface="Cordia New"/>
+        <a:font script="Ethi" typeface="Nyala"/>
+        <a:font script="Beng" typeface="Vrinda"/>
+        <a:font script="Gujr" typeface="Shruti"/>
+        <a:font script="Khmr" typeface="DaunPenh"/>
+        <a:font script="Knda" typeface="Tunga"/>
+        <a:font script="Guru" typeface="Raavi"/>
+        <a:font script="Cans" typeface="Euphemia"/>
+        <a:font script="Cher" typeface="Plantagenet Cherokee"/>
+        <a:font script="Yiii" typeface="Microsoft Yi Baiti"/>
+        <a:font script="Tibt" typeface="Microsoft Himalaya"/>
+        <a:font script="Thaa" typeface="MV Boli"/>
+        <a:font script="Deva" typeface="Mangal"/>
+        <a:font script="Telu" typeface="Gautami"/>
+        <a:font script="Taml" typeface="Latha"/>
+        <a:font script="Syrc" typeface="Estrangelo Edessa"/>
+        <a:font script="Orya" typeface="Kalinga"/>
+        <a:font script="Mlym" typeface="Kartika"/>
+        <a:font script="Laoo" typeface="DokChampa"/>
+        <a:font script="Sinh" typeface="Iskoola Pota"/>
+        <a:font script="Mong" typeface="Mongolian Baiti"/>
+        <a:font script="Viet" typeface="Arial"/>
+        <a:font script="Uigh" typeface="Microsoft Uighur"/>
+        <a:font script="Geor" typeface="Sylfaen"/>
+        <a:font script="Armn" typeface="Arial"/>
+        <a:font script="Bugi" typeface="Leelawadee UI"/>
+        <a:font script="Bopo" typeface="Microsoft JhengHei"/>
+        <a:font script="Java" typeface="Javanese Text"/>
+        <a:font script="Lisu" typeface="Segoe UI"/>
+        <a:font script="Mymr" typeface="Myanmar Text"/>
+        <a:font script="Nkoo" typeface="Ebrima"/>
+        <a:font script="Olck" typeface="Nirmala UI"/>
+        <a:font script="Osma" typeface="Ebrima"/>
+        <a:font script="Phag" typeface="Phagspa"/>
+        <a:font script="Syrn" typeface="Estrangelo Edessa"/>
+        <a:font script="Syrj" typeface="Estrangelo Edessa"/>
+        <a:font script="Syre" typeface="Estrangelo Edessa"/>
+        <a:font script="Sora" typeface="Nirmala UI"/>
+        <a:font script="Tale" typeface="Microsoft Tai Le"/>
+        <a:font script="Talu" typeface="Microsoft New Tai Lue"/>
+        <a:font script="Tfng" typeface="Ebrima"/>
+      </a:minorFont>
+    </a:fontScheme>
+    <a:fmtScheme name="Office">
+      <a:fillStyleLst>
+        <a:solidFill>
+          <a:schemeClr val="phClr"/>
+        </a:solidFill>
+        <a:gradFill rotWithShape="1">
+          <a:gsLst>
+            <a:gs pos="0">
+              <a:schemeClr val="phClr">
+                <a:lumMod val="110000"/>
+                <a:satMod val="105000"/>
+                <a:tint val="67000"/>
+              </a:schemeClr>
+            </a:gs>
+            <a:gs pos="50000">
+              <a:schemeClr val="phClr">
+                <a:lumMod val="105000"/>
+                <a:satMod val="103000"/>
+                <a:tint val="73000"/>
+              </a:schemeClr>
+            </a:gs>
+            <a:gs pos="100000">
+              <a:schemeClr val="phClr">
+                <a:lumMod val="105000"/>
+                <a:satMod val="109000"/>
+                <a:tint val="81000"/>
+              </a:schemeClr>
+            </a:gs>
+          </a:gsLst>
+          <a:lin ang="5400000" scaled="0"/>
+        </a:gradFill>
+        <a:gradFill rotWithShape="1">
+          <a:gsLst>
+            <a:gs pos="0">
+              <a:schemeClr val="phClr">
+                <a:satMod val="103000"/>
+                <a:lumMod val="102000"/>
+                <a:tint val="94000"/>
+              </a:schemeClr>
+            </a:gs>
+            <a:gs pos="50000">
+              <a:schemeClr val="phClr">
+                <a:satMod val="110000"/>
+                <a:lumMod val="100000"/>
+                <a:shade val="100000"/>
+              </a:schemeClr>
+            </a:gs>
+            <a:gs pos="100000">
+              <a:schemeClr val="phClr">
+                <a:lumMod val="99000"/>
+                <a:satMod val="120000"/>
+                <a:shade val="78000"/>
+              </a:schemeClr>
+            </a:gs>
+          </a:gsLst>
+          <a:lin ang="5400000" scaled="0"/>
+        </a:gradFill>
+      </a:fillStyleLst>
+      <a:lnStyleLst>
+        <a:ln w="6350" cap="flat" cmpd="sng" algn="ctr">
+          <a:solidFill>
+            <a:schemeClr val="phClr"/>
+          </a:solidFill>
+          <a:prstDash val="solid"/>
+          <a:miter lim="800000"/>
+        </a:ln>
+        <a:ln w="12700" cap="flat" cmpd="sng" algn="ctr">
+          <a:solidFill>
+            <a:schemeClr val="phClr"/>
+          </a:solidFill>
+          <a:prstDash val="solid"/>
+          <a:miter lim="800000"/>
+        </a:ln>
+        <a:ln w="19050" cap="flat" cmpd="sng" algn="ctr">
+          <a:solidFill>
+            <a:schemeClr val="phClr"/>
+          </a:solidFill>
+          <a:prstDash val="solid"/>
+          <a:miter lim="800000"/>
+        </a:ln>
+      </a:lnStyleLst>
+      <a:effectStyleLst>
+        <a:effectStyle>
+          <a:effectLst/>
+        </a:effectStyle>
+        <a:effectStyle>
+          <a:effectLst/>
+        </a:effectStyle>
+        <a:effectStyle>
+          <a:effectLst>
+            <a:outerShdw blurRad="57150" dist="19050" dir="5400000" algn="ctr" rotWithShape="0">
+              <a:srgbClr val="000000">
+                <a:alpha val="63000"/>
+              </a:srgbClr>
+            </a:outerShdw>
+          </a:effectLst>
+        </a:effectStyle>
+      </a:effectStyleLst>
+      <a:bgFillStyleLst>
+        <a:solidFill>
+          <a:schemeClr val="phClr"/>
+        </a:solidFill>
+        <a:solidFill>
+          <a:schemeClr val="phClr">
+            <a:tint val="95000"/>
+            <a:satMod val="170000"/>
+          </a:schemeClr>
+        </a:solidFill>
+        <a:gradFill rotWithShape="1">
+          <a:gsLst>
+            <a:gs pos="0">
+              <a:schemeClr val="phClr">
+                <a:tint val="93000"/>
+                <a:satMod val="150000"/>
+                <a:shade val="98000"/>
+                <a:lumMod val="102000"/>
+              </a:schemeClr>
+            </a:gs>
+            <a:gs pos="50000">
+              <a:schemeClr val="phClr">
+                <a:tint val="98000"/>
+                <a:satMod val="130000"/>
+                <a:shade val="90000"/>
+                <a:lumMod val="103000"/>
+              </a:schemeClr>
+            </a:gs>
+            <a:gs pos="100000">
+              <a:schemeClr val="phClr">
+                <a:shade val="63000"/>
+                <a:satMod val="120000"/>
+              </a:schemeClr>
+            </a:gs>
+          </a:gsLst>
+          <a:lin ang="5400000" scaled="0"/>
+        </a:gradFill>
+      </a:bgFillStyleLst>
+    </a:fmtScheme>
+  </a:themeElements>
+  <a:objectDefaults/>
+  <a:extraClrSchemeLst/>
+  <a:extLst>
+    <a:ext uri="{05A4C25C-085E-4340-85A3-A5531E510DB2}">
+      <thm15:themeFamily xmlns:thm15="http://schemas.microsoft.com/office/thememl/2012/main" name="Office Theme" id="{62F939B6-93AF-4DB8-9C6B-D6C7DFDC589F}" vid="{4A3C46E8-61CC-4603-A589-7422A47A8E4A}"/>
+    </a:ext>
+  </a:extLst>
+</a:theme>
 </file>
--- a/Elastic Search Talk.pptx
+++ b/Elastic Search Talk.pptx
@@ -5,7 +5,7 @@
     <p:sldMasterId id="2147483648" r:id="rId1"/>
   </p:sldMasterIdLst>
   <p:notesMasterIdLst>
-    <p:notesMasterId r:id="rId14"/>
+    <p:notesMasterId r:id="rId25"/>
   </p:notesMasterIdLst>
   <p:sldIdLst>
     <p:sldId id="256" r:id="rId2"/>
@@ -15,11 +15,22 @@
     <p:sldId id="257" r:id="rId6"/>
     <p:sldId id="258" r:id="rId7"/>
     <p:sldId id="259" r:id="rId8"/>
-    <p:sldId id="262" r:id="rId9"/>
-    <p:sldId id="263" r:id="rId10"/>
-    <p:sldId id="264" r:id="rId11"/>
-    <p:sldId id="260" r:id="rId12"/>
-    <p:sldId id="261" r:id="rId13"/>
+    <p:sldId id="269" r:id="rId9"/>
+    <p:sldId id="270" r:id="rId10"/>
+    <p:sldId id="268" r:id="rId11"/>
+    <p:sldId id="262" r:id="rId12"/>
+    <p:sldId id="263" r:id="rId13"/>
+    <p:sldId id="271" r:id="rId14"/>
+    <p:sldId id="272" r:id="rId15"/>
+    <p:sldId id="273" r:id="rId16"/>
+    <p:sldId id="276" r:id="rId17"/>
+    <p:sldId id="274" r:id="rId18"/>
+    <p:sldId id="275" r:id="rId19"/>
+    <p:sldId id="261" r:id="rId20"/>
+    <p:sldId id="277" r:id="rId21"/>
+    <p:sldId id="264" r:id="rId22"/>
+    <p:sldId id="260" r:id="rId23"/>
+    <p:sldId id="278" r:id="rId24"/>
   </p:sldIdLst>
   <p:sldSz cx="12192000" cy="6858000"/>
   <p:notesSz cx="6858000" cy="9144000"/>
@@ -212,7 +223,7 @@
           <a:p>
             <a:fld id="{01AEA828-5CD8-4937-BC8B-3CEA43AB888F}" type="datetimeFigureOut">
               <a:rPr lang="en-GB" smtClean="0"/>
-              <a:t>18/05/2018</a:t>
+              <a:t>28/05/2018</a:t>
             </a:fld>
             <a:endParaRPr lang="en-GB"/>
           </a:p>
@@ -573,6 +584,1467 @@
 </p:notes>
 </file>
 
+<file path=ppt/notesSlides/notesSlide10.xml><?xml version="1.0" encoding="utf-8"?>
+<p:notes xmlns:a="http://schemas.openxmlformats.org/drawingml/2006/main" xmlns:r="http://schemas.openxmlformats.org/officeDocument/2006/relationships" xmlns:p="http://schemas.openxmlformats.org/presentationml/2006/main">
+  <p:cSld>
+    <p:spTree>
+      <p:nvGrpSpPr>
+        <p:cNvPr id="1" name=""/>
+        <p:cNvGrpSpPr/>
+        <p:nvPr/>
+      </p:nvGrpSpPr>
+      <p:grpSpPr>
+        <a:xfrm>
+          <a:off x="0" y="0"/>
+          <a:ext cx="0" cy="0"/>
+          <a:chOff x="0" y="0"/>
+          <a:chExt cx="0" cy="0"/>
+        </a:xfrm>
+      </p:grpSpPr>
+      <p:sp>
+        <p:nvSpPr>
+          <p:cNvPr id="2" name="Slide Image Placeholder 1"/>
+          <p:cNvSpPr>
+            <a:spLocks noGrp="1" noRot="1" noChangeAspect="1"/>
+          </p:cNvSpPr>
+          <p:nvPr>
+            <p:ph type="sldImg"/>
+          </p:nvPr>
+        </p:nvSpPr>
+        <p:spPr/>
+      </p:sp>
+      <p:sp>
+        <p:nvSpPr>
+          <p:cNvPr id="3" name="Notes Placeholder 2"/>
+          <p:cNvSpPr>
+            <a:spLocks noGrp="1"/>
+          </p:cNvSpPr>
+          <p:nvPr>
+            <p:ph type="body" idx="1"/>
+          </p:nvPr>
+        </p:nvSpPr>
+        <p:spPr/>
+        <p:txBody>
+          <a:bodyPr/>
+          <a:lstStyle/>
+          <a:p>
+            <a:r>
+              <a:rPr lang="en-GB" dirty="0"/>
+              <a:t>Kibana</a:t>
+            </a:r>
+          </a:p>
+        </p:txBody>
+      </p:sp>
+      <p:sp>
+        <p:nvSpPr>
+          <p:cNvPr id="4" name="Slide Number Placeholder 3"/>
+          <p:cNvSpPr>
+            <a:spLocks noGrp="1"/>
+          </p:cNvSpPr>
+          <p:nvPr>
+            <p:ph type="sldNum" sz="quarter" idx="10"/>
+          </p:nvPr>
+        </p:nvSpPr>
+        <p:spPr/>
+        <p:txBody>
+          <a:bodyPr/>
+          <a:lstStyle/>
+          <a:p>
+            <a:fld id="{90098B67-40B8-4547-BE51-824908E8A1DA}" type="slidenum">
+              <a:rPr lang="en-GB" smtClean="0"/>
+              <a:t>10</a:t>
+            </a:fld>
+            <a:endParaRPr lang="en-GB"/>
+          </a:p>
+        </p:txBody>
+      </p:sp>
+    </p:spTree>
+    <p:extLst>
+      <p:ext uri="{BB962C8B-B14F-4D97-AF65-F5344CB8AC3E}">
+        <p14:creationId xmlns:p14="http://schemas.microsoft.com/office/powerpoint/2010/main" val="523786104"/>
+      </p:ext>
+    </p:extLst>
+  </p:cSld>
+  <p:clrMapOvr>
+    <a:masterClrMapping/>
+  </p:clrMapOvr>
+</p:notes>
+</file>
+
+<file path=ppt/notesSlides/notesSlide11.xml><?xml version="1.0" encoding="utf-8"?>
+<p:notes xmlns:a="http://schemas.openxmlformats.org/drawingml/2006/main" xmlns:r="http://schemas.openxmlformats.org/officeDocument/2006/relationships" xmlns:p="http://schemas.openxmlformats.org/presentationml/2006/main">
+  <p:cSld>
+    <p:spTree>
+      <p:nvGrpSpPr>
+        <p:cNvPr id="1" name=""/>
+        <p:cNvGrpSpPr/>
+        <p:nvPr/>
+      </p:nvGrpSpPr>
+      <p:grpSpPr>
+        <a:xfrm>
+          <a:off x="0" y="0"/>
+          <a:ext cx="0" cy="0"/>
+          <a:chOff x="0" y="0"/>
+          <a:chExt cx="0" cy="0"/>
+        </a:xfrm>
+      </p:grpSpPr>
+      <p:sp>
+        <p:nvSpPr>
+          <p:cNvPr id="2" name="Slide Image Placeholder 1"/>
+          <p:cNvSpPr>
+            <a:spLocks noGrp="1" noRot="1" noChangeAspect="1"/>
+          </p:cNvSpPr>
+          <p:nvPr>
+            <p:ph type="sldImg"/>
+          </p:nvPr>
+        </p:nvSpPr>
+        <p:spPr/>
+      </p:sp>
+      <p:sp>
+        <p:nvSpPr>
+          <p:cNvPr id="3" name="Notes Placeholder 2"/>
+          <p:cNvSpPr>
+            <a:spLocks noGrp="1"/>
+          </p:cNvSpPr>
+          <p:nvPr>
+            <p:ph type="body" idx="1"/>
+          </p:nvPr>
+        </p:nvSpPr>
+        <p:spPr/>
+        <p:txBody>
+          <a:bodyPr/>
+          <a:lstStyle/>
+          <a:p>
+            <a:pPr marL="0" marR="0" lvl="0" indent="0" algn="l" defTabSz="914400" rtl="0" eaLnBrk="1" fontAlgn="auto" latinLnBrk="0" hangingPunct="1">
+              <a:lnSpc>
+                <a:spcPct val="100000"/>
+              </a:lnSpc>
+              <a:spcBef>
+                <a:spcPts val="0"/>
+              </a:spcBef>
+              <a:spcAft>
+                <a:spcPts val="0"/>
+              </a:spcAft>
+              <a:buClrTx/>
+              <a:buSzTx/>
+              <a:buFontTx/>
+              <a:buNone/>
+              <a:tabLst/>
+              <a:defRPr/>
+            </a:pPr>
+            <a:r>
+              <a:rPr lang="en-GB" dirty="0"/>
+              <a:t>This starts running</a:t>
+            </a:r>
+          </a:p>
+          <a:p>
+            <a:pPr marL="0" marR="0" lvl="0" indent="0" algn="l" defTabSz="914400" rtl="0" eaLnBrk="1" fontAlgn="auto" latinLnBrk="0" hangingPunct="1">
+              <a:lnSpc>
+                <a:spcPct val="100000"/>
+              </a:lnSpc>
+              <a:spcBef>
+                <a:spcPts val="0"/>
+              </a:spcBef>
+              <a:spcAft>
+                <a:spcPts val="0"/>
+              </a:spcAft>
+              <a:buClrTx/>
+              <a:buSzTx/>
+              <a:buFontTx/>
+              <a:buNone/>
+              <a:tabLst/>
+              <a:defRPr/>
+            </a:pPr>
+            <a:endParaRPr lang="en-GB" dirty="0"/>
+          </a:p>
+          <a:p>
+            <a:pPr marL="0" marR="0" lvl="0" indent="0" algn="l" defTabSz="914400" rtl="0" eaLnBrk="1" fontAlgn="auto" latinLnBrk="0" hangingPunct="1">
+              <a:lnSpc>
+                <a:spcPct val="100000"/>
+              </a:lnSpc>
+              <a:spcBef>
+                <a:spcPts val="0"/>
+              </a:spcBef>
+              <a:spcAft>
+                <a:spcPts val="0"/>
+              </a:spcAft>
+              <a:buClrTx/>
+              <a:buSzTx/>
+              <a:buFontTx/>
+              <a:buNone/>
+              <a:tabLst/>
+              <a:defRPr/>
+            </a:pPr>
+            <a:r>
+              <a:rPr lang="en-GB" dirty="0"/>
+              <a:t>Elastic Search</a:t>
+            </a:r>
+          </a:p>
+          <a:p>
+            <a:pPr marL="0" marR="0" lvl="0" indent="0" algn="l" defTabSz="914400" rtl="0" eaLnBrk="1" fontAlgn="auto" latinLnBrk="0" hangingPunct="1">
+              <a:lnSpc>
+                <a:spcPct val="100000"/>
+              </a:lnSpc>
+              <a:spcBef>
+                <a:spcPts val="0"/>
+              </a:spcBef>
+              <a:spcAft>
+                <a:spcPts val="0"/>
+              </a:spcAft>
+              <a:buClrTx/>
+              <a:buSzTx/>
+              <a:buFontTx/>
+              <a:buNone/>
+              <a:tabLst/>
+              <a:defRPr/>
+            </a:pPr>
+            <a:r>
+              <a:rPr lang="en-GB" dirty="0"/>
+              <a:t>Log Stash (5044)</a:t>
+            </a:r>
+          </a:p>
+          <a:p>
+            <a:pPr marL="0" marR="0" lvl="0" indent="0" algn="l" defTabSz="914400" rtl="0" eaLnBrk="1" fontAlgn="auto" latinLnBrk="0" hangingPunct="1">
+              <a:lnSpc>
+                <a:spcPct val="100000"/>
+              </a:lnSpc>
+              <a:spcBef>
+                <a:spcPts val="0"/>
+              </a:spcBef>
+              <a:spcAft>
+                <a:spcPts val="0"/>
+              </a:spcAft>
+              <a:buClrTx/>
+              <a:buSzTx/>
+              <a:buFontTx/>
+              <a:buNone/>
+              <a:tabLst/>
+              <a:defRPr/>
+            </a:pPr>
+            <a:r>
+              <a:rPr lang="en-GB" dirty="0"/>
+              <a:t>And Kibana (5601)</a:t>
+            </a:r>
+          </a:p>
+          <a:p>
+            <a:pPr marL="0" marR="0" lvl="0" indent="0" algn="l" defTabSz="914400" rtl="0" eaLnBrk="1" fontAlgn="auto" latinLnBrk="0" hangingPunct="1">
+              <a:lnSpc>
+                <a:spcPct val="100000"/>
+              </a:lnSpc>
+              <a:spcBef>
+                <a:spcPts val="0"/>
+              </a:spcBef>
+              <a:spcAft>
+                <a:spcPts val="0"/>
+              </a:spcAft>
+              <a:buClrTx/>
+              <a:buSzTx/>
+              <a:buFontTx/>
+              <a:buNone/>
+              <a:tabLst/>
+              <a:defRPr/>
+            </a:pPr>
+            <a:endParaRPr lang="en-GB" dirty="0"/>
+          </a:p>
+          <a:p>
+            <a:pPr marL="0" marR="0" lvl="0" indent="0" algn="l" defTabSz="914400" rtl="0" eaLnBrk="1" fontAlgn="auto" latinLnBrk="0" hangingPunct="1">
+              <a:lnSpc>
+                <a:spcPct val="100000"/>
+              </a:lnSpc>
+              <a:spcBef>
+                <a:spcPts val="0"/>
+              </a:spcBef>
+              <a:spcAft>
+                <a:spcPts val="0"/>
+              </a:spcAft>
+              <a:buClrTx/>
+              <a:buSzTx/>
+              <a:buFontTx/>
+              <a:buNone/>
+              <a:tabLst/>
+              <a:defRPr/>
+            </a:pPr>
+            <a:r>
+              <a:rPr lang="en-GB" dirty="0"/>
+              <a:t>We will just look at Elastic Search for the moment.</a:t>
+            </a:r>
+          </a:p>
+          <a:p>
+            <a:pPr marL="0" marR="0" lvl="0" indent="0" algn="l" defTabSz="914400" rtl="0" eaLnBrk="1" fontAlgn="auto" latinLnBrk="0" hangingPunct="1">
+              <a:lnSpc>
+                <a:spcPct val="100000"/>
+              </a:lnSpc>
+              <a:spcBef>
+                <a:spcPts val="0"/>
+              </a:spcBef>
+              <a:spcAft>
+                <a:spcPts val="0"/>
+              </a:spcAft>
+              <a:buClrTx/>
+              <a:buSzTx/>
+              <a:buFontTx/>
+              <a:buNone/>
+              <a:tabLst/>
+              <a:defRPr/>
+            </a:pPr>
+            <a:endParaRPr lang="en-GB" dirty="0"/>
+          </a:p>
+          <a:p>
+            <a:pPr marL="0" marR="0" lvl="0" indent="0" algn="l" defTabSz="914400" rtl="0" eaLnBrk="1" fontAlgn="auto" latinLnBrk="0" hangingPunct="1">
+              <a:lnSpc>
+                <a:spcPct val="100000"/>
+              </a:lnSpc>
+              <a:spcBef>
+                <a:spcPts val="0"/>
+              </a:spcBef>
+              <a:spcAft>
+                <a:spcPts val="0"/>
+              </a:spcAft>
+              <a:buClrTx/>
+              <a:buSzTx/>
+              <a:buFontTx/>
+              <a:buNone/>
+              <a:tabLst/>
+              <a:defRPr/>
+            </a:pPr>
+            <a:r>
+              <a:rPr lang="en-GB" dirty="0"/>
+              <a:t>Show   http://localhost:9200/</a:t>
+            </a:r>
+          </a:p>
+          <a:p>
+            <a:pPr marL="0" marR="0" lvl="0" indent="0" algn="l" defTabSz="914400" rtl="0" eaLnBrk="1" fontAlgn="auto" latinLnBrk="0" hangingPunct="1">
+              <a:lnSpc>
+                <a:spcPct val="100000"/>
+              </a:lnSpc>
+              <a:spcBef>
+                <a:spcPts val="0"/>
+              </a:spcBef>
+              <a:spcAft>
+                <a:spcPts val="0"/>
+              </a:spcAft>
+              <a:buClrTx/>
+              <a:buSzTx/>
+              <a:buFontTx/>
+              <a:buNone/>
+              <a:tabLst/>
+              <a:defRPr/>
+            </a:pPr>
+            <a:r>
+              <a:rPr lang="en-GB" dirty="0"/>
+              <a:t>We can see the version number and basic cluster info.</a:t>
+            </a:r>
+          </a:p>
+          <a:p>
+            <a:pPr marL="0" marR="0" lvl="0" indent="0" algn="l" defTabSz="914400" rtl="0" eaLnBrk="1" fontAlgn="auto" latinLnBrk="0" hangingPunct="1">
+              <a:lnSpc>
+                <a:spcPct val="100000"/>
+              </a:lnSpc>
+              <a:spcBef>
+                <a:spcPts val="0"/>
+              </a:spcBef>
+              <a:spcAft>
+                <a:spcPts val="0"/>
+              </a:spcAft>
+              <a:buClrTx/>
+              <a:buSzTx/>
+              <a:buFontTx/>
+              <a:buNone/>
+              <a:tabLst/>
+              <a:defRPr/>
+            </a:pPr>
+            <a:r>
+              <a:rPr lang="en-GB" dirty="0"/>
+              <a:t>Elastic Search is built on top of lucence.</a:t>
+            </a:r>
+          </a:p>
+          <a:p>
+            <a:pPr marL="0" marR="0" lvl="0" indent="0" algn="l" defTabSz="914400" rtl="0" eaLnBrk="1" fontAlgn="auto" latinLnBrk="0" hangingPunct="1">
+              <a:lnSpc>
+                <a:spcPct val="100000"/>
+              </a:lnSpc>
+              <a:spcBef>
+                <a:spcPts val="0"/>
+              </a:spcBef>
+              <a:spcAft>
+                <a:spcPts val="0"/>
+              </a:spcAft>
+              <a:buClrTx/>
+              <a:buSzTx/>
+              <a:buFontTx/>
+              <a:buNone/>
+              <a:tabLst/>
+              <a:defRPr/>
+            </a:pPr>
+            <a:endParaRPr lang="en-GB" dirty="0"/>
+          </a:p>
+          <a:p>
+            <a:pPr marL="0" marR="0" lvl="0" indent="0" algn="l" defTabSz="914400" rtl="0" eaLnBrk="1" fontAlgn="auto" latinLnBrk="0" hangingPunct="1">
+              <a:lnSpc>
+                <a:spcPct val="100000"/>
+              </a:lnSpc>
+              <a:spcBef>
+                <a:spcPts val="0"/>
+              </a:spcBef>
+              <a:spcAft>
+                <a:spcPts val="0"/>
+              </a:spcAft>
+              <a:buClrTx/>
+              <a:buSzTx/>
+              <a:buFontTx/>
+              <a:buNone/>
+              <a:tabLst/>
+              <a:defRPr/>
+            </a:pPr>
+            <a:r>
+              <a:rPr lang="en-GB" dirty="0"/>
+              <a:t>Communication can be done via REST calls,  for example to view the health of our 1 node cluster</a:t>
+            </a:r>
+          </a:p>
+          <a:p>
+            <a:pPr marL="0" marR="0" lvl="0" indent="0" algn="l" defTabSz="914400" rtl="0" eaLnBrk="1" fontAlgn="auto" latinLnBrk="0" hangingPunct="1">
+              <a:lnSpc>
+                <a:spcPct val="100000"/>
+              </a:lnSpc>
+              <a:spcBef>
+                <a:spcPts val="0"/>
+              </a:spcBef>
+              <a:spcAft>
+                <a:spcPts val="0"/>
+              </a:spcAft>
+              <a:buClrTx/>
+              <a:buSzTx/>
+              <a:buFontTx/>
+              <a:buNone/>
+              <a:tabLst/>
+              <a:defRPr/>
+            </a:pPr>
+            <a:r>
+              <a:rPr lang="en-GB" dirty="0"/>
+              <a:t>http://localhost:9200/_cluster/health</a:t>
+            </a:r>
+          </a:p>
+          <a:p>
+            <a:pPr marL="0" marR="0" lvl="0" indent="0" algn="l" defTabSz="914400" rtl="0" eaLnBrk="1" fontAlgn="auto" latinLnBrk="0" hangingPunct="1">
+              <a:lnSpc>
+                <a:spcPct val="100000"/>
+              </a:lnSpc>
+              <a:spcBef>
+                <a:spcPts val="0"/>
+              </a:spcBef>
+              <a:spcAft>
+                <a:spcPts val="0"/>
+              </a:spcAft>
+              <a:buClrTx/>
+              <a:buSzTx/>
+              <a:buFontTx/>
+              <a:buNone/>
+              <a:tabLst/>
+              <a:defRPr/>
+            </a:pPr>
+            <a:endParaRPr lang="en-GB" dirty="0"/>
+          </a:p>
+          <a:p>
+            <a:pPr marL="0" marR="0" lvl="0" indent="0" algn="l" defTabSz="914400" rtl="0" eaLnBrk="1" fontAlgn="auto" latinLnBrk="0" hangingPunct="1">
+              <a:lnSpc>
+                <a:spcPct val="100000"/>
+              </a:lnSpc>
+              <a:spcBef>
+                <a:spcPts val="0"/>
+              </a:spcBef>
+              <a:spcAft>
+                <a:spcPts val="0"/>
+              </a:spcAft>
+              <a:buClrTx/>
+              <a:buSzTx/>
+              <a:buFontTx/>
+              <a:buNone/>
+              <a:tabLst/>
+              <a:defRPr/>
+            </a:pPr>
+            <a:endParaRPr lang="en-GB" dirty="0"/>
+          </a:p>
+          <a:p>
+            <a:pPr marL="0" marR="0" lvl="0" indent="0" algn="l" defTabSz="914400" rtl="0" eaLnBrk="1" fontAlgn="auto" latinLnBrk="0" hangingPunct="1">
+              <a:lnSpc>
+                <a:spcPct val="100000"/>
+              </a:lnSpc>
+              <a:spcBef>
+                <a:spcPts val="0"/>
+              </a:spcBef>
+              <a:spcAft>
+                <a:spcPts val="0"/>
+              </a:spcAft>
+              <a:buClrTx/>
+              <a:buSzTx/>
+              <a:buFontTx/>
+              <a:buNone/>
+              <a:tabLst/>
+              <a:defRPr/>
+            </a:pPr>
+            <a:endParaRPr lang="en-GB" dirty="0"/>
+          </a:p>
+          <a:p>
+            <a:pPr marL="0" marR="0" lvl="0" indent="0" algn="l" defTabSz="914400" rtl="0" eaLnBrk="1" fontAlgn="auto" latinLnBrk="0" hangingPunct="1">
+              <a:lnSpc>
+                <a:spcPct val="100000"/>
+              </a:lnSpc>
+              <a:spcBef>
+                <a:spcPts val="0"/>
+              </a:spcBef>
+              <a:spcAft>
+                <a:spcPts val="0"/>
+              </a:spcAft>
+              <a:buClrTx/>
+              <a:buSzTx/>
+              <a:buFontTx/>
+              <a:buNone/>
+              <a:tabLst/>
+              <a:defRPr/>
+            </a:pPr>
+            <a:endParaRPr lang="en-GB" dirty="0"/>
+          </a:p>
+          <a:p>
+            <a:pPr marL="0" marR="0" lvl="0" indent="0" algn="l" defTabSz="914400" rtl="0" eaLnBrk="1" fontAlgn="auto" latinLnBrk="0" hangingPunct="1">
+              <a:lnSpc>
+                <a:spcPct val="100000"/>
+              </a:lnSpc>
+              <a:spcBef>
+                <a:spcPts val="0"/>
+              </a:spcBef>
+              <a:spcAft>
+                <a:spcPts val="0"/>
+              </a:spcAft>
+              <a:buClrTx/>
+              <a:buSzTx/>
+              <a:buFontTx/>
+              <a:buNone/>
+              <a:tabLst/>
+              <a:defRPr/>
+            </a:pPr>
+            <a:r>
+              <a:rPr lang="en-GB" dirty="0"/>
+              <a:t>Stemming etc</a:t>
+            </a:r>
+          </a:p>
+          <a:p>
+            <a:endParaRPr lang="en-GB" dirty="0"/>
+          </a:p>
+        </p:txBody>
+      </p:sp>
+      <p:sp>
+        <p:nvSpPr>
+          <p:cNvPr id="4" name="Slide Number Placeholder 3"/>
+          <p:cNvSpPr>
+            <a:spLocks noGrp="1"/>
+          </p:cNvSpPr>
+          <p:nvPr>
+            <p:ph type="sldNum" sz="quarter" idx="10"/>
+          </p:nvPr>
+        </p:nvSpPr>
+        <p:spPr/>
+        <p:txBody>
+          <a:bodyPr/>
+          <a:lstStyle/>
+          <a:p>
+            <a:fld id="{90098B67-40B8-4547-BE51-824908E8A1DA}" type="slidenum">
+              <a:rPr lang="en-GB" smtClean="0"/>
+              <a:t>11</a:t>
+            </a:fld>
+            <a:endParaRPr lang="en-GB"/>
+          </a:p>
+        </p:txBody>
+      </p:sp>
+    </p:spTree>
+    <p:extLst>
+      <p:ext uri="{BB962C8B-B14F-4D97-AF65-F5344CB8AC3E}">
+        <p14:creationId xmlns:p14="http://schemas.microsoft.com/office/powerpoint/2010/main" val="1871134540"/>
+      </p:ext>
+    </p:extLst>
+  </p:cSld>
+  <p:clrMapOvr>
+    <a:masterClrMapping/>
+  </p:clrMapOvr>
+</p:notes>
+</file>
+
+<file path=ppt/notesSlides/notesSlide12.xml><?xml version="1.0" encoding="utf-8"?>
+<p:notes xmlns:a="http://schemas.openxmlformats.org/drawingml/2006/main" xmlns:r="http://schemas.openxmlformats.org/officeDocument/2006/relationships" xmlns:p="http://schemas.openxmlformats.org/presentationml/2006/main">
+  <p:cSld>
+    <p:spTree>
+      <p:nvGrpSpPr>
+        <p:cNvPr id="1" name=""/>
+        <p:cNvGrpSpPr/>
+        <p:nvPr/>
+      </p:nvGrpSpPr>
+      <p:grpSpPr>
+        <a:xfrm>
+          <a:off x="0" y="0"/>
+          <a:ext cx="0" cy="0"/>
+          <a:chOff x="0" y="0"/>
+          <a:chExt cx="0" cy="0"/>
+        </a:xfrm>
+      </p:grpSpPr>
+      <p:sp>
+        <p:nvSpPr>
+          <p:cNvPr id="2" name="Slide Image Placeholder 1"/>
+          <p:cNvSpPr>
+            <a:spLocks noGrp="1" noRot="1" noChangeAspect="1"/>
+          </p:cNvSpPr>
+          <p:nvPr>
+            <p:ph type="sldImg"/>
+          </p:nvPr>
+        </p:nvSpPr>
+        <p:spPr/>
+      </p:sp>
+      <p:sp>
+        <p:nvSpPr>
+          <p:cNvPr id="3" name="Notes Placeholder 2"/>
+          <p:cNvSpPr>
+            <a:spLocks noGrp="1"/>
+          </p:cNvSpPr>
+          <p:nvPr>
+            <p:ph type="body" idx="1"/>
+          </p:nvPr>
+        </p:nvSpPr>
+        <p:spPr/>
+        <p:txBody>
+          <a:bodyPr/>
+          <a:lstStyle/>
+          <a:p>
+            <a:r>
+              <a:rPr lang="en-GB" dirty="0"/>
+              <a:t>Describe index type and id</a:t>
+            </a:r>
+          </a:p>
+          <a:p>
+            <a:endParaRPr lang="en-GB" dirty="0"/>
+          </a:p>
+          <a:p>
+            <a:r>
+              <a:rPr lang="en-GB" dirty="0"/>
+              <a:t>Index/type/id  </a:t>
+            </a:r>
+            <a:r>
+              <a:rPr lang="en-GB" dirty="0" err="1"/>
+              <a:t>id</a:t>
+            </a:r>
+            <a:r>
+              <a:rPr lang="en-GB" dirty="0"/>
+              <a:t> is optional</a:t>
+            </a:r>
+          </a:p>
+          <a:p>
+            <a:r>
+              <a:rPr lang="en-GB" dirty="0"/>
+              <a:t>Result is created,  then updated</a:t>
+            </a:r>
+          </a:p>
+          <a:p>
+            <a:r>
+              <a:rPr lang="en-GB" dirty="0"/>
+              <a:t>The version number also goes up</a:t>
+            </a:r>
+          </a:p>
+          <a:p>
+            <a:endParaRPr lang="en-GB" dirty="0"/>
+          </a:p>
+          <a:p>
+            <a:endParaRPr lang="en-GB" dirty="0"/>
+          </a:p>
+        </p:txBody>
+      </p:sp>
+      <p:sp>
+        <p:nvSpPr>
+          <p:cNvPr id="4" name="Slide Number Placeholder 3"/>
+          <p:cNvSpPr>
+            <a:spLocks noGrp="1"/>
+          </p:cNvSpPr>
+          <p:nvPr>
+            <p:ph type="sldNum" sz="quarter" idx="10"/>
+          </p:nvPr>
+        </p:nvSpPr>
+        <p:spPr/>
+        <p:txBody>
+          <a:bodyPr/>
+          <a:lstStyle/>
+          <a:p>
+            <a:fld id="{90098B67-40B8-4547-BE51-824908E8A1DA}" type="slidenum">
+              <a:rPr lang="en-GB" smtClean="0"/>
+              <a:t>12</a:t>
+            </a:fld>
+            <a:endParaRPr lang="en-GB"/>
+          </a:p>
+        </p:txBody>
+      </p:sp>
+    </p:spTree>
+    <p:extLst>
+      <p:ext uri="{BB962C8B-B14F-4D97-AF65-F5344CB8AC3E}">
+        <p14:creationId xmlns:p14="http://schemas.microsoft.com/office/powerpoint/2010/main" val="3342324291"/>
+      </p:ext>
+    </p:extLst>
+  </p:cSld>
+  <p:clrMapOvr>
+    <a:masterClrMapping/>
+  </p:clrMapOvr>
+</p:notes>
+</file>
+
+<file path=ppt/notesSlides/notesSlide13.xml><?xml version="1.0" encoding="utf-8"?>
+<p:notes xmlns:a="http://schemas.openxmlformats.org/drawingml/2006/main" xmlns:r="http://schemas.openxmlformats.org/officeDocument/2006/relationships" xmlns:p="http://schemas.openxmlformats.org/presentationml/2006/main">
+  <p:cSld>
+    <p:spTree>
+      <p:nvGrpSpPr>
+        <p:cNvPr id="1" name=""/>
+        <p:cNvGrpSpPr/>
+        <p:nvPr/>
+      </p:nvGrpSpPr>
+      <p:grpSpPr>
+        <a:xfrm>
+          <a:off x="0" y="0"/>
+          <a:ext cx="0" cy="0"/>
+          <a:chOff x="0" y="0"/>
+          <a:chExt cx="0" cy="0"/>
+        </a:xfrm>
+      </p:grpSpPr>
+      <p:sp>
+        <p:nvSpPr>
+          <p:cNvPr id="2" name="Slide Image Placeholder 1"/>
+          <p:cNvSpPr>
+            <a:spLocks noGrp="1" noRot="1" noChangeAspect="1"/>
+          </p:cNvSpPr>
+          <p:nvPr>
+            <p:ph type="sldImg"/>
+          </p:nvPr>
+        </p:nvSpPr>
+        <p:spPr/>
+      </p:sp>
+      <p:sp>
+        <p:nvSpPr>
+          <p:cNvPr id="3" name="Notes Placeholder 2"/>
+          <p:cNvSpPr>
+            <a:spLocks noGrp="1"/>
+          </p:cNvSpPr>
+          <p:nvPr>
+            <p:ph type="body" idx="1"/>
+          </p:nvPr>
+        </p:nvSpPr>
+        <p:spPr/>
+        <p:txBody>
+          <a:bodyPr/>
+          <a:lstStyle/>
+          <a:p>
+            <a:endParaRPr lang="en-GB" dirty="0"/>
+          </a:p>
+        </p:txBody>
+      </p:sp>
+      <p:sp>
+        <p:nvSpPr>
+          <p:cNvPr id="4" name="Slide Number Placeholder 3"/>
+          <p:cNvSpPr>
+            <a:spLocks noGrp="1"/>
+          </p:cNvSpPr>
+          <p:nvPr>
+            <p:ph type="sldNum" sz="quarter" idx="10"/>
+          </p:nvPr>
+        </p:nvSpPr>
+        <p:spPr/>
+        <p:txBody>
+          <a:bodyPr/>
+          <a:lstStyle/>
+          <a:p>
+            <a:fld id="{90098B67-40B8-4547-BE51-824908E8A1DA}" type="slidenum">
+              <a:rPr lang="en-GB" smtClean="0"/>
+              <a:t>13</a:t>
+            </a:fld>
+            <a:endParaRPr lang="en-GB"/>
+          </a:p>
+        </p:txBody>
+      </p:sp>
+    </p:spTree>
+    <p:extLst>
+      <p:ext uri="{BB962C8B-B14F-4D97-AF65-F5344CB8AC3E}">
+        <p14:creationId xmlns:p14="http://schemas.microsoft.com/office/powerpoint/2010/main" val="2715674357"/>
+      </p:ext>
+    </p:extLst>
+  </p:cSld>
+  <p:clrMapOvr>
+    <a:masterClrMapping/>
+  </p:clrMapOvr>
+</p:notes>
+</file>
+
+<file path=ppt/notesSlides/notesSlide14.xml><?xml version="1.0" encoding="utf-8"?>
+<p:notes xmlns:a="http://schemas.openxmlformats.org/drawingml/2006/main" xmlns:r="http://schemas.openxmlformats.org/officeDocument/2006/relationships" xmlns:p="http://schemas.openxmlformats.org/presentationml/2006/main">
+  <p:cSld>
+    <p:spTree>
+      <p:nvGrpSpPr>
+        <p:cNvPr id="1" name=""/>
+        <p:cNvGrpSpPr/>
+        <p:nvPr/>
+      </p:nvGrpSpPr>
+      <p:grpSpPr>
+        <a:xfrm>
+          <a:off x="0" y="0"/>
+          <a:ext cx="0" cy="0"/>
+          <a:chOff x="0" y="0"/>
+          <a:chExt cx="0" cy="0"/>
+        </a:xfrm>
+      </p:grpSpPr>
+      <p:sp>
+        <p:nvSpPr>
+          <p:cNvPr id="2" name="Slide Image Placeholder 1"/>
+          <p:cNvSpPr>
+            <a:spLocks noGrp="1" noRot="1" noChangeAspect="1"/>
+          </p:cNvSpPr>
+          <p:nvPr>
+            <p:ph type="sldImg"/>
+          </p:nvPr>
+        </p:nvSpPr>
+        <p:spPr/>
+      </p:sp>
+      <p:sp>
+        <p:nvSpPr>
+          <p:cNvPr id="3" name="Notes Placeholder 2"/>
+          <p:cNvSpPr>
+            <a:spLocks noGrp="1"/>
+          </p:cNvSpPr>
+          <p:nvPr>
+            <p:ph type="body" idx="1"/>
+          </p:nvPr>
+        </p:nvSpPr>
+        <p:spPr/>
+        <p:txBody>
+          <a:bodyPr/>
+          <a:lstStyle/>
+          <a:p>
+            <a:endParaRPr lang="en-GB" dirty="0"/>
+          </a:p>
+        </p:txBody>
+      </p:sp>
+      <p:sp>
+        <p:nvSpPr>
+          <p:cNvPr id="4" name="Slide Number Placeholder 3"/>
+          <p:cNvSpPr>
+            <a:spLocks noGrp="1"/>
+          </p:cNvSpPr>
+          <p:nvPr>
+            <p:ph type="sldNum" sz="quarter" idx="10"/>
+          </p:nvPr>
+        </p:nvSpPr>
+        <p:spPr/>
+        <p:txBody>
+          <a:bodyPr/>
+          <a:lstStyle/>
+          <a:p>
+            <a:fld id="{90098B67-40B8-4547-BE51-824908E8A1DA}" type="slidenum">
+              <a:rPr lang="en-GB" smtClean="0"/>
+              <a:t>14</a:t>
+            </a:fld>
+            <a:endParaRPr lang="en-GB"/>
+          </a:p>
+        </p:txBody>
+      </p:sp>
+    </p:spTree>
+    <p:extLst>
+      <p:ext uri="{BB962C8B-B14F-4D97-AF65-F5344CB8AC3E}">
+        <p14:creationId xmlns:p14="http://schemas.microsoft.com/office/powerpoint/2010/main" val="3930656454"/>
+      </p:ext>
+    </p:extLst>
+  </p:cSld>
+  <p:clrMapOvr>
+    <a:masterClrMapping/>
+  </p:clrMapOvr>
+</p:notes>
+</file>
+
+<file path=ppt/notesSlides/notesSlide15.xml><?xml version="1.0" encoding="utf-8"?>
+<p:notes xmlns:a="http://schemas.openxmlformats.org/drawingml/2006/main" xmlns:r="http://schemas.openxmlformats.org/officeDocument/2006/relationships" xmlns:p="http://schemas.openxmlformats.org/presentationml/2006/main">
+  <p:cSld>
+    <p:spTree>
+      <p:nvGrpSpPr>
+        <p:cNvPr id="1" name=""/>
+        <p:cNvGrpSpPr/>
+        <p:nvPr/>
+      </p:nvGrpSpPr>
+      <p:grpSpPr>
+        <a:xfrm>
+          <a:off x="0" y="0"/>
+          <a:ext cx="0" cy="0"/>
+          <a:chOff x="0" y="0"/>
+          <a:chExt cx="0" cy="0"/>
+        </a:xfrm>
+      </p:grpSpPr>
+      <p:sp>
+        <p:nvSpPr>
+          <p:cNvPr id="2" name="Slide Image Placeholder 1"/>
+          <p:cNvSpPr>
+            <a:spLocks noGrp="1" noRot="1" noChangeAspect="1"/>
+          </p:cNvSpPr>
+          <p:nvPr>
+            <p:ph type="sldImg"/>
+          </p:nvPr>
+        </p:nvSpPr>
+        <p:spPr/>
+      </p:sp>
+      <p:sp>
+        <p:nvSpPr>
+          <p:cNvPr id="3" name="Notes Placeholder 2"/>
+          <p:cNvSpPr>
+            <a:spLocks noGrp="1"/>
+          </p:cNvSpPr>
+          <p:nvPr>
+            <p:ph type="body" idx="1"/>
+          </p:nvPr>
+        </p:nvSpPr>
+        <p:spPr/>
+        <p:txBody>
+          <a:bodyPr/>
+          <a:lstStyle/>
+          <a:p>
+            <a:r>
+              <a:rPr lang="en-GB" dirty="0"/>
+              <a:t>So to summarise</a:t>
+            </a:r>
+          </a:p>
+          <a:p>
+            <a:endParaRPr lang="en-GB" dirty="0"/>
+          </a:p>
+          <a:p>
+            <a:r>
+              <a:rPr lang="en-GB" dirty="0"/>
+              <a:t>The NEST Client is most developer friendly and is built using the </a:t>
+            </a:r>
+            <a:r>
+              <a:rPr lang="en-GB" dirty="0" err="1"/>
+              <a:t>ElastisSearch.Net</a:t>
+            </a:r>
+            <a:r>
+              <a:rPr lang="en-GB" dirty="0"/>
+              <a:t> client</a:t>
+            </a:r>
+          </a:p>
+          <a:p>
+            <a:r>
+              <a:rPr lang="en-GB" dirty="0"/>
+              <a:t>The </a:t>
+            </a:r>
+            <a:r>
+              <a:rPr lang="en-GB" dirty="0" err="1"/>
+              <a:t>ElastisSearch.Net</a:t>
+            </a:r>
+            <a:r>
+              <a:rPr lang="en-GB" dirty="0"/>
+              <a:t> client can do everything that the REST client can do,  built from it’s specification</a:t>
+            </a:r>
+          </a:p>
+          <a:p>
+            <a:endParaRPr lang="en-GB" dirty="0"/>
+          </a:p>
+        </p:txBody>
+      </p:sp>
+      <p:sp>
+        <p:nvSpPr>
+          <p:cNvPr id="4" name="Slide Number Placeholder 3"/>
+          <p:cNvSpPr>
+            <a:spLocks noGrp="1"/>
+          </p:cNvSpPr>
+          <p:nvPr>
+            <p:ph type="sldNum" sz="quarter" idx="10"/>
+          </p:nvPr>
+        </p:nvSpPr>
+        <p:spPr/>
+        <p:txBody>
+          <a:bodyPr/>
+          <a:lstStyle/>
+          <a:p>
+            <a:fld id="{90098B67-40B8-4547-BE51-824908E8A1DA}" type="slidenum">
+              <a:rPr lang="en-GB" smtClean="0"/>
+              <a:t>15</a:t>
+            </a:fld>
+            <a:endParaRPr lang="en-GB"/>
+          </a:p>
+        </p:txBody>
+      </p:sp>
+    </p:spTree>
+    <p:extLst>
+      <p:ext uri="{BB962C8B-B14F-4D97-AF65-F5344CB8AC3E}">
+        <p14:creationId xmlns:p14="http://schemas.microsoft.com/office/powerpoint/2010/main" val="1046731750"/>
+      </p:ext>
+    </p:extLst>
+  </p:cSld>
+  <p:clrMapOvr>
+    <a:masterClrMapping/>
+  </p:clrMapOvr>
+</p:notes>
+</file>
+
+<file path=ppt/notesSlides/notesSlide16.xml><?xml version="1.0" encoding="utf-8"?>
+<p:notes xmlns:a="http://schemas.openxmlformats.org/drawingml/2006/main" xmlns:r="http://schemas.openxmlformats.org/officeDocument/2006/relationships" xmlns:p="http://schemas.openxmlformats.org/presentationml/2006/main">
+  <p:cSld>
+    <p:spTree>
+      <p:nvGrpSpPr>
+        <p:cNvPr id="1" name=""/>
+        <p:cNvGrpSpPr/>
+        <p:nvPr/>
+      </p:nvGrpSpPr>
+      <p:grpSpPr>
+        <a:xfrm>
+          <a:off x="0" y="0"/>
+          <a:ext cx="0" cy="0"/>
+          <a:chOff x="0" y="0"/>
+          <a:chExt cx="0" cy="0"/>
+        </a:xfrm>
+      </p:grpSpPr>
+      <p:sp>
+        <p:nvSpPr>
+          <p:cNvPr id="2" name="Slide Image Placeholder 1"/>
+          <p:cNvSpPr>
+            <a:spLocks noGrp="1" noRot="1" noChangeAspect="1"/>
+          </p:cNvSpPr>
+          <p:nvPr>
+            <p:ph type="sldImg"/>
+          </p:nvPr>
+        </p:nvSpPr>
+        <p:spPr/>
+      </p:sp>
+      <p:sp>
+        <p:nvSpPr>
+          <p:cNvPr id="3" name="Notes Placeholder 2"/>
+          <p:cNvSpPr>
+            <a:spLocks noGrp="1"/>
+          </p:cNvSpPr>
+          <p:nvPr>
+            <p:ph type="body" idx="1"/>
+          </p:nvPr>
+        </p:nvSpPr>
+        <p:spPr/>
+        <p:txBody>
+          <a:bodyPr/>
+          <a:lstStyle/>
+          <a:p>
+            <a:r>
+              <a:rPr lang="en-GB" dirty="0"/>
+              <a:t>The elastic search version</a:t>
+            </a:r>
+          </a:p>
+        </p:txBody>
+      </p:sp>
+      <p:sp>
+        <p:nvSpPr>
+          <p:cNvPr id="4" name="Slide Number Placeholder 3"/>
+          <p:cNvSpPr>
+            <a:spLocks noGrp="1"/>
+          </p:cNvSpPr>
+          <p:nvPr>
+            <p:ph type="sldNum" sz="quarter" idx="10"/>
+          </p:nvPr>
+        </p:nvSpPr>
+        <p:spPr/>
+        <p:txBody>
+          <a:bodyPr/>
+          <a:lstStyle/>
+          <a:p>
+            <a:fld id="{90098B67-40B8-4547-BE51-824908E8A1DA}" type="slidenum">
+              <a:rPr lang="en-GB" smtClean="0"/>
+              <a:t>16</a:t>
+            </a:fld>
+            <a:endParaRPr lang="en-GB"/>
+          </a:p>
+        </p:txBody>
+      </p:sp>
+    </p:spTree>
+    <p:extLst>
+      <p:ext uri="{BB962C8B-B14F-4D97-AF65-F5344CB8AC3E}">
+        <p14:creationId xmlns:p14="http://schemas.microsoft.com/office/powerpoint/2010/main" val="1611285210"/>
+      </p:ext>
+    </p:extLst>
+  </p:cSld>
+  <p:clrMapOvr>
+    <a:masterClrMapping/>
+  </p:clrMapOvr>
+</p:notes>
+</file>
+
+<file path=ppt/notesSlides/notesSlide17.xml><?xml version="1.0" encoding="utf-8"?>
+<p:notes xmlns:a="http://schemas.openxmlformats.org/drawingml/2006/main" xmlns:r="http://schemas.openxmlformats.org/officeDocument/2006/relationships" xmlns:p="http://schemas.openxmlformats.org/presentationml/2006/main">
+  <p:cSld>
+    <p:spTree>
+      <p:nvGrpSpPr>
+        <p:cNvPr id="1" name=""/>
+        <p:cNvGrpSpPr/>
+        <p:nvPr/>
+      </p:nvGrpSpPr>
+      <p:grpSpPr>
+        <a:xfrm>
+          <a:off x="0" y="0"/>
+          <a:ext cx="0" cy="0"/>
+          <a:chOff x="0" y="0"/>
+          <a:chExt cx="0" cy="0"/>
+        </a:xfrm>
+      </p:grpSpPr>
+      <p:sp>
+        <p:nvSpPr>
+          <p:cNvPr id="2" name="Slide Image Placeholder 1"/>
+          <p:cNvSpPr>
+            <a:spLocks noGrp="1" noRot="1" noChangeAspect="1"/>
+          </p:cNvSpPr>
+          <p:nvPr>
+            <p:ph type="sldImg"/>
+          </p:nvPr>
+        </p:nvSpPr>
+        <p:spPr/>
+      </p:sp>
+      <p:sp>
+        <p:nvSpPr>
+          <p:cNvPr id="3" name="Notes Placeholder 2"/>
+          <p:cNvSpPr>
+            <a:spLocks noGrp="1"/>
+          </p:cNvSpPr>
+          <p:nvPr>
+            <p:ph type="body" idx="1"/>
+          </p:nvPr>
+        </p:nvSpPr>
+        <p:spPr/>
+        <p:txBody>
+          <a:bodyPr/>
+          <a:lstStyle/>
+          <a:p>
+            <a:r>
+              <a:rPr lang="en-GB" dirty="0"/>
+              <a:t>An alternative to Kibana is </a:t>
+            </a:r>
+            <a:r>
+              <a:rPr lang="en-GB" dirty="0" err="1"/>
+              <a:t>Grafana</a:t>
+            </a:r>
+            <a:r>
+              <a:rPr lang="en-GB" dirty="0"/>
+              <a:t>.</a:t>
+            </a:r>
+          </a:p>
+          <a:p>
+            <a:endParaRPr lang="en-GB" dirty="0"/>
+          </a:p>
+          <a:p>
+            <a:r>
+              <a:rPr lang="en-GB" dirty="0"/>
+              <a:t>This allows data to be read from alternative source,  and can query multiple elastic search clusters.</a:t>
+            </a:r>
+          </a:p>
+          <a:p>
+            <a:endParaRPr lang="en-GB" dirty="0"/>
+          </a:p>
+          <a:p>
+            <a:r>
+              <a:rPr lang="en-GB" dirty="0"/>
+              <a:t>However as it’s more generic, I don’t find it as good for exploring data.</a:t>
+            </a:r>
+          </a:p>
+          <a:p>
+            <a:endParaRPr lang="en-GB" dirty="0"/>
+          </a:p>
+          <a:p>
+            <a:r>
+              <a:rPr lang="en-GB" dirty="0" err="1"/>
+              <a:t>Grafana</a:t>
+            </a:r>
+            <a:r>
+              <a:rPr lang="en-GB" dirty="0"/>
+              <a:t> has decent role based security built in,  Kibana needs the x-pack,  which until recently you had to pay for.</a:t>
+            </a:r>
+          </a:p>
+        </p:txBody>
+      </p:sp>
+      <p:sp>
+        <p:nvSpPr>
+          <p:cNvPr id="4" name="Slide Number Placeholder 3"/>
+          <p:cNvSpPr>
+            <a:spLocks noGrp="1"/>
+          </p:cNvSpPr>
+          <p:nvPr>
+            <p:ph type="sldNum" sz="quarter" idx="10"/>
+          </p:nvPr>
+        </p:nvSpPr>
+        <p:spPr/>
+        <p:txBody>
+          <a:bodyPr/>
+          <a:lstStyle/>
+          <a:p>
+            <a:fld id="{90098B67-40B8-4547-BE51-824908E8A1DA}" type="slidenum">
+              <a:rPr lang="en-GB" smtClean="0"/>
+              <a:t>18</a:t>
+            </a:fld>
+            <a:endParaRPr lang="en-GB"/>
+          </a:p>
+        </p:txBody>
+      </p:sp>
+    </p:spTree>
+    <p:extLst>
+      <p:ext uri="{BB962C8B-B14F-4D97-AF65-F5344CB8AC3E}">
+        <p14:creationId xmlns:p14="http://schemas.microsoft.com/office/powerpoint/2010/main" val="551945927"/>
+      </p:ext>
+    </p:extLst>
+  </p:cSld>
+  <p:clrMapOvr>
+    <a:masterClrMapping/>
+  </p:clrMapOvr>
+</p:notes>
+</file>
+
+<file path=ppt/notesSlides/notesSlide18.xml><?xml version="1.0" encoding="utf-8"?>
+<p:notes xmlns:a="http://schemas.openxmlformats.org/drawingml/2006/main" xmlns:r="http://schemas.openxmlformats.org/officeDocument/2006/relationships" xmlns:p="http://schemas.openxmlformats.org/presentationml/2006/main">
+  <p:cSld>
+    <p:spTree>
+      <p:nvGrpSpPr>
+        <p:cNvPr id="1" name=""/>
+        <p:cNvGrpSpPr/>
+        <p:nvPr/>
+      </p:nvGrpSpPr>
+      <p:grpSpPr>
+        <a:xfrm>
+          <a:off x="0" y="0"/>
+          <a:ext cx="0" cy="0"/>
+          <a:chOff x="0" y="0"/>
+          <a:chExt cx="0" cy="0"/>
+        </a:xfrm>
+      </p:grpSpPr>
+      <p:sp>
+        <p:nvSpPr>
+          <p:cNvPr id="2" name="Slide Image Placeholder 1"/>
+          <p:cNvSpPr>
+            <a:spLocks noGrp="1" noRot="1" noChangeAspect="1"/>
+          </p:cNvSpPr>
+          <p:nvPr>
+            <p:ph type="sldImg"/>
+          </p:nvPr>
+        </p:nvSpPr>
+        <p:spPr/>
+      </p:sp>
+      <p:sp>
+        <p:nvSpPr>
+          <p:cNvPr id="3" name="Notes Placeholder 2"/>
+          <p:cNvSpPr>
+            <a:spLocks noGrp="1"/>
+          </p:cNvSpPr>
+          <p:nvPr>
+            <p:ph type="body" idx="1"/>
+          </p:nvPr>
+        </p:nvSpPr>
+        <p:spPr/>
+        <p:txBody>
+          <a:bodyPr/>
+          <a:lstStyle/>
+          <a:p>
+            <a:r>
+              <a:rPr lang="en-GB" b="1" dirty="0"/>
+              <a:t>Centralize, Transform &amp; Stash Your Data</a:t>
+            </a:r>
+          </a:p>
+          <a:p>
+            <a:r>
+              <a:rPr lang="en-GB" dirty="0" err="1"/>
+              <a:t>Logstash</a:t>
+            </a:r>
+            <a:r>
+              <a:rPr lang="en-GB" dirty="0"/>
+              <a:t> is an open source, server-side data processing pipeline that ingests data from a multitude of sources simultaneously, transforms it, and then sends it to your </a:t>
+            </a:r>
+            <a:r>
+              <a:rPr lang="en-GB" dirty="0" err="1"/>
+              <a:t>favorite</a:t>
+            </a:r>
+            <a:r>
+              <a:rPr lang="en-GB" dirty="0"/>
+              <a:t> “</a:t>
+            </a:r>
+            <a:r>
+              <a:rPr lang="en-GB" dirty="0" err="1"/>
+              <a:t>stas</a:t>
+            </a:r>
+            <a:endParaRPr lang="en-GB" dirty="0"/>
+          </a:p>
+          <a:p>
+            <a:endParaRPr lang="en-GB" dirty="0"/>
+          </a:p>
+          <a:p>
+            <a:endParaRPr lang="en-GB" dirty="0"/>
+          </a:p>
+          <a:p>
+            <a:r>
+              <a:rPr lang="en-GB" dirty="0"/>
+              <a:t>Requires the Java runtime – might be an issue on </a:t>
+            </a:r>
+            <a:r>
+              <a:rPr lang="en-GB" dirty="0" err="1"/>
+              <a:t>dotnet</a:t>
+            </a:r>
+            <a:r>
+              <a:rPr lang="en-GB" dirty="0"/>
+              <a:t> only servers.</a:t>
+            </a:r>
+          </a:p>
+        </p:txBody>
+      </p:sp>
+      <p:sp>
+        <p:nvSpPr>
+          <p:cNvPr id="4" name="Slide Number Placeholder 3"/>
+          <p:cNvSpPr>
+            <a:spLocks noGrp="1"/>
+          </p:cNvSpPr>
+          <p:nvPr>
+            <p:ph type="sldNum" sz="quarter" idx="10"/>
+          </p:nvPr>
+        </p:nvSpPr>
+        <p:spPr/>
+        <p:txBody>
+          <a:bodyPr/>
+          <a:lstStyle/>
+          <a:p>
+            <a:fld id="{90098B67-40B8-4547-BE51-824908E8A1DA}" type="slidenum">
+              <a:rPr lang="en-GB" smtClean="0"/>
+              <a:t>19</a:t>
+            </a:fld>
+            <a:endParaRPr lang="en-GB"/>
+          </a:p>
+        </p:txBody>
+      </p:sp>
+    </p:spTree>
+    <p:extLst>
+      <p:ext uri="{BB962C8B-B14F-4D97-AF65-F5344CB8AC3E}">
+        <p14:creationId xmlns:p14="http://schemas.microsoft.com/office/powerpoint/2010/main" val="54901862"/>
+      </p:ext>
+    </p:extLst>
+  </p:cSld>
+  <p:clrMapOvr>
+    <a:masterClrMapping/>
+  </p:clrMapOvr>
+</p:notes>
+</file>
+
+<file path=ppt/notesSlides/notesSlide19.xml><?xml version="1.0" encoding="utf-8"?>
+<p:notes xmlns:a="http://schemas.openxmlformats.org/drawingml/2006/main" xmlns:r="http://schemas.openxmlformats.org/officeDocument/2006/relationships" xmlns:p="http://schemas.openxmlformats.org/presentationml/2006/main">
+  <p:cSld>
+    <p:spTree>
+      <p:nvGrpSpPr>
+        <p:cNvPr id="1" name=""/>
+        <p:cNvGrpSpPr/>
+        <p:nvPr/>
+      </p:nvGrpSpPr>
+      <p:grpSpPr>
+        <a:xfrm>
+          <a:off x="0" y="0"/>
+          <a:ext cx="0" cy="0"/>
+          <a:chOff x="0" y="0"/>
+          <a:chExt cx="0" cy="0"/>
+        </a:xfrm>
+      </p:grpSpPr>
+      <p:sp>
+        <p:nvSpPr>
+          <p:cNvPr id="2" name="Slide Image Placeholder 1"/>
+          <p:cNvSpPr>
+            <a:spLocks noGrp="1" noRot="1" noChangeAspect="1"/>
+          </p:cNvSpPr>
+          <p:nvPr>
+            <p:ph type="sldImg"/>
+          </p:nvPr>
+        </p:nvSpPr>
+        <p:spPr/>
+      </p:sp>
+      <p:sp>
+        <p:nvSpPr>
+          <p:cNvPr id="3" name="Notes Placeholder 2"/>
+          <p:cNvSpPr>
+            <a:spLocks noGrp="1"/>
+          </p:cNvSpPr>
+          <p:nvPr>
+            <p:ph type="body" idx="1"/>
+          </p:nvPr>
+        </p:nvSpPr>
+        <p:spPr/>
+        <p:txBody>
+          <a:bodyPr/>
+          <a:lstStyle/>
+          <a:p>
+            <a:r>
+              <a:rPr lang="en-GB" dirty="0"/>
+              <a:t>The </a:t>
+            </a:r>
+            <a:r>
+              <a:rPr lang="en-GB" dirty="0" err="1"/>
+              <a:t>libbeat</a:t>
+            </a:r>
+            <a:r>
+              <a:rPr lang="en-GB" dirty="0"/>
+              <a:t> library is written in </a:t>
+            </a:r>
+            <a:r>
+              <a:rPr lang="en-GB" dirty="0" err="1"/>
+              <a:t>GoLang</a:t>
+            </a:r>
+            <a:endParaRPr lang="en-GB" dirty="0"/>
+          </a:p>
+          <a:p>
+            <a:endParaRPr lang="en-GB" dirty="0"/>
+          </a:p>
+          <a:p>
+            <a:r>
+              <a:rPr lang="en-GB" dirty="0"/>
+              <a:t>Demo </a:t>
+            </a:r>
+            <a:r>
+              <a:rPr lang="en-GB" dirty="0" err="1"/>
+              <a:t>WinLogBeat</a:t>
+            </a:r>
+            <a:endParaRPr lang="en-GB" dirty="0"/>
+          </a:p>
+          <a:p>
+            <a:endParaRPr lang="en-GB" dirty="0"/>
+          </a:p>
+          <a:p>
+            <a:r>
+              <a:rPr lang="en-GB" dirty="0"/>
+              <a:t>There is an IIS beat coming soon</a:t>
+            </a:r>
+          </a:p>
+        </p:txBody>
+      </p:sp>
+      <p:sp>
+        <p:nvSpPr>
+          <p:cNvPr id="4" name="Slide Number Placeholder 3"/>
+          <p:cNvSpPr>
+            <a:spLocks noGrp="1"/>
+          </p:cNvSpPr>
+          <p:nvPr>
+            <p:ph type="sldNum" sz="quarter" idx="10"/>
+          </p:nvPr>
+        </p:nvSpPr>
+        <p:spPr/>
+        <p:txBody>
+          <a:bodyPr/>
+          <a:lstStyle/>
+          <a:p>
+            <a:fld id="{90098B67-40B8-4547-BE51-824908E8A1DA}" type="slidenum">
+              <a:rPr lang="en-GB" smtClean="0"/>
+              <a:t>20</a:t>
+            </a:fld>
+            <a:endParaRPr lang="en-GB"/>
+          </a:p>
+        </p:txBody>
+      </p:sp>
+    </p:spTree>
+    <p:extLst>
+      <p:ext uri="{BB962C8B-B14F-4D97-AF65-F5344CB8AC3E}">
+        <p14:creationId xmlns:p14="http://schemas.microsoft.com/office/powerpoint/2010/main" val="3524294965"/>
+      </p:ext>
+    </p:extLst>
+  </p:cSld>
+  <p:clrMapOvr>
+    <a:masterClrMapping/>
+  </p:clrMapOvr>
+</p:notes>
+</file>
+
 <file path=ppt/notesSlides/notesSlide2.xml><?xml version="1.0" encoding="utf-8"?>
 <p:notes xmlns:a="http://schemas.openxmlformats.org/drawingml/2006/main" xmlns:r="http://schemas.openxmlformats.org/officeDocument/2006/relationships" xmlns:p="http://schemas.openxmlformats.org/presentationml/2006/main">
   <p:cSld>
@@ -619,7 +2091,7 @@
           <a:p>
             <a:r>
               <a:rPr lang="en-GB" dirty="0"/>
-              <a:t>Tonight we will be looking </a:t>
+              <a:t>Tonight we will be looking at Elastic Search from the point of view of a dot net developer.  If this was a Java meetup then this would be a different talk!</a:t>
             </a:r>
           </a:p>
           <a:p>
@@ -695,6 +2167,273 @@
     <p:extLst>
       <p:ext uri="{BB962C8B-B14F-4D97-AF65-F5344CB8AC3E}">
         <p14:creationId xmlns:p14="http://schemas.microsoft.com/office/powerpoint/2010/main" val="3763264989"/>
+      </p:ext>
+    </p:extLst>
+  </p:cSld>
+  <p:clrMapOvr>
+    <a:masterClrMapping/>
+  </p:clrMapOvr>
+</p:notes>
+</file>
+
+<file path=ppt/notesSlides/notesSlide20.xml><?xml version="1.0" encoding="utf-8"?>
+<p:notes xmlns:a="http://schemas.openxmlformats.org/drawingml/2006/main" xmlns:r="http://schemas.openxmlformats.org/officeDocument/2006/relationships" xmlns:p="http://schemas.openxmlformats.org/presentationml/2006/main">
+  <p:cSld>
+    <p:spTree>
+      <p:nvGrpSpPr>
+        <p:cNvPr id="1" name=""/>
+        <p:cNvGrpSpPr/>
+        <p:nvPr/>
+      </p:nvGrpSpPr>
+      <p:grpSpPr>
+        <a:xfrm>
+          <a:off x="0" y="0"/>
+          <a:ext cx="0" cy="0"/>
+          <a:chOff x="0" y="0"/>
+          <a:chExt cx="0" cy="0"/>
+        </a:xfrm>
+      </p:grpSpPr>
+      <p:sp>
+        <p:nvSpPr>
+          <p:cNvPr id="2" name="Slide Image Placeholder 1"/>
+          <p:cNvSpPr>
+            <a:spLocks noGrp="1" noRot="1" noChangeAspect="1"/>
+          </p:cNvSpPr>
+          <p:nvPr>
+            <p:ph type="sldImg"/>
+          </p:nvPr>
+        </p:nvSpPr>
+        <p:spPr/>
+      </p:sp>
+      <p:sp>
+        <p:nvSpPr>
+          <p:cNvPr id="3" name="Notes Placeholder 2"/>
+          <p:cNvSpPr>
+            <a:spLocks noGrp="1"/>
+          </p:cNvSpPr>
+          <p:nvPr>
+            <p:ph type="body" idx="1"/>
+          </p:nvPr>
+        </p:nvSpPr>
+        <p:spPr/>
+        <p:txBody>
+          <a:bodyPr/>
+          <a:lstStyle/>
+          <a:p>
+            <a:r>
+              <a:rPr lang="en-GB" dirty="0"/>
+              <a:t>Which brings us on to security.</a:t>
+            </a:r>
+          </a:p>
+          <a:p>
+            <a:endParaRPr lang="en-GB" dirty="0"/>
+          </a:p>
+          <a:p>
+            <a:r>
+              <a:rPr lang="en-GB" dirty="0"/>
+              <a:t>In the Microsoft world I was used to everything being secured by default.    This isn’t the case with ELK stack.  </a:t>
+            </a:r>
+          </a:p>
+          <a:p>
+            <a:endParaRPr lang="en-GB" dirty="0"/>
+          </a:p>
+          <a:p>
+            <a:r>
+              <a:rPr lang="en-GB" dirty="0"/>
+              <a:t>Do you need security – well that depends on what you are using elastic search for.   Backing the </a:t>
+            </a:r>
+            <a:r>
+              <a:rPr lang="en-GB" dirty="0" err="1"/>
+              <a:t>stackoverflow</a:t>
+            </a:r>
+            <a:r>
+              <a:rPr lang="en-GB" dirty="0"/>
+              <a:t> search client,  then probably not.  This is no different from having an internal </a:t>
+            </a:r>
+            <a:r>
+              <a:rPr lang="en-GB" dirty="0" err="1"/>
+              <a:t>sqlserver</a:t>
+            </a:r>
+            <a:r>
+              <a:rPr lang="en-GB" dirty="0"/>
+              <a:t> database.</a:t>
+            </a:r>
+          </a:p>
+          <a:p>
+            <a:endParaRPr lang="en-GB" dirty="0"/>
+          </a:p>
+          <a:p>
+            <a:r>
+              <a:rPr lang="en-GB" dirty="0"/>
+              <a:t>If you are using it as a logging system,  then yes.  You don’t want people to be able to add/amend/delete logs.</a:t>
+            </a:r>
+          </a:p>
+          <a:p>
+            <a:endParaRPr lang="en-GB" dirty="0"/>
+          </a:p>
+          <a:p>
+            <a:r>
+              <a:rPr lang="en-GB" dirty="0"/>
+              <a:t>When using Kibana,  do you want everyone to see you data?  You can use the </a:t>
+            </a:r>
+            <a:r>
+              <a:rPr lang="en-GB" dirty="0" err="1"/>
+              <a:t>Xpack</a:t>
+            </a:r>
+            <a:r>
+              <a:rPr lang="en-GB" dirty="0"/>
+              <a:t> to restrict what dashboards a person can see,  and if they are allowed to edit them.</a:t>
+            </a:r>
+          </a:p>
+          <a:p>
+            <a:endParaRPr lang="en-GB" dirty="0"/>
+          </a:p>
+          <a:p>
+            <a:r>
+              <a:rPr lang="en-GB" dirty="0"/>
+              <a:t>You could put an API gateway in front of Elastic search.  So your application calls the API gateway,  this verifies you are allowed to make the call,  and the passes the class onto ES.    You would configure ES so that it can only be called from the API gateway.</a:t>
+            </a:r>
+          </a:p>
+          <a:p>
+            <a:endParaRPr lang="en-GB" dirty="0"/>
+          </a:p>
+          <a:p>
+            <a:endParaRPr lang="en-GB" dirty="0"/>
+          </a:p>
+          <a:p>
+            <a:endParaRPr lang="en-GB" dirty="0"/>
+          </a:p>
+          <a:p>
+            <a:endParaRPr lang="en-GB" dirty="0"/>
+          </a:p>
+          <a:p>
+            <a:endParaRPr lang="en-GB" dirty="0"/>
+          </a:p>
+        </p:txBody>
+      </p:sp>
+      <p:sp>
+        <p:nvSpPr>
+          <p:cNvPr id="4" name="Slide Number Placeholder 3"/>
+          <p:cNvSpPr>
+            <a:spLocks noGrp="1"/>
+          </p:cNvSpPr>
+          <p:nvPr>
+            <p:ph type="sldNum" sz="quarter" idx="10"/>
+          </p:nvPr>
+        </p:nvSpPr>
+        <p:spPr/>
+        <p:txBody>
+          <a:bodyPr/>
+          <a:lstStyle/>
+          <a:p>
+            <a:fld id="{90098B67-40B8-4547-BE51-824908E8A1DA}" type="slidenum">
+              <a:rPr lang="en-GB" smtClean="0"/>
+              <a:t>21</a:t>
+            </a:fld>
+            <a:endParaRPr lang="en-GB"/>
+          </a:p>
+        </p:txBody>
+      </p:sp>
+    </p:spTree>
+    <p:extLst>
+      <p:ext uri="{BB962C8B-B14F-4D97-AF65-F5344CB8AC3E}">
+        <p14:creationId xmlns:p14="http://schemas.microsoft.com/office/powerpoint/2010/main" val="137990559"/>
+      </p:ext>
+    </p:extLst>
+  </p:cSld>
+  <p:clrMapOvr>
+    <a:masterClrMapping/>
+  </p:clrMapOvr>
+</p:notes>
+</file>
+
+<file path=ppt/notesSlides/notesSlide21.xml><?xml version="1.0" encoding="utf-8"?>
+<p:notes xmlns:a="http://schemas.openxmlformats.org/drawingml/2006/main" xmlns:r="http://schemas.openxmlformats.org/officeDocument/2006/relationships" xmlns:p="http://schemas.openxmlformats.org/presentationml/2006/main">
+  <p:cSld>
+    <p:spTree>
+      <p:nvGrpSpPr>
+        <p:cNvPr id="1" name=""/>
+        <p:cNvGrpSpPr/>
+        <p:nvPr/>
+      </p:nvGrpSpPr>
+      <p:grpSpPr>
+        <a:xfrm>
+          <a:off x="0" y="0"/>
+          <a:ext cx="0" cy="0"/>
+          <a:chOff x="0" y="0"/>
+          <a:chExt cx="0" cy="0"/>
+        </a:xfrm>
+      </p:grpSpPr>
+      <p:sp>
+        <p:nvSpPr>
+          <p:cNvPr id="2" name="Slide Image Placeholder 1"/>
+          <p:cNvSpPr>
+            <a:spLocks noGrp="1" noRot="1" noChangeAspect="1"/>
+          </p:cNvSpPr>
+          <p:nvPr>
+            <p:ph type="sldImg"/>
+          </p:nvPr>
+        </p:nvSpPr>
+        <p:spPr/>
+      </p:sp>
+      <p:sp>
+        <p:nvSpPr>
+          <p:cNvPr id="3" name="Notes Placeholder 2"/>
+          <p:cNvSpPr>
+            <a:spLocks noGrp="1"/>
+          </p:cNvSpPr>
+          <p:nvPr>
+            <p:ph type="body" idx="1"/>
+          </p:nvPr>
+        </p:nvSpPr>
+        <p:spPr/>
+        <p:txBody>
+          <a:bodyPr/>
+          <a:lstStyle/>
+          <a:p>
+            <a:r>
+              <a:rPr lang="en-GB" dirty="0"/>
+              <a:t>Nodes, Shards and replicas</a:t>
+            </a:r>
+          </a:p>
+          <a:p>
+            <a:endParaRPr lang="en-GB" dirty="0"/>
+          </a:p>
+          <a:p>
+            <a:r>
+              <a:rPr lang="en-GB" dirty="0"/>
+              <a:t>Replicas can help read performance</a:t>
+            </a:r>
+          </a:p>
+        </p:txBody>
+      </p:sp>
+      <p:sp>
+        <p:nvSpPr>
+          <p:cNvPr id="4" name="Slide Number Placeholder 3"/>
+          <p:cNvSpPr>
+            <a:spLocks noGrp="1"/>
+          </p:cNvSpPr>
+          <p:nvPr>
+            <p:ph type="sldNum" sz="quarter" idx="10"/>
+          </p:nvPr>
+        </p:nvSpPr>
+        <p:spPr/>
+        <p:txBody>
+          <a:bodyPr/>
+          <a:lstStyle/>
+          <a:p>
+            <a:fld id="{90098B67-40B8-4547-BE51-824908E8A1DA}" type="slidenum">
+              <a:rPr lang="en-GB" smtClean="0"/>
+              <a:t>22</a:t>
+            </a:fld>
+            <a:endParaRPr lang="en-GB"/>
+          </a:p>
+        </p:txBody>
+      </p:sp>
+    </p:spTree>
+    <p:extLst>
+      <p:ext uri="{BB962C8B-B14F-4D97-AF65-F5344CB8AC3E}">
+        <p14:creationId xmlns:p14="http://schemas.microsoft.com/office/powerpoint/2010/main" val="3394987265"/>
       </p:ext>
     </p:extLst>
   </p:cSld>
@@ -1855,420 +3594,10 @@
           <a:bodyPr/>
           <a:lstStyle/>
           <a:p>
-            <a:pPr marL="0" marR="0" lvl="0" indent="0" algn="l" defTabSz="914400" rtl="0" eaLnBrk="1" fontAlgn="auto" latinLnBrk="0" hangingPunct="1">
-              <a:lnSpc>
-                <a:spcPct val="100000"/>
-              </a:lnSpc>
-              <a:spcBef>
-                <a:spcPts val="0"/>
-              </a:spcBef>
-              <a:spcAft>
-                <a:spcPts val="0"/>
-              </a:spcAft>
-              <a:buClrTx/>
-              <a:buSzTx/>
-              <a:buFontTx/>
-              <a:buNone/>
-              <a:tabLst/>
-              <a:defRPr/>
-            </a:pPr>
-            <a:r>
-              <a:rPr lang="en-GB" dirty="0"/>
-              <a:t>This starts running</a:t>
-            </a:r>
-          </a:p>
-          <a:p>
-            <a:pPr marL="0" marR="0" lvl="0" indent="0" algn="l" defTabSz="914400" rtl="0" eaLnBrk="1" fontAlgn="auto" latinLnBrk="0" hangingPunct="1">
-              <a:lnSpc>
-                <a:spcPct val="100000"/>
-              </a:lnSpc>
-              <a:spcBef>
-                <a:spcPts val="0"/>
-              </a:spcBef>
-              <a:spcAft>
-                <a:spcPts val="0"/>
-              </a:spcAft>
-              <a:buClrTx/>
-              <a:buSzTx/>
-              <a:buFontTx/>
-              <a:buNone/>
-              <a:tabLst/>
-              <a:defRPr/>
-            </a:pPr>
-            <a:endParaRPr lang="en-GB" dirty="0"/>
-          </a:p>
-          <a:p>
-            <a:pPr marL="0" marR="0" lvl="0" indent="0" algn="l" defTabSz="914400" rtl="0" eaLnBrk="1" fontAlgn="auto" latinLnBrk="0" hangingPunct="1">
-              <a:lnSpc>
-                <a:spcPct val="100000"/>
-              </a:lnSpc>
-              <a:spcBef>
-                <a:spcPts val="0"/>
-              </a:spcBef>
-              <a:spcAft>
-                <a:spcPts val="0"/>
-              </a:spcAft>
-              <a:buClrTx/>
-              <a:buSzTx/>
-              <a:buFontTx/>
-              <a:buNone/>
-              <a:tabLst/>
-              <a:defRPr/>
-            </a:pPr>
             <a:r>
               <a:rPr lang="en-GB" dirty="0"/>
               <a:t>Elastic Search</a:t>
             </a:r>
-          </a:p>
-          <a:p>
-            <a:pPr marL="0" marR="0" lvl="0" indent="0" algn="l" defTabSz="914400" rtl="0" eaLnBrk="1" fontAlgn="auto" latinLnBrk="0" hangingPunct="1">
-              <a:lnSpc>
-                <a:spcPct val="100000"/>
-              </a:lnSpc>
-              <a:spcBef>
-                <a:spcPts val="0"/>
-              </a:spcBef>
-              <a:spcAft>
-                <a:spcPts val="0"/>
-              </a:spcAft>
-              <a:buClrTx/>
-              <a:buSzTx/>
-              <a:buFontTx/>
-              <a:buNone/>
-              <a:tabLst/>
-              <a:defRPr/>
-            </a:pPr>
-            <a:r>
-              <a:rPr lang="en-GB" dirty="0"/>
-              <a:t>Log Stash (5044)</a:t>
-            </a:r>
-          </a:p>
-          <a:p>
-            <a:pPr marL="0" marR="0" lvl="0" indent="0" algn="l" defTabSz="914400" rtl="0" eaLnBrk="1" fontAlgn="auto" latinLnBrk="0" hangingPunct="1">
-              <a:lnSpc>
-                <a:spcPct val="100000"/>
-              </a:lnSpc>
-              <a:spcBef>
-                <a:spcPts val="0"/>
-              </a:spcBef>
-              <a:spcAft>
-                <a:spcPts val="0"/>
-              </a:spcAft>
-              <a:buClrTx/>
-              <a:buSzTx/>
-              <a:buFontTx/>
-              <a:buNone/>
-              <a:tabLst/>
-              <a:defRPr/>
-            </a:pPr>
-            <a:r>
-              <a:rPr lang="en-GB" dirty="0"/>
-              <a:t>And Kibana (5601)</a:t>
-            </a:r>
-          </a:p>
-          <a:p>
-            <a:pPr marL="0" marR="0" lvl="0" indent="0" algn="l" defTabSz="914400" rtl="0" eaLnBrk="1" fontAlgn="auto" latinLnBrk="0" hangingPunct="1">
-              <a:lnSpc>
-                <a:spcPct val="100000"/>
-              </a:lnSpc>
-              <a:spcBef>
-                <a:spcPts val="0"/>
-              </a:spcBef>
-              <a:spcAft>
-                <a:spcPts val="0"/>
-              </a:spcAft>
-              <a:buClrTx/>
-              <a:buSzTx/>
-              <a:buFontTx/>
-              <a:buNone/>
-              <a:tabLst/>
-              <a:defRPr/>
-            </a:pPr>
-            <a:endParaRPr lang="en-GB" dirty="0"/>
-          </a:p>
-          <a:p>
-            <a:pPr marL="0" marR="0" lvl="0" indent="0" algn="l" defTabSz="914400" rtl="0" eaLnBrk="1" fontAlgn="auto" latinLnBrk="0" hangingPunct="1">
-              <a:lnSpc>
-                <a:spcPct val="100000"/>
-              </a:lnSpc>
-              <a:spcBef>
-                <a:spcPts val="0"/>
-              </a:spcBef>
-              <a:spcAft>
-                <a:spcPts val="0"/>
-              </a:spcAft>
-              <a:buClrTx/>
-              <a:buSzTx/>
-              <a:buFontTx/>
-              <a:buNone/>
-              <a:tabLst/>
-              <a:defRPr/>
-            </a:pPr>
-            <a:r>
-              <a:rPr lang="en-GB" dirty="0"/>
-              <a:t>We will just look at Elastic Search for the moment.</a:t>
-            </a:r>
-          </a:p>
-          <a:p>
-            <a:pPr marL="0" marR="0" lvl="0" indent="0" algn="l" defTabSz="914400" rtl="0" eaLnBrk="1" fontAlgn="auto" latinLnBrk="0" hangingPunct="1">
-              <a:lnSpc>
-                <a:spcPct val="100000"/>
-              </a:lnSpc>
-              <a:spcBef>
-                <a:spcPts val="0"/>
-              </a:spcBef>
-              <a:spcAft>
-                <a:spcPts val="0"/>
-              </a:spcAft>
-              <a:buClrTx/>
-              <a:buSzTx/>
-              <a:buFontTx/>
-              <a:buNone/>
-              <a:tabLst/>
-              <a:defRPr/>
-            </a:pPr>
-            <a:endParaRPr lang="en-GB" dirty="0"/>
-          </a:p>
-          <a:p>
-            <a:pPr marL="0" marR="0" lvl="0" indent="0" algn="l" defTabSz="914400" rtl="0" eaLnBrk="1" fontAlgn="auto" latinLnBrk="0" hangingPunct="1">
-              <a:lnSpc>
-                <a:spcPct val="100000"/>
-              </a:lnSpc>
-              <a:spcBef>
-                <a:spcPts val="0"/>
-              </a:spcBef>
-              <a:spcAft>
-                <a:spcPts val="0"/>
-              </a:spcAft>
-              <a:buClrTx/>
-              <a:buSzTx/>
-              <a:buFontTx/>
-              <a:buNone/>
-              <a:tabLst/>
-              <a:defRPr/>
-            </a:pPr>
-            <a:r>
-              <a:rPr lang="en-GB" dirty="0"/>
-              <a:t>Show   http://localhost:9200/</a:t>
-            </a:r>
-          </a:p>
-          <a:p>
-            <a:pPr marL="0" marR="0" lvl="0" indent="0" algn="l" defTabSz="914400" rtl="0" eaLnBrk="1" fontAlgn="auto" latinLnBrk="0" hangingPunct="1">
-              <a:lnSpc>
-                <a:spcPct val="100000"/>
-              </a:lnSpc>
-              <a:spcBef>
-                <a:spcPts val="0"/>
-              </a:spcBef>
-              <a:spcAft>
-                <a:spcPts val="0"/>
-              </a:spcAft>
-              <a:buClrTx/>
-              <a:buSzTx/>
-              <a:buFontTx/>
-              <a:buNone/>
-              <a:tabLst/>
-              <a:defRPr/>
-            </a:pPr>
-            <a:r>
-              <a:rPr lang="en-GB" dirty="0"/>
-              <a:t>We can see the version number and basic cluster info.</a:t>
-            </a:r>
-          </a:p>
-          <a:p>
-            <a:pPr marL="0" marR="0" lvl="0" indent="0" algn="l" defTabSz="914400" rtl="0" eaLnBrk="1" fontAlgn="auto" latinLnBrk="0" hangingPunct="1">
-              <a:lnSpc>
-                <a:spcPct val="100000"/>
-              </a:lnSpc>
-              <a:spcBef>
-                <a:spcPts val="0"/>
-              </a:spcBef>
-              <a:spcAft>
-                <a:spcPts val="0"/>
-              </a:spcAft>
-              <a:buClrTx/>
-              <a:buSzTx/>
-              <a:buFontTx/>
-              <a:buNone/>
-              <a:tabLst/>
-              <a:defRPr/>
-            </a:pPr>
-            <a:r>
-              <a:rPr lang="en-GB" dirty="0"/>
-              <a:t>Elastic Search is built on top of lucence.</a:t>
-            </a:r>
-          </a:p>
-          <a:p>
-            <a:pPr marL="0" marR="0" lvl="0" indent="0" algn="l" defTabSz="914400" rtl="0" eaLnBrk="1" fontAlgn="auto" latinLnBrk="0" hangingPunct="1">
-              <a:lnSpc>
-                <a:spcPct val="100000"/>
-              </a:lnSpc>
-              <a:spcBef>
-                <a:spcPts val="0"/>
-              </a:spcBef>
-              <a:spcAft>
-                <a:spcPts val="0"/>
-              </a:spcAft>
-              <a:buClrTx/>
-              <a:buSzTx/>
-              <a:buFontTx/>
-              <a:buNone/>
-              <a:tabLst/>
-              <a:defRPr/>
-            </a:pPr>
-            <a:endParaRPr lang="en-GB" dirty="0"/>
-          </a:p>
-          <a:p>
-            <a:pPr marL="0" marR="0" lvl="0" indent="0" algn="l" defTabSz="914400" rtl="0" eaLnBrk="1" fontAlgn="auto" latinLnBrk="0" hangingPunct="1">
-              <a:lnSpc>
-                <a:spcPct val="100000"/>
-              </a:lnSpc>
-              <a:spcBef>
-                <a:spcPts val="0"/>
-              </a:spcBef>
-              <a:spcAft>
-                <a:spcPts val="0"/>
-              </a:spcAft>
-              <a:buClrTx/>
-              <a:buSzTx/>
-              <a:buFontTx/>
-              <a:buNone/>
-              <a:tabLst/>
-              <a:defRPr/>
-            </a:pPr>
-            <a:r>
-              <a:rPr lang="en-GB" dirty="0"/>
-              <a:t>Communication can be done via REST calls,  for example to view the health of our 1 node cluster</a:t>
-            </a:r>
-          </a:p>
-          <a:p>
-            <a:pPr marL="0" marR="0" lvl="0" indent="0" algn="l" defTabSz="914400" rtl="0" eaLnBrk="1" fontAlgn="auto" latinLnBrk="0" hangingPunct="1">
-              <a:lnSpc>
-                <a:spcPct val="100000"/>
-              </a:lnSpc>
-              <a:spcBef>
-                <a:spcPts val="0"/>
-              </a:spcBef>
-              <a:spcAft>
-                <a:spcPts val="0"/>
-              </a:spcAft>
-              <a:buClrTx/>
-              <a:buSzTx/>
-              <a:buFontTx/>
-              <a:buNone/>
-              <a:tabLst/>
-              <a:defRPr/>
-            </a:pPr>
-            <a:r>
-              <a:rPr lang="en-GB" dirty="0"/>
-              <a:t>http://localhost:9200/_cluster/health</a:t>
-            </a:r>
-          </a:p>
-          <a:p>
-            <a:pPr marL="0" marR="0" lvl="0" indent="0" algn="l" defTabSz="914400" rtl="0" eaLnBrk="1" fontAlgn="auto" latinLnBrk="0" hangingPunct="1">
-              <a:lnSpc>
-                <a:spcPct val="100000"/>
-              </a:lnSpc>
-              <a:spcBef>
-                <a:spcPts val="0"/>
-              </a:spcBef>
-              <a:spcAft>
-                <a:spcPts val="0"/>
-              </a:spcAft>
-              <a:buClrTx/>
-              <a:buSzTx/>
-              <a:buFontTx/>
-              <a:buNone/>
-              <a:tabLst/>
-              <a:defRPr/>
-            </a:pPr>
-            <a:endParaRPr lang="en-GB" dirty="0"/>
-          </a:p>
-          <a:p>
-            <a:pPr marL="0" marR="0" lvl="0" indent="0" algn="l" defTabSz="914400" rtl="0" eaLnBrk="1" fontAlgn="auto" latinLnBrk="0" hangingPunct="1">
-              <a:lnSpc>
-                <a:spcPct val="100000"/>
-              </a:lnSpc>
-              <a:spcBef>
-                <a:spcPts val="0"/>
-              </a:spcBef>
-              <a:spcAft>
-                <a:spcPts val="0"/>
-              </a:spcAft>
-              <a:buClrTx/>
-              <a:buSzTx/>
-              <a:buFontTx/>
-              <a:buNone/>
-              <a:tabLst/>
-              <a:defRPr/>
-            </a:pPr>
-            <a:endParaRPr lang="en-GB" dirty="0"/>
-          </a:p>
-          <a:p>
-            <a:pPr marL="0" marR="0" lvl="0" indent="0" algn="l" defTabSz="914400" rtl="0" eaLnBrk="1" fontAlgn="auto" latinLnBrk="0" hangingPunct="1">
-              <a:lnSpc>
-                <a:spcPct val="100000"/>
-              </a:lnSpc>
-              <a:spcBef>
-                <a:spcPts val="0"/>
-              </a:spcBef>
-              <a:spcAft>
-                <a:spcPts val="0"/>
-              </a:spcAft>
-              <a:buClrTx/>
-              <a:buSzTx/>
-              <a:buFontTx/>
-              <a:buNone/>
-              <a:tabLst/>
-              <a:defRPr/>
-            </a:pPr>
-            <a:endParaRPr lang="en-GB" dirty="0"/>
-          </a:p>
-          <a:p>
-            <a:pPr marL="0" marR="0" lvl="0" indent="0" algn="l" defTabSz="914400" rtl="0" eaLnBrk="1" fontAlgn="auto" latinLnBrk="0" hangingPunct="1">
-              <a:lnSpc>
-                <a:spcPct val="100000"/>
-              </a:lnSpc>
-              <a:spcBef>
-                <a:spcPts val="0"/>
-              </a:spcBef>
-              <a:spcAft>
-                <a:spcPts val="0"/>
-              </a:spcAft>
-              <a:buClrTx/>
-              <a:buSzTx/>
-              <a:buFontTx/>
-              <a:buNone/>
-              <a:tabLst/>
-              <a:defRPr/>
-            </a:pPr>
-            <a:endParaRPr lang="en-GB" dirty="0"/>
-          </a:p>
-          <a:p>
-            <a:pPr marL="0" marR="0" lvl="0" indent="0" algn="l" defTabSz="914400" rtl="0" eaLnBrk="1" fontAlgn="auto" latinLnBrk="0" hangingPunct="1">
-              <a:lnSpc>
-                <a:spcPct val="100000"/>
-              </a:lnSpc>
-              <a:spcBef>
-                <a:spcPts val="0"/>
-              </a:spcBef>
-              <a:spcAft>
-                <a:spcPts val="0"/>
-              </a:spcAft>
-              <a:buClrTx/>
-              <a:buSzTx/>
-              <a:buFontTx/>
-              <a:buNone/>
-              <a:tabLst/>
-              <a:defRPr/>
-            </a:pPr>
-            <a:r>
-              <a:rPr lang="en-GB" dirty="0"/>
-              <a:t>Stemming etc</a:t>
-            </a:r>
-          </a:p>
-          <a:p>
-            <a:endParaRPr lang="en-GB" dirty="0"/>
           </a:p>
         </p:txBody>
       </p:sp>
@@ -2298,7 +3627,7 @@
     </p:spTree>
     <p:extLst>
       <p:ext uri="{BB962C8B-B14F-4D97-AF65-F5344CB8AC3E}">
-        <p14:creationId xmlns:p14="http://schemas.microsoft.com/office/powerpoint/2010/main" val="1871134540"/>
+        <p14:creationId xmlns:p14="http://schemas.microsoft.com/office/powerpoint/2010/main" val="834742176"/>
       </p:ext>
     </p:extLst>
   </p:cSld>
@@ -2354,48 +3683,8 @@
           <a:p>
             <a:r>
               <a:rPr lang="en-GB" dirty="0"/>
-              <a:t>Describe index </a:t>
-            </a:r>
-            <a:r>
-              <a:rPr lang="en-GB"/>
-              <a:t>type and id</a:t>
-            </a:r>
-            <a:endParaRPr lang="en-GB" dirty="0"/>
-          </a:p>
-          <a:p>
-            <a:endParaRPr lang="en-GB" dirty="0"/>
-          </a:p>
-          <a:p>
-            <a:r>
-              <a:rPr lang="en-GB" dirty="0"/>
-              <a:t>Index/type/id  </a:t>
-            </a:r>
-            <a:r>
-              <a:rPr lang="en-GB" dirty="0" err="1"/>
-              <a:t>id</a:t>
-            </a:r>
-            <a:r>
-              <a:rPr lang="en-GB" dirty="0"/>
-              <a:t> is optional</a:t>
-            </a:r>
-          </a:p>
-          <a:p>
-            <a:r>
-              <a:rPr lang="en-GB" dirty="0"/>
-              <a:t>Result is created,  then updated</a:t>
-            </a:r>
-          </a:p>
-          <a:p>
-            <a:r>
-              <a:rPr lang="en-GB" dirty="0"/>
-              <a:t>The version number also goes up</a:t>
-            </a:r>
-          </a:p>
-          <a:p>
-            <a:endParaRPr lang="en-GB" dirty="0"/>
-          </a:p>
-          <a:p>
-            <a:endParaRPr lang="en-GB" dirty="0"/>
+              <a:t>Log Stash</a:t>
+            </a:r>
           </a:p>
         </p:txBody>
       </p:sp>
@@ -2425,7 +3714,7 @@
     </p:spTree>
     <p:extLst>
       <p:ext uri="{BB962C8B-B14F-4D97-AF65-F5344CB8AC3E}">
-        <p14:creationId xmlns:p14="http://schemas.microsoft.com/office/powerpoint/2010/main" val="3342324291"/>
+        <p14:creationId xmlns:p14="http://schemas.microsoft.com/office/powerpoint/2010/main" val="3630092943"/>
       </p:ext>
     </p:extLst>
   </p:cSld>
@@ -2584,7 +3873,7 @@
           <a:p>
             <a:fld id="{55A080D0-3795-4F02-BAAA-BB4B6EB6B790}" type="datetimeFigureOut">
               <a:rPr lang="en-GB" smtClean="0"/>
-              <a:t>18/05/2018</a:t>
+              <a:t>28/05/2018</a:t>
             </a:fld>
             <a:endParaRPr lang="en-GB"/>
           </a:p>
@@ -2784,7 +4073,7 @@
           <a:p>
             <a:fld id="{55A080D0-3795-4F02-BAAA-BB4B6EB6B790}" type="datetimeFigureOut">
               <a:rPr lang="en-GB" smtClean="0"/>
-              <a:t>18/05/2018</a:t>
+              <a:t>28/05/2018</a:t>
             </a:fld>
             <a:endParaRPr lang="en-GB"/>
           </a:p>
@@ -2994,7 +4283,7 @@
           <a:p>
             <a:fld id="{55A080D0-3795-4F02-BAAA-BB4B6EB6B790}" type="datetimeFigureOut">
               <a:rPr lang="en-GB" smtClean="0"/>
-              <a:t>18/05/2018</a:t>
+              <a:t>28/05/2018</a:t>
             </a:fld>
             <a:endParaRPr lang="en-GB"/>
           </a:p>
@@ -3194,7 +4483,7 @@
           <a:p>
             <a:fld id="{55A080D0-3795-4F02-BAAA-BB4B6EB6B790}" type="datetimeFigureOut">
               <a:rPr lang="en-GB" smtClean="0"/>
-              <a:t>18/05/2018</a:t>
+              <a:t>28/05/2018</a:t>
             </a:fld>
             <a:endParaRPr lang="en-GB"/>
           </a:p>
@@ -3470,7 +4759,7 @@
           <a:p>
             <a:fld id="{55A080D0-3795-4F02-BAAA-BB4B6EB6B790}" type="datetimeFigureOut">
               <a:rPr lang="en-GB" smtClean="0"/>
-              <a:t>18/05/2018</a:t>
+              <a:t>28/05/2018</a:t>
             </a:fld>
             <a:endParaRPr lang="en-GB"/>
           </a:p>
@@ -3738,7 +5027,7 @@
           <a:p>
             <a:fld id="{55A080D0-3795-4F02-BAAA-BB4B6EB6B790}" type="datetimeFigureOut">
               <a:rPr lang="en-GB" smtClean="0"/>
-              <a:t>18/05/2018</a:t>
+              <a:t>28/05/2018</a:t>
             </a:fld>
             <a:endParaRPr lang="en-GB"/>
           </a:p>
@@ -4153,7 +5442,7 @@
           <a:p>
             <a:fld id="{55A080D0-3795-4F02-BAAA-BB4B6EB6B790}" type="datetimeFigureOut">
               <a:rPr lang="en-GB" smtClean="0"/>
-              <a:t>18/05/2018</a:t>
+              <a:t>28/05/2018</a:t>
             </a:fld>
             <a:endParaRPr lang="en-GB"/>
           </a:p>
@@ -4295,7 +5584,7 @@
           <a:p>
             <a:fld id="{55A080D0-3795-4F02-BAAA-BB4B6EB6B790}" type="datetimeFigureOut">
               <a:rPr lang="en-GB" smtClean="0"/>
-              <a:t>18/05/2018</a:t>
+              <a:t>28/05/2018</a:t>
             </a:fld>
             <a:endParaRPr lang="en-GB"/>
           </a:p>
@@ -4408,7 +5697,7 @@
           <a:p>
             <a:fld id="{55A080D0-3795-4F02-BAAA-BB4B6EB6B790}" type="datetimeFigureOut">
               <a:rPr lang="en-GB" smtClean="0"/>
-              <a:t>18/05/2018</a:t>
+              <a:t>28/05/2018</a:t>
             </a:fld>
             <a:endParaRPr lang="en-GB"/>
           </a:p>
@@ -4721,7 +6010,7 @@
           <a:p>
             <a:fld id="{55A080D0-3795-4F02-BAAA-BB4B6EB6B790}" type="datetimeFigureOut">
               <a:rPr lang="en-GB" smtClean="0"/>
-              <a:t>18/05/2018</a:t>
+              <a:t>28/05/2018</a:t>
             </a:fld>
             <a:endParaRPr lang="en-GB"/>
           </a:p>
@@ -5010,7 +6299,7 @@
           <a:p>
             <a:fld id="{55A080D0-3795-4F02-BAAA-BB4B6EB6B790}" type="datetimeFigureOut">
               <a:rPr lang="en-GB" smtClean="0"/>
-              <a:t>18/05/2018</a:t>
+              <a:t>28/05/2018</a:t>
             </a:fld>
             <a:endParaRPr lang="en-GB"/>
           </a:p>
@@ -5253,7 +6542,7 @@
           <a:p>
             <a:fld id="{55A080D0-3795-4F02-BAAA-BB4B6EB6B790}" type="datetimeFigureOut">
               <a:rPr lang="en-GB" smtClean="0"/>
-              <a:t>18/05/2018</a:t>
+              <a:t>28/05/2018</a:t>
             </a:fld>
             <a:endParaRPr lang="en-GB"/>
           </a:p>
@@ -5821,67 +7110,40 @@
           <a:chExt cx="0" cy="0"/>
         </a:xfrm>
       </p:grpSpPr>
-      <p:sp>
-        <p:nvSpPr>
-          <p:cNvPr id="2" name="Title 1">
-            <a:extLst>
-              <a:ext uri="{FF2B5EF4-FFF2-40B4-BE49-F238E27FC236}">
-                <a16:creationId xmlns:a16="http://schemas.microsoft.com/office/drawing/2014/main" id="{F4010A9B-D84D-4283-AEB9-3CF530E98985}"/>
-              </a:ext>
-            </a:extLst>
-          </p:cNvPr>
-          <p:cNvSpPr>
-            <a:spLocks noGrp="1"/>
-          </p:cNvSpPr>
-          <p:nvPr>
-            <p:ph type="title"/>
-          </p:nvPr>
-        </p:nvSpPr>
-        <p:spPr/>
-        <p:txBody>
-          <a:bodyPr/>
-          <a:lstStyle/>
-          <a:p>
-            <a:r>
-              <a:rPr lang="en-GB" dirty="0"/>
-              <a:t>Security</a:t>
-            </a:r>
-          </a:p>
-        </p:txBody>
-      </p:sp>
-      <p:sp>
-        <p:nvSpPr>
-          <p:cNvPr id="3" name="Content Placeholder 2">
-            <a:extLst>
-              <a:ext uri="{FF2B5EF4-FFF2-40B4-BE49-F238E27FC236}">
-                <a16:creationId xmlns:a16="http://schemas.microsoft.com/office/drawing/2014/main" id="{1869931A-6396-434B-98A9-F7607010DC0D}"/>
-              </a:ext>
-            </a:extLst>
-          </p:cNvPr>
-          <p:cNvSpPr>
-            <a:spLocks noGrp="1"/>
-          </p:cNvSpPr>
-          <p:nvPr>
-            <p:ph idx="1"/>
-          </p:nvPr>
-        </p:nvSpPr>
-        <p:spPr/>
-        <p:txBody>
-          <a:bodyPr/>
-          <a:lstStyle/>
-          <a:p>
-            <a:r>
-              <a:rPr lang="en-GB" dirty="0" err="1"/>
-              <a:t>xpack</a:t>
-            </a:r>
-            <a:endParaRPr lang="en-GB" dirty="0"/>
-          </a:p>
-        </p:txBody>
-      </p:sp>
+      <p:pic>
+        <p:nvPicPr>
+          <p:cNvPr id="4" name="Picture 3">
+            <a:extLst>
+              <a:ext uri="{FF2B5EF4-FFF2-40B4-BE49-F238E27FC236}">
+                <a16:creationId xmlns:a16="http://schemas.microsoft.com/office/drawing/2014/main" id="{6BCDABE4-15CB-43C2-82A8-B4F692744EF7}"/>
+              </a:ext>
+            </a:extLst>
+          </p:cNvPr>
+          <p:cNvPicPr>
+            <a:picLocks noChangeAspect="1"/>
+          </p:cNvPicPr>
+          <p:nvPr/>
+        </p:nvPicPr>
+        <p:blipFill>
+          <a:blip r:embed="rId3"/>
+          <a:stretch>
+            <a:fillRect/>
+          </a:stretch>
+        </p:blipFill>
+        <p:spPr>
+          <a:xfrm>
+            <a:off x="2338467" y="1573968"/>
+            <a:ext cx="7854844" cy="4154340"/>
+          </a:xfrm>
+          <a:prstGeom prst="rect">
+            <a:avLst/>
+          </a:prstGeom>
+        </p:spPr>
+      </p:pic>
     </p:spTree>
     <p:extLst>
       <p:ext uri="{BB962C8B-B14F-4D97-AF65-F5344CB8AC3E}">
-        <p14:creationId xmlns:p14="http://schemas.microsoft.com/office/powerpoint/2010/main" val="2519680046"/>
+        <p14:creationId xmlns:p14="http://schemas.microsoft.com/office/powerpoint/2010/main" val="2627247605"/>
       </p:ext>
     </p:extLst>
   </p:cSld>
@@ -5913,7 +7175,7 @@
           <p:cNvPr id="2" name="Title 1">
             <a:extLst>
               <a:ext uri="{FF2B5EF4-FFF2-40B4-BE49-F238E27FC236}">
-                <a16:creationId xmlns:a16="http://schemas.microsoft.com/office/drawing/2014/main" id="{DDF58DA0-990D-484F-93D7-8B9090358026}"/>
+                <a16:creationId xmlns:a16="http://schemas.microsoft.com/office/drawing/2014/main" id="{95F4F596-62CC-4C46-A394-F5E62C41A392}"/>
               </a:ext>
             </a:extLst>
           </p:cNvPr>
@@ -5924,47 +7186,132 @@
             <p:ph type="title"/>
           </p:nvPr>
         </p:nvSpPr>
-        <p:spPr/>
-        <p:txBody>
-          <a:bodyPr/>
-          <a:lstStyle/>
-          <a:p>
-            <a:r>
-              <a:rPr lang="en-GB" dirty="0"/>
-              <a:t>Scaling - Distributed</a:t>
-            </a:r>
-          </a:p>
-        </p:txBody>
-      </p:sp>
-      <p:sp>
-        <p:nvSpPr>
-          <p:cNvPr id="3" name="Content Placeholder 2">
-            <a:extLst>
-              <a:ext uri="{FF2B5EF4-FFF2-40B4-BE49-F238E27FC236}">
-                <a16:creationId xmlns:a16="http://schemas.microsoft.com/office/drawing/2014/main" id="{6DAB77C5-51C9-40BF-B81B-F16A87D3E745}"/>
-              </a:ext>
-            </a:extLst>
-          </p:cNvPr>
-          <p:cNvSpPr>
-            <a:spLocks noGrp="1"/>
-          </p:cNvSpPr>
-          <p:nvPr>
-            <p:ph idx="1"/>
-          </p:nvPr>
-        </p:nvSpPr>
-        <p:spPr/>
-        <p:txBody>
-          <a:bodyPr/>
-          <a:lstStyle/>
-          <a:p>
-            <a:endParaRPr lang="en-GB"/>
-          </a:p>
-        </p:txBody>
-      </p:sp>
+        <p:spPr>
+          <a:xfrm>
+            <a:off x="0" y="1"/>
+            <a:ext cx="12192000" cy="582804"/>
+          </a:xfrm>
+          <a:solidFill>
+            <a:schemeClr val="accent1">
+              <a:lumMod val="60000"/>
+              <a:lumOff val="40000"/>
+            </a:schemeClr>
+          </a:solidFill>
+        </p:spPr>
+        <p:txBody>
+          <a:bodyPr>
+            <a:normAutofit fontScale="90000"/>
+          </a:bodyPr>
+          <a:lstStyle/>
+          <a:p>
+            <a:pPr algn="ctr"/>
+            <a:r>
+              <a:rPr lang="en-GB" dirty="0"/>
+              <a:t>Getting Started</a:t>
+            </a:r>
+          </a:p>
+        </p:txBody>
+      </p:sp>
+      <p:pic>
+        <p:nvPicPr>
+          <p:cNvPr id="5" name="Picture 4">
+            <a:extLst>
+              <a:ext uri="{FF2B5EF4-FFF2-40B4-BE49-F238E27FC236}">
+                <a16:creationId xmlns:a16="http://schemas.microsoft.com/office/drawing/2014/main" id="{1D44373F-402D-4D09-89CA-F11EDA4D342A}"/>
+              </a:ext>
+            </a:extLst>
+          </p:cNvPr>
+          <p:cNvPicPr>
+            <a:picLocks noChangeAspect="1"/>
+          </p:cNvPicPr>
+          <p:nvPr/>
+        </p:nvPicPr>
+        <p:blipFill>
+          <a:blip r:embed="rId3">
+            <a:extLst>
+              <a:ext uri="{28A0092B-C50C-407E-A947-70E740481C1C}">
+                <a14:useLocalDpi xmlns:a14="http://schemas.microsoft.com/office/drawing/2010/main" val="0"/>
+              </a:ext>
+            </a:extLst>
+          </a:blip>
+          <a:stretch>
+            <a:fillRect/>
+          </a:stretch>
+        </p:blipFill>
+        <p:spPr>
+          <a:xfrm>
+            <a:off x="0" y="701448"/>
+            <a:ext cx="7543800" cy="2562225"/>
+          </a:xfrm>
+          <a:prstGeom prst="rect">
+            <a:avLst/>
+          </a:prstGeom>
+        </p:spPr>
+      </p:pic>
+      <p:pic>
+        <p:nvPicPr>
+          <p:cNvPr id="6" name="Picture 5">
+            <a:extLst>
+              <a:ext uri="{FF2B5EF4-FFF2-40B4-BE49-F238E27FC236}">
+                <a16:creationId xmlns:a16="http://schemas.microsoft.com/office/drawing/2014/main" id="{E30F41F8-BE3C-4525-B4D2-D7E0F32AD4AB}"/>
+              </a:ext>
+            </a:extLst>
+          </p:cNvPr>
+          <p:cNvPicPr>
+            <a:picLocks noChangeAspect="1"/>
+          </p:cNvPicPr>
+          <p:nvPr/>
+        </p:nvPicPr>
+        <p:blipFill>
+          <a:blip r:embed="rId4"/>
+          <a:stretch>
+            <a:fillRect/>
+          </a:stretch>
+        </p:blipFill>
+        <p:spPr>
+          <a:xfrm>
+            <a:off x="4926538" y="2831595"/>
+            <a:ext cx="6036214" cy="1743795"/>
+          </a:xfrm>
+          <a:prstGeom prst="rect">
+            <a:avLst/>
+          </a:prstGeom>
+        </p:spPr>
+      </p:pic>
+      <p:pic>
+        <p:nvPicPr>
+          <p:cNvPr id="8" name="Picture 7">
+            <a:extLst>
+              <a:ext uri="{FF2B5EF4-FFF2-40B4-BE49-F238E27FC236}">
+                <a16:creationId xmlns:a16="http://schemas.microsoft.com/office/drawing/2014/main" id="{6B9011D0-2821-4C39-808A-5A1D4AB86904}"/>
+              </a:ext>
+            </a:extLst>
+          </p:cNvPr>
+          <p:cNvPicPr>
+            <a:picLocks noChangeAspect="1"/>
+          </p:cNvPicPr>
+          <p:nvPr/>
+        </p:nvPicPr>
+        <p:blipFill>
+          <a:blip r:embed="rId5"/>
+          <a:stretch>
+            <a:fillRect/>
+          </a:stretch>
+        </p:blipFill>
+        <p:spPr>
+          <a:xfrm>
+            <a:off x="463332" y="5095723"/>
+            <a:ext cx="10674406" cy="596193"/>
+          </a:xfrm>
+          <a:prstGeom prst="rect">
+            <a:avLst/>
+          </a:prstGeom>
+        </p:spPr>
+      </p:pic>
     </p:spTree>
     <p:extLst>
       <p:ext uri="{BB962C8B-B14F-4D97-AF65-F5344CB8AC3E}">
-        <p14:creationId xmlns:p14="http://schemas.microsoft.com/office/powerpoint/2010/main" val="2549997507"/>
+        <p14:creationId xmlns:p14="http://schemas.microsoft.com/office/powerpoint/2010/main" val="3291851927"/>
       </p:ext>
     </p:extLst>
   </p:cSld>
@@ -5996,6 +7343,848 @@
           <p:cNvPr id="2" name="Title 1">
             <a:extLst>
               <a:ext uri="{FF2B5EF4-FFF2-40B4-BE49-F238E27FC236}">
+                <a16:creationId xmlns:a16="http://schemas.microsoft.com/office/drawing/2014/main" id="{BA744782-199A-4CB8-8D67-F73C33AC7B4E}"/>
+              </a:ext>
+            </a:extLst>
+          </p:cNvPr>
+          <p:cNvSpPr>
+            <a:spLocks noGrp="1"/>
+          </p:cNvSpPr>
+          <p:nvPr>
+            <p:ph type="title"/>
+          </p:nvPr>
+        </p:nvSpPr>
+        <p:spPr>
+          <a:xfrm>
+            <a:off x="0" y="0"/>
+            <a:ext cx="12192000" cy="649483"/>
+          </a:xfrm>
+          <a:solidFill>
+            <a:schemeClr val="accent4">
+              <a:lumMod val="20000"/>
+              <a:lumOff val="80000"/>
+            </a:schemeClr>
+          </a:solidFill>
+        </p:spPr>
+        <p:txBody>
+          <a:bodyPr>
+            <a:normAutofit fontScale="90000"/>
+          </a:bodyPr>
+          <a:lstStyle/>
+          <a:p>
+            <a:pPr algn="ctr"/>
+            <a:r>
+              <a:rPr lang="en-GB" dirty="0"/>
+              <a:t>REST</a:t>
+            </a:r>
+          </a:p>
+        </p:txBody>
+      </p:sp>
+      <p:pic>
+        <p:nvPicPr>
+          <p:cNvPr id="7" name="Picture 6">
+            <a:extLst>
+              <a:ext uri="{FF2B5EF4-FFF2-40B4-BE49-F238E27FC236}">
+                <a16:creationId xmlns:a16="http://schemas.microsoft.com/office/drawing/2014/main" id="{E1961D48-D99B-4AE3-8475-DEA6F219A142}"/>
+              </a:ext>
+            </a:extLst>
+          </p:cNvPr>
+          <p:cNvPicPr>
+            <a:picLocks noChangeAspect="1"/>
+          </p:cNvPicPr>
+          <p:nvPr/>
+        </p:nvPicPr>
+        <p:blipFill>
+          <a:blip r:embed="rId3">
+            <a:extLst>
+              <a:ext uri="{28A0092B-C50C-407E-A947-70E740481C1C}">
+                <a14:useLocalDpi xmlns:a14="http://schemas.microsoft.com/office/drawing/2010/main" val="0"/>
+              </a:ext>
+            </a:extLst>
+          </a:blip>
+          <a:stretch>
+            <a:fillRect/>
+          </a:stretch>
+        </p:blipFill>
+        <p:spPr>
+          <a:xfrm>
+            <a:off x="2555310" y="1484594"/>
+            <a:ext cx="6847692" cy="3961475"/>
+          </a:xfrm>
+          <a:prstGeom prst="rect">
+            <a:avLst/>
+          </a:prstGeom>
+        </p:spPr>
+      </p:pic>
+    </p:spTree>
+    <p:extLst>
+      <p:ext uri="{BB962C8B-B14F-4D97-AF65-F5344CB8AC3E}">
+        <p14:creationId xmlns:p14="http://schemas.microsoft.com/office/powerpoint/2010/main" val="258880553"/>
+      </p:ext>
+    </p:extLst>
+  </p:cSld>
+  <p:clrMapOvr>
+    <a:masterClrMapping/>
+  </p:clrMapOvr>
+</p:sld>
+</file>
+
+<file path=ppt/slides/slide13.xml><?xml version="1.0" encoding="utf-8"?>
+<p:sld xmlns:a="http://schemas.openxmlformats.org/drawingml/2006/main" xmlns:r="http://schemas.openxmlformats.org/officeDocument/2006/relationships" xmlns:p="http://schemas.openxmlformats.org/presentationml/2006/main">
+  <p:cSld>
+    <p:spTree>
+      <p:nvGrpSpPr>
+        <p:cNvPr id="1" name=""/>
+        <p:cNvGrpSpPr/>
+        <p:nvPr/>
+      </p:nvGrpSpPr>
+      <p:grpSpPr>
+        <a:xfrm>
+          <a:off x="0" y="0"/>
+          <a:ext cx="0" cy="0"/>
+          <a:chOff x="0" y="0"/>
+          <a:chExt cx="0" cy="0"/>
+        </a:xfrm>
+      </p:grpSpPr>
+      <p:sp>
+        <p:nvSpPr>
+          <p:cNvPr id="2" name="Title 1">
+            <a:extLst>
+              <a:ext uri="{FF2B5EF4-FFF2-40B4-BE49-F238E27FC236}">
+                <a16:creationId xmlns:a16="http://schemas.microsoft.com/office/drawing/2014/main" id="{6927231B-870F-4743-AEC8-BFE3F2795F11}"/>
+              </a:ext>
+            </a:extLst>
+          </p:cNvPr>
+          <p:cNvSpPr>
+            <a:spLocks noGrp="1"/>
+          </p:cNvSpPr>
+          <p:nvPr>
+            <p:ph type="title"/>
+          </p:nvPr>
+        </p:nvSpPr>
+        <p:spPr>
+          <a:xfrm>
+            <a:off x="0" y="0"/>
+            <a:ext cx="12192000" cy="636957"/>
+          </a:xfrm>
+          <a:solidFill>
+            <a:schemeClr val="accent6">
+              <a:lumMod val="20000"/>
+              <a:lumOff val="80000"/>
+            </a:schemeClr>
+          </a:solidFill>
+        </p:spPr>
+        <p:txBody>
+          <a:bodyPr>
+            <a:normAutofit fontScale="90000"/>
+          </a:bodyPr>
+          <a:lstStyle/>
+          <a:p>
+            <a:pPr algn="ctr"/>
+            <a:r>
+              <a:rPr lang="en-GB" dirty="0" err="1"/>
+              <a:t>Elasticsearch.Net</a:t>
+            </a:r>
+            <a:endParaRPr lang="en-GB" dirty="0"/>
+          </a:p>
+        </p:txBody>
+      </p:sp>
+      <p:pic>
+        <p:nvPicPr>
+          <p:cNvPr id="5" name="Picture 4">
+            <a:extLst>
+              <a:ext uri="{FF2B5EF4-FFF2-40B4-BE49-F238E27FC236}">
+                <a16:creationId xmlns:a16="http://schemas.microsoft.com/office/drawing/2014/main" id="{00F9C6BB-D917-4595-BBC8-4ACB2A36EE00}"/>
+              </a:ext>
+            </a:extLst>
+          </p:cNvPr>
+          <p:cNvPicPr>
+            <a:picLocks noChangeAspect="1"/>
+          </p:cNvPicPr>
+          <p:nvPr/>
+        </p:nvPicPr>
+        <p:blipFill>
+          <a:blip r:embed="rId3">
+            <a:extLst>
+              <a:ext uri="{28A0092B-C50C-407E-A947-70E740481C1C}">
+                <a14:useLocalDpi xmlns:a14="http://schemas.microsoft.com/office/drawing/2010/main" val="0"/>
+              </a:ext>
+            </a:extLst>
+          </a:blip>
+          <a:stretch>
+            <a:fillRect/>
+          </a:stretch>
+        </p:blipFill>
+        <p:spPr>
+          <a:xfrm>
+            <a:off x="0" y="636956"/>
+            <a:ext cx="12192000" cy="6237962"/>
+          </a:xfrm>
+          <a:prstGeom prst="rect">
+            <a:avLst/>
+          </a:prstGeom>
+        </p:spPr>
+      </p:pic>
+    </p:spTree>
+    <p:extLst>
+      <p:ext uri="{BB962C8B-B14F-4D97-AF65-F5344CB8AC3E}">
+        <p14:creationId xmlns:p14="http://schemas.microsoft.com/office/powerpoint/2010/main" val="1156641624"/>
+      </p:ext>
+    </p:extLst>
+  </p:cSld>
+  <p:clrMapOvr>
+    <a:masterClrMapping/>
+  </p:clrMapOvr>
+</p:sld>
+</file>
+
+<file path=ppt/slides/slide14.xml><?xml version="1.0" encoding="utf-8"?>
+<p:sld xmlns:a="http://schemas.openxmlformats.org/drawingml/2006/main" xmlns:r="http://schemas.openxmlformats.org/officeDocument/2006/relationships" xmlns:p="http://schemas.openxmlformats.org/presentationml/2006/main">
+  <p:cSld>
+    <p:spTree>
+      <p:nvGrpSpPr>
+        <p:cNvPr id="1" name=""/>
+        <p:cNvGrpSpPr/>
+        <p:nvPr/>
+      </p:nvGrpSpPr>
+      <p:grpSpPr>
+        <a:xfrm>
+          <a:off x="0" y="0"/>
+          <a:ext cx="0" cy="0"/>
+          <a:chOff x="0" y="0"/>
+          <a:chExt cx="0" cy="0"/>
+        </a:xfrm>
+      </p:grpSpPr>
+      <p:sp>
+        <p:nvSpPr>
+          <p:cNvPr id="2" name="Title 1">
+            <a:extLst>
+              <a:ext uri="{FF2B5EF4-FFF2-40B4-BE49-F238E27FC236}">
+                <a16:creationId xmlns:a16="http://schemas.microsoft.com/office/drawing/2014/main" id="{57FE8A37-89E2-4A51-AB2D-360D6158F313}"/>
+              </a:ext>
+            </a:extLst>
+          </p:cNvPr>
+          <p:cNvSpPr>
+            <a:spLocks noGrp="1"/>
+          </p:cNvSpPr>
+          <p:nvPr>
+            <p:ph type="title"/>
+          </p:nvPr>
+        </p:nvSpPr>
+        <p:spPr>
+          <a:xfrm>
+            <a:off x="0" y="0"/>
+            <a:ext cx="12192000" cy="649483"/>
+          </a:xfrm>
+          <a:solidFill>
+            <a:schemeClr val="tx2">
+              <a:lumMod val="40000"/>
+              <a:lumOff val="60000"/>
+            </a:schemeClr>
+          </a:solidFill>
+        </p:spPr>
+        <p:txBody>
+          <a:bodyPr>
+            <a:normAutofit fontScale="90000"/>
+          </a:bodyPr>
+          <a:lstStyle/>
+          <a:p>
+            <a:pPr algn="ctr"/>
+            <a:r>
+              <a:rPr lang="en-GB" dirty="0"/>
+              <a:t>NEST</a:t>
+            </a:r>
+          </a:p>
+        </p:txBody>
+      </p:sp>
+      <p:pic>
+        <p:nvPicPr>
+          <p:cNvPr id="5" name="Picture 4">
+            <a:extLst>
+              <a:ext uri="{FF2B5EF4-FFF2-40B4-BE49-F238E27FC236}">
+                <a16:creationId xmlns:a16="http://schemas.microsoft.com/office/drawing/2014/main" id="{B4FE1211-1A73-415A-8B32-35B23D38A4CB}"/>
+              </a:ext>
+            </a:extLst>
+          </p:cNvPr>
+          <p:cNvPicPr>
+            <a:picLocks noChangeAspect="1"/>
+          </p:cNvPicPr>
+          <p:nvPr/>
+        </p:nvPicPr>
+        <p:blipFill>
+          <a:blip r:embed="rId3">
+            <a:extLst>
+              <a:ext uri="{28A0092B-C50C-407E-A947-70E740481C1C}">
+                <a14:useLocalDpi xmlns:a14="http://schemas.microsoft.com/office/drawing/2010/main" val="0"/>
+              </a:ext>
+            </a:extLst>
+          </a:blip>
+          <a:stretch>
+            <a:fillRect/>
+          </a:stretch>
+        </p:blipFill>
+        <p:spPr>
+          <a:xfrm>
+            <a:off x="-1" y="649482"/>
+            <a:ext cx="12192001" cy="6191929"/>
+          </a:xfrm>
+          <a:prstGeom prst="rect">
+            <a:avLst/>
+          </a:prstGeom>
+        </p:spPr>
+      </p:pic>
+    </p:spTree>
+    <p:extLst>
+      <p:ext uri="{BB962C8B-B14F-4D97-AF65-F5344CB8AC3E}">
+        <p14:creationId xmlns:p14="http://schemas.microsoft.com/office/powerpoint/2010/main" val="1585900665"/>
+      </p:ext>
+    </p:extLst>
+  </p:cSld>
+  <p:clrMapOvr>
+    <a:masterClrMapping/>
+  </p:clrMapOvr>
+</p:sld>
+</file>
+
+<file path=ppt/slides/slide15.xml><?xml version="1.0" encoding="utf-8"?>
+<p:sld xmlns:a="http://schemas.openxmlformats.org/drawingml/2006/main" xmlns:r="http://schemas.openxmlformats.org/officeDocument/2006/relationships" xmlns:p="http://schemas.openxmlformats.org/presentationml/2006/main">
+  <p:cSld>
+    <p:spTree>
+      <p:nvGrpSpPr>
+        <p:cNvPr id="1" name=""/>
+        <p:cNvGrpSpPr/>
+        <p:nvPr/>
+      </p:nvGrpSpPr>
+      <p:grpSpPr>
+        <a:xfrm>
+          <a:off x="0" y="0"/>
+          <a:ext cx="0" cy="0"/>
+          <a:chOff x="0" y="0"/>
+          <a:chExt cx="0" cy="0"/>
+        </a:xfrm>
+      </p:grpSpPr>
+      <p:pic>
+        <p:nvPicPr>
+          <p:cNvPr id="5" name="Picture 4">
+            <a:extLst>
+              <a:ext uri="{FF2B5EF4-FFF2-40B4-BE49-F238E27FC236}">
+                <a16:creationId xmlns:a16="http://schemas.microsoft.com/office/drawing/2014/main" id="{8BBF7F29-8821-476C-AB6E-91984264B34A}"/>
+              </a:ext>
+            </a:extLst>
+          </p:cNvPr>
+          <p:cNvPicPr>
+            <a:picLocks noChangeAspect="1"/>
+          </p:cNvPicPr>
+          <p:nvPr/>
+        </p:nvPicPr>
+        <p:blipFill>
+          <a:blip r:embed="rId3">
+            <a:extLst>
+              <a:ext uri="{28A0092B-C50C-407E-A947-70E740481C1C}">
+                <a14:useLocalDpi xmlns:a14="http://schemas.microsoft.com/office/drawing/2010/main" val="0"/>
+              </a:ext>
+            </a:extLst>
+          </a:blip>
+          <a:stretch>
+            <a:fillRect/>
+          </a:stretch>
+        </p:blipFill>
+        <p:spPr>
+          <a:xfrm>
+            <a:off x="2177606" y="1255015"/>
+            <a:ext cx="8115883" cy="4481906"/>
+          </a:xfrm>
+          <a:prstGeom prst="rect">
+            <a:avLst/>
+          </a:prstGeom>
+        </p:spPr>
+      </p:pic>
+      <p:sp>
+        <p:nvSpPr>
+          <p:cNvPr id="6" name="TextBox 5">
+            <a:extLst>
+              <a:ext uri="{FF2B5EF4-FFF2-40B4-BE49-F238E27FC236}">
+                <a16:creationId xmlns:a16="http://schemas.microsoft.com/office/drawing/2014/main" id="{94E2EBF4-E48F-4C1B-B6BA-869DB026EDC5}"/>
+              </a:ext>
+            </a:extLst>
+          </p:cNvPr>
+          <p:cNvSpPr txBox="1"/>
+          <p:nvPr/>
+        </p:nvSpPr>
+        <p:spPr>
+          <a:xfrm>
+            <a:off x="5010411" y="4396637"/>
+            <a:ext cx="4584526" cy="1200329"/>
+          </a:xfrm>
+          <a:prstGeom prst="rect">
+            <a:avLst/>
+          </a:prstGeom>
+          <a:noFill/>
+        </p:spPr>
+        <p:txBody>
+          <a:bodyPr wrap="square" rtlCol="0">
+            <a:spAutoFit/>
+          </a:bodyPr>
+          <a:lstStyle/>
+          <a:p>
+            <a:r>
+              <a:rPr lang="en-GB" sz="7200" dirty="0">
+                <a:solidFill>
+                  <a:schemeClr val="accent4">
+                    <a:lumMod val="60000"/>
+                    <a:lumOff val="40000"/>
+                  </a:schemeClr>
+                </a:solidFill>
+              </a:rPr>
+              <a:t>REST</a:t>
+            </a:r>
+          </a:p>
+        </p:txBody>
+      </p:sp>
+      <p:sp>
+        <p:nvSpPr>
+          <p:cNvPr id="9" name="TextBox 8">
+            <a:extLst>
+              <a:ext uri="{FF2B5EF4-FFF2-40B4-BE49-F238E27FC236}">
+                <a16:creationId xmlns:a16="http://schemas.microsoft.com/office/drawing/2014/main" id="{E1CE966F-92C8-4DCC-B71C-F4F0CB9F3324}"/>
+              </a:ext>
+            </a:extLst>
+          </p:cNvPr>
+          <p:cNvSpPr txBox="1"/>
+          <p:nvPr/>
+        </p:nvSpPr>
+        <p:spPr>
+          <a:xfrm>
+            <a:off x="3820439" y="3333352"/>
+            <a:ext cx="6613742" cy="923330"/>
+          </a:xfrm>
+          <a:prstGeom prst="rect">
+            <a:avLst/>
+          </a:prstGeom>
+          <a:noFill/>
+        </p:spPr>
+        <p:txBody>
+          <a:bodyPr wrap="square" rtlCol="0">
+            <a:spAutoFit/>
+          </a:bodyPr>
+          <a:lstStyle/>
+          <a:p>
+            <a:r>
+              <a:rPr lang="en-GB" sz="5400" dirty="0" err="1">
+                <a:solidFill>
+                  <a:schemeClr val="accent4">
+                    <a:lumMod val="60000"/>
+                    <a:lumOff val="40000"/>
+                  </a:schemeClr>
+                </a:solidFill>
+              </a:rPr>
+              <a:t>ElasticSearch.Net</a:t>
+            </a:r>
+            <a:endParaRPr lang="en-GB" sz="5400" dirty="0">
+              <a:solidFill>
+                <a:schemeClr val="accent4">
+                  <a:lumMod val="60000"/>
+                  <a:lumOff val="40000"/>
+                </a:schemeClr>
+              </a:solidFill>
+            </a:endParaRPr>
+          </a:p>
+        </p:txBody>
+      </p:sp>
+      <p:sp>
+        <p:nvSpPr>
+          <p:cNvPr id="11" name="TextBox 10">
+            <a:extLst>
+              <a:ext uri="{FF2B5EF4-FFF2-40B4-BE49-F238E27FC236}">
+                <a16:creationId xmlns:a16="http://schemas.microsoft.com/office/drawing/2014/main" id="{E3AC73D5-6A74-4A39-8D3A-A569EBCD0CAA}"/>
+              </a:ext>
+            </a:extLst>
+          </p:cNvPr>
+          <p:cNvSpPr txBox="1"/>
+          <p:nvPr/>
+        </p:nvSpPr>
+        <p:spPr>
+          <a:xfrm>
+            <a:off x="3181612" y="2063045"/>
+            <a:ext cx="5636712" cy="1200329"/>
+          </a:xfrm>
+          <a:prstGeom prst="rect">
+            <a:avLst/>
+          </a:prstGeom>
+          <a:noFill/>
+        </p:spPr>
+        <p:txBody>
+          <a:bodyPr wrap="square" rtlCol="0">
+            <a:spAutoFit/>
+          </a:bodyPr>
+          <a:lstStyle/>
+          <a:p>
+            <a:r>
+              <a:rPr lang="en-GB" sz="7200" dirty="0">
+                <a:solidFill>
+                  <a:schemeClr val="accent6">
+                    <a:lumMod val="75000"/>
+                  </a:schemeClr>
+                </a:solidFill>
+              </a:rPr>
+              <a:t>NEST     Client</a:t>
+            </a:r>
+          </a:p>
+        </p:txBody>
+      </p:sp>
+    </p:spTree>
+    <p:extLst>
+      <p:ext uri="{BB962C8B-B14F-4D97-AF65-F5344CB8AC3E}">
+        <p14:creationId xmlns:p14="http://schemas.microsoft.com/office/powerpoint/2010/main" val="4149725530"/>
+      </p:ext>
+    </p:extLst>
+  </p:cSld>
+  <p:clrMapOvr>
+    <a:masterClrMapping/>
+  </p:clrMapOvr>
+</p:sld>
+</file>
+
+<file path=ppt/slides/slide16.xml><?xml version="1.0" encoding="utf-8"?>
+<p:sld xmlns:a="http://schemas.openxmlformats.org/drawingml/2006/main" xmlns:r="http://schemas.openxmlformats.org/officeDocument/2006/relationships" xmlns:p="http://schemas.openxmlformats.org/presentationml/2006/main">
+  <p:cSld>
+    <p:spTree>
+      <p:nvGrpSpPr>
+        <p:cNvPr id="1" name=""/>
+        <p:cNvGrpSpPr/>
+        <p:nvPr/>
+      </p:nvGrpSpPr>
+      <p:grpSpPr>
+        <a:xfrm>
+          <a:off x="0" y="0"/>
+          <a:ext cx="0" cy="0"/>
+          <a:chOff x="0" y="0"/>
+          <a:chExt cx="0" cy="0"/>
+        </a:xfrm>
+      </p:grpSpPr>
+      <p:sp>
+        <p:nvSpPr>
+          <p:cNvPr id="2" name="Title 1">
+            <a:extLst>
+              <a:ext uri="{FF2B5EF4-FFF2-40B4-BE49-F238E27FC236}">
+                <a16:creationId xmlns:a16="http://schemas.microsoft.com/office/drawing/2014/main" id="{3014B733-436A-4BB9-96D0-7FE97489669A}"/>
+              </a:ext>
+            </a:extLst>
+          </p:cNvPr>
+          <p:cNvSpPr>
+            <a:spLocks noGrp="1"/>
+          </p:cNvSpPr>
+          <p:nvPr>
+            <p:ph type="title"/>
+          </p:nvPr>
+        </p:nvSpPr>
+        <p:spPr>
+          <a:xfrm>
+            <a:off x="0" y="0"/>
+            <a:ext cx="12192000" cy="634619"/>
+          </a:xfrm>
+          <a:solidFill>
+            <a:schemeClr val="accent2">
+              <a:lumMod val="60000"/>
+              <a:lumOff val="40000"/>
+            </a:schemeClr>
+          </a:solidFill>
+        </p:spPr>
+        <p:txBody>
+          <a:bodyPr>
+            <a:normAutofit fontScale="90000"/>
+          </a:bodyPr>
+          <a:lstStyle/>
+          <a:p>
+            <a:pPr algn="ctr"/>
+            <a:r>
+              <a:rPr lang="en-GB" dirty="0"/>
+              <a:t>The Application Revisited</a:t>
+            </a:r>
+          </a:p>
+        </p:txBody>
+      </p:sp>
+      <p:pic>
+        <p:nvPicPr>
+          <p:cNvPr id="4" name="Content Placeholder 3">
+            <a:extLst>
+              <a:ext uri="{FF2B5EF4-FFF2-40B4-BE49-F238E27FC236}">
+                <a16:creationId xmlns:a16="http://schemas.microsoft.com/office/drawing/2014/main" id="{E2829C11-B7E2-48C6-A475-0D04B621FE4C}"/>
+              </a:ext>
+            </a:extLst>
+          </p:cNvPr>
+          <p:cNvPicPr>
+            <a:picLocks noGrp="1" noChangeAspect="1"/>
+          </p:cNvPicPr>
+          <p:nvPr>
+            <p:ph idx="1"/>
+          </p:nvPr>
+        </p:nvPicPr>
+        <p:blipFill>
+          <a:blip r:embed="rId3"/>
+          <a:stretch>
+            <a:fillRect/>
+          </a:stretch>
+        </p:blipFill>
+        <p:spPr>
+          <a:xfrm>
+            <a:off x="2292850" y="858537"/>
+            <a:ext cx="8301997" cy="5999463"/>
+          </a:xfrm>
+          <a:prstGeom prst="rect">
+            <a:avLst/>
+          </a:prstGeom>
+        </p:spPr>
+      </p:pic>
+    </p:spTree>
+    <p:extLst>
+      <p:ext uri="{BB962C8B-B14F-4D97-AF65-F5344CB8AC3E}">
+        <p14:creationId xmlns:p14="http://schemas.microsoft.com/office/powerpoint/2010/main" val="2137642698"/>
+      </p:ext>
+    </p:extLst>
+  </p:cSld>
+  <p:clrMapOvr>
+    <a:masterClrMapping/>
+  </p:clrMapOvr>
+</p:sld>
+</file>
+
+<file path=ppt/slides/slide17.xml><?xml version="1.0" encoding="utf-8"?>
+<p:sld xmlns:a="http://schemas.openxmlformats.org/drawingml/2006/main" xmlns:r="http://schemas.openxmlformats.org/officeDocument/2006/relationships" xmlns:p="http://schemas.openxmlformats.org/presentationml/2006/main">
+  <p:cSld>
+    <p:spTree>
+      <p:nvGrpSpPr>
+        <p:cNvPr id="1" name=""/>
+        <p:cNvGrpSpPr/>
+        <p:nvPr/>
+      </p:nvGrpSpPr>
+      <p:grpSpPr>
+        <a:xfrm>
+          <a:off x="0" y="0"/>
+          <a:ext cx="0" cy="0"/>
+          <a:chOff x="0" y="0"/>
+          <a:chExt cx="0" cy="0"/>
+        </a:xfrm>
+      </p:grpSpPr>
+      <p:sp>
+        <p:nvSpPr>
+          <p:cNvPr id="2" name="Title 1">
+            <a:extLst>
+              <a:ext uri="{FF2B5EF4-FFF2-40B4-BE49-F238E27FC236}">
+                <a16:creationId xmlns:a16="http://schemas.microsoft.com/office/drawing/2014/main" id="{95D9EE95-D9F9-462A-AC3B-5670EBFCA314}"/>
+              </a:ext>
+            </a:extLst>
+          </p:cNvPr>
+          <p:cNvSpPr>
+            <a:spLocks noGrp="1"/>
+          </p:cNvSpPr>
+          <p:nvPr>
+            <p:ph type="title"/>
+          </p:nvPr>
+        </p:nvSpPr>
+        <p:spPr>
+          <a:xfrm>
+            <a:off x="0" y="0"/>
+            <a:ext cx="12192000" cy="624431"/>
+          </a:xfrm>
+          <a:solidFill>
+            <a:srgbClr val="FFC000"/>
+          </a:solidFill>
+        </p:spPr>
+        <p:txBody>
+          <a:bodyPr>
+            <a:normAutofit fontScale="90000"/>
+          </a:bodyPr>
+          <a:lstStyle/>
+          <a:p>
+            <a:pPr algn="ctr"/>
+            <a:r>
+              <a:rPr lang="en-GB" dirty="0"/>
+              <a:t>Kibana</a:t>
+            </a:r>
+          </a:p>
+        </p:txBody>
+      </p:sp>
+      <p:pic>
+        <p:nvPicPr>
+          <p:cNvPr id="9" name="Picture 8">
+            <a:extLst>
+              <a:ext uri="{FF2B5EF4-FFF2-40B4-BE49-F238E27FC236}">
+                <a16:creationId xmlns:a16="http://schemas.microsoft.com/office/drawing/2014/main" id="{F0B0F1DB-8E8D-4C1F-8E7A-A624997800DF}"/>
+              </a:ext>
+            </a:extLst>
+          </p:cNvPr>
+          <p:cNvPicPr>
+            <a:picLocks noChangeAspect="1"/>
+          </p:cNvPicPr>
+          <p:nvPr/>
+        </p:nvPicPr>
+        <p:blipFill>
+          <a:blip r:embed="rId2">
+            <a:extLst>
+              <a:ext uri="{28A0092B-C50C-407E-A947-70E740481C1C}">
+                <a14:useLocalDpi xmlns:a14="http://schemas.microsoft.com/office/drawing/2010/main" val="0"/>
+              </a:ext>
+            </a:extLst>
+          </a:blip>
+          <a:stretch>
+            <a:fillRect/>
+          </a:stretch>
+        </p:blipFill>
+        <p:spPr>
+          <a:xfrm>
+            <a:off x="3602550" y="1064217"/>
+            <a:ext cx="5412783" cy="5412783"/>
+          </a:xfrm>
+          <a:prstGeom prst="rect">
+            <a:avLst/>
+          </a:prstGeom>
+        </p:spPr>
+      </p:pic>
+    </p:spTree>
+    <p:extLst>
+      <p:ext uri="{BB962C8B-B14F-4D97-AF65-F5344CB8AC3E}">
+        <p14:creationId xmlns:p14="http://schemas.microsoft.com/office/powerpoint/2010/main" val="2333050863"/>
+      </p:ext>
+    </p:extLst>
+  </p:cSld>
+  <p:clrMapOvr>
+    <a:masterClrMapping/>
+  </p:clrMapOvr>
+</p:sld>
+</file>
+
+<file path=ppt/slides/slide18.xml><?xml version="1.0" encoding="utf-8"?>
+<p:sld xmlns:a="http://schemas.openxmlformats.org/drawingml/2006/main" xmlns:r="http://schemas.openxmlformats.org/officeDocument/2006/relationships" xmlns:p="http://schemas.openxmlformats.org/presentationml/2006/main">
+  <p:cSld>
+    <p:spTree>
+      <p:nvGrpSpPr>
+        <p:cNvPr id="1" name=""/>
+        <p:cNvGrpSpPr/>
+        <p:nvPr/>
+      </p:nvGrpSpPr>
+      <p:grpSpPr>
+        <a:xfrm>
+          <a:off x="0" y="0"/>
+          <a:ext cx="0" cy="0"/>
+          <a:chOff x="0" y="0"/>
+          <a:chExt cx="0" cy="0"/>
+        </a:xfrm>
+      </p:grpSpPr>
+      <p:sp>
+        <p:nvSpPr>
+          <p:cNvPr id="2" name="Title 1">
+            <a:extLst>
+              <a:ext uri="{FF2B5EF4-FFF2-40B4-BE49-F238E27FC236}">
+                <a16:creationId xmlns:a16="http://schemas.microsoft.com/office/drawing/2014/main" id="{70A34322-DA23-4F7F-B79E-C83B2954DB88}"/>
+              </a:ext>
+            </a:extLst>
+          </p:cNvPr>
+          <p:cNvSpPr>
+            <a:spLocks noGrp="1"/>
+          </p:cNvSpPr>
+          <p:nvPr>
+            <p:ph type="title"/>
+          </p:nvPr>
+        </p:nvSpPr>
+        <p:spPr>
+          <a:xfrm>
+            <a:off x="0" y="0"/>
+            <a:ext cx="12192000" cy="676405"/>
+          </a:xfrm>
+          <a:solidFill>
+            <a:schemeClr val="accent1">
+              <a:lumMod val="20000"/>
+              <a:lumOff val="80000"/>
+            </a:schemeClr>
+          </a:solidFill>
+        </p:spPr>
+        <p:txBody>
+          <a:bodyPr>
+            <a:normAutofit fontScale="90000"/>
+          </a:bodyPr>
+          <a:lstStyle/>
+          <a:p>
+            <a:pPr algn="ctr"/>
+            <a:r>
+              <a:rPr lang="en-GB" dirty="0" err="1"/>
+              <a:t>Grafana</a:t>
+            </a:r>
+            <a:endParaRPr lang="en-GB" dirty="0"/>
+          </a:p>
+        </p:txBody>
+      </p:sp>
+      <p:pic>
+        <p:nvPicPr>
+          <p:cNvPr id="5" name="Picture 4">
+            <a:extLst>
+              <a:ext uri="{FF2B5EF4-FFF2-40B4-BE49-F238E27FC236}">
+                <a16:creationId xmlns:a16="http://schemas.microsoft.com/office/drawing/2014/main" id="{4D0CE633-64F8-4E9A-A3F1-CF2369A4E156}"/>
+              </a:ext>
+            </a:extLst>
+          </p:cNvPr>
+          <p:cNvPicPr>
+            <a:picLocks noChangeAspect="1"/>
+          </p:cNvPicPr>
+          <p:nvPr/>
+        </p:nvPicPr>
+        <p:blipFill>
+          <a:blip r:embed="rId3">
+            <a:extLst>
+              <a:ext uri="{28A0092B-C50C-407E-A947-70E740481C1C}">
+                <a14:useLocalDpi xmlns:a14="http://schemas.microsoft.com/office/drawing/2010/main" val="0"/>
+              </a:ext>
+            </a:extLst>
+          </a:blip>
+          <a:stretch>
+            <a:fillRect/>
+          </a:stretch>
+        </p:blipFill>
+        <p:spPr>
+          <a:xfrm>
+            <a:off x="0" y="676405"/>
+            <a:ext cx="12192000" cy="7615451"/>
+          </a:xfrm>
+          <a:prstGeom prst="rect">
+            <a:avLst/>
+          </a:prstGeom>
+        </p:spPr>
+      </p:pic>
+    </p:spTree>
+    <p:extLst>
+      <p:ext uri="{BB962C8B-B14F-4D97-AF65-F5344CB8AC3E}">
+        <p14:creationId xmlns:p14="http://schemas.microsoft.com/office/powerpoint/2010/main" val="323773504"/>
+      </p:ext>
+    </p:extLst>
+  </p:cSld>
+  <p:clrMapOvr>
+    <a:masterClrMapping/>
+  </p:clrMapOvr>
+</p:sld>
+</file>
+
+<file path=ppt/slides/slide19.xml><?xml version="1.0" encoding="utf-8"?>
+<p:sld xmlns:a="http://schemas.openxmlformats.org/drawingml/2006/main" xmlns:r="http://schemas.openxmlformats.org/officeDocument/2006/relationships" xmlns:p="http://schemas.openxmlformats.org/presentationml/2006/main">
+  <p:cSld>
+    <p:spTree>
+      <p:nvGrpSpPr>
+        <p:cNvPr id="1" name=""/>
+        <p:cNvGrpSpPr/>
+        <p:nvPr/>
+      </p:nvGrpSpPr>
+      <p:grpSpPr>
+        <a:xfrm>
+          <a:off x="0" y="0"/>
+          <a:ext cx="0" cy="0"/>
+          <a:chOff x="0" y="0"/>
+          <a:chExt cx="0" cy="0"/>
+        </a:xfrm>
+      </p:grpSpPr>
+      <p:sp>
+        <p:nvSpPr>
+          <p:cNvPr id="2" name="Title 1">
+            <a:extLst>
+              <a:ext uri="{FF2B5EF4-FFF2-40B4-BE49-F238E27FC236}">
                 <a16:creationId xmlns:a16="http://schemas.microsoft.com/office/drawing/2014/main" id="{31271F82-D4D8-4636-BE90-930398540028}"/>
               </a:ext>
             </a:extLst>
@@ -6007,70 +8196,66 @@
             <p:ph type="title"/>
           </p:nvPr>
         </p:nvSpPr>
-        <p:spPr/>
+        <p:spPr>
+          <a:xfrm>
+            <a:off x="0" y="0"/>
+            <a:ext cx="12192000" cy="774743"/>
+          </a:xfrm>
+          <a:solidFill>
+            <a:schemeClr val="accent5">
+              <a:lumMod val="20000"/>
+              <a:lumOff val="80000"/>
+            </a:schemeClr>
+          </a:solidFill>
+        </p:spPr>
         <p:txBody>
           <a:bodyPr/>
           <a:lstStyle/>
           <a:p>
-            <a:r>
-              <a:rPr lang="en-GB" dirty="0"/>
-              <a:t>Logs</a:t>
-            </a:r>
-          </a:p>
-        </p:txBody>
-      </p:sp>
-      <p:sp>
-        <p:nvSpPr>
-          <p:cNvPr id="3" name="Content Placeholder 2">
-            <a:extLst>
-              <a:ext uri="{FF2B5EF4-FFF2-40B4-BE49-F238E27FC236}">
-                <a16:creationId xmlns:a16="http://schemas.microsoft.com/office/drawing/2014/main" id="{A59A35DA-2F1B-4FD5-8F6A-2688C31BB724}"/>
-              </a:ext>
-            </a:extLst>
-          </p:cNvPr>
-          <p:cNvSpPr>
-            <a:spLocks noGrp="1"/>
-          </p:cNvSpPr>
-          <p:nvPr>
-            <p:ph idx="1"/>
-          </p:nvPr>
-        </p:nvSpPr>
-        <p:spPr/>
-        <p:txBody>
-          <a:bodyPr/>
-          <a:lstStyle/>
-          <a:p>
+            <a:pPr algn="ctr"/>
             <a:r>
               <a:rPr lang="en-GB" dirty="0"/>
               <a:t>Log Stash</a:t>
             </a:r>
           </a:p>
-          <a:p>
-            <a:r>
-              <a:rPr lang="en-GB" dirty="0"/>
-              <a:t>Kibana</a:t>
-            </a:r>
-          </a:p>
-          <a:p>
-            <a:r>
-              <a:rPr lang="en-GB" dirty="0"/>
-              <a:t>Beats</a:t>
-            </a:r>
-          </a:p>
-          <a:p>
-            <a:endParaRPr lang="en-GB" dirty="0"/>
-          </a:p>
-          <a:p>
-            <a:endParaRPr lang="en-GB" dirty="0"/>
-          </a:p>
-          <a:p>
-            <a:r>
-              <a:rPr lang="en-GB" dirty="0"/>
-              <a:t>DEMO</a:t>
-            </a:r>
-          </a:p>
-        </p:txBody>
-      </p:sp>
+        </p:txBody>
+      </p:sp>
+      <p:pic>
+        <p:nvPicPr>
+          <p:cNvPr id="7" name="Picture 6">
+            <a:extLst>
+              <a:ext uri="{FF2B5EF4-FFF2-40B4-BE49-F238E27FC236}">
+                <a16:creationId xmlns:a16="http://schemas.microsoft.com/office/drawing/2014/main" id="{3328ACAA-903B-463D-997A-421A4BC01300}"/>
+              </a:ext>
+            </a:extLst>
+          </p:cNvPr>
+          <p:cNvPicPr>
+            <a:picLocks noChangeAspect="1"/>
+          </p:cNvPicPr>
+          <p:nvPr/>
+        </p:nvPicPr>
+        <p:blipFill>
+          <a:blip r:embed="rId3">
+            <a:extLst>
+              <a:ext uri="{28A0092B-C50C-407E-A947-70E740481C1C}">
+                <a14:useLocalDpi xmlns:a14="http://schemas.microsoft.com/office/drawing/2010/main" val="0"/>
+              </a:ext>
+            </a:extLst>
+          </a:blip>
+          <a:stretch>
+            <a:fillRect/>
+          </a:stretch>
+        </p:blipFill>
+        <p:spPr>
+          <a:xfrm>
+            <a:off x="3584157" y="1261015"/>
+            <a:ext cx="4457551" cy="5008484"/>
+          </a:xfrm>
+          <a:prstGeom prst="rect">
+            <a:avLst/>
+          </a:prstGeom>
+        </p:spPr>
+      </p:pic>
     </p:spTree>
     <p:extLst>
       <p:ext uri="{BB962C8B-B14F-4D97-AF65-F5344CB8AC3E}">
@@ -6180,6 +8365,478 @@
     <p:extLst>
       <p:ext uri="{BB962C8B-B14F-4D97-AF65-F5344CB8AC3E}">
         <p14:creationId xmlns:p14="http://schemas.microsoft.com/office/powerpoint/2010/main" val="238602597"/>
+      </p:ext>
+    </p:extLst>
+  </p:cSld>
+  <p:clrMapOvr>
+    <a:masterClrMapping/>
+  </p:clrMapOvr>
+</p:sld>
+</file>
+
+<file path=ppt/slides/slide20.xml><?xml version="1.0" encoding="utf-8"?>
+<p:sld xmlns:a="http://schemas.openxmlformats.org/drawingml/2006/main" xmlns:r="http://schemas.openxmlformats.org/officeDocument/2006/relationships" xmlns:p="http://schemas.openxmlformats.org/presentationml/2006/main">
+  <p:cSld>
+    <p:spTree>
+      <p:nvGrpSpPr>
+        <p:cNvPr id="1" name=""/>
+        <p:cNvGrpSpPr/>
+        <p:nvPr/>
+      </p:nvGrpSpPr>
+      <p:grpSpPr>
+        <a:xfrm>
+          <a:off x="0" y="0"/>
+          <a:ext cx="0" cy="0"/>
+          <a:chOff x="0" y="0"/>
+          <a:chExt cx="0" cy="0"/>
+        </a:xfrm>
+      </p:grpSpPr>
+      <p:sp>
+        <p:nvSpPr>
+          <p:cNvPr id="2" name="Title 1">
+            <a:extLst>
+              <a:ext uri="{FF2B5EF4-FFF2-40B4-BE49-F238E27FC236}">
+                <a16:creationId xmlns:a16="http://schemas.microsoft.com/office/drawing/2014/main" id="{429A872C-9DE1-4E91-A83E-97FC5FE96EBB}"/>
+              </a:ext>
+            </a:extLst>
+          </p:cNvPr>
+          <p:cNvSpPr>
+            <a:spLocks noGrp="1"/>
+          </p:cNvSpPr>
+          <p:nvPr>
+            <p:ph type="title"/>
+          </p:nvPr>
+        </p:nvSpPr>
+        <p:spPr>
+          <a:xfrm>
+            <a:off x="0" y="0"/>
+            <a:ext cx="12192000" cy="586853"/>
+          </a:xfrm>
+          <a:solidFill>
+            <a:schemeClr val="accent4">
+              <a:lumMod val="20000"/>
+              <a:lumOff val="80000"/>
+            </a:schemeClr>
+          </a:solidFill>
+        </p:spPr>
+        <p:txBody>
+          <a:bodyPr>
+            <a:normAutofit fontScale="90000"/>
+          </a:bodyPr>
+          <a:lstStyle/>
+          <a:p>
+            <a:pPr algn="ctr"/>
+            <a:r>
+              <a:rPr lang="en-GB" dirty="0"/>
+              <a:t>Beats</a:t>
+            </a:r>
+          </a:p>
+        </p:txBody>
+      </p:sp>
+      <p:pic>
+        <p:nvPicPr>
+          <p:cNvPr id="5" name="Picture 4">
+            <a:extLst>
+              <a:ext uri="{FF2B5EF4-FFF2-40B4-BE49-F238E27FC236}">
+                <a16:creationId xmlns:a16="http://schemas.microsoft.com/office/drawing/2014/main" id="{8351B415-F703-4948-A495-9F0105C90601}"/>
+              </a:ext>
+            </a:extLst>
+          </p:cNvPr>
+          <p:cNvPicPr>
+            <a:picLocks noChangeAspect="1"/>
+          </p:cNvPicPr>
+          <p:nvPr/>
+        </p:nvPicPr>
+        <p:blipFill>
+          <a:blip r:embed="rId3">
+            <a:extLst>
+              <a:ext uri="{28A0092B-C50C-407E-A947-70E740481C1C}">
+                <a14:useLocalDpi xmlns:a14="http://schemas.microsoft.com/office/drawing/2010/main" val="0"/>
+              </a:ext>
+            </a:extLst>
+          </a:blip>
+          <a:stretch>
+            <a:fillRect/>
+          </a:stretch>
+        </p:blipFill>
+        <p:spPr>
+          <a:xfrm>
+            <a:off x="1785872" y="943648"/>
+            <a:ext cx="8795620" cy="5826670"/>
+          </a:xfrm>
+          <a:prstGeom prst="rect">
+            <a:avLst/>
+          </a:prstGeom>
+        </p:spPr>
+      </p:pic>
+    </p:spTree>
+    <p:extLst>
+      <p:ext uri="{BB962C8B-B14F-4D97-AF65-F5344CB8AC3E}">
+        <p14:creationId xmlns:p14="http://schemas.microsoft.com/office/powerpoint/2010/main" val="2120876939"/>
+      </p:ext>
+    </p:extLst>
+  </p:cSld>
+  <p:clrMapOvr>
+    <a:masterClrMapping/>
+  </p:clrMapOvr>
+</p:sld>
+</file>
+
+<file path=ppt/slides/slide21.xml><?xml version="1.0" encoding="utf-8"?>
+<p:sld xmlns:a="http://schemas.openxmlformats.org/drawingml/2006/main" xmlns:r="http://schemas.openxmlformats.org/officeDocument/2006/relationships" xmlns:p="http://schemas.openxmlformats.org/presentationml/2006/main">
+  <p:cSld>
+    <p:spTree>
+      <p:nvGrpSpPr>
+        <p:cNvPr id="1" name=""/>
+        <p:cNvGrpSpPr/>
+        <p:nvPr/>
+      </p:nvGrpSpPr>
+      <p:grpSpPr>
+        <a:xfrm>
+          <a:off x="0" y="0"/>
+          <a:ext cx="0" cy="0"/>
+          <a:chOff x="0" y="0"/>
+          <a:chExt cx="0" cy="0"/>
+        </a:xfrm>
+      </p:grpSpPr>
+      <p:sp>
+        <p:nvSpPr>
+          <p:cNvPr id="2" name="Title 1">
+            <a:extLst>
+              <a:ext uri="{FF2B5EF4-FFF2-40B4-BE49-F238E27FC236}">
+                <a16:creationId xmlns:a16="http://schemas.microsoft.com/office/drawing/2014/main" id="{F4010A9B-D84D-4283-AEB9-3CF530E98985}"/>
+              </a:ext>
+            </a:extLst>
+          </p:cNvPr>
+          <p:cNvSpPr>
+            <a:spLocks noGrp="1"/>
+          </p:cNvSpPr>
+          <p:nvPr>
+            <p:ph type="title"/>
+          </p:nvPr>
+        </p:nvSpPr>
+        <p:spPr>
+          <a:xfrm>
+            <a:off x="0" y="0"/>
+            <a:ext cx="12192000" cy="712113"/>
+          </a:xfrm>
+          <a:solidFill>
+            <a:schemeClr val="accent5">
+              <a:lumMod val="40000"/>
+              <a:lumOff val="60000"/>
+            </a:schemeClr>
+          </a:solidFill>
+        </p:spPr>
+        <p:txBody>
+          <a:bodyPr/>
+          <a:lstStyle/>
+          <a:p>
+            <a:pPr algn="ctr"/>
+            <a:r>
+              <a:rPr lang="en-GB" dirty="0"/>
+              <a:t>Security</a:t>
+            </a:r>
+          </a:p>
+        </p:txBody>
+      </p:sp>
+      <p:pic>
+        <p:nvPicPr>
+          <p:cNvPr id="7" name="Picture 6">
+            <a:extLst>
+              <a:ext uri="{FF2B5EF4-FFF2-40B4-BE49-F238E27FC236}">
+                <a16:creationId xmlns:a16="http://schemas.microsoft.com/office/drawing/2014/main" id="{6564FCC5-693D-4994-B597-56C0031C2C0D}"/>
+              </a:ext>
+            </a:extLst>
+          </p:cNvPr>
+          <p:cNvPicPr>
+            <a:picLocks noChangeAspect="1"/>
+          </p:cNvPicPr>
+          <p:nvPr/>
+        </p:nvPicPr>
+        <p:blipFill>
+          <a:blip r:embed="rId3">
+            <a:extLst>
+              <a:ext uri="{28A0092B-C50C-407E-A947-70E740481C1C}">
+                <a14:useLocalDpi xmlns:a14="http://schemas.microsoft.com/office/drawing/2010/main" val="0"/>
+              </a:ext>
+            </a:extLst>
+          </a:blip>
+          <a:stretch>
+            <a:fillRect/>
+          </a:stretch>
+        </p:blipFill>
+        <p:spPr>
+          <a:xfrm>
+            <a:off x="3464490" y="912530"/>
+            <a:ext cx="4877844" cy="5813947"/>
+          </a:xfrm>
+          <a:prstGeom prst="rect">
+            <a:avLst/>
+          </a:prstGeom>
+        </p:spPr>
+      </p:pic>
+    </p:spTree>
+    <p:extLst>
+      <p:ext uri="{BB962C8B-B14F-4D97-AF65-F5344CB8AC3E}">
+        <p14:creationId xmlns:p14="http://schemas.microsoft.com/office/powerpoint/2010/main" val="2519680046"/>
+      </p:ext>
+    </p:extLst>
+  </p:cSld>
+  <p:clrMapOvr>
+    <a:masterClrMapping/>
+  </p:clrMapOvr>
+</p:sld>
+</file>
+
+<file path=ppt/slides/slide22.xml><?xml version="1.0" encoding="utf-8"?>
+<p:sld xmlns:a="http://schemas.openxmlformats.org/drawingml/2006/main" xmlns:r="http://schemas.openxmlformats.org/officeDocument/2006/relationships" xmlns:p="http://schemas.openxmlformats.org/presentationml/2006/main">
+  <p:cSld>
+    <p:spTree>
+      <p:nvGrpSpPr>
+        <p:cNvPr id="1" name=""/>
+        <p:cNvGrpSpPr/>
+        <p:nvPr/>
+      </p:nvGrpSpPr>
+      <p:grpSpPr>
+        <a:xfrm>
+          <a:off x="0" y="0"/>
+          <a:ext cx="0" cy="0"/>
+          <a:chOff x="0" y="0"/>
+          <a:chExt cx="0" cy="0"/>
+        </a:xfrm>
+      </p:grpSpPr>
+      <p:sp>
+        <p:nvSpPr>
+          <p:cNvPr id="2" name="Title 1">
+            <a:extLst>
+              <a:ext uri="{FF2B5EF4-FFF2-40B4-BE49-F238E27FC236}">
+                <a16:creationId xmlns:a16="http://schemas.microsoft.com/office/drawing/2014/main" id="{DDF58DA0-990D-484F-93D7-8B9090358026}"/>
+              </a:ext>
+            </a:extLst>
+          </p:cNvPr>
+          <p:cNvSpPr>
+            <a:spLocks noGrp="1"/>
+          </p:cNvSpPr>
+          <p:nvPr>
+            <p:ph type="title"/>
+          </p:nvPr>
+        </p:nvSpPr>
+        <p:spPr>
+          <a:xfrm>
+            <a:off x="0" y="0"/>
+            <a:ext cx="12192000" cy="561801"/>
+          </a:xfrm>
+          <a:solidFill>
+            <a:schemeClr val="accent4">
+              <a:lumMod val="20000"/>
+              <a:lumOff val="80000"/>
+            </a:schemeClr>
+          </a:solidFill>
+        </p:spPr>
+        <p:txBody>
+          <a:bodyPr>
+            <a:normAutofit fontScale="90000"/>
+          </a:bodyPr>
+          <a:lstStyle/>
+          <a:p>
+            <a:pPr algn="ctr"/>
+            <a:r>
+              <a:rPr lang="en-GB" dirty="0"/>
+              <a:t>Scaling</a:t>
+            </a:r>
+          </a:p>
+        </p:txBody>
+      </p:sp>
+      <p:pic>
+        <p:nvPicPr>
+          <p:cNvPr id="5" name="Picture 4">
+            <a:extLst>
+              <a:ext uri="{FF2B5EF4-FFF2-40B4-BE49-F238E27FC236}">
+                <a16:creationId xmlns:a16="http://schemas.microsoft.com/office/drawing/2014/main" id="{761426CB-A0C8-48E6-A09A-5E36B416BB9A}"/>
+              </a:ext>
+            </a:extLst>
+          </p:cNvPr>
+          <p:cNvPicPr>
+            <a:picLocks noChangeAspect="1"/>
+          </p:cNvPicPr>
+          <p:nvPr/>
+        </p:nvPicPr>
+        <p:blipFill>
+          <a:blip r:embed="rId3">
+            <a:extLst>
+              <a:ext uri="{28A0092B-C50C-407E-A947-70E740481C1C}">
+                <a14:useLocalDpi xmlns:a14="http://schemas.microsoft.com/office/drawing/2010/main" val="0"/>
+              </a:ext>
+            </a:extLst>
+          </a:blip>
+          <a:stretch>
+            <a:fillRect/>
+          </a:stretch>
+        </p:blipFill>
+        <p:spPr>
+          <a:xfrm>
+            <a:off x="1498464" y="1334245"/>
+            <a:ext cx="9195071" cy="4440254"/>
+          </a:xfrm>
+          <a:prstGeom prst="rect">
+            <a:avLst/>
+          </a:prstGeom>
+        </p:spPr>
+      </p:pic>
+    </p:spTree>
+    <p:extLst>
+      <p:ext uri="{BB962C8B-B14F-4D97-AF65-F5344CB8AC3E}">
+        <p14:creationId xmlns:p14="http://schemas.microsoft.com/office/powerpoint/2010/main" val="2549997507"/>
+      </p:ext>
+    </p:extLst>
+  </p:cSld>
+  <p:clrMapOvr>
+    <a:masterClrMapping/>
+  </p:clrMapOvr>
+</p:sld>
+</file>
+
+<file path=ppt/slides/slide23.xml><?xml version="1.0" encoding="utf-8"?>
+<p:sld xmlns:a="http://schemas.openxmlformats.org/drawingml/2006/main" xmlns:r="http://schemas.openxmlformats.org/officeDocument/2006/relationships" xmlns:p="http://schemas.openxmlformats.org/presentationml/2006/main">
+  <p:cSld>
+    <p:spTree>
+      <p:nvGrpSpPr>
+        <p:cNvPr id="1" name=""/>
+        <p:cNvGrpSpPr/>
+        <p:nvPr/>
+      </p:nvGrpSpPr>
+      <p:grpSpPr>
+        <a:xfrm>
+          <a:off x="0" y="0"/>
+          <a:ext cx="0" cy="0"/>
+          <a:chOff x="0" y="0"/>
+          <a:chExt cx="0" cy="0"/>
+        </a:xfrm>
+      </p:grpSpPr>
+      <p:sp>
+        <p:nvSpPr>
+          <p:cNvPr id="2" name="Title 1">
+            <a:extLst>
+              <a:ext uri="{FF2B5EF4-FFF2-40B4-BE49-F238E27FC236}">
+                <a16:creationId xmlns:a16="http://schemas.microsoft.com/office/drawing/2014/main" id="{3316C9B5-C554-4F19-9DEE-F64C9968E846}"/>
+              </a:ext>
+            </a:extLst>
+          </p:cNvPr>
+          <p:cNvSpPr>
+            <a:spLocks noGrp="1"/>
+          </p:cNvSpPr>
+          <p:nvPr>
+            <p:ph type="title"/>
+          </p:nvPr>
+        </p:nvSpPr>
+        <p:spPr>
+          <a:xfrm>
+            <a:off x="0" y="0"/>
+            <a:ext cx="12192000" cy="649483"/>
+          </a:xfrm>
+          <a:solidFill>
+            <a:schemeClr val="accent1">
+              <a:lumMod val="20000"/>
+              <a:lumOff val="80000"/>
+            </a:schemeClr>
+          </a:solidFill>
+        </p:spPr>
+        <p:txBody>
+          <a:bodyPr>
+            <a:normAutofit fontScale="90000"/>
+          </a:bodyPr>
+          <a:lstStyle/>
+          <a:p>
+            <a:pPr algn="ctr"/>
+            <a:r>
+              <a:rPr lang="en-GB" dirty="0"/>
+              <a:t>Summary</a:t>
+            </a:r>
+          </a:p>
+        </p:txBody>
+      </p:sp>
+      <p:sp>
+        <p:nvSpPr>
+          <p:cNvPr id="3" name="Content Placeholder 2">
+            <a:extLst>
+              <a:ext uri="{FF2B5EF4-FFF2-40B4-BE49-F238E27FC236}">
+                <a16:creationId xmlns:a16="http://schemas.microsoft.com/office/drawing/2014/main" id="{31BC669C-C479-4342-8AD1-BB8A1F9147A2}"/>
+              </a:ext>
+            </a:extLst>
+          </p:cNvPr>
+          <p:cNvSpPr>
+            <a:spLocks noGrp="1"/>
+          </p:cNvSpPr>
+          <p:nvPr>
+            <p:ph idx="1"/>
+          </p:nvPr>
+        </p:nvSpPr>
+        <p:spPr>
+          <a:xfrm>
+            <a:off x="0" y="1766170"/>
+            <a:ext cx="12192000" cy="5091830"/>
+          </a:xfrm>
+        </p:spPr>
+        <p:txBody>
+          <a:bodyPr/>
+          <a:lstStyle/>
+          <a:p>
+            <a:r>
+              <a:rPr lang="en-GB" dirty="0"/>
+              <a:t>We compared SQL Server to Elastic Search</a:t>
+            </a:r>
+          </a:p>
+          <a:p>
+            <a:r>
+              <a:rPr lang="en-GB" dirty="0"/>
+              <a:t>Looked at various libraries to load data</a:t>
+            </a:r>
+          </a:p>
+          <a:p>
+            <a:r>
+              <a:rPr lang="en-GB" dirty="0"/>
+              <a:t>Looked at some queries</a:t>
+            </a:r>
+          </a:p>
+          <a:p>
+            <a:r>
+              <a:rPr lang="en-GB" dirty="0"/>
+              <a:t>Looked at some visualisation</a:t>
+            </a:r>
+          </a:p>
+          <a:p>
+            <a:r>
+              <a:rPr lang="en-GB" dirty="0"/>
+              <a:t>Looked at log stash and beats</a:t>
+            </a:r>
+          </a:p>
+          <a:p>
+            <a:r>
+              <a:rPr lang="en-GB" dirty="0"/>
+              <a:t>Discussed security</a:t>
+            </a:r>
+          </a:p>
+          <a:p>
+            <a:r>
+              <a:rPr lang="en-GB" dirty="0"/>
+              <a:t>Discussed scaling</a:t>
+            </a:r>
+          </a:p>
+          <a:p>
+            <a:endParaRPr lang="en-GB" dirty="0"/>
+          </a:p>
+          <a:p>
+            <a:r>
+              <a:rPr lang="en-GB" dirty="0"/>
+              <a:t>Questions?</a:t>
+            </a:r>
+          </a:p>
+        </p:txBody>
+      </p:sp>
+    </p:spTree>
+    <p:extLst>
+      <p:ext uri="{BB962C8B-B14F-4D97-AF65-F5344CB8AC3E}">
+        <p14:creationId xmlns:p14="http://schemas.microsoft.com/office/powerpoint/2010/main" val="1405258554"/>
       </p:ext>
     </p:extLst>
   </p:cSld>
@@ -7209,54 +9866,12 @@
           <a:chExt cx="0" cy="0"/>
         </a:xfrm>
       </p:grpSpPr>
-      <p:sp>
-        <p:nvSpPr>
-          <p:cNvPr id="2" name="Title 1">
-            <a:extLst>
-              <a:ext uri="{FF2B5EF4-FFF2-40B4-BE49-F238E27FC236}">
-                <a16:creationId xmlns:a16="http://schemas.microsoft.com/office/drawing/2014/main" id="{95F4F596-62CC-4C46-A394-F5E62C41A392}"/>
-              </a:ext>
-            </a:extLst>
-          </p:cNvPr>
-          <p:cNvSpPr>
-            <a:spLocks noGrp="1"/>
-          </p:cNvSpPr>
-          <p:nvPr>
-            <p:ph type="title"/>
-          </p:nvPr>
-        </p:nvSpPr>
-        <p:spPr>
-          <a:xfrm>
-            <a:off x="0" y="1"/>
-            <a:ext cx="12192000" cy="582804"/>
-          </a:xfrm>
-          <a:solidFill>
-            <a:schemeClr val="accent1">
-              <a:lumMod val="60000"/>
-              <a:lumOff val="40000"/>
-            </a:schemeClr>
-          </a:solidFill>
-        </p:spPr>
-        <p:txBody>
-          <a:bodyPr>
-            <a:normAutofit fontScale="90000"/>
-          </a:bodyPr>
-          <a:lstStyle/>
-          <a:p>
-            <a:pPr algn="ctr"/>
-            <a:r>
-              <a:rPr lang="en-GB" dirty="0"/>
-              <a:t>Getting Started</a:t>
-            </a:r>
-          </a:p>
-        </p:txBody>
-      </p:sp>
       <p:pic>
         <p:nvPicPr>
-          <p:cNvPr id="5" name="Picture 4">
-            <a:extLst>
-              <a:ext uri="{FF2B5EF4-FFF2-40B4-BE49-F238E27FC236}">
-                <a16:creationId xmlns:a16="http://schemas.microsoft.com/office/drawing/2014/main" id="{1D44373F-402D-4D09-89CA-F11EDA4D342A}"/>
+          <p:cNvPr id="4" name="Picture 3">
+            <a:extLst>
+              <a:ext uri="{FF2B5EF4-FFF2-40B4-BE49-F238E27FC236}">
+                <a16:creationId xmlns:a16="http://schemas.microsoft.com/office/drawing/2014/main" id="{6A4943A5-64F9-4962-A5B5-D3D62B12DEB9}"/>
               </a:ext>
             </a:extLst>
           </p:cNvPr>
@@ -7266,81 +9881,15 @@
           <p:nvPr/>
         </p:nvPicPr>
         <p:blipFill>
-          <a:blip r:embed="rId3">
-            <a:extLst>
-              <a:ext uri="{28A0092B-C50C-407E-A947-70E740481C1C}">
-                <a14:useLocalDpi xmlns:a14="http://schemas.microsoft.com/office/drawing/2010/main" val="0"/>
-              </a:ext>
-            </a:extLst>
-          </a:blip>
+          <a:blip r:embed="rId3"/>
           <a:stretch>
             <a:fillRect/>
           </a:stretch>
         </p:blipFill>
         <p:spPr>
           <a:xfrm>
-            <a:off x="0" y="701448"/>
-            <a:ext cx="7543800" cy="2562225"/>
-          </a:xfrm>
-          <a:prstGeom prst="rect">
-            <a:avLst/>
-          </a:prstGeom>
-        </p:spPr>
-      </p:pic>
-      <p:pic>
-        <p:nvPicPr>
-          <p:cNvPr id="6" name="Picture 5">
-            <a:extLst>
-              <a:ext uri="{FF2B5EF4-FFF2-40B4-BE49-F238E27FC236}">
-                <a16:creationId xmlns:a16="http://schemas.microsoft.com/office/drawing/2014/main" id="{E30F41F8-BE3C-4525-B4D2-D7E0F32AD4AB}"/>
-              </a:ext>
-            </a:extLst>
-          </p:cNvPr>
-          <p:cNvPicPr>
-            <a:picLocks noChangeAspect="1"/>
-          </p:cNvPicPr>
-          <p:nvPr/>
-        </p:nvPicPr>
-        <p:blipFill>
-          <a:blip r:embed="rId4"/>
-          <a:stretch>
-            <a:fillRect/>
-          </a:stretch>
-        </p:blipFill>
-        <p:spPr>
-          <a:xfrm>
-            <a:off x="4926538" y="2831595"/>
-            <a:ext cx="6036214" cy="1743795"/>
-          </a:xfrm>
-          <a:prstGeom prst="rect">
-            <a:avLst/>
-          </a:prstGeom>
-        </p:spPr>
-      </p:pic>
-      <p:pic>
-        <p:nvPicPr>
-          <p:cNvPr id="8" name="Picture 7">
-            <a:extLst>
-              <a:ext uri="{FF2B5EF4-FFF2-40B4-BE49-F238E27FC236}">
-                <a16:creationId xmlns:a16="http://schemas.microsoft.com/office/drawing/2014/main" id="{6B9011D0-2821-4C39-808A-5A1D4AB86904}"/>
-              </a:ext>
-            </a:extLst>
-          </p:cNvPr>
-          <p:cNvPicPr>
-            <a:picLocks noChangeAspect="1"/>
-          </p:cNvPicPr>
-          <p:nvPr/>
-        </p:nvPicPr>
-        <p:blipFill>
-          <a:blip r:embed="rId5"/>
-          <a:stretch>
-            <a:fillRect/>
-          </a:stretch>
-        </p:blipFill>
-        <p:spPr>
-          <a:xfrm>
-            <a:off x="463332" y="5095723"/>
-            <a:ext cx="10674406" cy="596193"/>
+            <a:off x="1964334" y="1041581"/>
+            <a:ext cx="8503527" cy="4369868"/>
           </a:xfrm>
           <a:prstGeom prst="rect">
             <a:avLst/>
@@ -7350,7 +9899,7 @@
     </p:spTree>
     <p:extLst>
       <p:ext uri="{BB962C8B-B14F-4D97-AF65-F5344CB8AC3E}">
-        <p14:creationId xmlns:p14="http://schemas.microsoft.com/office/powerpoint/2010/main" val="3291851927"/>
+        <p14:creationId xmlns:p14="http://schemas.microsoft.com/office/powerpoint/2010/main" val="972700033"/>
       </p:ext>
     </p:extLst>
   </p:cSld>
@@ -7377,66 +9926,40 @@
           <a:chExt cx="0" cy="0"/>
         </a:xfrm>
       </p:grpSpPr>
-      <p:sp>
-        <p:nvSpPr>
-          <p:cNvPr id="2" name="Title 1">
-            <a:extLst>
-              <a:ext uri="{FF2B5EF4-FFF2-40B4-BE49-F238E27FC236}">
-                <a16:creationId xmlns:a16="http://schemas.microsoft.com/office/drawing/2014/main" id="{BA744782-199A-4CB8-8D67-F73C33AC7B4E}"/>
-              </a:ext>
-            </a:extLst>
-          </p:cNvPr>
-          <p:cNvSpPr>
-            <a:spLocks noGrp="1"/>
-          </p:cNvSpPr>
-          <p:nvPr>
-            <p:ph type="title"/>
-          </p:nvPr>
-        </p:nvSpPr>
-        <p:spPr/>
-        <p:txBody>
-          <a:bodyPr/>
-          <a:lstStyle/>
-          <a:p>
-            <a:r>
-              <a:rPr lang="en-GB" dirty="0"/>
-              <a:t>Creating a Document</a:t>
-            </a:r>
-          </a:p>
-        </p:txBody>
-      </p:sp>
-      <p:sp>
-        <p:nvSpPr>
-          <p:cNvPr id="3" name="Content Placeholder 2">
-            <a:extLst>
-              <a:ext uri="{FF2B5EF4-FFF2-40B4-BE49-F238E27FC236}">
-                <a16:creationId xmlns:a16="http://schemas.microsoft.com/office/drawing/2014/main" id="{A02A7197-15B1-4C70-946B-3871217287D4}"/>
-              </a:ext>
-            </a:extLst>
-          </p:cNvPr>
-          <p:cNvSpPr>
-            <a:spLocks noGrp="1"/>
-          </p:cNvSpPr>
-          <p:nvPr>
-            <p:ph idx="1"/>
-          </p:nvPr>
-        </p:nvSpPr>
-        <p:spPr/>
-        <p:txBody>
-          <a:bodyPr/>
-          <a:lstStyle/>
-          <a:p>
-            <a:r>
-              <a:rPr lang="en-GB" dirty="0"/>
-              <a:t>Defining Indexes</a:t>
-            </a:r>
-          </a:p>
-        </p:txBody>
-      </p:sp>
+      <p:pic>
+        <p:nvPicPr>
+          <p:cNvPr id="5" name="Picture 4">
+            <a:extLst>
+              <a:ext uri="{FF2B5EF4-FFF2-40B4-BE49-F238E27FC236}">
+                <a16:creationId xmlns:a16="http://schemas.microsoft.com/office/drawing/2014/main" id="{F3A21E61-1A07-4147-B69A-CF708D06D9ED}"/>
+              </a:ext>
+            </a:extLst>
+          </p:cNvPr>
+          <p:cNvPicPr>
+            <a:picLocks noChangeAspect="1"/>
+          </p:cNvPicPr>
+          <p:nvPr/>
+        </p:nvPicPr>
+        <p:blipFill>
+          <a:blip r:embed="rId3"/>
+          <a:stretch>
+            <a:fillRect/>
+          </a:stretch>
+        </p:blipFill>
+        <p:spPr>
+          <a:xfrm>
+            <a:off x="2266247" y="1575762"/>
+            <a:ext cx="7329786" cy="3550874"/>
+          </a:xfrm>
+          <a:prstGeom prst="rect">
+            <a:avLst/>
+          </a:prstGeom>
+        </p:spPr>
+      </p:pic>
     </p:spTree>
     <p:extLst>
       <p:ext uri="{BB962C8B-B14F-4D97-AF65-F5344CB8AC3E}">
-        <p14:creationId xmlns:p14="http://schemas.microsoft.com/office/powerpoint/2010/main" val="258880553"/>
+        <p14:creationId xmlns:p14="http://schemas.microsoft.com/office/powerpoint/2010/main" val="3885979692"/>
       </p:ext>
     </p:extLst>
   </p:cSld>

--- a/Elastic Search Talk.pptx
+++ b/Elastic Search Talk.pptx
@@ -223,7 +223,7 @@
           <a:p>
             <a:fld id="{01AEA828-5CD8-4937-BC8B-3CEA43AB888F}" type="datetimeFigureOut">
               <a:rPr lang="en-GB" smtClean="0"/>
-              <a:t>28/05/2018</a:t>
+              <a:t>29/05/2018</a:t>
             </a:fld>
             <a:endParaRPr lang="en-GB"/>
           </a:p>
@@ -1884,6 +1884,148 @@
               <a:t> only servers.</a:t>
             </a:r>
           </a:p>
+          <a:p>
+            <a:endParaRPr lang="en-GB" dirty="0"/>
+          </a:p>
+          <a:p>
+            <a:r>
+              <a:rPr lang="en-GB" dirty="0"/>
+              <a:t>Show config in </a:t>
+            </a:r>
+            <a:r>
+              <a:rPr lang="en-GB" dirty="0" err="1"/>
+              <a:t>iis</a:t>
+            </a:r>
+            <a:r>
+              <a:rPr lang="en-GB" dirty="0"/>
+              <a:t> manager</a:t>
+            </a:r>
+          </a:p>
+          <a:p>
+            <a:endParaRPr lang="en-GB" dirty="0"/>
+          </a:p>
+          <a:p>
+            <a:pPr marL="0" marR="0" lvl="0" indent="0" algn="l" defTabSz="914400" rtl="0" eaLnBrk="1" fontAlgn="auto" latinLnBrk="0" hangingPunct="1">
+              <a:lnSpc>
+                <a:spcPct val="100000"/>
+              </a:lnSpc>
+              <a:spcBef>
+                <a:spcPts val="0"/>
+              </a:spcBef>
+              <a:spcAft>
+                <a:spcPts val="0"/>
+              </a:spcAft>
+              <a:buClrTx/>
+              <a:buSzTx/>
+              <a:buFontTx/>
+              <a:buNone/>
+              <a:tabLst/>
+              <a:defRPr/>
+            </a:pPr>
+            <a:r>
+              <a:rPr lang="en-GB" sz="1200" kern="1200" dirty="0">
+                <a:solidFill>
+                  <a:schemeClr val="tx1"/>
+                </a:solidFill>
+                <a:effectLst/>
+                <a:latin typeface="+mn-lt"/>
+                <a:ea typeface="+mn-ea"/>
+                <a:cs typeface="+mn-cs"/>
+              </a:rPr>
+              <a:t>cd F:\logstash-6.2.2\bin</a:t>
+            </a:r>
+          </a:p>
+          <a:p>
+            <a:pPr marL="0" marR="0" lvl="0" indent="0" algn="l" defTabSz="914400" rtl="0" eaLnBrk="1" fontAlgn="auto" latinLnBrk="0" hangingPunct="1">
+              <a:lnSpc>
+                <a:spcPct val="100000"/>
+              </a:lnSpc>
+              <a:spcBef>
+                <a:spcPts val="0"/>
+              </a:spcBef>
+              <a:spcAft>
+                <a:spcPts val="0"/>
+              </a:spcAft>
+              <a:buClrTx/>
+              <a:buSzTx/>
+              <a:buFontTx/>
+              <a:buNone/>
+              <a:tabLst/>
+              <a:defRPr/>
+            </a:pPr>
+            <a:r>
+              <a:rPr lang="en-GB" sz="1200" kern="1200" dirty="0">
+                <a:solidFill>
+                  <a:schemeClr val="tx1"/>
+                </a:solidFill>
+                <a:effectLst/>
+                <a:latin typeface="+mn-lt"/>
+                <a:ea typeface="+mn-ea"/>
+                <a:cs typeface="+mn-cs"/>
+              </a:rPr>
+              <a:t>.\</a:t>
+            </a:r>
+            <a:r>
+              <a:rPr lang="en-GB" sz="1200" kern="1200" dirty="0" err="1">
+                <a:solidFill>
+                  <a:schemeClr val="tx1"/>
+                </a:solidFill>
+                <a:effectLst/>
+                <a:latin typeface="+mn-lt"/>
+                <a:ea typeface="+mn-ea"/>
+                <a:cs typeface="+mn-cs"/>
+              </a:rPr>
+              <a:t>logstash</a:t>
+            </a:r>
+            <a:r>
+              <a:rPr lang="en-GB" sz="1200" kern="1200" dirty="0">
+                <a:solidFill>
+                  <a:schemeClr val="tx1"/>
+                </a:solidFill>
+                <a:effectLst/>
+                <a:latin typeface="+mn-lt"/>
+                <a:ea typeface="+mn-ea"/>
+                <a:cs typeface="+mn-cs"/>
+              </a:rPr>
+              <a:t> -f ..\</a:t>
+            </a:r>
+            <a:r>
+              <a:rPr lang="en-GB" sz="1200" kern="1200" dirty="0" err="1">
+                <a:solidFill>
+                  <a:schemeClr val="tx1"/>
+                </a:solidFill>
+                <a:effectLst/>
+                <a:latin typeface="+mn-lt"/>
+                <a:ea typeface="+mn-ea"/>
+                <a:cs typeface="+mn-cs"/>
+              </a:rPr>
+              <a:t>demo_conf</a:t>
+            </a:r>
+            <a:endParaRPr lang="en-GB" sz="1200" kern="1200" dirty="0">
+              <a:solidFill>
+                <a:schemeClr val="tx1"/>
+              </a:solidFill>
+              <a:effectLst/>
+              <a:latin typeface="+mn-lt"/>
+              <a:ea typeface="+mn-ea"/>
+              <a:cs typeface="+mn-cs"/>
+            </a:endParaRPr>
+          </a:p>
+          <a:p>
+            <a:endParaRPr lang="en-GB" dirty="0"/>
+          </a:p>
+          <a:p>
+            <a:r>
+              <a:rPr lang="en-GB" dirty="0"/>
+              <a:t>Load data</a:t>
+            </a:r>
+          </a:p>
+          <a:p>
+            <a:r>
+              <a:rPr lang="en-GB"/>
+              <a:t>Show on map</a:t>
+            </a:r>
+          </a:p>
         </p:txBody>
       </p:sp>
       <p:sp>
@@ -1996,6 +2138,57 @@
               <a:rPr lang="en-GB" dirty="0" err="1"/>
               <a:t>WinLogBeat</a:t>
             </a:r>
+            <a:endParaRPr lang="en-GB" dirty="0"/>
+          </a:p>
+          <a:p>
+            <a:endParaRPr lang="en-GB" dirty="0"/>
+          </a:p>
+          <a:p>
+            <a:r>
+              <a:rPr lang="en-GB" dirty="0"/>
+              <a:t>Cd into C:\Code\Elastic Search Talk\Software\winlogbeat-6.2.4-windows-x86_64</a:t>
+            </a:r>
+          </a:p>
+          <a:p>
+            <a:r>
+              <a:rPr lang="en-GB" dirty="0"/>
+              <a:t>Show </a:t>
+            </a:r>
+            <a:r>
+              <a:rPr lang="en-GB" dirty="0" err="1"/>
+              <a:t>winlogbeat.yml</a:t>
+            </a:r>
+            <a:r>
+              <a:rPr lang="en-GB" dirty="0"/>
+              <a:t>   (event logs + setup dashboard)</a:t>
+            </a:r>
+          </a:p>
+          <a:p>
+            <a:r>
+              <a:rPr lang="en-GB" dirty="0"/>
+              <a:t>./winlogbeat.exe -c </a:t>
+            </a:r>
+            <a:r>
+              <a:rPr lang="en-GB" dirty="0" err="1"/>
+              <a:t>winlogbeat.yml</a:t>
+            </a:r>
+            <a:endParaRPr lang="en-GB" dirty="0"/>
+          </a:p>
+          <a:p>
+            <a:r>
+              <a:rPr lang="en-GB" dirty="0"/>
+              <a:t>Show results in </a:t>
+            </a:r>
+            <a:r>
+              <a:rPr lang="en-GB" dirty="0" err="1"/>
+              <a:t>Kinaban</a:t>
+            </a:r>
+            <a:r>
+              <a:rPr lang="en-GB" dirty="0"/>
+              <a:t> (watch out data range)</a:t>
+            </a:r>
+          </a:p>
+          <a:p>
             <a:endParaRPr lang="en-GB" dirty="0"/>
           </a:p>
           <a:p>
@@ -3873,7 +4066,7 @@
           <a:p>
             <a:fld id="{55A080D0-3795-4F02-BAAA-BB4B6EB6B790}" type="datetimeFigureOut">
               <a:rPr lang="en-GB" smtClean="0"/>
-              <a:t>28/05/2018</a:t>
+              <a:t>29/05/2018</a:t>
             </a:fld>
             <a:endParaRPr lang="en-GB"/>
           </a:p>
@@ -4073,7 +4266,7 @@
           <a:p>
             <a:fld id="{55A080D0-3795-4F02-BAAA-BB4B6EB6B790}" type="datetimeFigureOut">
               <a:rPr lang="en-GB" smtClean="0"/>
-              <a:t>28/05/2018</a:t>
+              <a:t>29/05/2018</a:t>
             </a:fld>
             <a:endParaRPr lang="en-GB"/>
           </a:p>
@@ -4283,7 +4476,7 @@
           <a:p>
             <a:fld id="{55A080D0-3795-4F02-BAAA-BB4B6EB6B790}" type="datetimeFigureOut">
               <a:rPr lang="en-GB" smtClean="0"/>
-              <a:t>28/05/2018</a:t>
+              <a:t>29/05/2018</a:t>
             </a:fld>
             <a:endParaRPr lang="en-GB"/>
           </a:p>
@@ -4483,7 +4676,7 @@
           <a:p>
             <a:fld id="{55A080D0-3795-4F02-BAAA-BB4B6EB6B790}" type="datetimeFigureOut">
               <a:rPr lang="en-GB" smtClean="0"/>
-              <a:t>28/05/2018</a:t>
+              <a:t>29/05/2018</a:t>
             </a:fld>
             <a:endParaRPr lang="en-GB"/>
           </a:p>
@@ -4759,7 +4952,7 @@
           <a:p>
             <a:fld id="{55A080D0-3795-4F02-BAAA-BB4B6EB6B790}" type="datetimeFigureOut">
               <a:rPr lang="en-GB" smtClean="0"/>
-              <a:t>28/05/2018</a:t>
+              <a:t>29/05/2018</a:t>
             </a:fld>
             <a:endParaRPr lang="en-GB"/>
           </a:p>
@@ -5027,7 +5220,7 @@
           <a:p>
             <a:fld id="{55A080D0-3795-4F02-BAAA-BB4B6EB6B790}" type="datetimeFigureOut">
               <a:rPr lang="en-GB" smtClean="0"/>
-              <a:t>28/05/2018</a:t>
+              <a:t>29/05/2018</a:t>
             </a:fld>
             <a:endParaRPr lang="en-GB"/>
           </a:p>
@@ -5442,7 +5635,7 @@
           <a:p>
             <a:fld id="{55A080D0-3795-4F02-BAAA-BB4B6EB6B790}" type="datetimeFigureOut">
               <a:rPr lang="en-GB" smtClean="0"/>
-              <a:t>28/05/2018</a:t>
+              <a:t>29/05/2018</a:t>
             </a:fld>
             <a:endParaRPr lang="en-GB"/>
           </a:p>
@@ -5584,7 +5777,7 @@
           <a:p>
             <a:fld id="{55A080D0-3795-4F02-BAAA-BB4B6EB6B790}" type="datetimeFigureOut">
               <a:rPr lang="en-GB" smtClean="0"/>
-              <a:t>28/05/2018</a:t>
+              <a:t>29/05/2018</a:t>
             </a:fld>
             <a:endParaRPr lang="en-GB"/>
           </a:p>
@@ -5697,7 +5890,7 @@
           <a:p>
             <a:fld id="{55A080D0-3795-4F02-BAAA-BB4B6EB6B790}" type="datetimeFigureOut">
               <a:rPr lang="en-GB" smtClean="0"/>
-              <a:t>28/05/2018</a:t>
+              <a:t>29/05/2018</a:t>
             </a:fld>
             <a:endParaRPr lang="en-GB"/>
           </a:p>
@@ -6010,7 +6203,7 @@
           <a:p>
             <a:fld id="{55A080D0-3795-4F02-BAAA-BB4B6EB6B790}" type="datetimeFigureOut">
               <a:rPr lang="en-GB" smtClean="0"/>
-              <a:t>28/05/2018</a:t>
+              <a:t>29/05/2018</a:t>
             </a:fld>
             <a:endParaRPr lang="en-GB"/>
           </a:p>
@@ -6299,7 +6492,7 @@
           <a:p>
             <a:fld id="{55A080D0-3795-4F02-BAAA-BB4B6EB6B790}" type="datetimeFigureOut">
               <a:rPr lang="en-GB" smtClean="0"/>
-              <a:t>28/05/2018</a:t>
+              <a:t>29/05/2018</a:t>
             </a:fld>
             <a:endParaRPr lang="en-GB"/>
           </a:p>
@@ -6542,7 +6735,7 @@
           <a:p>
             <a:fld id="{55A080D0-3795-4F02-BAAA-BB4B6EB6B790}" type="datetimeFigureOut">
               <a:rPr lang="en-GB" smtClean="0"/>
-              <a:t>28/05/2018</a:t>
+              <a:t>29/05/2018</a:t>
             </a:fld>
             <a:endParaRPr lang="en-GB"/>
           </a:p>

--- a/Elastic Search Talk.pptx
+++ b/Elastic Search Talk.pptx
@@ -223,7 +223,7 @@
           <a:p>
             <a:fld id="{01AEA828-5CD8-4937-BC8B-3CEA43AB888F}" type="datetimeFigureOut">
               <a:rPr lang="en-GB" smtClean="0"/>
-              <a:t>29/05/2018</a:t>
+              <a:t>01/06/2018</a:t>
             </a:fld>
             <a:endParaRPr lang="en-GB"/>
           </a:p>
@@ -535,16 +535,7 @@
           <a:bodyPr/>
           <a:lstStyle/>
           <a:p>
-            <a:r>
-              <a:rPr lang="en-GB" dirty="0"/>
-              <a:t>I’ve worked in the software industry for the past 20 years,  coding in C# and using Microsoft’s SQL Server for storage</a:t>
-            </a:r>
-          </a:p>
-          <a:p>
-            <a:r>
-              <a:rPr lang="en-GB" dirty="0"/>
-              <a:t>Recently we’ve been looking at other solutions such as Elastic Search in order to solve some of our performance issues.</a:t>
-            </a:r>
+            <a:endParaRPr lang="en-GB" dirty="0"/>
           </a:p>
         </p:txBody>
       </p:sp>
@@ -732,403 +723,21 @@
               <a:tabLst/>
               <a:defRPr/>
             </a:pPr>
+            <a:endParaRPr lang="en-GB" dirty="0"/>
+          </a:p>
+          <a:p>
             <a:r>
               <a:rPr lang="en-GB" dirty="0"/>
-              <a:t>This starts running</a:t>
-            </a:r>
-          </a:p>
-          <a:p>
-            <a:pPr marL="0" marR="0" lvl="0" indent="0" algn="l" defTabSz="914400" rtl="0" eaLnBrk="1" fontAlgn="auto" latinLnBrk="0" hangingPunct="1">
-              <a:lnSpc>
-                <a:spcPct val="100000"/>
-              </a:lnSpc>
-              <a:spcBef>
-                <a:spcPts val="0"/>
-              </a:spcBef>
-              <a:spcAft>
-                <a:spcPts val="0"/>
-              </a:spcAft>
-              <a:buClrTx/>
-              <a:buSzTx/>
-              <a:buFontTx/>
-              <a:buNone/>
-              <a:tabLst/>
-              <a:defRPr/>
-            </a:pPr>
-            <a:endParaRPr lang="en-GB" dirty="0"/>
-          </a:p>
-          <a:p>
-            <a:pPr marL="0" marR="0" lvl="0" indent="0" algn="l" defTabSz="914400" rtl="0" eaLnBrk="1" fontAlgn="auto" latinLnBrk="0" hangingPunct="1">
-              <a:lnSpc>
-                <a:spcPct val="100000"/>
-              </a:lnSpc>
-              <a:spcBef>
-                <a:spcPts val="0"/>
-              </a:spcBef>
-              <a:spcAft>
-                <a:spcPts val="0"/>
-              </a:spcAft>
-              <a:buClrTx/>
-              <a:buSzTx/>
-              <a:buFontTx/>
-              <a:buNone/>
-              <a:tabLst/>
-              <a:defRPr/>
-            </a:pPr>
+              <a:t>docker run –p 5601:5601 –p 9200:9200 –p 5044:4044 –it -–name elk </a:t>
+            </a:r>
+            <a:r>
+              <a:rPr lang="en-GB" dirty="0" err="1"/>
+              <a:t>sebp</a:t>
+            </a:r>
             <a:r>
               <a:rPr lang="en-GB" dirty="0"/>
-              <a:t>Elastic Search</a:t>
-            </a:r>
-          </a:p>
-          <a:p>
-            <a:pPr marL="0" marR="0" lvl="0" indent="0" algn="l" defTabSz="914400" rtl="0" eaLnBrk="1" fontAlgn="auto" latinLnBrk="0" hangingPunct="1">
-              <a:lnSpc>
-                <a:spcPct val="100000"/>
-              </a:lnSpc>
-              <a:spcBef>
-                <a:spcPts val="0"/>
-              </a:spcBef>
-              <a:spcAft>
-                <a:spcPts val="0"/>
-              </a:spcAft>
-              <a:buClrTx/>
-              <a:buSzTx/>
-              <a:buFontTx/>
-              <a:buNone/>
-              <a:tabLst/>
-              <a:defRPr/>
-            </a:pPr>
-            <a:r>
-              <a:rPr lang="en-GB" dirty="0"/>
-              <a:t>Log Stash (5044)</a:t>
-            </a:r>
-          </a:p>
-          <a:p>
-            <a:pPr marL="0" marR="0" lvl="0" indent="0" algn="l" defTabSz="914400" rtl="0" eaLnBrk="1" fontAlgn="auto" latinLnBrk="0" hangingPunct="1">
-              <a:lnSpc>
-                <a:spcPct val="100000"/>
-              </a:lnSpc>
-              <a:spcBef>
-                <a:spcPts val="0"/>
-              </a:spcBef>
-              <a:spcAft>
-                <a:spcPts val="0"/>
-              </a:spcAft>
-              <a:buClrTx/>
-              <a:buSzTx/>
-              <a:buFontTx/>
-              <a:buNone/>
-              <a:tabLst/>
-              <a:defRPr/>
-            </a:pPr>
-            <a:r>
-              <a:rPr lang="en-GB" dirty="0"/>
-              <a:t>And Kibana (5601)</a:t>
-            </a:r>
-          </a:p>
-          <a:p>
-            <a:pPr marL="0" marR="0" lvl="0" indent="0" algn="l" defTabSz="914400" rtl="0" eaLnBrk="1" fontAlgn="auto" latinLnBrk="0" hangingPunct="1">
-              <a:lnSpc>
-                <a:spcPct val="100000"/>
-              </a:lnSpc>
-              <a:spcBef>
-                <a:spcPts val="0"/>
-              </a:spcBef>
-              <a:spcAft>
-                <a:spcPts val="0"/>
-              </a:spcAft>
-              <a:buClrTx/>
-              <a:buSzTx/>
-              <a:buFontTx/>
-              <a:buNone/>
-              <a:tabLst/>
-              <a:defRPr/>
-            </a:pPr>
-            <a:endParaRPr lang="en-GB" dirty="0"/>
-          </a:p>
-          <a:p>
-            <a:pPr marL="0" marR="0" lvl="0" indent="0" algn="l" defTabSz="914400" rtl="0" eaLnBrk="1" fontAlgn="auto" latinLnBrk="0" hangingPunct="1">
-              <a:lnSpc>
-                <a:spcPct val="100000"/>
-              </a:lnSpc>
-              <a:spcBef>
-                <a:spcPts val="0"/>
-              </a:spcBef>
-              <a:spcAft>
-                <a:spcPts val="0"/>
-              </a:spcAft>
-              <a:buClrTx/>
-              <a:buSzTx/>
-              <a:buFontTx/>
-              <a:buNone/>
-              <a:tabLst/>
-              <a:defRPr/>
-            </a:pPr>
-            <a:r>
-              <a:rPr lang="en-GB" dirty="0"/>
-              <a:t>We will just look at Elastic Search for the moment.</a:t>
-            </a:r>
-          </a:p>
-          <a:p>
-            <a:pPr marL="0" marR="0" lvl="0" indent="0" algn="l" defTabSz="914400" rtl="0" eaLnBrk="1" fontAlgn="auto" latinLnBrk="0" hangingPunct="1">
-              <a:lnSpc>
-                <a:spcPct val="100000"/>
-              </a:lnSpc>
-              <a:spcBef>
-                <a:spcPts val="0"/>
-              </a:spcBef>
-              <a:spcAft>
-                <a:spcPts val="0"/>
-              </a:spcAft>
-              <a:buClrTx/>
-              <a:buSzTx/>
-              <a:buFontTx/>
-              <a:buNone/>
-              <a:tabLst/>
-              <a:defRPr/>
-            </a:pPr>
-            <a:endParaRPr lang="en-GB" dirty="0"/>
-          </a:p>
-          <a:p>
-            <a:pPr marL="0" marR="0" lvl="0" indent="0" algn="l" defTabSz="914400" rtl="0" eaLnBrk="1" fontAlgn="auto" latinLnBrk="0" hangingPunct="1">
-              <a:lnSpc>
-                <a:spcPct val="100000"/>
-              </a:lnSpc>
-              <a:spcBef>
-                <a:spcPts val="0"/>
-              </a:spcBef>
-              <a:spcAft>
-                <a:spcPts val="0"/>
-              </a:spcAft>
-              <a:buClrTx/>
-              <a:buSzTx/>
-              <a:buFontTx/>
-              <a:buNone/>
-              <a:tabLst/>
-              <a:defRPr/>
-            </a:pPr>
-            <a:r>
-              <a:rPr lang="en-GB" dirty="0"/>
-              <a:t>Show   http://localhost:9200/</a:t>
-            </a:r>
-          </a:p>
-          <a:p>
-            <a:pPr marL="0" marR="0" lvl="0" indent="0" algn="l" defTabSz="914400" rtl="0" eaLnBrk="1" fontAlgn="auto" latinLnBrk="0" hangingPunct="1">
-              <a:lnSpc>
-                <a:spcPct val="100000"/>
-              </a:lnSpc>
-              <a:spcBef>
-                <a:spcPts val="0"/>
-              </a:spcBef>
-              <a:spcAft>
-                <a:spcPts val="0"/>
-              </a:spcAft>
-              <a:buClrTx/>
-              <a:buSzTx/>
-              <a:buFontTx/>
-              <a:buNone/>
-              <a:tabLst/>
-              <a:defRPr/>
-            </a:pPr>
-            <a:r>
-              <a:rPr lang="en-GB" dirty="0"/>
-              <a:t>We can see the version number and basic cluster info.</a:t>
-            </a:r>
-          </a:p>
-          <a:p>
-            <a:pPr marL="0" marR="0" lvl="0" indent="0" algn="l" defTabSz="914400" rtl="0" eaLnBrk="1" fontAlgn="auto" latinLnBrk="0" hangingPunct="1">
-              <a:lnSpc>
-                <a:spcPct val="100000"/>
-              </a:lnSpc>
-              <a:spcBef>
-                <a:spcPts val="0"/>
-              </a:spcBef>
-              <a:spcAft>
-                <a:spcPts val="0"/>
-              </a:spcAft>
-              <a:buClrTx/>
-              <a:buSzTx/>
-              <a:buFontTx/>
-              <a:buNone/>
-              <a:tabLst/>
-              <a:defRPr/>
-            </a:pPr>
-            <a:r>
-              <a:rPr lang="en-GB" dirty="0"/>
-              <a:t>Elastic Search is built on top of lucence.</a:t>
-            </a:r>
-          </a:p>
-          <a:p>
-            <a:pPr marL="0" marR="0" lvl="0" indent="0" algn="l" defTabSz="914400" rtl="0" eaLnBrk="1" fontAlgn="auto" latinLnBrk="0" hangingPunct="1">
-              <a:lnSpc>
-                <a:spcPct val="100000"/>
-              </a:lnSpc>
-              <a:spcBef>
-                <a:spcPts val="0"/>
-              </a:spcBef>
-              <a:spcAft>
-                <a:spcPts val="0"/>
-              </a:spcAft>
-              <a:buClrTx/>
-              <a:buSzTx/>
-              <a:buFontTx/>
-              <a:buNone/>
-              <a:tabLst/>
-              <a:defRPr/>
-            </a:pPr>
-            <a:endParaRPr lang="en-GB" dirty="0"/>
-          </a:p>
-          <a:p>
-            <a:pPr marL="0" marR="0" lvl="0" indent="0" algn="l" defTabSz="914400" rtl="0" eaLnBrk="1" fontAlgn="auto" latinLnBrk="0" hangingPunct="1">
-              <a:lnSpc>
-                <a:spcPct val="100000"/>
-              </a:lnSpc>
-              <a:spcBef>
-                <a:spcPts val="0"/>
-              </a:spcBef>
-              <a:spcAft>
-                <a:spcPts val="0"/>
-              </a:spcAft>
-              <a:buClrTx/>
-              <a:buSzTx/>
-              <a:buFontTx/>
-              <a:buNone/>
-              <a:tabLst/>
-              <a:defRPr/>
-            </a:pPr>
-            <a:r>
-              <a:rPr lang="en-GB" dirty="0"/>
-              <a:t>Communication can be done via REST calls,  for example to view the health of our 1 node cluster</a:t>
-            </a:r>
-          </a:p>
-          <a:p>
-            <a:pPr marL="0" marR="0" lvl="0" indent="0" algn="l" defTabSz="914400" rtl="0" eaLnBrk="1" fontAlgn="auto" latinLnBrk="0" hangingPunct="1">
-              <a:lnSpc>
-                <a:spcPct val="100000"/>
-              </a:lnSpc>
-              <a:spcBef>
-                <a:spcPts val="0"/>
-              </a:spcBef>
-              <a:spcAft>
-                <a:spcPts val="0"/>
-              </a:spcAft>
-              <a:buClrTx/>
-              <a:buSzTx/>
-              <a:buFontTx/>
-              <a:buNone/>
-              <a:tabLst/>
-              <a:defRPr/>
-            </a:pPr>
-            <a:r>
-              <a:rPr lang="en-GB" dirty="0"/>
-              <a:t>http://localhost:9200/_cluster/health</a:t>
-            </a:r>
-          </a:p>
-          <a:p>
-            <a:pPr marL="0" marR="0" lvl="0" indent="0" algn="l" defTabSz="914400" rtl="0" eaLnBrk="1" fontAlgn="auto" latinLnBrk="0" hangingPunct="1">
-              <a:lnSpc>
-                <a:spcPct val="100000"/>
-              </a:lnSpc>
-              <a:spcBef>
-                <a:spcPts val="0"/>
-              </a:spcBef>
-              <a:spcAft>
-                <a:spcPts val="0"/>
-              </a:spcAft>
-              <a:buClrTx/>
-              <a:buSzTx/>
-              <a:buFontTx/>
-              <a:buNone/>
-              <a:tabLst/>
-              <a:defRPr/>
-            </a:pPr>
-            <a:endParaRPr lang="en-GB" dirty="0"/>
-          </a:p>
-          <a:p>
-            <a:pPr marL="0" marR="0" lvl="0" indent="0" algn="l" defTabSz="914400" rtl="0" eaLnBrk="1" fontAlgn="auto" latinLnBrk="0" hangingPunct="1">
-              <a:lnSpc>
-                <a:spcPct val="100000"/>
-              </a:lnSpc>
-              <a:spcBef>
-                <a:spcPts val="0"/>
-              </a:spcBef>
-              <a:spcAft>
-                <a:spcPts val="0"/>
-              </a:spcAft>
-              <a:buClrTx/>
-              <a:buSzTx/>
-              <a:buFontTx/>
-              <a:buNone/>
-              <a:tabLst/>
-              <a:defRPr/>
-            </a:pPr>
-            <a:endParaRPr lang="en-GB" dirty="0"/>
-          </a:p>
-          <a:p>
-            <a:pPr marL="0" marR="0" lvl="0" indent="0" algn="l" defTabSz="914400" rtl="0" eaLnBrk="1" fontAlgn="auto" latinLnBrk="0" hangingPunct="1">
-              <a:lnSpc>
-                <a:spcPct val="100000"/>
-              </a:lnSpc>
-              <a:spcBef>
-                <a:spcPts val="0"/>
-              </a:spcBef>
-              <a:spcAft>
-                <a:spcPts val="0"/>
-              </a:spcAft>
-              <a:buClrTx/>
-              <a:buSzTx/>
-              <a:buFontTx/>
-              <a:buNone/>
-              <a:tabLst/>
-              <a:defRPr/>
-            </a:pPr>
-            <a:endParaRPr lang="en-GB" dirty="0"/>
-          </a:p>
-          <a:p>
-            <a:pPr marL="0" marR="0" lvl="0" indent="0" algn="l" defTabSz="914400" rtl="0" eaLnBrk="1" fontAlgn="auto" latinLnBrk="0" hangingPunct="1">
-              <a:lnSpc>
-                <a:spcPct val="100000"/>
-              </a:lnSpc>
-              <a:spcBef>
-                <a:spcPts val="0"/>
-              </a:spcBef>
-              <a:spcAft>
-                <a:spcPts val="0"/>
-              </a:spcAft>
-              <a:buClrTx/>
-              <a:buSzTx/>
-              <a:buFontTx/>
-              <a:buNone/>
-              <a:tabLst/>
-              <a:defRPr/>
-            </a:pPr>
-            <a:endParaRPr lang="en-GB" dirty="0"/>
-          </a:p>
-          <a:p>
-            <a:pPr marL="0" marR="0" lvl="0" indent="0" algn="l" defTabSz="914400" rtl="0" eaLnBrk="1" fontAlgn="auto" latinLnBrk="0" hangingPunct="1">
-              <a:lnSpc>
-                <a:spcPct val="100000"/>
-              </a:lnSpc>
-              <a:spcBef>
-                <a:spcPts val="0"/>
-              </a:spcBef>
-              <a:spcAft>
-                <a:spcPts val="0"/>
-              </a:spcAft>
-              <a:buClrTx/>
-              <a:buSzTx/>
-              <a:buFontTx/>
-              <a:buNone/>
-              <a:tabLst/>
-              <a:defRPr/>
-            </a:pPr>
-            <a:r>
-              <a:rPr lang="en-GB" dirty="0"/>
-              <a:t>Stemming etc</a:t>
-            </a:r>
-          </a:p>
-          <a:p>
-            <a:endParaRPr lang="en-GB" dirty="0"/>
+              <a:t>/elk</a:t>
+            </a:r>
           </a:p>
         </p:txBody>
       </p:sp>
@@ -2282,54 +1891,7 @@
           <a:bodyPr/>
           <a:lstStyle/>
           <a:p>
-            <a:r>
-              <a:rPr lang="en-GB" dirty="0"/>
-              <a:t>Tonight we will be looking at Elastic Search from the point of view of a dot net developer.  If this was a Java meetup then this would be a different talk!</a:t>
-            </a:r>
-          </a:p>
-          <a:p>
             <a:endParaRPr lang="en-GB" dirty="0"/>
-          </a:p>
-          <a:p>
-            <a:r>
-              <a:rPr lang="en-GB" dirty="0"/>
-              <a:t>What issues do we have with </a:t>
-            </a:r>
-            <a:r>
-              <a:rPr lang="en-GB" dirty="0" err="1"/>
-              <a:t>SQLServer</a:t>
-            </a:r>
-            <a:r>
-              <a:rPr lang="en-GB" dirty="0"/>
-              <a:t> which we like to solve</a:t>
-            </a:r>
-          </a:p>
-          <a:p>
-            <a:endParaRPr lang="en-GB" dirty="0"/>
-          </a:p>
-          <a:p>
-            <a:r>
-              <a:rPr lang="en-GB" dirty="0"/>
-              <a:t>What is elastic search</a:t>
-            </a:r>
-          </a:p>
-          <a:p>
-            <a:endParaRPr lang="en-GB" dirty="0"/>
-          </a:p>
-          <a:p>
-            <a:r>
-              <a:rPr lang="en-GB" dirty="0"/>
-              <a:t>How do we get started   / install/query</a:t>
-            </a:r>
-          </a:p>
-          <a:p>
-            <a:endParaRPr lang="en-GB" dirty="0"/>
-          </a:p>
-          <a:p>
-            <a:r>
-              <a:rPr lang="en-GB" dirty="0"/>
-              <a:t>Does it solve our problems</a:t>
-            </a:r>
           </a:p>
         </p:txBody>
       </p:sp>
@@ -2680,30 +2242,7 @@
           <a:bodyPr/>
           <a:lstStyle/>
           <a:p>
-            <a:r>
-              <a:rPr lang="en-GB" dirty="0"/>
-              <a:t>So you are some coding,  getting stuck as usual which requires you to use google and </a:t>
-            </a:r>
-            <a:r>
-              <a:rPr lang="en-GB" dirty="0" err="1"/>
-              <a:t>stackoverflow</a:t>
-            </a:r>
-            <a:r>
-              <a:rPr lang="en-GB" dirty="0"/>
-              <a:t> to find various answers</a:t>
-            </a:r>
-          </a:p>
-          <a:p>
-            <a:r>
-              <a:rPr lang="en-GB" dirty="0"/>
-              <a:t>However,  then disaster strikes,  you lose your internet connection</a:t>
-            </a:r>
-          </a:p>
-          <a:p>
-            <a:r>
-              <a:rPr lang="en-GB" dirty="0"/>
-              <a:t>You can no longer use stack overflow.</a:t>
-            </a:r>
+            <a:endParaRPr lang="en-GB" dirty="0"/>
           </a:p>
         </p:txBody>
       </p:sp>
@@ -2787,33 +2326,7 @@
           <a:bodyPr/>
           <a:lstStyle/>
           <a:p>
-            <a:r>
-              <a:rPr lang="en-GB" dirty="0"/>
-              <a:t>To enable you to work offline I’ve download a </a:t>
-            </a:r>
-            <a:r>
-              <a:rPr lang="en-GB" dirty="0" err="1"/>
-              <a:t>SQLServer</a:t>
-            </a:r>
-            <a:r>
-              <a:rPr lang="en-GB" dirty="0"/>
-              <a:t> database containing 10GB of questions + answers</a:t>
-            </a:r>
-          </a:p>
-          <a:p>
-            <a:r>
-              <a:rPr lang="en-GB" dirty="0"/>
-              <a:t>And written an windows form application in order to query it.</a:t>
-            </a:r>
-          </a:p>
-          <a:p>
             <a:endParaRPr lang="en-GB" dirty="0"/>
-          </a:p>
-          <a:p>
-            <a:r>
-              <a:rPr lang="en-GB" dirty="0"/>
-              <a:t>Demo application</a:t>
-            </a:r>
           </a:p>
         </p:txBody>
       </p:sp>
@@ -2897,557 +2410,6 @@
           <a:bodyPr/>
           <a:lstStyle/>
           <a:p>
-            <a:r>
-              <a:rPr lang="en-GB" dirty="0"/>
-              <a:t>Look at the database in SSMS  (StackOverflow2010)</a:t>
-            </a:r>
-          </a:p>
-          <a:p>
-            <a:r>
-              <a:rPr lang="en-GB" dirty="0"/>
-              <a:t>Point out the size and main tables  (Posts and Comments)</a:t>
-            </a:r>
-          </a:p>
-          <a:p>
-            <a:r>
-              <a:rPr lang="en-GB" dirty="0"/>
-              <a:t>Our tables just have indexes on the ID</a:t>
-            </a:r>
-          </a:p>
-          <a:p>
-            <a:r>
-              <a:rPr lang="en-GB" dirty="0"/>
-              <a:t>Do count(*) to get the number of rows</a:t>
-            </a:r>
-          </a:p>
-          <a:p>
-            <a:endParaRPr lang="en-GB" dirty="0"/>
-          </a:p>
-          <a:p>
-            <a:r>
-              <a:rPr lang="en-GB" sz="1200" kern="1200" dirty="0">
-                <a:solidFill>
-                  <a:schemeClr val="tx1"/>
-                </a:solidFill>
-                <a:latin typeface="+mn-lt"/>
-                <a:ea typeface="+mn-ea"/>
-                <a:cs typeface="+mn-cs"/>
-              </a:rPr>
-              <a:t>select </a:t>
-            </a:r>
-            <a:r>
-              <a:rPr lang="en-GB" sz="1200" kern="1200" dirty="0" err="1">
-                <a:solidFill>
-                  <a:schemeClr val="tx1"/>
-                </a:solidFill>
-                <a:latin typeface="+mn-lt"/>
-                <a:ea typeface="+mn-ea"/>
-                <a:cs typeface="+mn-cs"/>
-              </a:rPr>
-              <a:t>rowcnt</a:t>
-            </a:r>
-            <a:r>
-              <a:rPr lang="en-GB" sz="1200" kern="1200" dirty="0">
-                <a:solidFill>
-                  <a:schemeClr val="tx1"/>
-                </a:solidFill>
-                <a:latin typeface="+mn-lt"/>
-                <a:ea typeface="+mn-ea"/>
-                <a:cs typeface="+mn-cs"/>
-              </a:rPr>
-              <a:t> from </a:t>
-            </a:r>
-            <a:r>
-              <a:rPr lang="en-GB" sz="1200" kern="1200" dirty="0" err="1">
-                <a:solidFill>
-                  <a:schemeClr val="tx1"/>
-                </a:solidFill>
-                <a:latin typeface="+mn-lt"/>
-                <a:ea typeface="+mn-ea"/>
-                <a:cs typeface="+mn-cs"/>
-              </a:rPr>
-              <a:t>sysindexes</a:t>
-            </a:r>
-            <a:r>
-              <a:rPr lang="en-GB" sz="1200" kern="1200" dirty="0">
-                <a:solidFill>
-                  <a:schemeClr val="tx1"/>
-                </a:solidFill>
-                <a:latin typeface="+mn-lt"/>
-                <a:ea typeface="+mn-ea"/>
-                <a:cs typeface="+mn-cs"/>
-              </a:rPr>
-              <a:t> where OBJECT_NAME(id) = 'Posts'</a:t>
-            </a:r>
-          </a:p>
-          <a:p>
-            <a:r>
-              <a:rPr lang="en-GB" sz="1200" kern="1200" dirty="0">
-                <a:solidFill>
-                  <a:schemeClr val="tx1"/>
-                </a:solidFill>
-                <a:latin typeface="+mn-lt"/>
-                <a:ea typeface="+mn-ea"/>
-                <a:cs typeface="+mn-cs"/>
-              </a:rPr>
-              <a:t>select </a:t>
-            </a:r>
-            <a:r>
-              <a:rPr lang="en-GB" sz="1200" kern="1200" dirty="0" err="1">
-                <a:solidFill>
-                  <a:schemeClr val="tx1"/>
-                </a:solidFill>
-                <a:latin typeface="+mn-lt"/>
-                <a:ea typeface="+mn-ea"/>
-                <a:cs typeface="+mn-cs"/>
-              </a:rPr>
-              <a:t>rowcnt</a:t>
-            </a:r>
-            <a:r>
-              <a:rPr lang="en-GB" sz="1200" kern="1200" dirty="0">
-                <a:solidFill>
-                  <a:schemeClr val="tx1"/>
-                </a:solidFill>
-                <a:latin typeface="+mn-lt"/>
-                <a:ea typeface="+mn-ea"/>
-                <a:cs typeface="+mn-cs"/>
-              </a:rPr>
-              <a:t> from </a:t>
-            </a:r>
-            <a:r>
-              <a:rPr lang="en-GB" sz="1200" kern="1200" dirty="0" err="1">
-                <a:solidFill>
-                  <a:schemeClr val="tx1"/>
-                </a:solidFill>
-                <a:latin typeface="+mn-lt"/>
-                <a:ea typeface="+mn-ea"/>
-                <a:cs typeface="+mn-cs"/>
-              </a:rPr>
-              <a:t>sysindexes</a:t>
-            </a:r>
-            <a:r>
-              <a:rPr lang="en-GB" sz="1200" kern="1200" dirty="0">
-                <a:solidFill>
-                  <a:schemeClr val="tx1"/>
-                </a:solidFill>
-                <a:latin typeface="+mn-lt"/>
-                <a:ea typeface="+mn-ea"/>
-                <a:cs typeface="+mn-cs"/>
-              </a:rPr>
-              <a:t> where OBJECT_NAME(id) = 'Comments’</a:t>
-            </a:r>
-            <a:endParaRPr lang="en-GB" dirty="0"/>
-          </a:p>
-          <a:p>
-            <a:endParaRPr lang="en-GB" dirty="0"/>
-          </a:p>
-          <a:p>
-            <a:r>
-              <a:rPr lang="en-GB" dirty="0"/>
-              <a:t>Show that without any indexes,  querying the data will be very slow</a:t>
-            </a:r>
-          </a:p>
-          <a:p>
-            <a:endParaRPr lang="en-GB" dirty="0"/>
-          </a:p>
-          <a:p>
-            <a:r>
-              <a:rPr lang="en-GB" sz="1200" kern="1200" dirty="0">
-                <a:solidFill>
-                  <a:schemeClr val="tx1"/>
-                </a:solidFill>
-                <a:latin typeface="+mn-lt"/>
-                <a:ea typeface="+mn-ea"/>
-                <a:cs typeface="+mn-cs"/>
-              </a:rPr>
-              <a:t>select top 10 *</a:t>
-            </a:r>
-          </a:p>
-          <a:p>
-            <a:r>
-              <a:rPr lang="en-GB" sz="1200" kern="1200" dirty="0">
-                <a:solidFill>
-                  <a:schemeClr val="tx1"/>
-                </a:solidFill>
-                <a:latin typeface="+mn-lt"/>
-                <a:ea typeface="+mn-ea"/>
-                <a:cs typeface="+mn-cs"/>
-              </a:rPr>
-              <a:t>  from </a:t>
-            </a:r>
-            <a:r>
-              <a:rPr lang="en-GB" sz="1200" kern="1200" dirty="0" err="1">
-                <a:solidFill>
-                  <a:schemeClr val="tx1"/>
-                </a:solidFill>
-                <a:latin typeface="+mn-lt"/>
-                <a:ea typeface="+mn-ea"/>
-                <a:cs typeface="+mn-cs"/>
-              </a:rPr>
-              <a:t>dbo.Posts</a:t>
-            </a:r>
-            <a:endParaRPr lang="en-GB" sz="1200" kern="1200" dirty="0">
-              <a:solidFill>
-                <a:schemeClr val="tx1"/>
-              </a:solidFill>
-              <a:latin typeface="+mn-lt"/>
-              <a:ea typeface="+mn-ea"/>
-              <a:cs typeface="+mn-cs"/>
-            </a:endParaRPr>
-          </a:p>
-          <a:p>
-            <a:r>
-              <a:rPr lang="en-GB" sz="1200" kern="1200" dirty="0">
-                <a:solidFill>
-                  <a:schemeClr val="tx1"/>
-                </a:solidFill>
-                <a:latin typeface="+mn-lt"/>
-                <a:ea typeface="+mn-ea"/>
-                <a:cs typeface="+mn-cs"/>
-              </a:rPr>
-              <a:t>  where </a:t>
-            </a:r>
-            <a:r>
-              <a:rPr lang="en-GB" sz="1200" kern="1200" dirty="0" err="1">
-                <a:solidFill>
-                  <a:schemeClr val="tx1"/>
-                </a:solidFill>
-                <a:latin typeface="+mn-lt"/>
-                <a:ea typeface="+mn-ea"/>
-                <a:cs typeface="+mn-cs"/>
-              </a:rPr>
-              <a:t>LastEditorDisplayName</a:t>
-            </a:r>
-            <a:r>
-              <a:rPr lang="en-GB" sz="1200" kern="1200" dirty="0">
-                <a:solidFill>
-                  <a:schemeClr val="tx1"/>
-                </a:solidFill>
-                <a:latin typeface="+mn-lt"/>
-                <a:ea typeface="+mn-ea"/>
-                <a:cs typeface="+mn-cs"/>
-              </a:rPr>
-              <a:t> = 'David’</a:t>
-            </a:r>
-          </a:p>
-          <a:p>
-            <a:endParaRPr lang="en-GB" sz="1200" kern="1200" dirty="0">
-              <a:solidFill>
-                <a:schemeClr val="tx1"/>
-              </a:solidFill>
-              <a:latin typeface="+mn-lt"/>
-              <a:ea typeface="+mn-ea"/>
-              <a:cs typeface="+mn-cs"/>
-            </a:endParaRPr>
-          </a:p>
-          <a:p>
-            <a:r>
-              <a:rPr lang="en-GB" sz="1200" kern="1200" dirty="0">
-                <a:solidFill>
-                  <a:schemeClr val="tx1"/>
-                </a:solidFill>
-                <a:latin typeface="+mn-lt"/>
-                <a:ea typeface="+mn-ea"/>
-                <a:cs typeface="+mn-cs"/>
-              </a:rPr>
-              <a:t>Estimated Query shows that every row will be examined (clustered index scan)</a:t>
-            </a:r>
-          </a:p>
-          <a:p>
-            <a:endParaRPr lang="en-GB" sz="1200" kern="1200" dirty="0">
-              <a:solidFill>
-                <a:schemeClr val="tx1"/>
-              </a:solidFill>
-              <a:latin typeface="+mn-lt"/>
-              <a:ea typeface="+mn-ea"/>
-              <a:cs typeface="+mn-cs"/>
-            </a:endParaRPr>
-          </a:p>
-          <a:p>
-            <a:r>
-              <a:rPr lang="en-GB" sz="1200" kern="1200" dirty="0">
-                <a:solidFill>
-                  <a:schemeClr val="tx1"/>
-                </a:solidFill>
-                <a:latin typeface="+mn-lt"/>
-                <a:ea typeface="+mn-ea"/>
-                <a:cs typeface="+mn-cs"/>
-              </a:rPr>
-              <a:t>We could create indexes,  but on which columns,  as we might want to search by any of them.</a:t>
-            </a:r>
-          </a:p>
-          <a:p>
-            <a:endParaRPr lang="en-GB" sz="1200" kern="1200" dirty="0">
-              <a:solidFill>
-                <a:schemeClr val="tx1"/>
-              </a:solidFill>
-              <a:latin typeface="+mn-lt"/>
-              <a:ea typeface="+mn-ea"/>
-              <a:cs typeface="+mn-cs"/>
-            </a:endParaRPr>
-          </a:p>
-          <a:p>
-            <a:endParaRPr lang="en-GB" sz="1200" kern="1200" dirty="0">
-              <a:solidFill>
-                <a:schemeClr val="tx1"/>
-              </a:solidFill>
-              <a:latin typeface="+mn-lt"/>
-              <a:ea typeface="+mn-ea"/>
-              <a:cs typeface="+mn-cs"/>
-            </a:endParaRPr>
-          </a:p>
-          <a:p>
-            <a:r>
-              <a:rPr lang="en-GB" sz="1200" kern="1200" dirty="0">
-                <a:solidFill>
-                  <a:schemeClr val="tx1"/>
-                </a:solidFill>
-                <a:latin typeface="+mn-lt"/>
-                <a:ea typeface="+mn-ea"/>
-                <a:cs typeface="+mn-cs"/>
-              </a:rPr>
-              <a:t>Even then we can’t create an index on the main content field.</a:t>
-            </a:r>
-          </a:p>
-          <a:p>
-            <a:endParaRPr lang="en-GB" sz="1200" kern="1200" dirty="0">
-              <a:solidFill>
-                <a:schemeClr val="tx1"/>
-              </a:solidFill>
-              <a:latin typeface="+mn-lt"/>
-              <a:ea typeface="+mn-ea"/>
-              <a:cs typeface="+mn-cs"/>
-            </a:endParaRPr>
-          </a:p>
-          <a:p>
-            <a:r>
-              <a:rPr lang="en-GB" sz="1200" kern="1200" dirty="0">
-                <a:solidFill>
-                  <a:schemeClr val="tx1"/>
-                </a:solidFill>
-                <a:latin typeface="+mn-lt"/>
-                <a:ea typeface="+mn-ea"/>
-                <a:cs typeface="+mn-cs"/>
-              </a:rPr>
-              <a:t>select top 10 *</a:t>
-            </a:r>
-          </a:p>
-          <a:p>
-            <a:r>
-              <a:rPr lang="en-GB" sz="1200" kern="1200" dirty="0">
-                <a:solidFill>
-                  <a:schemeClr val="tx1"/>
-                </a:solidFill>
-                <a:latin typeface="+mn-lt"/>
-                <a:ea typeface="+mn-ea"/>
-                <a:cs typeface="+mn-cs"/>
-              </a:rPr>
-              <a:t>  from </a:t>
-            </a:r>
-            <a:r>
-              <a:rPr lang="en-GB" sz="1200" kern="1200" dirty="0" err="1">
-                <a:solidFill>
-                  <a:schemeClr val="tx1"/>
-                </a:solidFill>
-                <a:latin typeface="+mn-lt"/>
-                <a:ea typeface="+mn-ea"/>
-                <a:cs typeface="+mn-cs"/>
-              </a:rPr>
-              <a:t>dbo.Posts</a:t>
-            </a:r>
-            <a:r>
-              <a:rPr lang="en-GB" sz="1200" kern="1200" dirty="0">
-                <a:solidFill>
-                  <a:schemeClr val="tx1"/>
-                </a:solidFill>
-                <a:latin typeface="+mn-lt"/>
-                <a:ea typeface="+mn-ea"/>
-                <a:cs typeface="+mn-cs"/>
-              </a:rPr>
-              <a:t> P</a:t>
-            </a:r>
-          </a:p>
-          <a:p>
-            <a:r>
-              <a:rPr lang="en-GB" sz="1200" kern="1200" dirty="0">
-                <a:solidFill>
-                  <a:schemeClr val="tx1"/>
-                </a:solidFill>
-                <a:latin typeface="+mn-lt"/>
-                <a:ea typeface="+mn-ea"/>
-                <a:cs typeface="+mn-cs"/>
-              </a:rPr>
-              <a:t> where lower(</a:t>
-            </a:r>
-            <a:r>
-              <a:rPr lang="en-GB" sz="1200" kern="1200" dirty="0" err="1">
-                <a:solidFill>
-                  <a:schemeClr val="tx1"/>
-                </a:solidFill>
-                <a:latin typeface="+mn-lt"/>
-                <a:ea typeface="+mn-ea"/>
-                <a:cs typeface="+mn-cs"/>
-              </a:rPr>
-              <a:t>P.Body</a:t>
-            </a:r>
-            <a:r>
-              <a:rPr lang="en-GB" sz="1200" kern="1200" dirty="0">
-                <a:solidFill>
-                  <a:schemeClr val="tx1"/>
-                </a:solidFill>
-                <a:latin typeface="+mn-lt"/>
-                <a:ea typeface="+mn-ea"/>
-                <a:cs typeface="+mn-cs"/>
-              </a:rPr>
-              <a:t>) like 'c%’</a:t>
-            </a:r>
-          </a:p>
-          <a:p>
-            <a:endParaRPr lang="en-GB" sz="1200" kern="1200" dirty="0">
-              <a:solidFill>
-                <a:schemeClr val="tx1"/>
-              </a:solidFill>
-              <a:latin typeface="+mn-lt"/>
-              <a:ea typeface="+mn-ea"/>
-              <a:cs typeface="+mn-cs"/>
-            </a:endParaRPr>
-          </a:p>
-          <a:p>
-            <a:r>
-              <a:rPr lang="en-GB" sz="1200" kern="1200" dirty="0">
-                <a:solidFill>
-                  <a:schemeClr val="tx1"/>
-                </a:solidFill>
-                <a:latin typeface="+mn-lt"/>
-                <a:ea typeface="+mn-ea"/>
-                <a:cs typeface="+mn-cs"/>
-              </a:rPr>
-              <a:t>We want to do a case-</a:t>
-            </a:r>
-            <a:r>
-              <a:rPr lang="en-GB" sz="1200" kern="1200" dirty="0" err="1">
-                <a:solidFill>
-                  <a:schemeClr val="tx1"/>
-                </a:solidFill>
-                <a:latin typeface="+mn-lt"/>
-                <a:ea typeface="+mn-ea"/>
-                <a:cs typeface="+mn-cs"/>
-              </a:rPr>
-              <a:t>insensisitve</a:t>
-            </a:r>
-            <a:r>
-              <a:rPr lang="en-GB" sz="1200" kern="1200" dirty="0">
-                <a:solidFill>
-                  <a:schemeClr val="tx1"/>
-                </a:solidFill>
-                <a:latin typeface="+mn-lt"/>
-                <a:ea typeface="+mn-ea"/>
-                <a:cs typeface="+mn-cs"/>
-              </a:rPr>
-              <a:t> search so need to convert ever thing to lower case.   Also indexes can’t be used with do are doing a %wild card search</a:t>
-            </a:r>
-          </a:p>
-          <a:p>
-            <a:endParaRPr lang="en-GB" sz="1200" kern="1200" dirty="0">
-              <a:solidFill>
-                <a:schemeClr val="tx1"/>
-              </a:solidFill>
-              <a:latin typeface="+mn-lt"/>
-              <a:ea typeface="+mn-ea"/>
-              <a:cs typeface="+mn-cs"/>
-            </a:endParaRPr>
-          </a:p>
-          <a:p>
-            <a:r>
-              <a:rPr lang="en-GB" sz="1200" kern="1200" dirty="0">
-                <a:solidFill>
-                  <a:schemeClr val="tx1"/>
-                </a:solidFill>
-                <a:latin typeface="+mn-lt"/>
-                <a:ea typeface="+mn-ea"/>
-                <a:cs typeface="+mn-cs"/>
-              </a:rPr>
-              <a:t>We could use full text search in </a:t>
-            </a:r>
-            <a:r>
-              <a:rPr lang="en-GB" sz="1200" kern="1200" dirty="0" err="1">
-                <a:solidFill>
-                  <a:schemeClr val="tx1"/>
-                </a:solidFill>
-                <a:latin typeface="+mn-lt"/>
-                <a:ea typeface="+mn-ea"/>
-                <a:cs typeface="+mn-cs"/>
-              </a:rPr>
-              <a:t>SQLServer</a:t>
-            </a:r>
-            <a:r>
-              <a:rPr lang="en-GB" sz="1200" kern="1200" dirty="0">
-                <a:solidFill>
-                  <a:schemeClr val="tx1"/>
-                </a:solidFill>
-                <a:latin typeface="+mn-lt"/>
-                <a:ea typeface="+mn-ea"/>
-                <a:cs typeface="+mn-cs"/>
-              </a:rPr>
-              <a:t>,  but it’s limited in features and performance.</a:t>
-            </a:r>
-          </a:p>
-          <a:p>
-            <a:endParaRPr lang="en-GB" sz="1200" kern="1200" dirty="0">
-              <a:solidFill>
-                <a:schemeClr val="tx1"/>
-              </a:solidFill>
-              <a:latin typeface="+mn-lt"/>
-              <a:ea typeface="+mn-ea"/>
-              <a:cs typeface="+mn-cs"/>
-            </a:endParaRPr>
-          </a:p>
-          <a:p>
-            <a:r>
-              <a:rPr lang="en-GB" sz="1200" kern="1200" dirty="0">
-                <a:solidFill>
-                  <a:schemeClr val="tx1"/>
-                </a:solidFill>
-                <a:latin typeface="+mn-lt"/>
-                <a:ea typeface="+mn-ea"/>
-                <a:cs typeface="+mn-cs"/>
-              </a:rPr>
-              <a:t>Finally, scale, the full stack overflow database is over 130GB,  without any indexes.  You can split </a:t>
-            </a:r>
-            <a:r>
-              <a:rPr lang="en-GB" sz="1200" kern="1200" dirty="0" err="1">
-                <a:solidFill>
-                  <a:schemeClr val="tx1"/>
-                </a:solidFill>
-                <a:latin typeface="+mn-lt"/>
-                <a:ea typeface="+mn-ea"/>
-                <a:cs typeface="+mn-cs"/>
-              </a:rPr>
-              <a:t>sql</a:t>
-            </a:r>
-            <a:r>
-              <a:rPr lang="en-GB" sz="1200" kern="1200" dirty="0">
-                <a:solidFill>
-                  <a:schemeClr val="tx1"/>
-                </a:solidFill>
-                <a:latin typeface="+mn-lt"/>
-                <a:ea typeface="+mn-ea"/>
-                <a:cs typeface="+mn-cs"/>
-              </a:rPr>
-              <a:t> server over multiple database but there are complications.</a:t>
-            </a:r>
-          </a:p>
-          <a:p>
-            <a:endParaRPr lang="en-GB" sz="1200" kern="1200" dirty="0">
-              <a:solidFill>
-                <a:schemeClr val="tx1"/>
-              </a:solidFill>
-              <a:latin typeface="+mn-lt"/>
-              <a:ea typeface="+mn-ea"/>
-              <a:cs typeface="+mn-cs"/>
-            </a:endParaRPr>
-          </a:p>
-          <a:p>
             <a:endParaRPr lang="en-GB" dirty="0"/>
           </a:p>
         </p:txBody>
@@ -3531,42 +2493,6 @@
         <p:txBody>
           <a:bodyPr/>
           <a:lstStyle/>
-          <a:p>
-            <a:r>
-              <a:rPr lang="en-GB" dirty="0"/>
-              <a:t>So to summarise,  we have three problems</a:t>
-            </a:r>
-          </a:p>
-          <a:p>
-            <a:endParaRPr lang="en-GB" dirty="0"/>
-          </a:p>
-          <a:p>
-            <a:pPr marL="228600" indent="-228600">
-              <a:buAutoNum type="arabicPeriod"/>
-            </a:pPr>
-            <a:r>
-              <a:rPr lang="en-GB" dirty="0"/>
-              <a:t>The ability to be able to search across multiple fields</a:t>
-            </a:r>
-          </a:p>
-          <a:p>
-            <a:pPr marL="228600" indent="-228600">
-              <a:buAutoNum type="arabicPeriod"/>
-            </a:pPr>
-            <a:r>
-              <a:rPr lang="en-GB" dirty="0"/>
-              <a:t>The ability to be able to search within a block of text</a:t>
-            </a:r>
-          </a:p>
-          <a:p>
-            <a:pPr marL="228600" indent="-228600">
-              <a:buAutoNum type="arabicPeriod"/>
-            </a:pPr>
-            <a:r>
-              <a:rPr lang="en-GB" dirty="0"/>
-              <a:t>The ability to scale out across multiple machines</a:t>
-            </a:r>
-          </a:p>
           <a:p>
             <a:endParaRPr lang="en-GB" dirty="0"/>
           </a:p>
@@ -4066,7 +2992,7 @@
           <a:p>
             <a:fld id="{55A080D0-3795-4F02-BAAA-BB4B6EB6B790}" type="datetimeFigureOut">
               <a:rPr lang="en-GB" smtClean="0"/>
-              <a:t>29/05/2018</a:t>
+              <a:t>01/06/2018</a:t>
             </a:fld>
             <a:endParaRPr lang="en-GB"/>
           </a:p>
@@ -4266,7 +3192,7 @@
           <a:p>
             <a:fld id="{55A080D0-3795-4F02-BAAA-BB4B6EB6B790}" type="datetimeFigureOut">
               <a:rPr lang="en-GB" smtClean="0"/>
-              <a:t>29/05/2018</a:t>
+              <a:t>01/06/2018</a:t>
             </a:fld>
             <a:endParaRPr lang="en-GB"/>
           </a:p>
@@ -4476,7 +3402,7 @@
           <a:p>
             <a:fld id="{55A080D0-3795-4F02-BAAA-BB4B6EB6B790}" type="datetimeFigureOut">
               <a:rPr lang="en-GB" smtClean="0"/>
-              <a:t>29/05/2018</a:t>
+              <a:t>01/06/2018</a:t>
             </a:fld>
             <a:endParaRPr lang="en-GB"/>
           </a:p>
@@ -4676,7 +3602,7 @@
           <a:p>
             <a:fld id="{55A080D0-3795-4F02-BAAA-BB4B6EB6B790}" type="datetimeFigureOut">
               <a:rPr lang="en-GB" smtClean="0"/>
-              <a:t>29/05/2018</a:t>
+              <a:t>01/06/2018</a:t>
             </a:fld>
             <a:endParaRPr lang="en-GB"/>
           </a:p>
@@ -4952,7 +3878,7 @@
           <a:p>
             <a:fld id="{55A080D0-3795-4F02-BAAA-BB4B6EB6B790}" type="datetimeFigureOut">
               <a:rPr lang="en-GB" smtClean="0"/>
-              <a:t>29/05/2018</a:t>
+              <a:t>01/06/2018</a:t>
             </a:fld>
             <a:endParaRPr lang="en-GB"/>
           </a:p>
@@ -5220,7 +4146,7 @@
           <a:p>
             <a:fld id="{55A080D0-3795-4F02-BAAA-BB4B6EB6B790}" type="datetimeFigureOut">
               <a:rPr lang="en-GB" smtClean="0"/>
-              <a:t>29/05/2018</a:t>
+              <a:t>01/06/2018</a:t>
             </a:fld>
             <a:endParaRPr lang="en-GB"/>
           </a:p>
@@ -5635,7 +4561,7 @@
           <a:p>
             <a:fld id="{55A080D0-3795-4F02-BAAA-BB4B6EB6B790}" type="datetimeFigureOut">
               <a:rPr lang="en-GB" smtClean="0"/>
-              <a:t>29/05/2018</a:t>
+              <a:t>01/06/2018</a:t>
             </a:fld>
             <a:endParaRPr lang="en-GB"/>
           </a:p>
@@ -5777,7 +4703,7 @@
           <a:p>
             <a:fld id="{55A080D0-3795-4F02-BAAA-BB4B6EB6B790}" type="datetimeFigureOut">
               <a:rPr lang="en-GB" smtClean="0"/>
-              <a:t>29/05/2018</a:t>
+              <a:t>01/06/2018</a:t>
             </a:fld>
             <a:endParaRPr lang="en-GB"/>
           </a:p>
@@ -5890,7 +4816,7 @@
           <a:p>
             <a:fld id="{55A080D0-3795-4F02-BAAA-BB4B6EB6B790}" type="datetimeFigureOut">
               <a:rPr lang="en-GB" smtClean="0"/>
-              <a:t>29/05/2018</a:t>
+              <a:t>01/06/2018</a:t>
             </a:fld>
             <a:endParaRPr lang="en-GB"/>
           </a:p>
@@ -6203,7 +5129,7 @@
           <a:p>
             <a:fld id="{55A080D0-3795-4F02-BAAA-BB4B6EB6B790}" type="datetimeFigureOut">
               <a:rPr lang="en-GB" smtClean="0"/>
-              <a:t>29/05/2018</a:t>
+              <a:t>01/06/2018</a:t>
             </a:fld>
             <a:endParaRPr lang="en-GB"/>
           </a:p>
@@ -6492,7 +5418,7 @@
           <a:p>
             <a:fld id="{55A080D0-3795-4F02-BAAA-BB4B6EB6B790}" type="datetimeFigureOut">
               <a:rPr lang="en-GB" smtClean="0"/>
-              <a:t>29/05/2018</a:t>
+              <a:t>01/06/2018</a:t>
             </a:fld>
             <a:endParaRPr lang="en-GB"/>
           </a:p>
@@ -6735,7 +5661,7 @@
           <a:p>
             <a:fld id="{55A080D0-3795-4F02-BAAA-BB4B6EB6B790}" type="datetimeFigureOut">
               <a:rPr lang="en-GB" smtClean="0"/>
-              <a:t>29/05/2018</a:t>
+              <a:t>01/06/2018</a:t>
             </a:fld>
             <a:endParaRPr lang="en-GB"/>
           </a:p>
@@ -9091,7 +8017,7 @@
             <a:pPr algn="ctr"/>
             <a:r>
               <a:rPr lang="en-GB" dirty="0"/>
-              <a:t>Requirement</a:t>
+              <a:t>The Story</a:t>
             </a:r>
           </a:p>
         </p:txBody>

--- a/Elastic Search Talk.pptx
+++ b/Elastic Search Talk.pptx
@@ -24,9 +24,9 @@
     <p:sldId id="272" r:id="rId15"/>
     <p:sldId id="273" r:id="rId16"/>
     <p:sldId id="276" r:id="rId17"/>
-    <p:sldId id="274" r:id="rId18"/>
-    <p:sldId id="275" r:id="rId19"/>
-    <p:sldId id="261" r:id="rId20"/>
+    <p:sldId id="261" r:id="rId18"/>
+    <p:sldId id="274" r:id="rId19"/>
+    <p:sldId id="275" r:id="rId20"/>
     <p:sldId id="277" r:id="rId21"/>
     <p:sldId id="264" r:id="rId22"/>
     <p:sldId id="260" r:id="rId23"/>
@@ -1111,43 +1111,6 @@
           <a:bodyPr/>
           <a:lstStyle/>
           <a:p>
-            <a:r>
-              <a:rPr lang="en-GB" dirty="0"/>
-              <a:t>So to summarise</a:t>
-            </a:r>
-          </a:p>
-          <a:p>
-            <a:endParaRPr lang="en-GB" dirty="0"/>
-          </a:p>
-          <a:p>
-            <a:r>
-              <a:rPr lang="en-GB" dirty="0"/>
-              <a:t>The NEST Client is most developer friendly and is built using the </a:t>
-            </a:r>
-            <a:r>
-              <a:rPr lang="en-GB" dirty="0" err="1"/>
-              <a:t>ElastisSearch.Net</a:t>
-            </a:r>
-            <a:r>
-              <a:rPr lang="en-GB" dirty="0"/>
-              <a:t> client</a:t>
-            </a:r>
-          </a:p>
-          <a:p>
-            <a:r>
-              <a:rPr lang="en-GB" dirty="0"/>
-              <a:t>The </a:t>
-            </a:r>
-            <a:r>
-              <a:rPr lang="en-GB" dirty="0" err="1"/>
-              <a:t>ElastisSearch.Net</a:t>
-            </a:r>
-            <a:r>
-              <a:rPr lang="en-GB" dirty="0"/>
-              <a:t> client can do everything that the REST client can do,  built from it’s specification</a:t>
-            </a:r>
-          </a:p>
-          <a:p>
             <a:endParaRPr lang="en-GB" dirty="0"/>
           </a:p>
         </p:txBody>
@@ -1320,25 +1283,51 @@
           <a:lstStyle/>
           <a:p>
             <a:r>
+              <a:rPr lang="en-GB" b="1" dirty="0"/>
+              <a:t>Centralize, Transform &amp; Stash Your Data</a:t>
+            </a:r>
+          </a:p>
+          <a:p>
+            <a:r>
+              <a:rPr lang="en-GB" dirty="0" err="1"/>
+              <a:t>Logstash</a:t>
+            </a:r>
+            <a:r>
               <a:rPr lang="en-GB" dirty="0"/>
-              <a:t>An alternative to Kibana is </a:t>
+              <a:t> is an open source, server-side data processing pipeline that ingests data from a multitude of sources simultaneously, transforms it, and then sends it to your </a:t>
             </a:r>
             <a:r>
               <a:rPr lang="en-GB" dirty="0" err="1"/>
-              <a:t>Grafana</a:t>
+              <a:t>favorite</a:t>
             </a:r>
             <a:r>
               <a:rPr lang="en-GB" dirty="0"/>
-              <a:t>.</a:t>
-            </a:r>
-          </a:p>
-          <a:p>
+              <a:t> “</a:t>
+            </a:r>
+            <a:r>
+              <a:rPr lang="en-GB" dirty="0" err="1"/>
+              <a:t>stas</a:t>
+            </a:r>
             <a:endParaRPr lang="en-GB" dirty="0"/>
           </a:p>
           <a:p>
+            <a:endParaRPr lang="en-GB" dirty="0"/>
+          </a:p>
+          <a:p>
+            <a:endParaRPr lang="en-GB" dirty="0"/>
+          </a:p>
+          <a:p>
             <a:r>
               <a:rPr lang="en-GB" dirty="0"/>
-              <a:t>This allows data to be read from alternative source,  and can query multiple elastic search clusters.</a:t>
+              <a:t>Requires the Java runtime – might be an issue on </a:t>
+            </a:r>
+            <a:r>
+              <a:rPr lang="en-GB" dirty="0" err="1"/>
+              <a:t>dotnet</a:t>
+            </a:r>
+            <a:r>
+              <a:rPr lang="en-GB" dirty="0"/>
+              <a:t> only servers.</a:t>
             </a:r>
           </a:p>
           <a:p>
@@ -1347,20 +1336,140 @@
           <a:p>
             <a:r>
               <a:rPr lang="en-GB" dirty="0"/>
-              <a:t>However as it’s more generic, I don’t find it as good for exploring data.</a:t>
+              <a:t>Show config in </a:t>
+            </a:r>
+            <a:r>
+              <a:rPr lang="en-GB" dirty="0" err="1"/>
+              <a:t>iis</a:t>
+            </a:r>
+            <a:r>
+              <a:rPr lang="en-GB" dirty="0"/>
+              <a:t> manager</a:t>
             </a:r>
           </a:p>
           <a:p>
             <a:endParaRPr lang="en-GB" dirty="0"/>
           </a:p>
           <a:p>
-            <a:r>
-              <a:rPr lang="en-GB" dirty="0" err="1"/>
-              <a:t>Grafana</a:t>
-            </a:r>
+            <a:pPr marL="0" marR="0" lvl="0" indent="0" algn="l" defTabSz="914400" rtl="0" eaLnBrk="1" fontAlgn="auto" latinLnBrk="0" hangingPunct="1">
+              <a:lnSpc>
+                <a:spcPct val="100000"/>
+              </a:lnSpc>
+              <a:spcBef>
+                <a:spcPts val="0"/>
+              </a:spcBef>
+              <a:spcAft>
+                <a:spcPts val="0"/>
+              </a:spcAft>
+              <a:buClrTx/>
+              <a:buSzTx/>
+              <a:buFontTx/>
+              <a:buNone/>
+              <a:tabLst/>
+              <a:defRPr/>
+            </a:pPr>
+            <a:r>
+              <a:rPr lang="en-GB" sz="1200" kern="1200" dirty="0">
+                <a:solidFill>
+                  <a:schemeClr val="tx1"/>
+                </a:solidFill>
+                <a:effectLst/>
+                <a:latin typeface="+mn-lt"/>
+                <a:ea typeface="+mn-ea"/>
+                <a:cs typeface="+mn-cs"/>
+              </a:rPr>
+              <a:t>cd F:\logstash-6.2.2\bin</a:t>
+            </a:r>
+          </a:p>
+          <a:p>
+            <a:pPr marL="0" marR="0" lvl="0" indent="0" algn="l" defTabSz="914400" rtl="0" eaLnBrk="1" fontAlgn="auto" latinLnBrk="0" hangingPunct="1">
+              <a:lnSpc>
+                <a:spcPct val="100000"/>
+              </a:lnSpc>
+              <a:spcBef>
+                <a:spcPts val="0"/>
+              </a:spcBef>
+              <a:spcAft>
+                <a:spcPts val="0"/>
+              </a:spcAft>
+              <a:buClrTx/>
+              <a:buSzTx/>
+              <a:buFontTx/>
+              <a:buNone/>
+              <a:tabLst/>
+              <a:defRPr/>
+            </a:pPr>
+            <a:r>
+              <a:rPr lang="en-GB" sz="1200" kern="1200" dirty="0">
+                <a:solidFill>
+                  <a:schemeClr val="tx1"/>
+                </a:solidFill>
+                <a:effectLst/>
+                <a:latin typeface="+mn-lt"/>
+                <a:ea typeface="+mn-ea"/>
+                <a:cs typeface="+mn-cs"/>
+              </a:rPr>
+              <a:t>.\</a:t>
+            </a:r>
+            <a:r>
+              <a:rPr lang="en-GB" sz="1200" kern="1200" dirty="0" err="1">
+                <a:solidFill>
+                  <a:schemeClr val="tx1"/>
+                </a:solidFill>
+                <a:effectLst/>
+                <a:latin typeface="+mn-lt"/>
+                <a:ea typeface="+mn-ea"/>
+                <a:cs typeface="+mn-cs"/>
+              </a:rPr>
+              <a:t>logstash</a:t>
+            </a:r>
+            <a:r>
+              <a:rPr lang="en-GB" sz="1200" kern="1200" dirty="0">
+                <a:solidFill>
+                  <a:schemeClr val="tx1"/>
+                </a:solidFill>
+                <a:effectLst/>
+                <a:latin typeface="+mn-lt"/>
+                <a:ea typeface="+mn-ea"/>
+                <a:cs typeface="+mn-cs"/>
+              </a:rPr>
+              <a:t> -f ..\</a:t>
+            </a:r>
+            <a:r>
+              <a:rPr lang="en-GB" sz="1200" kern="1200" dirty="0" err="1">
+                <a:solidFill>
+                  <a:schemeClr val="tx1"/>
+                </a:solidFill>
+                <a:effectLst/>
+                <a:latin typeface="+mn-lt"/>
+                <a:ea typeface="+mn-ea"/>
+                <a:cs typeface="+mn-cs"/>
+              </a:rPr>
+              <a:t>demo_conf</a:t>
+            </a:r>
+            <a:endParaRPr lang="en-GB" sz="1200" kern="1200" dirty="0">
+              <a:solidFill>
+                <a:schemeClr val="tx1"/>
+              </a:solidFill>
+              <a:effectLst/>
+              <a:latin typeface="+mn-lt"/>
+              <a:ea typeface="+mn-ea"/>
+              <a:cs typeface="+mn-cs"/>
+            </a:endParaRPr>
+          </a:p>
+          <a:p>
+            <a:endParaRPr lang="en-GB" dirty="0"/>
+          </a:p>
+          <a:p>
             <a:r>
               <a:rPr lang="en-GB" dirty="0"/>
-              <a:t> has decent role based security built in,  Kibana needs the x-pack,  which until recently you had to pay for.</a:t>
+              <a:t>Load data</a:t>
+            </a:r>
+          </a:p>
+          <a:p>
+            <a:r>
+              <a:rPr lang="en-GB" dirty="0"/>
+              <a:t>Show on map</a:t>
             </a:r>
           </a:p>
         </p:txBody>
@@ -1382,7 +1491,7 @@
           <a:p>
             <a:fld id="{90098B67-40B8-4547-BE51-824908E8A1DA}" type="slidenum">
               <a:rPr lang="en-GB" smtClean="0"/>
-              <a:t>18</a:t>
+              <a:t>17</a:t>
             </a:fld>
             <a:endParaRPr lang="en-GB"/>
           </a:p>
@@ -1391,7 +1500,7 @@
     </p:spTree>
     <p:extLst>
       <p:ext uri="{BB962C8B-B14F-4D97-AF65-F5344CB8AC3E}">
-        <p14:creationId xmlns:p14="http://schemas.microsoft.com/office/powerpoint/2010/main" val="551945927"/>
+        <p14:creationId xmlns:p14="http://schemas.microsoft.com/office/powerpoint/2010/main" val="54901862"/>
       </p:ext>
     </p:extLst>
   </p:cSld>
@@ -1445,195 +1554,7 @@
           <a:bodyPr/>
           <a:lstStyle/>
           <a:p>
-            <a:r>
-              <a:rPr lang="en-GB" b="1" dirty="0"/>
-              <a:t>Centralize, Transform &amp; Stash Your Data</a:t>
-            </a:r>
-          </a:p>
-          <a:p>
-            <a:r>
-              <a:rPr lang="en-GB" dirty="0" err="1"/>
-              <a:t>Logstash</a:t>
-            </a:r>
-            <a:r>
-              <a:rPr lang="en-GB" dirty="0"/>
-              <a:t> is an open source, server-side data processing pipeline that ingests data from a multitude of sources simultaneously, transforms it, and then sends it to your </a:t>
-            </a:r>
-            <a:r>
-              <a:rPr lang="en-GB" dirty="0" err="1"/>
-              <a:t>favorite</a:t>
-            </a:r>
-            <a:r>
-              <a:rPr lang="en-GB" dirty="0"/>
-              <a:t> “</a:t>
-            </a:r>
-            <a:r>
-              <a:rPr lang="en-GB" dirty="0" err="1"/>
-              <a:t>stas</a:t>
-            </a:r>
             <a:endParaRPr lang="en-GB" dirty="0"/>
-          </a:p>
-          <a:p>
-            <a:endParaRPr lang="en-GB" dirty="0"/>
-          </a:p>
-          <a:p>
-            <a:endParaRPr lang="en-GB" dirty="0"/>
-          </a:p>
-          <a:p>
-            <a:r>
-              <a:rPr lang="en-GB" dirty="0"/>
-              <a:t>Requires the Java runtime – might be an issue on </a:t>
-            </a:r>
-            <a:r>
-              <a:rPr lang="en-GB" dirty="0" err="1"/>
-              <a:t>dotnet</a:t>
-            </a:r>
-            <a:r>
-              <a:rPr lang="en-GB" dirty="0"/>
-              <a:t> only servers.</a:t>
-            </a:r>
-          </a:p>
-          <a:p>
-            <a:endParaRPr lang="en-GB" dirty="0"/>
-          </a:p>
-          <a:p>
-            <a:r>
-              <a:rPr lang="en-GB" dirty="0"/>
-              <a:t>Show config in </a:t>
-            </a:r>
-            <a:r>
-              <a:rPr lang="en-GB" dirty="0" err="1"/>
-              <a:t>iis</a:t>
-            </a:r>
-            <a:r>
-              <a:rPr lang="en-GB" dirty="0"/>
-              <a:t> manager</a:t>
-            </a:r>
-          </a:p>
-          <a:p>
-            <a:endParaRPr lang="en-GB" dirty="0"/>
-          </a:p>
-          <a:p>
-            <a:pPr marL="0" marR="0" lvl="0" indent="0" algn="l" defTabSz="914400" rtl="0" eaLnBrk="1" fontAlgn="auto" latinLnBrk="0" hangingPunct="1">
-              <a:lnSpc>
-                <a:spcPct val="100000"/>
-              </a:lnSpc>
-              <a:spcBef>
-                <a:spcPts val="0"/>
-              </a:spcBef>
-              <a:spcAft>
-                <a:spcPts val="0"/>
-              </a:spcAft>
-              <a:buClrTx/>
-              <a:buSzTx/>
-              <a:buFontTx/>
-              <a:buNone/>
-              <a:tabLst/>
-              <a:defRPr/>
-            </a:pPr>
-            <a:r>
-              <a:rPr lang="en-GB" sz="1200" kern="1200" dirty="0">
-                <a:solidFill>
-                  <a:schemeClr val="tx1"/>
-                </a:solidFill>
-                <a:effectLst/>
-                <a:latin typeface="+mn-lt"/>
-                <a:ea typeface="+mn-ea"/>
-                <a:cs typeface="+mn-cs"/>
-              </a:rPr>
-              <a:t>cd F:\logstash-6.2.2\bin</a:t>
-            </a:r>
-          </a:p>
-          <a:p>
-            <a:pPr marL="0" marR="0" lvl="0" indent="0" algn="l" defTabSz="914400" rtl="0" eaLnBrk="1" fontAlgn="auto" latinLnBrk="0" hangingPunct="1">
-              <a:lnSpc>
-                <a:spcPct val="100000"/>
-              </a:lnSpc>
-              <a:spcBef>
-                <a:spcPts val="0"/>
-              </a:spcBef>
-              <a:spcAft>
-                <a:spcPts val="0"/>
-              </a:spcAft>
-              <a:buClrTx/>
-              <a:buSzTx/>
-              <a:buFontTx/>
-              <a:buNone/>
-              <a:tabLst/>
-              <a:defRPr/>
-            </a:pPr>
-            <a:r>
-              <a:rPr lang="en-GB" sz="1200" kern="1200" dirty="0">
-                <a:solidFill>
-                  <a:schemeClr val="tx1"/>
-                </a:solidFill>
-                <a:effectLst/>
-                <a:latin typeface="+mn-lt"/>
-                <a:ea typeface="+mn-ea"/>
-                <a:cs typeface="+mn-cs"/>
-              </a:rPr>
-              <a:t>.\</a:t>
-            </a:r>
-            <a:r>
-              <a:rPr lang="en-GB" sz="1200" kern="1200" dirty="0" err="1">
-                <a:solidFill>
-                  <a:schemeClr val="tx1"/>
-                </a:solidFill>
-                <a:effectLst/>
-                <a:latin typeface="+mn-lt"/>
-                <a:ea typeface="+mn-ea"/>
-                <a:cs typeface="+mn-cs"/>
-              </a:rPr>
-              <a:t>logstash</a:t>
-            </a:r>
-            <a:r>
-              <a:rPr lang="en-GB" sz="1200" kern="1200" dirty="0">
-                <a:solidFill>
-                  <a:schemeClr val="tx1"/>
-                </a:solidFill>
-                <a:effectLst/>
-                <a:latin typeface="+mn-lt"/>
-                <a:ea typeface="+mn-ea"/>
-                <a:cs typeface="+mn-cs"/>
-              </a:rPr>
-              <a:t> -f ..\</a:t>
-            </a:r>
-            <a:r>
-              <a:rPr lang="en-GB" sz="1200" kern="1200" dirty="0" err="1">
-                <a:solidFill>
-                  <a:schemeClr val="tx1"/>
-                </a:solidFill>
-                <a:effectLst/>
-                <a:latin typeface="+mn-lt"/>
-                <a:ea typeface="+mn-ea"/>
-                <a:cs typeface="+mn-cs"/>
-              </a:rPr>
-              <a:t>demo_conf</a:t>
-            </a:r>
-            <a:endParaRPr lang="en-GB" sz="1200" kern="1200" dirty="0">
-              <a:solidFill>
-                <a:schemeClr val="tx1"/>
-              </a:solidFill>
-              <a:effectLst/>
-              <a:latin typeface="+mn-lt"/>
-              <a:ea typeface="+mn-ea"/>
-              <a:cs typeface="+mn-cs"/>
-            </a:endParaRPr>
-          </a:p>
-          <a:p>
-            <a:endParaRPr lang="en-GB" dirty="0"/>
-          </a:p>
-          <a:p>
-            <a:r>
-              <a:rPr lang="en-GB" dirty="0"/>
-              <a:t>Load data</a:t>
-            </a:r>
-          </a:p>
-          <a:p>
-            <a:r>
-              <a:rPr lang="en-GB"/>
-              <a:t>Show on map</a:t>
-            </a:r>
           </a:p>
         </p:txBody>
       </p:sp>
@@ -1654,7 +1575,7 @@
           <a:p>
             <a:fld id="{90098B67-40B8-4547-BE51-824908E8A1DA}" type="slidenum">
               <a:rPr lang="en-GB" smtClean="0"/>
-              <a:t>19</a:t>
+              <a:t>18</a:t>
             </a:fld>
             <a:endParaRPr lang="en-GB"/>
           </a:p>
@@ -1663,7 +1584,7 @@
     </p:spTree>
     <p:extLst>
       <p:ext uri="{BB962C8B-B14F-4D97-AF65-F5344CB8AC3E}">
-        <p14:creationId xmlns:p14="http://schemas.microsoft.com/office/powerpoint/2010/main" val="54901862"/>
+        <p14:creationId xmlns:p14="http://schemas.microsoft.com/office/powerpoint/2010/main" val="4098790348"/>
       </p:ext>
     </p:extLst>
   </p:cSld>
@@ -1717,97 +1638,7 @@
           <a:bodyPr/>
           <a:lstStyle/>
           <a:p>
-            <a:r>
-              <a:rPr lang="en-GB" dirty="0"/>
-              <a:t>The </a:t>
-            </a:r>
-            <a:r>
-              <a:rPr lang="en-GB" dirty="0" err="1"/>
-              <a:t>libbeat</a:t>
-            </a:r>
-            <a:r>
-              <a:rPr lang="en-GB" dirty="0"/>
-              <a:t> library is written in </a:t>
-            </a:r>
-            <a:r>
-              <a:rPr lang="en-GB" dirty="0" err="1"/>
-              <a:t>GoLang</a:t>
-            </a:r>
             <a:endParaRPr lang="en-GB" dirty="0"/>
-          </a:p>
-          <a:p>
-            <a:endParaRPr lang="en-GB" dirty="0"/>
-          </a:p>
-          <a:p>
-            <a:r>
-              <a:rPr lang="en-GB" dirty="0"/>
-              <a:t>Demo </a:t>
-            </a:r>
-            <a:r>
-              <a:rPr lang="en-GB" dirty="0" err="1"/>
-              <a:t>WinLogBeat</a:t>
-            </a:r>
-            <a:endParaRPr lang="en-GB" dirty="0"/>
-          </a:p>
-          <a:p>
-            <a:endParaRPr lang="en-GB" dirty="0"/>
-          </a:p>
-          <a:p>
-            <a:r>
-              <a:rPr lang="en-GB" dirty="0"/>
-              <a:t>Cd into C:\Code\Elastic Search Talk\Software\winlogbeat-6.2.4-windows-x86_64</a:t>
-            </a:r>
-          </a:p>
-          <a:p>
-            <a:r>
-              <a:rPr lang="en-GB" dirty="0"/>
-              <a:t>Show </a:t>
-            </a:r>
-            <a:r>
-              <a:rPr lang="en-GB" dirty="0" err="1"/>
-              <a:t>winlogbeat.yml</a:t>
-            </a:r>
-            <a:r>
-              <a:rPr lang="en-GB" dirty="0"/>
-              <a:t>   (event logs + setup dashboard)</a:t>
-            </a:r>
-          </a:p>
-          <a:p>
-            <a:r>
-              <a:rPr lang="en-GB" dirty="0"/>
-              <a:t>./winlogbeat.exe -c </a:t>
-            </a:r>
-            <a:r>
-              <a:rPr lang="en-GB" dirty="0" err="1"/>
-              <a:t>winlogbeat.yml</a:t>
-            </a:r>
-            <a:endParaRPr lang="en-GB" dirty="0"/>
-          </a:p>
-          <a:p>
-            <a:r>
-              <a:rPr lang="en-GB" dirty="0"/>
-              <a:t>Show results in </a:t>
-            </a:r>
-            <a:r>
-              <a:rPr lang="en-GB" dirty="0" err="1"/>
-              <a:t>Kinaban</a:t>
-            </a:r>
-            <a:r>
-              <a:rPr lang="en-GB" dirty="0"/>
-              <a:t> (watch out data range)</a:t>
-            </a:r>
-          </a:p>
-          <a:p>
-            <a:endParaRPr lang="en-GB" dirty="0"/>
-          </a:p>
-          <a:p>
-            <a:endParaRPr lang="en-GB" dirty="0"/>
-          </a:p>
-          <a:p>
-            <a:r>
-              <a:rPr lang="en-GB" dirty="0"/>
-              <a:t>There is an IIS beat coming soon</a:t>
-            </a:r>
           </a:p>
         </p:txBody>
       </p:sp>
@@ -1828,7 +1659,7 @@
           <a:p>
             <a:fld id="{90098B67-40B8-4547-BE51-824908E8A1DA}" type="slidenum">
               <a:rPr lang="en-GB" smtClean="0"/>
-              <a:t>20</a:t>
+              <a:t>19</a:t>
             </a:fld>
             <a:endParaRPr lang="en-GB"/>
           </a:p>
@@ -1837,7 +1668,7 @@
     </p:spTree>
     <p:extLst>
       <p:ext uri="{BB962C8B-B14F-4D97-AF65-F5344CB8AC3E}">
-        <p14:creationId xmlns:p14="http://schemas.microsoft.com/office/powerpoint/2010/main" val="3524294965"/>
+        <p14:creationId xmlns:p14="http://schemas.microsoft.com/office/powerpoint/2010/main" val="551945927"/>
       </p:ext>
     </p:extLst>
   </p:cSld>
@@ -1975,93 +1806,6 @@
           <a:bodyPr/>
           <a:lstStyle/>
           <a:p>
-            <a:r>
-              <a:rPr lang="en-GB" dirty="0"/>
-              <a:t>Which brings us on to security.</a:t>
-            </a:r>
-          </a:p>
-          <a:p>
-            <a:endParaRPr lang="en-GB" dirty="0"/>
-          </a:p>
-          <a:p>
-            <a:r>
-              <a:rPr lang="en-GB" dirty="0"/>
-              <a:t>In the Microsoft world I was used to everything being secured by default.    This isn’t the case with ELK stack.  </a:t>
-            </a:r>
-          </a:p>
-          <a:p>
-            <a:endParaRPr lang="en-GB" dirty="0"/>
-          </a:p>
-          <a:p>
-            <a:r>
-              <a:rPr lang="en-GB" dirty="0"/>
-              <a:t>Do you need security – well that depends on what you are using elastic search for.   Backing the </a:t>
-            </a:r>
-            <a:r>
-              <a:rPr lang="en-GB" dirty="0" err="1"/>
-              <a:t>stackoverflow</a:t>
-            </a:r>
-            <a:r>
-              <a:rPr lang="en-GB" dirty="0"/>
-              <a:t> search client,  then probably not.  This is no different from having an internal </a:t>
-            </a:r>
-            <a:r>
-              <a:rPr lang="en-GB" dirty="0" err="1"/>
-              <a:t>sqlserver</a:t>
-            </a:r>
-            <a:r>
-              <a:rPr lang="en-GB" dirty="0"/>
-              <a:t> database.</a:t>
-            </a:r>
-          </a:p>
-          <a:p>
-            <a:endParaRPr lang="en-GB" dirty="0"/>
-          </a:p>
-          <a:p>
-            <a:r>
-              <a:rPr lang="en-GB" dirty="0"/>
-              <a:t>If you are using it as a logging system,  then yes.  You don’t want people to be able to add/amend/delete logs.</a:t>
-            </a:r>
-          </a:p>
-          <a:p>
-            <a:endParaRPr lang="en-GB" dirty="0"/>
-          </a:p>
-          <a:p>
-            <a:r>
-              <a:rPr lang="en-GB" dirty="0"/>
-              <a:t>When using Kibana,  do you want everyone to see you data?  You can use the </a:t>
-            </a:r>
-            <a:r>
-              <a:rPr lang="en-GB" dirty="0" err="1"/>
-              <a:t>Xpack</a:t>
-            </a:r>
-            <a:r>
-              <a:rPr lang="en-GB" dirty="0"/>
-              <a:t> to restrict what dashboards a person can see,  and if they are allowed to edit them.</a:t>
-            </a:r>
-          </a:p>
-          <a:p>
-            <a:endParaRPr lang="en-GB" dirty="0"/>
-          </a:p>
-          <a:p>
-            <a:r>
-              <a:rPr lang="en-GB" dirty="0"/>
-              <a:t>You could put an API gateway in front of Elastic search.  So your application calls the API gateway,  this verifies you are allowed to make the call,  and the passes the class onto ES.    You would configure ES so that it can only be called from the API gateway.</a:t>
-            </a:r>
-          </a:p>
-          <a:p>
-            <a:endParaRPr lang="en-GB" dirty="0"/>
-          </a:p>
-          <a:p>
-            <a:endParaRPr lang="en-GB" dirty="0"/>
-          </a:p>
-          <a:p>
-            <a:endParaRPr lang="en-GB" dirty="0"/>
-          </a:p>
-          <a:p>
-            <a:endParaRPr lang="en-GB" dirty="0"/>
-          </a:p>
-          <a:p>
             <a:endParaRPr lang="en-GB" dirty="0"/>
           </a:p>
         </p:txBody>
@@ -2083,7 +1827,7 @@
           <a:p>
             <a:fld id="{90098B67-40B8-4547-BE51-824908E8A1DA}" type="slidenum">
               <a:rPr lang="en-GB" smtClean="0"/>
-              <a:t>21</a:t>
+              <a:t>20</a:t>
             </a:fld>
             <a:endParaRPr lang="en-GB"/>
           </a:p>
@@ -2092,7 +1836,7 @@
     </p:spTree>
     <p:extLst>
       <p:ext uri="{BB962C8B-B14F-4D97-AF65-F5344CB8AC3E}">
-        <p14:creationId xmlns:p14="http://schemas.microsoft.com/office/powerpoint/2010/main" val="137990559"/>
+        <p14:creationId xmlns:p14="http://schemas.microsoft.com/office/powerpoint/2010/main" val="3524294965"/>
       </p:ext>
     </p:extLst>
   </p:cSld>
@@ -2146,19 +1890,103 @@
           <a:bodyPr/>
           <a:lstStyle/>
           <a:p>
-            <a:r>
-              <a:rPr lang="en-GB" dirty="0"/>
-              <a:t>Nodes, Shards and replicas</a:t>
-            </a:r>
-          </a:p>
-          <a:p>
             <a:endParaRPr lang="en-GB" dirty="0"/>
           </a:p>
           <a:p>
-            <a:r>
-              <a:rPr lang="en-GB" dirty="0"/>
-              <a:t>Replicas can help read performance</a:t>
-            </a:r>
+            <a:endParaRPr lang="en-GB" dirty="0"/>
+          </a:p>
+          <a:p>
+            <a:endParaRPr lang="en-GB" dirty="0"/>
+          </a:p>
+          <a:p>
+            <a:endParaRPr lang="en-GB" dirty="0"/>
+          </a:p>
+          <a:p>
+            <a:endParaRPr lang="en-GB" dirty="0"/>
+          </a:p>
+        </p:txBody>
+      </p:sp>
+      <p:sp>
+        <p:nvSpPr>
+          <p:cNvPr id="4" name="Slide Number Placeholder 3"/>
+          <p:cNvSpPr>
+            <a:spLocks noGrp="1"/>
+          </p:cNvSpPr>
+          <p:nvPr>
+            <p:ph type="sldNum" sz="quarter" idx="10"/>
+          </p:nvPr>
+        </p:nvSpPr>
+        <p:spPr/>
+        <p:txBody>
+          <a:bodyPr/>
+          <a:lstStyle/>
+          <a:p>
+            <a:fld id="{90098B67-40B8-4547-BE51-824908E8A1DA}" type="slidenum">
+              <a:rPr lang="en-GB" smtClean="0"/>
+              <a:t>21</a:t>
+            </a:fld>
+            <a:endParaRPr lang="en-GB"/>
+          </a:p>
+        </p:txBody>
+      </p:sp>
+    </p:spTree>
+    <p:extLst>
+      <p:ext uri="{BB962C8B-B14F-4D97-AF65-F5344CB8AC3E}">
+        <p14:creationId xmlns:p14="http://schemas.microsoft.com/office/powerpoint/2010/main" val="137990559"/>
+      </p:ext>
+    </p:extLst>
+  </p:cSld>
+  <p:clrMapOvr>
+    <a:masterClrMapping/>
+  </p:clrMapOvr>
+</p:notes>
+</file>
+
+<file path=ppt/notesSlides/notesSlide22.xml><?xml version="1.0" encoding="utf-8"?>
+<p:notes xmlns:a="http://schemas.openxmlformats.org/drawingml/2006/main" xmlns:r="http://schemas.openxmlformats.org/officeDocument/2006/relationships" xmlns:p="http://schemas.openxmlformats.org/presentationml/2006/main">
+  <p:cSld>
+    <p:spTree>
+      <p:nvGrpSpPr>
+        <p:cNvPr id="1" name=""/>
+        <p:cNvGrpSpPr/>
+        <p:nvPr/>
+      </p:nvGrpSpPr>
+      <p:grpSpPr>
+        <a:xfrm>
+          <a:off x="0" y="0"/>
+          <a:ext cx="0" cy="0"/>
+          <a:chOff x="0" y="0"/>
+          <a:chExt cx="0" cy="0"/>
+        </a:xfrm>
+      </p:grpSpPr>
+      <p:sp>
+        <p:nvSpPr>
+          <p:cNvPr id="2" name="Slide Image Placeholder 1"/>
+          <p:cNvSpPr>
+            <a:spLocks noGrp="1" noRot="1" noChangeAspect="1"/>
+          </p:cNvSpPr>
+          <p:nvPr>
+            <p:ph type="sldImg"/>
+          </p:nvPr>
+        </p:nvSpPr>
+        <p:spPr/>
+      </p:sp>
+      <p:sp>
+        <p:nvSpPr>
+          <p:cNvPr id="3" name="Notes Placeholder 2"/>
+          <p:cNvSpPr>
+            <a:spLocks noGrp="1"/>
+          </p:cNvSpPr>
+          <p:nvPr>
+            <p:ph type="body" idx="1"/>
+          </p:nvPr>
+        </p:nvSpPr>
+        <p:spPr/>
+        <p:txBody>
+          <a:bodyPr/>
+          <a:lstStyle/>
+          <a:p>
+            <a:endParaRPr lang="en-GB" dirty="0"/>
           </a:p>
         </p:txBody>
       </p:sp>
@@ -6644,6 +6472,52 @@
           </a:prstGeom>
         </p:spPr>
       </p:pic>
+      <p:sp>
+        <p:nvSpPr>
+          <p:cNvPr id="3" name="TextBox 2">
+            <a:extLst>
+              <a:ext uri="{FF2B5EF4-FFF2-40B4-BE49-F238E27FC236}">
+                <a16:creationId xmlns:a16="http://schemas.microsoft.com/office/drawing/2014/main" id="{06DAB2C0-0BC8-4D03-A2D7-48EF30DEF472}"/>
+              </a:ext>
+            </a:extLst>
+          </p:cNvPr>
+          <p:cNvSpPr txBox="1"/>
+          <p:nvPr/>
+        </p:nvSpPr>
+        <p:spPr>
+          <a:xfrm>
+            <a:off x="2906039" y="2971107"/>
+            <a:ext cx="5999967" cy="523220"/>
+          </a:xfrm>
+          <a:prstGeom prst="rect">
+            <a:avLst/>
+          </a:prstGeom>
+          <a:solidFill>
+            <a:schemeClr val="accent3">
+              <a:lumMod val="60000"/>
+              <a:lumOff val="40000"/>
+            </a:schemeClr>
+          </a:solidFill>
+        </p:spPr>
+        <p:txBody>
+          <a:bodyPr wrap="square" rtlCol="0">
+            <a:spAutoFit/>
+          </a:bodyPr>
+          <a:lstStyle/>
+          <a:p>
+            <a:pPr algn="ctr"/>
+            <a:r>
+              <a:rPr lang="en-GB" sz="2800" dirty="0"/>
+              <a:t>Install-Package </a:t>
+            </a:r>
+            <a:r>
+              <a:rPr lang="en-GB" sz="2800" dirty="0" err="1"/>
+              <a:t>Elasticsearch.Net</a:t>
+            </a:r>
+            <a:endParaRPr lang="en-GB" sz="2800" dirty="0"/>
+          </a:p>
+        </p:txBody>
+      </p:sp>
     </p:spTree>
     <p:extLst>
       <p:ext uri="{BB962C8B-B14F-4D97-AF65-F5344CB8AC3E}">
@@ -6654,6 +6528,84 @@
   <p:clrMapOvr>
     <a:masterClrMapping/>
   </p:clrMapOvr>
+  <p:timing>
+    <p:tnLst>
+      <p:par>
+        <p:cTn id="1" dur="indefinite" restart="never" nodeType="tmRoot">
+          <p:childTnLst>
+            <p:seq concurrent="1" nextAc="seek">
+              <p:cTn id="2" dur="indefinite" nodeType="mainSeq">
+                <p:childTnLst>
+                  <p:par>
+                    <p:cTn id="3" fill="hold">
+                      <p:stCondLst>
+                        <p:cond delay="indefinite"/>
+                      </p:stCondLst>
+                      <p:childTnLst>
+                        <p:par>
+                          <p:cTn id="4" fill="hold">
+                            <p:stCondLst>
+                              <p:cond delay="0"/>
+                            </p:stCondLst>
+                            <p:childTnLst>
+                              <p:par>
+                                <p:cTn id="5" presetID="1" presetClass="entr" presetSubtype="0" fill="hold" grpId="0" nodeType="clickEffect">
+                                  <p:stCondLst>
+                                    <p:cond delay="0"/>
+                                  </p:stCondLst>
+                                  <p:childTnLst>
+                                    <p:set>
+                                      <p:cBhvr>
+                                        <p:cTn id="6" dur="1" fill="hold">
+                                          <p:stCondLst>
+                                            <p:cond delay="0"/>
+                                          </p:stCondLst>
+                                        </p:cTn>
+                                        <p:tgtEl>
+                                          <p:spTgt spid="3"/>
+                                        </p:tgtEl>
+                                        <p:attrNameLst>
+                                          <p:attrName>style.visibility</p:attrName>
+                                        </p:attrNameLst>
+                                      </p:cBhvr>
+                                      <p:to>
+                                        <p:strVal val="visible"/>
+                                      </p:to>
+                                    </p:set>
+                                  </p:childTnLst>
+                                </p:cTn>
+                              </p:par>
+                            </p:childTnLst>
+                          </p:cTn>
+                        </p:par>
+                      </p:childTnLst>
+                    </p:cTn>
+                  </p:par>
+                </p:childTnLst>
+              </p:cTn>
+              <p:prevCondLst>
+                <p:cond evt="onPrev" delay="0">
+                  <p:tgtEl>
+                    <p:sldTgt/>
+                  </p:tgtEl>
+                </p:cond>
+              </p:prevCondLst>
+              <p:nextCondLst>
+                <p:cond evt="onNext" delay="0">
+                  <p:tgtEl>
+                    <p:sldTgt/>
+                  </p:tgtEl>
+                </p:cond>
+              </p:nextCondLst>
+            </p:seq>
+          </p:childTnLst>
+        </p:cTn>
+      </p:par>
+    </p:tnLst>
+    <p:bldLst>
+      <p:bldP spid="3" grpId="0" animBg="1"/>
+    </p:bldLst>
+  </p:timing>
 </p:sld>
 </file>
 
@@ -6752,6 +6704,47 @@
           </a:prstGeom>
         </p:spPr>
       </p:pic>
+      <p:sp>
+        <p:nvSpPr>
+          <p:cNvPr id="4" name="TextBox 3">
+            <a:extLst>
+              <a:ext uri="{FF2B5EF4-FFF2-40B4-BE49-F238E27FC236}">
+                <a16:creationId xmlns:a16="http://schemas.microsoft.com/office/drawing/2014/main" id="{4DE9CF58-37D9-4BBF-9BCA-C606F1CBA762}"/>
+              </a:ext>
+            </a:extLst>
+          </p:cNvPr>
+          <p:cNvSpPr txBox="1"/>
+          <p:nvPr/>
+        </p:nvSpPr>
+        <p:spPr>
+          <a:xfrm>
+            <a:off x="2906039" y="2971107"/>
+            <a:ext cx="5999967" cy="523220"/>
+          </a:xfrm>
+          <a:prstGeom prst="rect">
+            <a:avLst/>
+          </a:prstGeom>
+          <a:solidFill>
+            <a:schemeClr val="accent3">
+              <a:lumMod val="60000"/>
+              <a:lumOff val="40000"/>
+            </a:schemeClr>
+          </a:solidFill>
+        </p:spPr>
+        <p:txBody>
+          <a:bodyPr wrap="square" rtlCol="0">
+            <a:spAutoFit/>
+          </a:bodyPr>
+          <a:lstStyle/>
+          <a:p>
+            <a:pPr algn="ctr"/>
+            <a:r>
+              <a:rPr lang="en-GB" sz="2800" dirty="0"/>
+              <a:t>Install-Package NEST</a:t>
+            </a:r>
+          </a:p>
+        </p:txBody>
+      </p:sp>
     </p:spTree>
     <p:extLst>
       <p:ext uri="{BB962C8B-B14F-4D97-AF65-F5344CB8AC3E}">
@@ -6762,6 +6755,84 @@
   <p:clrMapOvr>
     <a:masterClrMapping/>
   </p:clrMapOvr>
+  <p:timing>
+    <p:tnLst>
+      <p:par>
+        <p:cTn id="1" dur="indefinite" restart="never" nodeType="tmRoot">
+          <p:childTnLst>
+            <p:seq concurrent="1" nextAc="seek">
+              <p:cTn id="2" dur="indefinite" nodeType="mainSeq">
+                <p:childTnLst>
+                  <p:par>
+                    <p:cTn id="3" fill="hold">
+                      <p:stCondLst>
+                        <p:cond delay="indefinite"/>
+                      </p:stCondLst>
+                      <p:childTnLst>
+                        <p:par>
+                          <p:cTn id="4" fill="hold">
+                            <p:stCondLst>
+                              <p:cond delay="0"/>
+                            </p:stCondLst>
+                            <p:childTnLst>
+                              <p:par>
+                                <p:cTn id="5" presetID="1" presetClass="entr" presetSubtype="0" fill="hold" grpId="0" nodeType="clickEffect">
+                                  <p:stCondLst>
+                                    <p:cond delay="0"/>
+                                  </p:stCondLst>
+                                  <p:childTnLst>
+                                    <p:set>
+                                      <p:cBhvr>
+                                        <p:cTn id="6" dur="1" fill="hold">
+                                          <p:stCondLst>
+                                            <p:cond delay="0"/>
+                                          </p:stCondLst>
+                                        </p:cTn>
+                                        <p:tgtEl>
+                                          <p:spTgt spid="4"/>
+                                        </p:tgtEl>
+                                        <p:attrNameLst>
+                                          <p:attrName>style.visibility</p:attrName>
+                                        </p:attrNameLst>
+                                      </p:cBhvr>
+                                      <p:to>
+                                        <p:strVal val="visible"/>
+                                      </p:to>
+                                    </p:set>
+                                  </p:childTnLst>
+                                </p:cTn>
+                              </p:par>
+                            </p:childTnLst>
+                          </p:cTn>
+                        </p:par>
+                      </p:childTnLst>
+                    </p:cTn>
+                  </p:par>
+                </p:childTnLst>
+              </p:cTn>
+              <p:prevCondLst>
+                <p:cond evt="onPrev" delay="0">
+                  <p:tgtEl>
+                    <p:sldTgt/>
+                  </p:tgtEl>
+                </p:cond>
+              </p:prevCondLst>
+              <p:nextCondLst>
+                <p:cond evt="onNext" delay="0">
+                  <p:tgtEl>
+                    <p:sldTgt/>
+                  </p:tgtEl>
+                </p:cond>
+              </p:nextCondLst>
+            </p:seq>
+          </p:childTnLst>
+        </p:cTn>
+      </p:par>
+    </p:tnLst>
+    <p:bldLst>
+      <p:bldP spid="4" grpId="0" animBg="1"/>
+    </p:bldLst>
+  </p:timing>
 </p:sld>
 </file>
 
@@ -7090,6 +7161,112 @@
           <p:cNvPr id="2" name="Title 1">
             <a:extLst>
               <a:ext uri="{FF2B5EF4-FFF2-40B4-BE49-F238E27FC236}">
+                <a16:creationId xmlns:a16="http://schemas.microsoft.com/office/drawing/2014/main" id="{31271F82-D4D8-4636-BE90-930398540028}"/>
+              </a:ext>
+            </a:extLst>
+          </p:cNvPr>
+          <p:cNvSpPr>
+            <a:spLocks noGrp="1"/>
+          </p:cNvSpPr>
+          <p:nvPr>
+            <p:ph type="title"/>
+          </p:nvPr>
+        </p:nvSpPr>
+        <p:spPr>
+          <a:xfrm>
+            <a:off x="0" y="0"/>
+            <a:ext cx="12192000" cy="774743"/>
+          </a:xfrm>
+          <a:solidFill>
+            <a:schemeClr val="accent5">
+              <a:lumMod val="20000"/>
+              <a:lumOff val="80000"/>
+            </a:schemeClr>
+          </a:solidFill>
+        </p:spPr>
+        <p:txBody>
+          <a:bodyPr/>
+          <a:lstStyle/>
+          <a:p>
+            <a:pPr algn="ctr"/>
+            <a:r>
+              <a:rPr lang="en-GB" dirty="0"/>
+              <a:t>Log Stash</a:t>
+            </a:r>
+          </a:p>
+        </p:txBody>
+      </p:sp>
+      <p:pic>
+        <p:nvPicPr>
+          <p:cNvPr id="7" name="Picture 6">
+            <a:extLst>
+              <a:ext uri="{FF2B5EF4-FFF2-40B4-BE49-F238E27FC236}">
+                <a16:creationId xmlns:a16="http://schemas.microsoft.com/office/drawing/2014/main" id="{3328ACAA-903B-463D-997A-421A4BC01300}"/>
+              </a:ext>
+            </a:extLst>
+          </p:cNvPr>
+          <p:cNvPicPr>
+            <a:picLocks noChangeAspect="1"/>
+          </p:cNvPicPr>
+          <p:nvPr/>
+        </p:nvPicPr>
+        <p:blipFill>
+          <a:blip r:embed="rId3">
+            <a:extLst>
+              <a:ext uri="{28A0092B-C50C-407E-A947-70E740481C1C}">
+                <a14:useLocalDpi xmlns:a14="http://schemas.microsoft.com/office/drawing/2010/main" val="0"/>
+              </a:ext>
+            </a:extLst>
+          </a:blip>
+          <a:stretch>
+            <a:fillRect/>
+          </a:stretch>
+        </p:blipFill>
+        <p:spPr>
+          <a:xfrm>
+            <a:off x="3584157" y="1261015"/>
+            <a:ext cx="4457551" cy="5008484"/>
+          </a:xfrm>
+          <a:prstGeom prst="rect">
+            <a:avLst/>
+          </a:prstGeom>
+        </p:spPr>
+      </p:pic>
+    </p:spTree>
+    <p:extLst>
+      <p:ext uri="{BB962C8B-B14F-4D97-AF65-F5344CB8AC3E}">
+        <p14:creationId xmlns:p14="http://schemas.microsoft.com/office/powerpoint/2010/main" val="4103799751"/>
+      </p:ext>
+    </p:extLst>
+  </p:cSld>
+  <p:clrMapOvr>
+    <a:masterClrMapping/>
+  </p:clrMapOvr>
+</p:sld>
+</file>
+
+<file path=ppt/slides/slide18.xml><?xml version="1.0" encoding="utf-8"?>
+<p:sld xmlns:a="http://schemas.openxmlformats.org/drawingml/2006/main" xmlns:r="http://schemas.openxmlformats.org/officeDocument/2006/relationships" xmlns:p="http://schemas.openxmlformats.org/presentationml/2006/main">
+  <p:cSld>
+    <p:spTree>
+      <p:nvGrpSpPr>
+        <p:cNvPr id="1" name=""/>
+        <p:cNvGrpSpPr/>
+        <p:nvPr/>
+      </p:nvGrpSpPr>
+      <p:grpSpPr>
+        <a:xfrm>
+          <a:off x="0" y="0"/>
+          <a:ext cx="0" cy="0"/>
+          <a:chOff x="0" y="0"/>
+          <a:chExt cx="0" cy="0"/>
+        </a:xfrm>
+      </p:grpSpPr>
+      <p:sp>
+        <p:nvSpPr>
+          <p:cNvPr id="2" name="Title 1">
+            <a:extLst>
+              <a:ext uri="{FF2B5EF4-FFF2-40B4-BE49-F238E27FC236}">
                 <a16:creationId xmlns:a16="http://schemas.microsoft.com/office/drawing/2014/main" id="{95D9EE95-D9F9-462A-AC3B-5670EBFCA314}"/>
               </a:ext>
             </a:extLst>
@@ -7139,7 +7316,7 @@
           <p:nvPr/>
         </p:nvPicPr>
         <p:blipFill>
-          <a:blip r:embed="rId2">
+          <a:blip r:embed="rId3">
             <a:extLst>
               <a:ext uri="{28A0092B-C50C-407E-A947-70E740481C1C}">
                 <a14:useLocalDpi xmlns:a14="http://schemas.microsoft.com/office/drawing/2010/main" val="0"/>
@@ -7173,7 +7350,7 @@
 </p:sld>
 </file>
 
-<file path=ppt/slides/slide18.xml><?xml version="1.0" encoding="utf-8"?>
+<file path=ppt/slides/slide19.xml><?xml version="1.0" encoding="utf-8"?>
 <p:sld xmlns:a="http://schemas.openxmlformats.org/drawingml/2006/main" xmlns:r="http://schemas.openxmlformats.org/officeDocument/2006/relationships" xmlns:p="http://schemas.openxmlformats.org/presentationml/2006/main">
   <p:cSld>
     <p:spTree>
@@ -7273,112 +7450,6 @@
     <p:extLst>
       <p:ext uri="{BB962C8B-B14F-4D97-AF65-F5344CB8AC3E}">
         <p14:creationId xmlns:p14="http://schemas.microsoft.com/office/powerpoint/2010/main" val="323773504"/>
-      </p:ext>
-    </p:extLst>
-  </p:cSld>
-  <p:clrMapOvr>
-    <a:masterClrMapping/>
-  </p:clrMapOvr>
-</p:sld>
-</file>
-
-<file path=ppt/slides/slide19.xml><?xml version="1.0" encoding="utf-8"?>
-<p:sld xmlns:a="http://schemas.openxmlformats.org/drawingml/2006/main" xmlns:r="http://schemas.openxmlformats.org/officeDocument/2006/relationships" xmlns:p="http://schemas.openxmlformats.org/presentationml/2006/main">
-  <p:cSld>
-    <p:spTree>
-      <p:nvGrpSpPr>
-        <p:cNvPr id="1" name=""/>
-        <p:cNvGrpSpPr/>
-        <p:nvPr/>
-      </p:nvGrpSpPr>
-      <p:grpSpPr>
-        <a:xfrm>
-          <a:off x="0" y="0"/>
-          <a:ext cx="0" cy="0"/>
-          <a:chOff x="0" y="0"/>
-          <a:chExt cx="0" cy="0"/>
-        </a:xfrm>
-      </p:grpSpPr>
-      <p:sp>
-        <p:nvSpPr>
-          <p:cNvPr id="2" name="Title 1">
-            <a:extLst>
-              <a:ext uri="{FF2B5EF4-FFF2-40B4-BE49-F238E27FC236}">
-                <a16:creationId xmlns:a16="http://schemas.microsoft.com/office/drawing/2014/main" id="{31271F82-D4D8-4636-BE90-930398540028}"/>
-              </a:ext>
-            </a:extLst>
-          </p:cNvPr>
-          <p:cNvSpPr>
-            <a:spLocks noGrp="1"/>
-          </p:cNvSpPr>
-          <p:nvPr>
-            <p:ph type="title"/>
-          </p:nvPr>
-        </p:nvSpPr>
-        <p:spPr>
-          <a:xfrm>
-            <a:off x="0" y="0"/>
-            <a:ext cx="12192000" cy="774743"/>
-          </a:xfrm>
-          <a:solidFill>
-            <a:schemeClr val="accent5">
-              <a:lumMod val="20000"/>
-              <a:lumOff val="80000"/>
-            </a:schemeClr>
-          </a:solidFill>
-        </p:spPr>
-        <p:txBody>
-          <a:bodyPr/>
-          <a:lstStyle/>
-          <a:p>
-            <a:pPr algn="ctr"/>
-            <a:r>
-              <a:rPr lang="en-GB" dirty="0"/>
-              <a:t>Log Stash</a:t>
-            </a:r>
-          </a:p>
-        </p:txBody>
-      </p:sp>
-      <p:pic>
-        <p:nvPicPr>
-          <p:cNvPr id="7" name="Picture 6">
-            <a:extLst>
-              <a:ext uri="{FF2B5EF4-FFF2-40B4-BE49-F238E27FC236}">
-                <a16:creationId xmlns:a16="http://schemas.microsoft.com/office/drawing/2014/main" id="{3328ACAA-903B-463D-997A-421A4BC01300}"/>
-              </a:ext>
-            </a:extLst>
-          </p:cNvPr>
-          <p:cNvPicPr>
-            <a:picLocks noChangeAspect="1"/>
-          </p:cNvPicPr>
-          <p:nvPr/>
-        </p:nvPicPr>
-        <p:blipFill>
-          <a:blip r:embed="rId3">
-            <a:extLst>
-              <a:ext uri="{28A0092B-C50C-407E-A947-70E740481C1C}">
-                <a14:useLocalDpi xmlns:a14="http://schemas.microsoft.com/office/drawing/2010/main" val="0"/>
-              </a:ext>
-            </a:extLst>
-          </a:blip>
-          <a:stretch>
-            <a:fillRect/>
-          </a:stretch>
-        </p:blipFill>
-        <p:spPr>
-          <a:xfrm>
-            <a:off x="3584157" y="1261015"/>
-            <a:ext cx="4457551" cy="5008484"/>
-          </a:xfrm>
-          <a:prstGeom prst="rect">
-            <a:avLst/>
-          </a:prstGeom>
-        </p:spPr>
-      </p:pic>
-    </p:spTree>
-    <p:extLst>
-      <p:ext uri="{BB962C8B-B14F-4D97-AF65-F5344CB8AC3E}">
-        <p14:creationId xmlns:p14="http://schemas.microsoft.com/office/powerpoint/2010/main" val="4103799751"/>
       </p:ext>
     </p:extLst>
   </p:cSld>

--- a/Elastic Search Talk.pptx
+++ b/Elastic Search Talk.pptx
@@ -5935,8 +5935,12 @@
           <a:lstStyle/>
           <a:p>
             <a:r>
+              <a:rPr lang="en-GB"/>
+              <a:t>Elasticsearch </a:t>
+            </a:r>
+            <a:r>
               <a:rPr lang="en-GB" dirty="0"/>
-              <a:t>Elastic Search For Dot Net Developers</a:t>
+              <a:t>For Dot Net Developers</a:t>
             </a:r>
           </a:p>
         </p:txBody>

--- a/Elastic Search Talk.pptx
+++ b/Elastic Search Talk.pptx
@@ -5,7 +5,7 @@
     <p:sldMasterId id="2147483648" r:id="rId1"/>
   </p:sldMasterIdLst>
   <p:notesMasterIdLst>
-    <p:notesMasterId r:id="rId25"/>
+    <p:notesMasterId r:id="rId26"/>
   </p:notesMasterIdLst>
   <p:sldIdLst>
     <p:sldId id="256" r:id="rId2"/>
@@ -27,10 +27,11 @@
     <p:sldId id="261" r:id="rId18"/>
     <p:sldId id="274" r:id="rId19"/>
     <p:sldId id="275" r:id="rId20"/>
-    <p:sldId id="277" r:id="rId21"/>
-    <p:sldId id="264" r:id="rId22"/>
-    <p:sldId id="260" r:id="rId23"/>
-    <p:sldId id="278" r:id="rId24"/>
+    <p:sldId id="279" r:id="rId21"/>
+    <p:sldId id="277" r:id="rId22"/>
+    <p:sldId id="264" r:id="rId23"/>
+    <p:sldId id="260" r:id="rId24"/>
+    <p:sldId id="278" r:id="rId25"/>
   </p:sldIdLst>
   <p:sldSz cx="12192000" cy="6858000"/>
   <p:notesSz cx="6858000" cy="9144000"/>
@@ -137,10 +138,6 @@
 </p:presentation>
 </file>
 
-<file path=ppt/revisionInfo.xml><?xml version="1.0" encoding="utf-8"?>
-<p1510:revInfo xmlns:a="http://schemas.openxmlformats.org/drawingml/2006/main" xmlns:r="http://schemas.openxmlformats.org/officeDocument/2006/relationships" xmlns:p1510="http://schemas.microsoft.com/office/powerpoint/2015/10/main"/>
-</file>
-
 <file path=ppt/notesMasters/notesMaster1.xml><?xml version="1.0" encoding="utf-8"?>
 <p:notesMaster xmlns:a="http://schemas.openxmlformats.org/drawingml/2006/main" xmlns:r="http://schemas.openxmlformats.org/officeDocument/2006/relationships" xmlns:p="http://schemas.openxmlformats.org/presentationml/2006/main">
   <p:cSld>
@@ -223,7 +220,7 @@
           <a:p>
             <a:fld id="{01AEA828-5CD8-4937-BC8B-3CEA43AB888F}" type="datetimeFigureOut">
               <a:rPr lang="en-GB" smtClean="0"/>
-              <a:t>01/06/2018</a:t>
+              <a:t>25/09/2018</a:t>
             </a:fld>
             <a:endParaRPr lang="en-GB"/>
           </a:p>
@@ -1827,7 +1824,7 @@
           <a:p>
             <a:fld id="{90098B67-40B8-4547-BE51-824908E8A1DA}" type="slidenum">
               <a:rPr lang="en-GB" smtClean="0"/>
-              <a:t>20</a:t>
+              <a:t>21</a:t>
             </a:fld>
             <a:endParaRPr lang="en-GB"/>
           </a:p>
@@ -1923,7 +1920,7 @@
           <a:p>
             <a:fld id="{90098B67-40B8-4547-BE51-824908E8A1DA}" type="slidenum">
               <a:rPr lang="en-GB" smtClean="0"/>
-              <a:t>21</a:t>
+              <a:t>22</a:t>
             </a:fld>
             <a:endParaRPr lang="en-GB"/>
           </a:p>
@@ -2007,7 +2004,7 @@
           <a:p>
             <a:fld id="{90098B67-40B8-4547-BE51-824908E8A1DA}" type="slidenum">
               <a:rPr lang="en-GB" smtClean="0"/>
-              <a:t>22</a:t>
+              <a:t>23</a:t>
             </a:fld>
             <a:endParaRPr lang="en-GB"/>
           </a:p>
@@ -2820,7 +2817,7 @@
           <a:p>
             <a:fld id="{55A080D0-3795-4F02-BAAA-BB4B6EB6B790}" type="datetimeFigureOut">
               <a:rPr lang="en-GB" smtClean="0"/>
-              <a:t>01/06/2018</a:t>
+              <a:t>25/09/2018</a:t>
             </a:fld>
             <a:endParaRPr lang="en-GB"/>
           </a:p>
@@ -3020,7 +3017,7 @@
           <a:p>
             <a:fld id="{55A080D0-3795-4F02-BAAA-BB4B6EB6B790}" type="datetimeFigureOut">
               <a:rPr lang="en-GB" smtClean="0"/>
-              <a:t>01/06/2018</a:t>
+              <a:t>25/09/2018</a:t>
             </a:fld>
             <a:endParaRPr lang="en-GB"/>
           </a:p>
@@ -3230,7 +3227,7 @@
           <a:p>
             <a:fld id="{55A080D0-3795-4F02-BAAA-BB4B6EB6B790}" type="datetimeFigureOut">
               <a:rPr lang="en-GB" smtClean="0"/>
-              <a:t>01/06/2018</a:t>
+              <a:t>25/09/2018</a:t>
             </a:fld>
             <a:endParaRPr lang="en-GB"/>
           </a:p>
@@ -3430,7 +3427,7 @@
           <a:p>
             <a:fld id="{55A080D0-3795-4F02-BAAA-BB4B6EB6B790}" type="datetimeFigureOut">
               <a:rPr lang="en-GB" smtClean="0"/>
-              <a:t>01/06/2018</a:t>
+              <a:t>25/09/2018</a:t>
             </a:fld>
             <a:endParaRPr lang="en-GB"/>
           </a:p>
@@ -3706,7 +3703,7 @@
           <a:p>
             <a:fld id="{55A080D0-3795-4F02-BAAA-BB4B6EB6B790}" type="datetimeFigureOut">
               <a:rPr lang="en-GB" smtClean="0"/>
-              <a:t>01/06/2018</a:t>
+              <a:t>25/09/2018</a:t>
             </a:fld>
             <a:endParaRPr lang="en-GB"/>
           </a:p>
@@ -3974,7 +3971,7 @@
           <a:p>
             <a:fld id="{55A080D0-3795-4F02-BAAA-BB4B6EB6B790}" type="datetimeFigureOut">
               <a:rPr lang="en-GB" smtClean="0"/>
-              <a:t>01/06/2018</a:t>
+              <a:t>25/09/2018</a:t>
             </a:fld>
             <a:endParaRPr lang="en-GB"/>
           </a:p>
@@ -4389,7 +4386,7 @@
           <a:p>
             <a:fld id="{55A080D0-3795-4F02-BAAA-BB4B6EB6B790}" type="datetimeFigureOut">
               <a:rPr lang="en-GB" smtClean="0"/>
-              <a:t>01/06/2018</a:t>
+              <a:t>25/09/2018</a:t>
             </a:fld>
             <a:endParaRPr lang="en-GB"/>
           </a:p>
@@ -4531,7 +4528,7 @@
           <a:p>
             <a:fld id="{55A080D0-3795-4F02-BAAA-BB4B6EB6B790}" type="datetimeFigureOut">
               <a:rPr lang="en-GB" smtClean="0"/>
-              <a:t>01/06/2018</a:t>
+              <a:t>25/09/2018</a:t>
             </a:fld>
             <a:endParaRPr lang="en-GB"/>
           </a:p>
@@ -4644,7 +4641,7 @@
           <a:p>
             <a:fld id="{55A080D0-3795-4F02-BAAA-BB4B6EB6B790}" type="datetimeFigureOut">
               <a:rPr lang="en-GB" smtClean="0"/>
-              <a:t>01/06/2018</a:t>
+              <a:t>25/09/2018</a:t>
             </a:fld>
             <a:endParaRPr lang="en-GB"/>
           </a:p>
@@ -4957,7 +4954,7 @@
           <a:p>
             <a:fld id="{55A080D0-3795-4F02-BAAA-BB4B6EB6B790}" type="datetimeFigureOut">
               <a:rPr lang="en-GB" smtClean="0"/>
-              <a:t>01/06/2018</a:t>
+              <a:t>25/09/2018</a:t>
             </a:fld>
             <a:endParaRPr lang="en-GB"/>
           </a:p>
@@ -5246,7 +5243,7 @@
           <a:p>
             <a:fld id="{55A080D0-3795-4F02-BAAA-BB4B6EB6B790}" type="datetimeFigureOut">
               <a:rPr lang="en-GB" smtClean="0"/>
-              <a:t>01/06/2018</a:t>
+              <a:t>25/09/2018</a:t>
             </a:fld>
             <a:endParaRPr lang="en-GB"/>
           </a:p>
@@ -5489,7 +5486,7 @@
           <a:p>
             <a:fld id="{55A080D0-3795-4F02-BAAA-BB4B6EB6B790}" type="datetimeFigureOut">
               <a:rPr lang="en-GB" smtClean="0"/>
-              <a:t>01/06/2018</a:t>
+              <a:t>25/09/2018</a:t>
             </a:fld>
             <a:endParaRPr lang="en-GB"/>
           </a:p>
@@ -7590,6 +7587,104 @@
           <p:cNvPr id="2" name="Title 1">
             <a:extLst>
               <a:ext uri="{FF2B5EF4-FFF2-40B4-BE49-F238E27FC236}">
+                <a16:creationId xmlns:a16="http://schemas.microsoft.com/office/drawing/2014/main" id="{C4667EFC-51E9-4709-9C76-C31B55D5CBD5}"/>
+              </a:ext>
+            </a:extLst>
+          </p:cNvPr>
+          <p:cNvSpPr>
+            <a:spLocks noGrp="1"/>
+          </p:cNvSpPr>
+          <p:nvPr>
+            <p:ph type="title"/>
+          </p:nvPr>
+        </p:nvSpPr>
+        <p:spPr>
+          <a:xfrm>
+            <a:off x="0" y="0"/>
+            <a:ext cx="12192000" cy="724639"/>
+          </a:xfrm>
+          <a:solidFill>
+            <a:srgbClr val="FF0000"/>
+          </a:solidFill>
+        </p:spPr>
+        <p:txBody>
+          <a:bodyPr/>
+          <a:lstStyle/>
+          <a:p>
+            <a:pPr algn="ctr"/>
+            <a:r>
+              <a:rPr lang="en-GB" dirty="0" err="1"/>
+              <a:t>Serilog</a:t>
+            </a:r>
+            <a:endParaRPr lang="en-GB" dirty="0"/>
+          </a:p>
+        </p:txBody>
+      </p:sp>
+      <p:pic>
+        <p:nvPicPr>
+          <p:cNvPr id="4" name="Picture 3">
+            <a:extLst>
+              <a:ext uri="{FF2B5EF4-FFF2-40B4-BE49-F238E27FC236}">
+                <a16:creationId xmlns:a16="http://schemas.microsoft.com/office/drawing/2014/main" id="{6DFD28FA-71E3-4FEB-8C6B-4883630ECD71}"/>
+              </a:ext>
+            </a:extLst>
+          </p:cNvPr>
+          <p:cNvPicPr>
+            <a:picLocks noChangeAspect="1"/>
+          </p:cNvPicPr>
+          <p:nvPr/>
+        </p:nvPicPr>
+        <p:blipFill>
+          <a:blip r:embed="rId2"/>
+          <a:stretch>
+            <a:fillRect/>
+          </a:stretch>
+        </p:blipFill>
+        <p:spPr>
+          <a:xfrm>
+            <a:off x="1569015" y="2026149"/>
+            <a:ext cx="9429750" cy="2505075"/>
+          </a:xfrm>
+          <a:prstGeom prst="rect">
+            <a:avLst/>
+          </a:prstGeom>
+        </p:spPr>
+      </p:pic>
+    </p:spTree>
+    <p:extLst>
+      <p:ext uri="{BB962C8B-B14F-4D97-AF65-F5344CB8AC3E}">
+        <p14:creationId xmlns:p14="http://schemas.microsoft.com/office/powerpoint/2010/main" val="2259212409"/>
+      </p:ext>
+    </p:extLst>
+  </p:cSld>
+  <p:clrMapOvr>
+    <a:masterClrMapping/>
+  </p:clrMapOvr>
+</p:sld>
+</file>
+
+<file path=ppt/slides/slide21.xml><?xml version="1.0" encoding="utf-8"?>
+<p:sld xmlns:a="http://schemas.openxmlformats.org/drawingml/2006/main" xmlns:r="http://schemas.openxmlformats.org/officeDocument/2006/relationships" xmlns:p="http://schemas.openxmlformats.org/presentationml/2006/main">
+  <p:cSld>
+    <p:spTree>
+      <p:nvGrpSpPr>
+        <p:cNvPr id="1" name=""/>
+        <p:cNvGrpSpPr/>
+        <p:nvPr/>
+      </p:nvGrpSpPr>
+      <p:grpSpPr>
+        <a:xfrm>
+          <a:off x="0" y="0"/>
+          <a:ext cx="0" cy="0"/>
+          <a:chOff x="0" y="0"/>
+          <a:chExt cx="0" cy="0"/>
+        </a:xfrm>
+      </p:grpSpPr>
+      <p:sp>
+        <p:nvSpPr>
+          <p:cNvPr id="2" name="Title 1">
+            <a:extLst>
+              <a:ext uri="{FF2B5EF4-FFF2-40B4-BE49-F238E27FC236}">
                 <a16:creationId xmlns:a16="http://schemas.microsoft.com/office/drawing/2014/main" id="{429A872C-9DE1-4E91-A83E-97FC5FE96EBB}"/>
               </a:ext>
             </a:extLst>
@@ -7676,7 +7771,7 @@
 </p:sld>
 </file>
 
-<file path=ppt/slides/slide21.xml><?xml version="1.0" encoding="utf-8"?>
+<file path=ppt/slides/slide22.xml><?xml version="1.0" encoding="utf-8"?>
 <p:sld xmlns:a="http://schemas.openxmlformats.org/drawingml/2006/main" xmlns:r="http://schemas.openxmlformats.org/officeDocument/2006/relationships" xmlns:p="http://schemas.openxmlformats.org/presentationml/2006/main">
   <p:cSld>
     <p:spTree>
@@ -7782,7 +7877,7 @@
 </p:sld>
 </file>
 
-<file path=ppt/slides/slide22.xml><?xml version="1.0" encoding="utf-8"?>
+<file path=ppt/slides/slide23.xml><?xml version="1.0" encoding="utf-8"?>
 <p:sld xmlns:a="http://schemas.openxmlformats.org/drawingml/2006/main" xmlns:r="http://schemas.openxmlformats.org/officeDocument/2006/relationships" xmlns:p="http://schemas.openxmlformats.org/presentationml/2006/main">
   <p:cSld>
     <p:spTree>
@@ -7890,7 +7985,7 @@
 </p:sld>
 </file>
 
-<file path=ppt/slides/slide23.xml><?xml version="1.0" encoding="utf-8"?>
+<file path=ppt/slides/slide24.xml><?xml version="1.0" encoding="utf-8"?>
 <p:sld xmlns:a="http://schemas.openxmlformats.org/drawingml/2006/main" xmlns:r="http://schemas.openxmlformats.org/officeDocument/2006/relationships" xmlns:p="http://schemas.openxmlformats.org/presentationml/2006/main">
   <p:cSld>
     <p:spTree>

--- a/Elastic Search Talk.pptx
+++ b/Elastic Search Talk.pptx
@@ -5,33 +5,34 @@
     <p:sldMasterId id="2147483648" r:id="rId1"/>
   </p:sldMasterIdLst>
   <p:notesMasterIdLst>
-    <p:notesMasterId r:id="rId26"/>
+    <p:notesMasterId r:id="rId27"/>
   </p:notesMasterIdLst>
   <p:sldIdLst>
     <p:sldId id="256" r:id="rId2"/>
-    <p:sldId id="265" r:id="rId3"/>
-    <p:sldId id="266" r:id="rId4"/>
-    <p:sldId id="267" r:id="rId5"/>
-    <p:sldId id="257" r:id="rId6"/>
-    <p:sldId id="258" r:id="rId7"/>
-    <p:sldId id="259" r:id="rId8"/>
-    <p:sldId id="269" r:id="rId9"/>
-    <p:sldId id="270" r:id="rId10"/>
-    <p:sldId id="268" r:id="rId11"/>
-    <p:sldId id="262" r:id="rId12"/>
-    <p:sldId id="263" r:id="rId13"/>
-    <p:sldId id="271" r:id="rId14"/>
-    <p:sldId id="272" r:id="rId15"/>
-    <p:sldId id="273" r:id="rId16"/>
-    <p:sldId id="276" r:id="rId17"/>
-    <p:sldId id="261" r:id="rId18"/>
-    <p:sldId id="274" r:id="rId19"/>
-    <p:sldId id="275" r:id="rId20"/>
-    <p:sldId id="279" r:id="rId21"/>
-    <p:sldId id="277" r:id="rId22"/>
-    <p:sldId id="264" r:id="rId23"/>
-    <p:sldId id="260" r:id="rId24"/>
-    <p:sldId id="278" r:id="rId25"/>
+    <p:sldId id="280" r:id="rId3"/>
+    <p:sldId id="265" r:id="rId4"/>
+    <p:sldId id="266" r:id="rId5"/>
+    <p:sldId id="267" r:id="rId6"/>
+    <p:sldId id="257" r:id="rId7"/>
+    <p:sldId id="258" r:id="rId8"/>
+    <p:sldId id="259" r:id="rId9"/>
+    <p:sldId id="269" r:id="rId10"/>
+    <p:sldId id="270" r:id="rId11"/>
+    <p:sldId id="268" r:id="rId12"/>
+    <p:sldId id="262" r:id="rId13"/>
+    <p:sldId id="263" r:id="rId14"/>
+    <p:sldId id="271" r:id="rId15"/>
+    <p:sldId id="272" r:id="rId16"/>
+    <p:sldId id="273" r:id="rId17"/>
+    <p:sldId id="276" r:id="rId18"/>
+    <p:sldId id="261" r:id="rId19"/>
+    <p:sldId id="277" r:id="rId20"/>
+    <p:sldId id="274" r:id="rId21"/>
+    <p:sldId id="275" r:id="rId22"/>
+    <p:sldId id="279" r:id="rId23"/>
+    <p:sldId id="264" r:id="rId24"/>
+    <p:sldId id="260" r:id="rId25"/>
+    <p:sldId id="278" r:id="rId26"/>
   </p:sldIdLst>
   <p:sldSz cx="12192000" cy="6858000"/>
   <p:notesSz cx="6858000" cy="9144000"/>
@@ -220,7 +221,7 @@
           <a:p>
             <a:fld id="{01AEA828-5CD8-4937-BC8B-3CEA43AB888F}" type="datetimeFigureOut">
               <a:rPr lang="en-GB" smtClean="0"/>
-              <a:t>25/09/2018</a:t>
+              <a:t>01/10/2018</a:t>
             </a:fld>
             <a:endParaRPr lang="en-GB"/>
           </a:p>
@@ -640,7 +641,7 @@
           <a:p>
             <a:fld id="{90098B67-40B8-4547-BE51-824908E8A1DA}" type="slidenum">
               <a:rPr lang="en-GB" smtClean="0"/>
-              <a:t>10</a:t>
+              <a:t>11</a:t>
             </a:fld>
             <a:endParaRPr lang="en-GB"/>
           </a:p>
@@ -755,7 +756,7 @@
           <a:p>
             <a:fld id="{90098B67-40B8-4547-BE51-824908E8A1DA}" type="slidenum">
               <a:rPr lang="en-GB" smtClean="0"/>
-              <a:t>11</a:t>
+              <a:t>12</a:t>
             </a:fld>
             <a:endParaRPr lang="en-GB"/>
           </a:p>
@@ -877,7 +878,7 @@
           <a:p>
             <a:fld id="{90098B67-40B8-4547-BE51-824908E8A1DA}" type="slidenum">
               <a:rPr lang="en-GB" smtClean="0"/>
-              <a:t>12</a:t>
+              <a:t>13</a:t>
             </a:fld>
             <a:endParaRPr lang="en-GB"/>
           </a:p>
@@ -961,7 +962,7 @@
           <a:p>
             <a:fld id="{90098B67-40B8-4547-BE51-824908E8A1DA}" type="slidenum">
               <a:rPr lang="en-GB" smtClean="0"/>
-              <a:t>13</a:t>
+              <a:t>14</a:t>
             </a:fld>
             <a:endParaRPr lang="en-GB"/>
           </a:p>
@@ -1045,7 +1046,7 @@
           <a:p>
             <a:fld id="{90098B67-40B8-4547-BE51-824908E8A1DA}" type="slidenum">
               <a:rPr lang="en-GB" smtClean="0"/>
-              <a:t>14</a:t>
+              <a:t>15</a:t>
             </a:fld>
             <a:endParaRPr lang="en-GB"/>
           </a:p>
@@ -1129,7 +1130,7 @@
           <a:p>
             <a:fld id="{90098B67-40B8-4547-BE51-824908E8A1DA}" type="slidenum">
               <a:rPr lang="en-GB" smtClean="0"/>
-              <a:t>15</a:t>
+              <a:t>16</a:t>
             </a:fld>
             <a:endParaRPr lang="en-GB"/>
           </a:p>
@@ -1216,7 +1217,7 @@
           <a:p>
             <a:fld id="{90098B67-40B8-4547-BE51-824908E8A1DA}" type="slidenum">
               <a:rPr lang="en-GB" smtClean="0"/>
-              <a:t>16</a:t>
+              <a:t>17</a:t>
             </a:fld>
             <a:endParaRPr lang="en-GB"/>
           </a:p>
@@ -1488,7 +1489,7 @@
           <a:p>
             <a:fld id="{90098B67-40B8-4547-BE51-824908E8A1DA}" type="slidenum">
               <a:rPr lang="en-GB" smtClean="0"/>
-              <a:t>17</a:t>
+              <a:t>18</a:t>
             </a:fld>
             <a:endParaRPr lang="en-GB"/>
           </a:p>
@@ -1572,7 +1573,7 @@
           <a:p>
             <a:fld id="{90098B67-40B8-4547-BE51-824908E8A1DA}" type="slidenum">
               <a:rPr lang="en-GB" smtClean="0"/>
-              <a:t>18</a:t>
+              <a:t>19</a:t>
             </a:fld>
             <a:endParaRPr lang="en-GB"/>
           </a:p>
@@ -1581,7 +1582,7 @@
     </p:spTree>
     <p:extLst>
       <p:ext uri="{BB962C8B-B14F-4D97-AF65-F5344CB8AC3E}">
-        <p14:creationId xmlns:p14="http://schemas.microsoft.com/office/powerpoint/2010/main" val="4098790348"/>
+        <p14:creationId xmlns:p14="http://schemas.microsoft.com/office/powerpoint/2010/main" val="3524294965"/>
       </p:ext>
     </p:extLst>
   </p:cSld>
@@ -1656,7 +1657,7 @@
           <a:p>
             <a:fld id="{90098B67-40B8-4547-BE51-824908E8A1DA}" type="slidenum">
               <a:rPr lang="en-GB" smtClean="0"/>
-              <a:t>19</a:t>
+              <a:t>20</a:t>
             </a:fld>
             <a:endParaRPr lang="en-GB"/>
           </a:p>
@@ -1665,7 +1666,7 @@
     </p:spTree>
     <p:extLst>
       <p:ext uri="{BB962C8B-B14F-4D97-AF65-F5344CB8AC3E}">
-        <p14:creationId xmlns:p14="http://schemas.microsoft.com/office/powerpoint/2010/main" val="551945927"/>
+        <p14:creationId xmlns:p14="http://schemas.microsoft.com/office/powerpoint/2010/main" val="4098790348"/>
       </p:ext>
     </p:extLst>
   </p:cSld>
@@ -1740,7 +1741,7 @@
           <a:p>
             <a:fld id="{90098B67-40B8-4547-BE51-824908E8A1DA}" type="slidenum">
               <a:rPr lang="en-GB" smtClean="0"/>
-              <a:t>2</a:t>
+              <a:t>3</a:t>
             </a:fld>
             <a:endParaRPr lang="en-GB"/>
           </a:p>
@@ -1833,7 +1834,7 @@
     </p:spTree>
     <p:extLst>
       <p:ext uri="{BB962C8B-B14F-4D97-AF65-F5344CB8AC3E}">
-        <p14:creationId xmlns:p14="http://schemas.microsoft.com/office/powerpoint/2010/main" val="3524294965"/>
+        <p14:creationId xmlns:p14="http://schemas.microsoft.com/office/powerpoint/2010/main" val="551945927"/>
       </p:ext>
     </p:extLst>
   </p:cSld>
@@ -1920,7 +1921,7 @@
           <a:p>
             <a:fld id="{90098B67-40B8-4547-BE51-824908E8A1DA}" type="slidenum">
               <a:rPr lang="en-GB" smtClean="0"/>
-              <a:t>22</a:t>
+              <a:t>23</a:t>
             </a:fld>
             <a:endParaRPr lang="en-GB"/>
           </a:p>
@@ -2004,7 +2005,7 @@
           <a:p>
             <a:fld id="{90098B67-40B8-4547-BE51-824908E8A1DA}" type="slidenum">
               <a:rPr lang="en-GB" smtClean="0"/>
-              <a:t>23</a:t>
+              <a:t>24</a:t>
             </a:fld>
             <a:endParaRPr lang="en-GB"/>
           </a:p>
@@ -2088,7 +2089,7 @@
           <a:p>
             <a:fld id="{90098B67-40B8-4547-BE51-824908E8A1DA}" type="slidenum">
               <a:rPr lang="en-GB" smtClean="0"/>
-              <a:t>3</a:t>
+              <a:t>4</a:t>
             </a:fld>
             <a:endParaRPr lang="en-GB"/>
           </a:p>
@@ -2172,7 +2173,7 @@
           <a:p>
             <a:fld id="{90098B67-40B8-4547-BE51-824908E8A1DA}" type="slidenum">
               <a:rPr lang="en-GB" smtClean="0"/>
-              <a:t>4</a:t>
+              <a:t>5</a:t>
             </a:fld>
             <a:endParaRPr lang="en-GB"/>
           </a:p>
@@ -2256,7 +2257,7 @@
           <a:p>
             <a:fld id="{90098B67-40B8-4547-BE51-824908E8A1DA}" type="slidenum">
               <a:rPr lang="en-GB" smtClean="0"/>
-              <a:t>5</a:t>
+              <a:t>6</a:t>
             </a:fld>
             <a:endParaRPr lang="en-GB"/>
           </a:p>
@@ -2343,7 +2344,7 @@
           <a:p>
             <a:fld id="{90098B67-40B8-4547-BE51-824908E8A1DA}" type="slidenum">
               <a:rPr lang="en-GB" smtClean="0"/>
-              <a:t>6</a:t>
+              <a:t>7</a:t>
             </a:fld>
             <a:endParaRPr lang="en-GB"/>
           </a:p>
@@ -2475,7 +2476,7 @@
           <a:p>
             <a:fld id="{90098B67-40B8-4547-BE51-824908E8A1DA}" type="slidenum">
               <a:rPr lang="en-GB" smtClean="0"/>
-              <a:t>7</a:t>
+              <a:t>8</a:t>
             </a:fld>
             <a:endParaRPr lang="en-GB"/>
           </a:p>
@@ -2562,7 +2563,7 @@
           <a:p>
             <a:fld id="{90098B67-40B8-4547-BE51-824908E8A1DA}" type="slidenum">
               <a:rPr lang="en-GB" smtClean="0"/>
-              <a:t>8</a:t>
+              <a:t>9</a:t>
             </a:fld>
             <a:endParaRPr lang="en-GB"/>
           </a:p>
@@ -2649,7 +2650,7 @@
           <a:p>
             <a:fld id="{90098B67-40B8-4547-BE51-824908E8A1DA}" type="slidenum">
               <a:rPr lang="en-GB" smtClean="0"/>
-              <a:t>9</a:t>
+              <a:t>10</a:t>
             </a:fld>
             <a:endParaRPr lang="en-GB"/>
           </a:p>
@@ -2817,7 +2818,7 @@
           <a:p>
             <a:fld id="{55A080D0-3795-4F02-BAAA-BB4B6EB6B790}" type="datetimeFigureOut">
               <a:rPr lang="en-GB" smtClean="0"/>
-              <a:t>25/09/2018</a:t>
+              <a:t>01/10/2018</a:t>
             </a:fld>
             <a:endParaRPr lang="en-GB"/>
           </a:p>
@@ -3017,7 +3018,7 @@
           <a:p>
             <a:fld id="{55A080D0-3795-4F02-BAAA-BB4B6EB6B790}" type="datetimeFigureOut">
               <a:rPr lang="en-GB" smtClean="0"/>
-              <a:t>25/09/2018</a:t>
+              <a:t>01/10/2018</a:t>
             </a:fld>
             <a:endParaRPr lang="en-GB"/>
           </a:p>
@@ -3227,7 +3228,7 @@
           <a:p>
             <a:fld id="{55A080D0-3795-4F02-BAAA-BB4B6EB6B790}" type="datetimeFigureOut">
               <a:rPr lang="en-GB" smtClean="0"/>
-              <a:t>25/09/2018</a:t>
+              <a:t>01/10/2018</a:t>
             </a:fld>
             <a:endParaRPr lang="en-GB"/>
           </a:p>
@@ -3427,7 +3428,7 @@
           <a:p>
             <a:fld id="{55A080D0-3795-4F02-BAAA-BB4B6EB6B790}" type="datetimeFigureOut">
               <a:rPr lang="en-GB" smtClean="0"/>
-              <a:t>25/09/2018</a:t>
+              <a:t>01/10/2018</a:t>
             </a:fld>
             <a:endParaRPr lang="en-GB"/>
           </a:p>
@@ -3703,7 +3704,7 @@
           <a:p>
             <a:fld id="{55A080D0-3795-4F02-BAAA-BB4B6EB6B790}" type="datetimeFigureOut">
               <a:rPr lang="en-GB" smtClean="0"/>
-              <a:t>25/09/2018</a:t>
+              <a:t>01/10/2018</a:t>
             </a:fld>
             <a:endParaRPr lang="en-GB"/>
           </a:p>
@@ -3971,7 +3972,7 @@
           <a:p>
             <a:fld id="{55A080D0-3795-4F02-BAAA-BB4B6EB6B790}" type="datetimeFigureOut">
               <a:rPr lang="en-GB" smtClean="0"/>
-              <a:t>25/09/2018</a:t>
+              <a:t>01/10/2018</a:t>
             </a:fld>
             <a:endParaRPr lang="en-GB"/>
           </a:p>
@@ -4386,7 +4387,7 @@
           <a:p>
             <a:fld id="{55A080D0-3795-4F02-BAAA-BB4B6EB6B790}" type="datetimeFigureOut">
               <a:rPr lang="en-GB" smtClean="0"/>
-              <a:t>25/09/2018</a:t>
+              <a:t>01/10/2018</a:t>
             </a:fld>
             <a:endParaRPr lang="en-GB"/>
           </a:p>
@@ -4528,7 +4529,7 @@
           <a:p>
             <a:fld id="{55A080D0-3795-4F02-BAAA-BB4B6EB6B790}" type="datetimeFigureOut">
               <a:rPr lang="en-GB" smtClean="0"/>
-              <a:t>25/09/2018</a:t>
+              <a:t>01/10/2018</a:t>
             </a:fld>
             <a:endParaRPr lang="en-GB"/>
           </a:p>
@@ -4641,7 +4642,7 @@
           <a:p>
             <a:fld id="{55A080D0-3795-4F02-BAAA-BB4B6EB6B790}" type="datetimeFigureOut">
               <a:rPr lang="en-GB" smtClean="0"/>
-              <a:t>25/09/2018</a:t>
+              <a:t>01/10/2018</a:t>
             </a:fld>
             <a:endParaRPr lang="en-GB"/>
           </a:p>
@@ -4954,7 +4955,7 @@
           <a:p>
             <a:fld id="{55A080D0-3795-4F02-BAAA-BB4B6EB6B790}" type="datetimeFigureOut">
               <a:rPr lang="en-GB" smtClean="0"/>
-              <a:t>25/09/2018</a:t>
+              <a:t>01/10/2018</a:t>
             </a:fld>
             <a:endParaRPr lang="en-GB"/>
           </a:p>
@@ -5243,7 +5244,7 @@
           <a:p>
             <a:fld id="{55A080D0-3795-4F02-BAAA-BB4B6EB6B790}" type="datetimeFigureOut">
               <a:rPr lang="en-GB" smtClean="0"/>
-              <a:t>25/09/2018</a:t>
+              <a:t>01/10/2018</a:t>
             </a:fld>
             <a:endParaRPr lang="en-GB"/>
           </a:p>
@@ -5486,7 +5487,7 @@
           <a:p>
             <a:fld id="{55A080D0-3795-4F02-BAAA-BB4B6EB6B790}" type="datetimeFigureOut">
               <a:rPr lang="en-GB" smtClean="0"/>
-              <a:t>25/09/2018</a:t>
+              <a:t>01/10/2018</a:t>
             </a:fld>
             <a:endParaRPr lang="en-GB"/>
           </a:p>
@@ -6060,6 +6061,66 @@
       </p:grpSpPr>
       <p:pic>
         <p:nvPicPr>
+          <p:cNvPr id="5" name="Picture 4">
+            <a:extLst>
+              <a:ext uri="{FF2B5EF4-FFF2-40B4-BE49-F238E27FC236}">
+                <a16:creationId xmlns:a16="http://schemas.microsoft.com/office/drawing/2014/main" id="{F3A21E61-1A07-4147-B69A-CF708D06D9ED}"/>
+              </a:ext>
+            </a:extLst>
+          </p:cNvPr>
+          <p:cNvPicPr>
+            <a:picLocks noChangeAspect="1"/>
+          </p:cNvPicPr>
+          <p:nvPr/>
+        </p:nvPicPr>
+        <p:blipFill>
+          <a:blip r:embed="rId3"/>
+          <a:stretch>
+            <a:fillRect/>
+          </a:stretch>
+        </p:blipFill>
+        <p:spPr>
+          <a:xfrm>
+            <a:off x="2266247" y="1575762"/>
+            <a:ext cx="7329786" cy="3550874"/>
+          </a:xfrm>
+          <a:prstGeom prst="rect">
+            <a:avLst/>
+          </a:prstGeom>
+        </p:spPr>
+      </p:pic>
+    </p:spTree>
+    <p:extLst>
+      <p:ext uri="{BB962C8B-B14F-4D97-AF65-F5344CB8AC3E}">
+        <p14:creationId xmlns:p14="http://schemas.microsoft.com/office/powerpoint/2010/main" val="3885979692"/>
+      </p:ext>
+    </p:extLst>
+  </p:cSld>
+  <p:clrMapOvr>
+    <a:masterClrMapping/>
+  </p:clrMapOvr>
+</p:sld>
+</file>
+
+<file path=ppt/slides/slide11.xml><?xml version="1.0" encoding="utf-8"?>
+<p:sld xmlns:a="http://schemas.openxmlformats.org/drawingml/2006/main" xmlns:r="http://schemas.openxmlformats.org/officeDocument/2006/relationships" xmlns:p="http://schemas.openxmlformats.org/presentationml/2006/main">
+  <p:cSld>
+    <p:spTree>
+      <p:nvGrpSpPr>
+        <p:cNvPr id="1" name=""/>
+        <p:cNvGrpSpPr/>
+        <p:nvPr/>
+      </p:nvGrpSpPr>
+      <p:grpSpPr>
+        <a:xfrm>
+          <a:off x="0" y="0"/>
+          <a:ext cx="0" cy="0"/>
+          <a:chOff x="0" y="0"/>
+          <a:chExt cx="0" cy="0"/>
+        </a:xfrm>
+      </p:grpSpPr>
+      <p:pic>
+        <p:nvPicPr>
           <p:cNvPr id="4" name="Picture 3">
             <a:extLst>
               <a:ext uri="{FF2B5EF4-FFF2-40B4-BE49-F238E27FC236}">
@@ -6101,7 +6162,7 @@
 </p:sld>
 </file>
 
-<file path=ppt/slides/slide11.xml><?xml version="1.0" encoding="utf-8"?>
+<file path=ppt/slides/slide12.xml><?xml version="1.0" encoding="utf-8"?>
 <p:sld xmlns:a="http://schemas.openxmlformats.org/drawingml/2006/main" xmlns:r="http://schemas.openxmlformats.org/officeDocument/2006/relationships" xmlns:p="http://schemas.openxmlformats.org/presentationml/2006/main">
   <p:cSld>
     <p:spTree>
@@ -6269,7 +6330,7 @@
 </p:sld>
 </file>
 
-<file path=ppt/slides/slide12.xml><?xml version="1.0" encoding="utf-8"?>
+<file path=ppt/slides/slide13.xml><?xml version="1.0" encoding="utf-8"?>
 <p:sld xmlns:a="http://schemas.openxmlformats.org/drawingml/2006/main" xmlns:r="http://schemas.openxmlformats.org/officeDocument/2006/relationships" xmlns:p="http://schemas.openxmlformats.org/presentationml/2006/main">
   <p:cSld>
     <p:spTree>
@@ -6377,7 +6438,7 @@
 </p:sld>
 </file>
 
-<file path=ppt/slides/slide13.xml><?xml version="1.0" encoding="utf-8"?>
+<file path=ppt/slides/slide14.xml><?xml version="1.0" encoding="utf-8"?>
 <p:sld xmlns:a="http://schemas.openxmlformats.org/drawingml/2006/main" xmlns:r="http://schemas.openxmlformats.org/officeDocument/2006/relationships" xmlns:p="http://schemas.openxmlformats.org/presentationml/2006/main">
   <p:cSld>
     <p:spTree>
@@ -6610,7 +6671,7 @@
 </p:sld>
 </file>
 
-<file path=ppt/slides/slide14.xml><?xml version="1.0" encoding="utf-8"?>
+<file path=ppt/slides/slide15.xml><?xml version="1.0" encoding="utf-8"?>
 <p:sld xmlns:a="http://schemas.openxmlformats.org/drawingml/2006/main" xmlns:r="http://schemas.openxmlformats.org/officeDocument/2006/relationships" xmlns:p="http://schemas.openxmlformats.org/presentationml/2006/main">
   <p:cSld>
     <p:spTree>
@@ -6837,7 +6898,7 @@
 </p:sld>
 </file>
 
-<file path=ppt/slides/slide15.xml><?xml version="1.0" encoding="utf-8"?>
+<file path=ppt/slides/slide16.xml><?xml version="1.0" encoding="utf-8"?>
 <p:sld xmlns:a="http://schemas.openxmlformats.org/drawingml/2006/main" xmlns:r="http://schemas.openxmlformats.org/officeDocument/2006/relationships" xmlns:p="http://schemas.openxmlformats.org/presentationml/2006/main">
   <p:cSld>
     <p:spTree>
@@ -7036,7 +7097,7 @@
 </p:sld>
 </file>
 
-<file path=ppt/slides/slide16.xml><?xml version="1.0" encoding="utf-8"?>
+<file path=ppt/slides/slide17.xml><?xml version="1.0" encoding="utf-8"?>
 <p:sld xmlns:a="http://schemas.openxmlformats.org/drawingml/2006/main" xmlns:r="http://schemas.openxmlformats.org/officeDocument/2006/relationships" xmlns:p="http://schemas.openxmlformats.org/presentationml/2006/main">
   <p:cSld>
     <p:spTree>
@@ -7140,7 +7201,7 @@
 </p:sld>
 </file>
 
-<file path=ppt/slides/slide17.xml><?xml version="1.0" encoding="utf-8"?>
+<file path=ppt/slides/slide18.xml><?xml version="1.0" encoding="utf-8"?>
 <p:sld xmlns:a="http://schemas.openxmlformats.org/drawingml/2006/main" xmlns:r="http://schemas.openxmlformats.org/officeDocument/2006/relationships" xmlns:p="http://schemas.openxmlformats.org/presentationml/2006/main">
   <p:cSld>
     <p:spTree>
@@ -7246,7 +7307,175 @@
 </p:sld>
 </file>
 
-<file path=ppt/slides/slide18.xml><?xml version="1.0" encoding="utf-8"?>
+<file path=ppt/slides/slide19.xml><?xml version="1.0" encoding="utf-8"?>
+<p:sld xmlns:a="http://schemas.openxmlformats.org/drawingml/2006/main" xmlns:r="http://schemas.openxmlformats.org/officeDocument/2006/relationships" xmlns:p="http://schemas.openxmlformats.org/presentationml/2006/main">
+  <p:cSld>
+    <p:spTree>
+      <p:nvGrpSpPr>
+        <p:cNvPr id="1" name=""/>
+        <p:cNvGrpSpPr/>
+        <p:nvPr/>
+      </p:nvGrpSpPr>
+      <p:grpSpPr>
+        <a:xfrm>
+          <a:off x="0" y="0"/>
+          <a:ext cx="0" cy="0"/>
+          <a:chOff x="0" y="0"/>
+          <a:chExt cx="0" cy="0"/>
+        </a:xfrm>
+      </p:grpSpPr>
+      <p:sp>
+        <p:nvSpPr>
+          <p:cNvPr id="2" name="Title 1">
+            <a:extLst>
+              <a:ext uri="{FF2B5EF4-FFF2-40B4-BE49-F238E27FC236}">
+                <a16:creationId xmlns:a16="http://schemas.microsoft.com/office/drawing/2014/main" id="{429A872C-9DE1-4E91-A83E-97FC5FE96EBB}"/>
+              </a:ext>
+            </a:extLst>
+          </p:cNvPr>
+          <p:cNvSpPr>
+            <a:spLocks noGrp="1"/>
+          </p:cNvSpPr>
+          <p:nvPr>
+            <p:ph type="title"/>
+          </p:nvPr>
+        </p:nvSpPr>
+        <p:spPr>
+          <a:xfrm>
+            <a:off x="0" y="0"/>
+            <a:ext cx="12192000" cy="586853"/>
+          </a:xfrm>
+          <a:solidFill>
+            <a:schemeClr val="accent4">
+              <a:lumMod val="20000"/>
+              <a:lumOff val="80000"/>
+            </a:schemeClr>
+          </a:solidFill>
+        </p:spPr>
+        <p:txBody>
+          <a:bodyPr>
+            <a:normAutofit fontScale="90000"/>
+          </a:bodyPr>
+          <a:lstStyle/>
+          <a:p>
+            <a:pPr algn="ctr"/>
+            <a:r>
+              <a:rPr lang="en-GB" dirty="0"/>
+              <a:t>Beats</a:t>
+            </a:r>
+          </a:p>
+        </p:txBody>
+      </p:sp>
+      <p:pic>
+        <p:nvPicPr>
+          <p:cNvPr id="5" name="Picture 4">
+            <a:extLst>
+              <a:ext uri="{FF2B5EF4-FFF2-40B4-BE49-F238E27FC236}">
+                <a16:creationId xmlns:a16="http://schemas.microsoft.com/office/drawing/2014/main" id="{8351B415-F703-4948-A495-9F0105C90601}"/>
+              </a:ext>
+            </a:extLst>
+          </p:cNvPr>
+          <p:cNvPicPr>
+            <a:picLocks noChangeAspect="1"/>
+          </p:cNvPicPr>
+          <p:nvPr/>
+        </p:nvPicPr>
+        <p:blipFill>
+          <a:blip r:embed="rId3">
+            <a:extLst>
+              <a:ext uri="{28A0092B-C50C-407E-A947-70E740481C1C}">
+                <a14:useLocalDpi xmlns:a14="http://schemas.microsoft.com/office/drawing/2010/main" val="0"/>
+              </a:ext>
+            </a:extLst>
+          </a:blip>
+          <a:stretch>
+            <a:fillRect/>
+          </a:stretch>
+        </p:blipFill>
+        <p:spPr>
+          <a:xfrm>
+            <a:off x="1785872" y="943648"/>
+            <a:ext cx="8795620" cy="5826670"/>
+          </a:xfrm>
+          <a:prstGeom prst="rect">
+            <a:avLst/>
+          </a:prstGeom>
+        </p:spPr>
+      </p:pic>
+    </p:spTree>
+    <p:extLst>
+      <p:ext uri="{BB962C8B-B14F-4D97-AF65-F5344CB8AC3E}">
+        <p14:creationId xmlns:p14="http://schemas.microsoft.com/office/powerpoint/2010/main" val="2120876939"/>
+      </p:ext>
+    </p:extLst>
+  </p:cSld>
+  <p:clrMapOvr>
+    <a:masterClrMapping/>
+  </p:clrMapOvr>
+</p:sld>
+</file>
+
+<file path=ppt/slides/slide2.xml><?xml version="1.0" encoding="utf-8"?>
+<p:sld xmlns:a="http://schemas.openxmlformats.org/drawingml/2006/main" xmlns:r="http://schemas.openxmlformats.org/officeDocument/2006/relationships" xmlns:p="http://schemas.openxmlformats.org/presentationml/2006/main">
+  <p:cSld>
+    <p:spTree>
+      <p:nvGrpSpPr>
+        <p:cNvPr id="1" name=""/>
+        <p:cNvGrpSpPr/>
+        <p:nvPr/>
+      </p:nvGrpSpPr>
+      <p:grpSpPr>
+        <a:xfrm>
+          <a:off x="0" y="0"/>
+          <a:ext cx="0" cy="0"/>
+          <a:chOff x="0" y="0"/>
+          <a:chExt cx="0" cy="0"/>
+        </a:xfrm>
+      </p:grpSpPr>
+      <p:pic>
+        <p:nvPicPr>
+          <p:cNvPr id="4" name="Picture 3">
+            <a:extLst>
+              <a:ext uri="{FF2B5EF4-FFF2-40B4-BE49-F238E27FC236}">
+                <a16:creationId xmlns:a16="http://schemas.microsoft.com/office/drawing/2014/main" id="{F2F11683-6DCA-4AE3-9D8F-7293F13027D9}"/>
+              </a:ext>
+            </a:extLst>
+          </p:cNvPr>
+          <p:cNvPicPr>
+            <a:picLocks noChangeAspect="1"/>
+          </p:cNvPicPr>
+          <p:nvPr/>
+        </p:nvPicPr>
+        <p:blipFill>
+          <a:blip r:embed="rId2"/>
+          <a:stretch>
+            <a:fillRect/>
+          </a:stretch>
+        </p:blipFill>
+        <p:spPr>
+          <a:xfrm>
+            <a:off x="4320830" y="2321934"/>
+            <a:ext cx="3776248" cy="2214131"/>
+          </a:xfrm>
+          <a:prstGeom prst="rect">
+            <a:avLst/>
+          </a:prstGeom>
+        </p:spPr>
+      </p:pic>
+    </p:spTree>
+    <p:extLst>
+      <p:ext uri="{BB962C8B-B14F-4D97-AF65-F5344CB8AC3E}">
+        <p14:creationId xmlns:p14="http://schemas.microsoft.com/office/powerpoint/2010/main" val="431699746"/>
+      </p:ext>
+    </p:extLst>
+  </p:cSld>
+  <p:clrMapOvr>
+    <a:masterClrMapping/>
+  </p:clrMapOvr>
+</p:sld>
+</file>
+
+<file path=ppt/slides/slide20.xml><?xml version="1.0" encoding="utf-8"?>
 <p:sld xmlns:a="http://schemas.openxmlformats.org/drawingml/2006/main" xmlns:r="http://schemas.openxmlformats.org/officeDocument/2006/relationships" xmlns:p="http://schemas.openxmlformats.org/presentationml/2006/main">
   <p:cSld>
     <p:spTree>
@@ -7351,7 +7580,7 @@
 </p:sld>
 </file>
 
-<file path=ppt/slides/slide19.xml><?xml version="1.0" encoding="utf-8"?>
+<file path=ppt/slides/slide21.xml><?xml version="1.0" encoding="utf-8"?>
 <p:sld xmlns:a="http://schemas.openxmlformats.org/drawingml/2006/main" xmlns:r="http://schemas.openxmlformats.org/officeDocument/2006/relationships" xmlns:p="http://schemas.openxmlformats.org/presentationml/2006/main">
   <p:cSld>
     <p:spTree>
@@ -7460,112 +7689,7 @@
 </p:sld>
 </file>
 
-<file path=ppt/slides/slide2.xml><?xml version="1.0" encoding="utf-8"?>
-<p:sld xmlns:a="http://schemas.openxmlformats.org/drawingml/2006/main" xmlns:r="http://schemas.openxmlformats.org/officeDocument/2006/relationships" xmlns:p="http://schemas.openxmlformats.org/presentationml/2006/main">
-  <p:cSld>
-    <p:spTree>
-      <p:nvGrpSpPr>
-        <p:cNvPr id="1" name=""/>
-        <p:cNvGrpSpPr/>
-        <p:nvPr/>
-      </p:nvGrpSpPr>
-      <p:grpSpPr>
-        <a:xfrm>
-          <a:off x="0" y="0"/>
-          <a:ext cx="0" cy="0"/>
-          <a:chOff x="0" y="0"/>
-          <a:chExt cx="0" cy="0"/>
-        </a:xfrm>
-      </p:grpSpPr>
-      <p:sp>
-        <p:nvSpPr>
-          <p:cNvPr id="2" name="Title 1">
-            <a:extLst>
-              <a:ext uri="{FF2B5EF4-FFF2-40B4-BE49-F238E27FC236}">
-                <a16:creationId xmlns:a16="http://schemas.microsoft.com/office/drawing/2014/main" id="{38AC9323-FF3C-42D7-A1B3-6D99FE5CF288}"/>
-              </a:ext>
-            </a:extLst>
-          </p:cNvPr>
-          <p:cNvSpPr>
-            <a:spLocks noGrp="1"/>
-          </p:cNvSpPr>
-          <p:nvPr>
-            <p:ph type="title"/>
-          </p:nvPr>
-        </p:nvSpPr>
-        <p:spPr>
-          <a:xfrm>
-            <a:off x="0" y="0"/>
-            <a:ext cx="12192000" cy="829691"/>
-          </a:xfrm>
-          <a:solidFill>
-            <a:schemeClr val="accent4">
-              <a:lumMod val="40000"/>
-              <a:lumOff val="60000"/>
-            </a:schemeClr>
-          </a:solidFill>
-        </p:spPr>
-        <p:txBody>
-          <a:bodyPr/>
-          <a:lstStyle/>
-          <a:p>
-            <a:pPr algn="ctr"/>
-            <a:r>
-              <a:rPr lang="en-GB" dirty="0"/>
-              <a:t>Tonight</a:t>
-            </a:r>
-          </a:p>
-        </p:txBody>
-      </p:sp>
-      <p:pic>
-        <p:nvPicPr>
-          <p:cNvPr id="5" name="Content Placeholder 4">
-            <a:extLst>
-              <a:ext uri="{FF2B5EF4-FFF2-40B4-BE49-F238E27FC236}">
-                <a16:creationId xmlns:a16="http://schemas.microsoft.com/office/drawing/2014/main" id="{A53DA45A-9FB5-4BEA-B30F-D8386A8F2335}"/>
-              </a:ext>
-            </a:extLst>
-          </p:cNvPr>
-          <p:cNvPicPr>
-            <a:picLocks noGrp="1" noChangeAspect="1"/>
-          </p:cNvPicPr>
-          <p:nvPr>
-            <p:ph idx="1"/>
-          </p:nvPr>
-        </p:nvPicPr>
-        <p:blipFill>
-          <a:blip r:embed="rId3">
-            <a:extLst>
-              <a:ext uri="{28A0092B-C50C-407E-A947-70E740481C1C}">
-                <a14:useLocalDpi xmlns:a14="http://schemas.microsoft.com/office/drawing/2010/main" val="0"/>
-              </a:ext>
-            </a:extLst>
-          </a:blip>
-          <a:stretch>
-            <a:fillRect/>
-          </a:stretch>
-        </p:blipFill>
-        <p:spPr>
-          <a:xfrm>
-            <a:off x="3185156" y="1011935"/>
-            <a:ext cx="5215132" cy="6319765"/>
-          </a:xfrm>
-        </p:spPr>
-      </p:pic>
-    </p:spTree>
-    <p:extLst>
-      <p:ext uri="{BB962C8B-B14F-4D97-AF65-F5344CB8AC3E}">
-        <p14:creationId xmlns:p14="http://schemas.microsoft.com/office/powerpoint/2010/main" val="238602597"/>
-      </p:ext>
-    </p:extLst>
-  </p:cSld>
-  <p:clrMapOvr>
-    <a:masterClrMapping/>
-  </p:clrMapOvr>
-</p:sld>
-</file>
-
-<file path=ppt/slides/slide20.xml><?xml version="1.0" encoding="utf-8"?>
+<file path=ppt/slides/slide22.xml><?xml version="1.0" encoding="utf-8"?>
 <p:sld xmlns:a="http://schemas.openxmlformats.org/drawingml/2006/main" xmlns:r="http://schemas.openxmlformats.org/officeDocument/2006/relationships" xmlns:p="http://schemas.openxmlformats.org/presentationml/2006/main">
   <p:cSld>
     <p:spTree>
@@ -7663,115 +7787,7 @@
 </p:sld>
 </file>
 
-<file path=ppt/slides/slide21.xml><?xml version="1.0" encoding="utf-8"?>
-<p:sld xmlns:a="http://schemas.openxmlformats.org/drawingml/2006/main" xmlns:r="http://schemas.openxmlformats.org/officeDocument/2006/relationships" xmlns:p="http://schemas.openxmlformats.org/presentationml/2006/main">
-  <p:cSld>
-    <p:spTree>
-      <p:nvGrpSpPr>
-        <p:cNvPr id="1" name=""/>
-        <p:cNvGrpSpPr/>
-        <p:nvPr/>
-      </p:nvGrpSpPr>
-      <p:grpSpPr>
-        <a:xfrm>
-          <a:off x="0" y="0"/>
-          <a:ext cx="0" cy="0"/>
-          <a:chOff x="0" y="0"/>
-          <a:chExt cx="0" cy="0"/>
-        </a:xfrm>
-      </p:grpSpPr>
-      <p:sp>
-        <p:nvSpPr>
-          <p:cNvPr id="2" name="Title 1">
-            <a:extLst>
-              <a:ext uri="{FF2B5EF4-FFF2-40B4-BE49-F238E27FC236}">
-                <a16:creationId xmlns:a16="http://schemas.microsoft.com/office/drawing/2014/main" id="{429A872C-9DE1-4E91-A83E-97FC5FE96EBB}"/>
-              </a:ext>
-            </a:extLst>
-          </p:cNvPr>
-          <p:cNvSpPr>
-            <a:spLocks noGrp="1"/>
-          </p:cNvSpPr>
-          <p:nvPr>
-            <p:ph type="title"/>
-          </p:nvPr>
-        </p:nvSpPr>
-        <p:spPr>
-          <a:xfrm>
-            <a:off x="0" y="0"/>
-            <a:ext cx="12192000" cy="586853"/>
-          </a:xfrm>
-          <a:solidFill>
-            <a:schemeClr val="accent4">
-              <a:lumMod val="20000"/>
-              <a:lumOff val="80000"/>
-            </a:schemeClr>
-          </a:solidFill>
-        </p:spPr>
-        <p:txBody>
-          <a:bodyPr>
-            <a:normAutofit fontScale="90000"/>
-          </a:bodyPr>
-          <a:lstStyle/>
-          <a:p>
-            <a:pPr algn="ctr"/>
-            <a:r>
-              <a:rPr lang="en-GB" dirty="0"/>
-              <a:t>Beats</a:t>
-            </a:r>
-          </a:p>
-        </p:txBody>
-      </p:sp>
-      <p:pic>
-        <p:nvPicPr>
-          <p:cNvPr id="5" name="Picture 4">
-            <a:extLst>
-              <a:ext uri="{FF2B5EF4-FFF2-40B4-BE49-F238E27FC236}">
-                <a16:creationId xmlns:a16="http://schemas.microsoft.com/office/drawing/2014/main" id="{8351B415-F703-4948-A495-9F0105C90601}"/>
-              </a:ext>
-            </a:extLst>
-          </p:cNvPr>
-          <p:cNvPicPr>
-            <a:picLocks noChangeAspect="1"/>
-          </p:cNvPicPr>
-          <p:nvPr/>
-        </p:nvPicPr>
-        <p:blipFill>
-          <a:blip r:embed="rId3">
-            <a:extLst>
-              <a:ext uri="{28A0092B-C50C-407E-A947-70E740481C1C}">
-                <a14:useLocalDpi xmlns:a14="http://schemas.microsoft.com/office/drawing/2010/main" val="0"/>
-              </a:ext>
-            </a:extLst>
-          </a:blip>
-          <a:stretch>
-            <a:fillRect/>
-          </a:stretch>
-        </p:blipFill>
-        <p:spPr>
-          <a:xfrm>
-            <a:off x="1785872" y="943648"/>
-            <a:ext cx="8795620" cy="5826670"/>
-          </a:xfrm>
-          <a:prstGeom prst="rect">
-            <a:avLst/>
-          </a:prstGeom>
-        </p:spPr>
-      </p:pic>
-    </p:spTree>
-    <p:extLst>
-      <p:ext uri="{BB962C8B-B14F-4D97-AF65-F5344CB8AC3E}">
-        <p14:creationId xmlns:p14="http://schemas.microsoft.com/office/powerpoint/2010/main" val="2120876939"/>
-      </p:ext>
-    </p:extLst>
-  </p:cSld>
-  <p:clrMapOvr>
-    <a:masterClrMapping/>
-  </p:clrMapOvr>
-</p:sld>
-</file>
-
-<file path=ppt/slides/slide22.xml><?xml version="1.0" encoding="utf-8"?>
+<file path=ppt/slides/slide23.xml><?xml version="1.0" encoding="utf-8"?>
 <p:sld xmlns:a="http://schemas.openxmlformats.org/drawingml/2006/main" xmlns:r="http://schemas.openxmlformats.org/officeDocument/2006/relationships" xmlns:p="http://schemas.openxmlformats.org/presentationml/2006/main">
   <p:cSld>
     <p:spTree>
@@ -7877,7 +7893,7 @@
 </p:sld>
 </file>
 
-<file path=ppt/slides/slide23.xml><?xml version="1.0" encoding="utf-8"?>
+<file path=ppt/slides/slide24.xml><?xml version="1.0" encoding="utf-8"?>
 <p:sld xmlns:a="http://schemas.openxmlformats.org/drawingml/2006/main" xmlns:r="http://schemas.openxmlformats.org/officeDocument/2006/relationships" xmlns:p="http://schemas.openxmlformats.org/presentationml/2006/main">
   <p:cSld>
     <p:spTree>
@@ -7985,7 +8001,7 @@
 </p:sld>
 </file>
 
-<file path=ppt/slides/slide24.xml><?xml version="1.0" encoding="utf-8"?>
+<file path=ppt/slides/slide25.xml><?xml version="1.0" encoding="utf-8"?>
 <p:sld xmlns:a="http://schemas.openxmlformats.org/drawingml/2006/main" xmlns:r="http://schemas.openxmlformats.org/officeDocument/2006/relationships" xmlns:p="http://schemas.openxmlformats.org/presentationml/2006/main">
   <p:cSld>
     <p:spTree>
@@ -8136,6 +8152,111 @@
 </file>
 
 <file path=ppt/slides/slide3.xml><?xml version="1.0" encoding="utf-8"?>
+<p:sld xmlns:a="http://schemas.openxmlformats.org/drawingml/2006/main" xmlns:r="http://schemas.openxmlformats.org/officeDocument/2006/relationships" xmlns:p="http://schemas.openxmlformats.org/presentationml/2006/main">
+  <p:cSld>
+    <p:spTree>
+      <p:nvGrpSpPr>
+        <p:cNvPr id="1" name=""/>
+        <p:cNvGrpSpPr/>
+        <p:nvPr/>
+      </p:nvGrpSpPr>
+      <p:grpSpPr>
+        <a:xfrm>
+          <a:off x="0" y="0"/>
+          <a:ext cx="0" cy="0"/>
+          <a:chOff x="0" y="0"/>
+          <a:chExt cx="0" cy="0"/>
+        </a:xfrm>
+      </p:grpSpPr>
+      <p:sp>
+        <p:nvSpPr>
+          <p:cNvPr id="2" name="Title 1">
+            <a:extLst>
+              <a:ext uri="{FF2B5EF4-FFF2-40B4-BE49-F238E27FC236}">
+                <a16:creationId xmlns:a16="http://schemas.microsoft.com/office/drawing/2014/main" id="{38AC9323-FF3C-42D7-A1B3-6D99FE5CF288}"/>
+              </a:ext>
+            </a:extLst>
+          </p:cNvPr>
+          <p:cNvSpPr>
+            <a:spLocks noGrp="1"/>
+          </p:cNvSpPr>
+          <p:nvPr>
+            <p:ph type="title"/>
+          </p:nvPr>
+        </p:nvSpPr>
+        <p:spPr>
+          <a:xfrm>
+            <a:off x="0" y="0"/>
+            <a:ext cx="12192000" cy="829691"/>
+          </a:xfrm>
+          <a:solidFill>
+            <a:schemeClr val="accent4">
+              <a:lumMod val="40000"/>
+              <a:lumOff val="60000"/>
+            </a:schemeClr>
+          </a:solidFill>
+        </p:spPr>
+        <p:txBody>
+          <a:bodyPr/>
+          <a:lstStyle/>
+          <a:p>
+            <a:pPr algn="ctr"/>
+            <a:r>
+              <a:rPr lang="en-GB" dirty="0"/>
+              <a:t>Tonight</a:t>
+            </a:r>
+          </a:p>
+        </p:txBody>
+      </p:sp>
+      <p:pic>
+        <p:nvPicPr>
+          <p:cNvPr id="5" name="Content Placeholder 4">
+            <a:extLst>
+              <a:ext uri="{FF2B5EF4-FFF2-40B4-BE49-F238E27FC236}">
+                <a16:creationId xmlns:a16="http://schemas.microsoft.com/office/drawing/2014/main" id="{A53DA45A-9FB5-4BEA-B30F-D8386A8F2335}"/>
+              </a:ext>
+            </a:extLst>
+          </p:cNvPr>
+          <p:cNvPicPr>
+            <a:picLocks noGrp="1" noChangeAspect="1"/>
+          </p:cNvPicPr>
+          <p:nvPr>
+            <p:ph idx="1"/>
+          </p:nvPr>
+        </p:nvPicPr>
+        <p:blipFill>
+          <a:blip r:embed="rId3">
+            <a:extLst>
+              <a:ext uri="{28A0092B-C50C-407E-A947-70E740481C1C}">
+                <a14:useLocalDpi xmlns:a14="http://schemas.microsoft.com/office/drawing/2010/main" val="0"/>
+              </a:ext>
+            </a:extLst>
+          </a:blip>
+          <a:stretch>
+            <a:fillRect/>
+          </a:stretch>
+        </p:blipFill>
+        <p:spPr>
+          <a:xfrm>
+            <a:off x="3185156" y="1011935"/>
+            <a:ext cx="5215132" cy="6319765"/>
+          </a:xfrm>
+        </p:spPr>
+      </p:pic>
+    </p:spTree>
+    <p:extLst>
+      <p:ext uri="{BB962C8B-B14F-4D97-AF65-F5344CB8AC3E}">
+        <p14:creationId xmlns:p14="http://schemas.microsoft.com/office/powerpoint/2010/main" val="238602597"/>
+      </p:ext>
+    </p:extLst>
+  </p:cSld>
+  <p:clrMapOvr>
+    <a:masterClrMapping/>
+  </p:clrMapOvr>
+</p:sld>
+</file>
+
+<file path=ppt/slides/slide4.xml><?xml version="1.0" encoding="utf-8"?>
 <p:sld xmlns:a="http://schemas.openxmlformats.org/drawingml/2006/main" xmlns:r="http://schemas.openxmlformats.org/officeDocument/2006/relationships" xmlns:p="http://schemas.openxmlformats.org/presentationml/2006/main">
   <p:cSld>
     <p:spTree>
@@ -8478,7 +8599,7 @@
 </p:sld>
 </file>
 
-<file path=ppt/slides/slide4.xml><?xml version="1.0" encoding="utf-8"?>
+<file path=ppt/slides/slide5.xml><?xml version="1.0" encoding="utf-8"?>
 <p:sld xmlns:a="http://schemas.openxmlformats.org/drawingml/2006/main" xmlns:r="http://schemas.openxmlformats.org/officeDocument/2006/relationships" xmlns:p="http://schemas.openxmlformats.org/presentationml/2006/main">
   <p:cSld>
     <p:spTree>
@@ -8582,7 +8703,7 @@
 </p:sld>
 </file>
 
-<file path=ppt/slides/slide5.xml><?xml version="1.0" encoding="utf-8"?>
+<file path=ppt/slides/slide6.xml><?xml version="1.0" encoding="utf-8"?>
 <p:sld xmlns:a="http://schemas.openxmlformats.org/drawingml/2006/main" xmlns:r="http://schemas.openxmlformats.org/officeDocument/2006/relationships" xmlns:p="http://schemas.openxmlformats.org/presentationml/2006/main">
   <p:cSld>
     <p:spTree>
@@ -8730,7 +8851,7 @@
 </p:sld>
 </file>
 
-<file path=ppt/slides/slide6.xml><?xml version="1.0" encoding="utf-8"?>
+<file path=ppt/slides/slide7.xml><?xml version="1.0" encoding="utf-8"?>
 <p:sld xmlns:a="http://schemas.openxmlformats.org/drawingml/2006/main" xmlns:r="http://schemas.openxmlformats.org/officeDocument/2006/relationships" xmlns:p="http://schemas.openxmlformats.org/presentationml/2006/main">
   <p:cSld>
     <p:spTree>
@@ -8833,7 +8954,7 @@
 </p:sld>
 </file>
 
-<file path=ppt/slides/slide7.xml><?xml version="1.0" encoding="utf-8"?>
+<file path=ppt/slides/slide8.xml><?xml version="1.0" encoding="utf-8"?>
 <p:sld xmlns:a="http://schemas.openxmlformats.org/drawingml/2006/main" xmlns:r="http://schemas.openxmlformats.org/officeDocument/2006/relationships" xmlns:p="http://schemas.openxmlformats.org/presentationml/2006/main">
   <p:cSld>
     <p:spTree>
@@ -9138,7 +9259,7 @@
 </p:sld>
 </file>
 
-<file path=ppt/slides/slide8.xml><?xml version="1.0" encoding="utf-8"?>
+<file path=ppt/slides/slide9.xml><?xml version="1.0" encoding="utf-8"?>
 <p:sld xmlns:a="http://schemas.openxmlformats.org/drawingml/2006/main" xmlns:r="http://schemas.openxmlformats.org/officeDocument/2006/relationships" xmlns:p="http://schemas.openxmlformats.org/presentationml/2006/main">
   <p:cSld>
     <p:spTree>
@@ -9189,66 +9310,6 @@
     <p:extLst>
       <p:ext uri="{BB962C8B-B14F-4D97-AF65-F5344CB8AC3E}">
         <p14:creationId xmlns:p14="http://schemas.microsoft.com/office/powerpoint/2010/main" val="972700033"/>
-      </p:ext>
-    </p:extLst>
-  </p:cSld>
-  <p:clrMapOvr>
-    <a:masterClrMapping/>
-  </p:clrMapOvr>
-</p:sld>
-</file>
-
-<file path=ppt/slides/slide9.xml><?xml version="1.0" encoding="utf-8"?>
-<p:sld xmlns:a="http://schemas.openxmlformats.org/drawingml/2006/main" xmlns:r="http://schemas.openxmlformats.org/officeDocument/2006/relationships" xmlns:p="http://schemas.openxmlformats.org/presentationml/2006/main">
-  <p:cSld>
-    <p:spTree>
-      <p:nvGrpSpPr>
-        <p:cNvPr id="1" name=""/>
-        <p:cNvGrpSpPr/>
-        <p:nvPr/>
-      </p:nvGrpSpPr>
-      <p:grpSpPr>
-        <a:xfrm>
-          <a:off x="0" y="0"/>
-          <a:ext cx="0" cy="0"/>
-          <a:chOff x="0" y="0"/>
-          <a:chExt cx="0" cy="0"/>
-        </a:xfrm>
-      </p:grpSpPr>
-      <p:pic>
-        <p:nvPicPr>
-          <p:cNvPr id="5" name="Picture 4">
-            <a:extLst>
-              <a:ext uri="{FF2B5EF4-FFF2-40B4-BE49-F238E27FC236}">
-                <a16:creationId xmlns:a16="http://schemas.microsoft.com/office/drawing/2014/main" id="{F3A21E61-1A07-4147-B69A-CF708D06D9ED}"/>
-              </a:ext>
-            </a:extLst>
-          </p:cNvPr>
-          <p:cNvPicPr>
-            <a:picLocks noChangeAspect="1"/>
-          </p:cNvPicPr>
-          <p:nvPr/>
-        </p:nvPicPr>
-        <p:blipFill>
-          <a:blip r:embed="rId3"/>
-          <a:stretch>
-            <a:fillRect/>
-          </a:stretch>
-        </p:blipFill>
-        <p:spPr>
-          <a:xfrm>
-            <a:off x="2266247" y="1575762"/>
-            <a:ext cx="7329786" cy="3550874"/>
-          </a:xfrm>
-          <a:prstGeom prst="rect">
-            <a:avLst/>
-          </a:prstGeom>
-        </p:spPr>
-      </p:pic>
-    </p:spTree>
-    <p:extLst>
-      <p:ext uri="{BB962C8B-B14F-4D97-AF65-F5344CB8AC3E}">
-        <p14:creationId xmlns:p14="http://schemas.microsoft.com/office/powerpoint/2010/main" val="3885979692"/>
       </p:ext>
     </p:extLst>
   </p:cSld>
